--- a/2. solutions/resource-finder/documentation/diagrams v.1.0.pptx
+++ b/2. solutions/resource-finder/documentation/diagrams v.1.0.pptx
@@ -4,10 +4,14 @@
   <p:sldMasterIdLst>
     <p:sldMasterId id="2147483648" r:id="rId1"/>
   </p:sldMasterIdLst>
+  <p:notesMasterIdLst>
+    <p:notesMasterId r:id="rId6"/>
+  </p:notesMasterIdLst>
   <p:sldIdLst>
     <p:sldId id="262" r:id="rId2"/>
     <p:sldId id="263" r:id="rId3"/>
     <p:sldId id="264" r:id="rId4"/>
+    <p:sldId id="266" r:id="rId5"/>
   </p:sldIdLst>
   <p:sldSz cx="12192000" cy="6858000"/>
   <p:notesSz cx="6858000" cy="9144000"/>
@@ -114,6 +118,439 @@
 </p:presentation>
 </file>
 
+<file path=ppt/notesMasters/notesMaster1.xml><?xml version="1.0" encoding="utf-8"?>
+<p:notesMaster xmlns:a="http://schemas.openxmlformats.org/drawingml/2006/main" xmlns:r="http://schemas.openxmlformats.org/officeDocument/2006/relationships" xmlns:p="http://schemas.openxmlformats.org/presentationml/2006/main">
+  <p:cSld>
+    <p:bg>
+      <p:bgRef idx="1001">
+        <a:schemeClr val="bg1"/>
+      </p:bgRef>
+    </p:bg>
+    <p:spTree>
+      <p:nvGrpSpPr>
+        <p:cNvPr id="1" name=""/>
+        <p:cNvGrpSpPr/>
+        <p:nvPr/>
+      </p:nvGrpSpPr>
+      <p:grpSpPr>
+        <a:xfrm>
+          <a:off x="0" y="0"/>
+          <a:ext cx="0" cy="0"/>
+          <a:chOff x="0" y="0"/>
+          <a:chExt cx="0" cy="0"/>
+        </a:xfrm>
+      </p:grpSpPr>
+      <p:sp>
+        <p:nvSpPr>
+          <p:cNvPr id="2" name="Header Placeholder 1"/>
+          <p:cNvSpPr>
+            <a:spLocks noGrp="1"/>
+          </p:cNvSpPr>
+          <p:nvPr>
+            <p:ph type="hdr" sz="quarter"/>
+          </p:nvPr>
+        </p:nvSpPr>
+        <p:spPr>
+          <a:xfrm>
+            <a:off x="0" y="0"/>
+            <a:ext cx="2971800" cy="458788"/>
+          </a:xfrm>
+          <a:prstGeom prst="rect">
+            <a:avLst/>
+          </a:prstGeom>
+        </p:spPr>
+        <p:txBody>
+          <a:bodyPr vert="horz" lIns="91440" tIns="45720" rIns="91440" bIns="45720" rtlCol="0"/>
+          <a:lstStyle>
+            <a:lvl1pPr algn="l">
+              <a:defRPr sz="1200"/>
+            </a:lvl1pPr>
+          </a:lstStyle>
+          <a:p>
+            <a:endParaRPr lang="en-US"/>
+          </a:p>
+        </p:txBody>
+      </p:sp>
+      <p:sp>
+        <p:nvSpPr>
+          <p:cNvPr id="3" name="Date Placeholder 2"/>
+          <p:cNvSpPr>
+            <a:spLocks noGrp="1"/>
+          </p:cNvSpPr>
+          <p:nvPr>
+            <p:ph type="dt" idx="1"/>
+          </p:nvPr>
+        </p:nvSpPr>
+        <p:spPr>
+          <a:xfrm>
+            <a:off x="3884613" y="0"/>
+            <a:ext cx="2971800" cy="458788"/>
+          </a:xfrm>
+          <a:prstGeom prst="rect">
+            <a:avLst/>
+          </a:prstGeom>
+        </p:spPr>
+        <p:txBody>
+          <a:bodyPr vert="horz" lIns="91440" tIns="45720" rIns="91440" bIns="45720" rtlCol="0"/>
+          <a:lstStyle>
+            <a:lvl1pPr algn="r">
+              <a:defRPr sz="1200"/>
+            </a:lvl1pPr>
+          </a:lstStyle>
+          <a:p>
+            <a:fld id="{FC4CCD2C-E9AF-5149-BB1C-A255FCEF5001}" type="datetimeFigureOut">
+              <a:rPr lang="en-US" smtClean="0"/>
+              <a:t>4/12/19</a:t>
+            </a:fld>
+            <a:endParaRPr lang="en-US"/>
+          </a:p>
+        </p:txBody>
+      </p:sp>
+      <p:sp>
+        <p:nvSpPr>
+          <p:cNvPr id="4" name="Slide Image Placeholder 3"/>
+          <p:cNvSpPr>
+            <a:spLocks noGrp="1" noRot="1" noChangeAspect="1"/>
+          </p:cNvSpPr>
+          <p:nvPr>
+            <p:ph type="sldImg" idx="2"/>
+          </p:nvPr>
+        </p:nvSpPr>
+        <p:spPr>
+          <a:xfrm>
+            <a:off x="685800" y="1143000"/>
+            <a:ext cx="5486400" cy="3086100"/>
+          </a:xfrm>
+          <a:prstGeom prst="rect">
+            <a:avLst/>
+          </a:prstGeom>
+          <a:noFill/>
+          <a:ln w="12700">
+            <a:solidFill>
+              <a:prstClr val="black"/>
+            </a:solidFill>
+          </a:ln>
+        </p:spPr>
+        <p:txBody>
+          <a:bodyPr vert="horz" lIns="91440" tIns="45720" rIns="91440" bIns="45720" rtlCol="0" anchor="ctr"/>
+          <a:lstStyle/>
+          <a:p>
+            <a:endParaRPr lang="en-US"/>
+          </a:p>
+        </p:txBody>
+      </p:sp>
+      <p:sp>
+        <p:nvSpPr>
+          <p:cNvPr id="5" name="Notes Placeholder 4"/>
+          <p:cNvSpPr>
+            <a:spLocks noGrp="1"/>
+          </p:cNvSpPr>
+          <p:nvPr>
+            <p:ph type="body" sz="quarter" idx="3"/>
+          </p:nvPr>
+        </p:nvSpPr>
+        <p:spPr>
+          <a:xfrm>
+            <a:off x="685800" y="4400550"/>
+            <a:ext cx="5486400" cy="3600450"/>
+          </a:xfrm>
+          <a:prstGeom prst="rect">
+            <a:avLst/>
+          </a:prstGeom>
+        </p:spPr>
+        <p:txBody>
+          <a:bodyPr vert="horz" lIns="91440" tIns="45720" rIns="91440" bIns="45720" rtlCol="0"/>
+          <a:lstStyle/>
+          <a:p>
+            <a:pPr lvl="0"/>
+            <a:r>
+              <a:rPr lang="en-US"/>
+              <a:t>Edit Master text styles</a:t>
+            </a:r>
+          </a:p>
+          <a:p>
+            <a:pPr lvl="1"/>
+            <a:r>
+              <a:rPr lang="en-US"/>
+              <a:t>Second level</a:t>
+            </a:r>
+          </a:p>
+          <a:p>
+            <a:pPr lvl="2"/>
+            <a:r>
+              <a:rPr lang="en-US"/>
+              <a:t>Third level</a:t>
+            </a:r>
+          </a:p>
+          <a:p>
+            <a:pPr lvl="3"/>
+            <a:r>
+              <a:rPr lang="en-US"/>
+              <a:t>Fourth level</a:t>
+            </a:r>
+          </a:p>
+          <a:p>
+            <a:pPr lvl="4"/>
+            <a:r>
+              <a:rPr lang="en-US"/>
+              <a:t>Fifth level</a:t>
+            </a:r>
+          </a:p>
+        </p:txBody>
+      </p:sp>
+      <p:sp>
+        <p:nvSpPr>
+          <p:cNvPr id="6" name="Footer Placeholder 5"/>
+          <p:cNvSpPr>
+            <a:spLocks noGrp="1"/>
+          </p:cNvSpPr>
+          <p:nvPr>
+            <p:ph type="ftr" sz="quarter" idx="4"/>
+          </p:nvPr>
+        </p:nvSpPr>
+        <p:spPr>
+          <a:xfrm>
+            <a:off x="0" y="8685213"/>
+            <a:ext cx="2971800" cy="458787"/>
+          </a:xfrm>
+          <a:prstGeom prst="rect">
+            <a:avLst/>
+          </a:prstGeom>
+        </p:spPr>
+        <p:txBody>
+          <a:bodyPr vert="horz" lIns="91440" tIns="45720" rIns="91440" bIns="45720" rtlCol="0" anchor="b"/>
+          <a:lstStyle>
+            <a:lvl1pPr algn="l">
+              <a:defRPr sz="1200"/>
+            </a:lvl1pPr>
+          </a:lstStyle>
+          <a:p>
+            <a:endParaRPr lang="en-US"/>
+          </a:p>
+        </p:txBody>
+      </p:sp>
+      <p:sp>
+        <p:nvSpPr>
+          <p:cNvPr id="7" name="Slide Number Placeholder 6"/>
+          <p:cNvSpPr>
+            <a:spLocks noGrp="1"/>
+          </p:cNvSpPr>
+          <p:nvPr>
+            <p:ph type="sldNum" sz="quarter" idx="5"/>
+          </p:nvPr>
+        </p:nvSpPr>
+        <p:spPr>
+          <a:xfrm>
+            <a:off x="3884613" y="8685213"/>
+            <a:ext cx="2971800" cy="458787"/>
+          </a:xfrm>
+          <a:prstGeom prst="rect">
+            <a:avLst/>
+          </a:prstGeom>
+        </p:spPr>
+        <p:txBody>
+          <a:bodyPr vert="horz" lIns="91440" tIns="45720" rIns="91440" bIns="45720" rtlCol="0" anchor="b"/>
+          <a:lstStyle>
+            <a:lvl1pPr algn="r">
+              <a:defRPr sz="1200"/>
+            </a:lvl1pPr>
+          </a:lstStyle>
+          <a:p>
+            <a:fld id="{279118AD-D243-CE42-8FD0-807AC69DF9D1}" type="slidenum">
+              <a:rPr lang="en-US" smtClean="0"/>
+              <a:t>‹#›</a:t>
+            </a:fld>
+            <a:endParaRPr lang="en-US"/>
+          </a:p>
+        </p:txBody>
+      </p:sp>
+    </p:spTree>
+    <p:extLst>
+      <p:ext uri="{BB962C8B-B14F-4D97-AF65-F5344CB8AC3E}">
+        <p14:creationId xmlns:p14="http://schemas.microsoft.com/office/powerpoint/2010/main" val="4033206545"/>
+      </p:ext>
+    </p:extLst>
+  </p:cSld>
+  <p:clrMap bg1="lt1" tx1="dk1" bg2="lt2" tx2="dk2" accent1="accent1" accent2="accent2" accent3="accent3" accent4="accent4" accent5="accent5" accent6="accent6" hlink="hlink" folHlink="folHlink"/>
+  <p:notesStyle>
+    <a:lvl1pPr marL="0" algn="l" defTabSz="914400" rtl="0" eaLnBrk="1" latinLnBrk="0" hangingPunct="1">
+      <a:defRPr sz="1200" kern="1200">
+        <a:solidFill>
+          <a:schemeClr val="tx1"/>
+        </a:solidFill>
+        <a:latin typeface="+mn-lt"/>
+        <a:ea typeface="+mn-ea"/>
+        <a:cs typeface="+mn-cs"/>
+      </a:defRPr>
+    </a:lvl1pPr>
+    <a:lvl2pPr marL="457200" algn="l" defTabSz="914400" rtl="0" eaLnBrk="1" latinLnBrk="0" hangingPunct="1">
+      <a:defRPr sz="1200" kern="1200">
+        <a:solidFill>
+          <a:schemeClr val="tx1"/>
+        </a:solidFill>
+        <a:latin typeface="+mn-lt"/>
+        <a:ea typeface="+mn-ea"/>
+        <a:cs typeface="+mn-cs"/>
+      </a:defRPr>
+    </a:lvl2pPr>
+    <a:lvl3pPr marL="914400" algn="l" defTabSz="914400" rtl="0" eaLnBrk="1" latinLnBrk="0" hangingPunct="1">
+      <a:defRPr sz="1200" kern="1200">
+        <a:solidFill>
+          <a:schemeClr val="tx1"/>
+        </a:solidFill>
+        <a:latin typeface="+mn-lt"/>
+        <a:ea typeface="+mn-ea"/>
+        <a:cs typeface="+mn-cs"/>
+      </a:defRPr>
+    </a:lvl3pPr>
+    <a:lvl4pPr marL="1371600" algn="l" defTabSz="914400" rtl="0" eaLnBrk="1" latinLnBrk="0" hangingPunct="1">
+      <a:defRPr sz="1200" kern="1200">
+        <a:solidFill>
+          <a:schemeClr val="tx1"/>
+        </a:solidFill>
+        <a:latin typeface="+mn-lt"/>
+        <a:ea typeface="+mn-ea"/>
+        <a:cs typeface="+mn-cs"/>
+      </a:defRPr>
+    </a:lvl4pPr>
+    <a:lvl5pPr marL="1828800" algn="l" defTabSz="914400" rtl="0" eaLnBrk="1" latinLnBrk="0" hangingPunct="1">
+      <a:defRPr sz="1200" kern="1200">
+        <a:solidFill>
+          <a:schemeClr val="tx1"/>
+        </a:solidFill>
+        <a:latin typeface="+mn-lt"/>
+        <a:ea typeface="+mn-ea"/>
+        <a:cs typeface="+mn-cs"/>
+      </a:defRPr>
+    </a:lvl5pPr>
+    <a:lvl6pPr marL="2286000" algn="l" defTabSz="914400" rtl="0" eaLnBrk="1" latinLnBrk="0" hangingPunct="1">
+      <a:defRPr sz="1200" kern="1200">
+        <a:solidFill>
+          <a:schemeClr val="tx1"/>
+        </a:solidFill>
+        <a:latin typeface="+mn-lt"/>
+        <a:ea typeface="+mn-ea"/>
+        <a:cs typeface="+mn-cs"/>
+      </a:defRPr>
+    </a:lvl6pPr>
+    <a:lvl7pPr marL="2743200" algn="l" defTabSz="914400" rtl="0" eaLnBrk="1" latinLnBrk="0" hangingPunct="1">
+      <a:defRPr sz="1200" kern="1200">
+        <a:solidFill>
+          <a:schemeClr val="tx1"/>
+        </a:solidFill>
+        <a:latin typeface="+mn-lt"/>
+        <a:ea typeface="+mn-ea"/>
+        <a:cs typeface="+mn-cs"/>
+      </a:defRPr>
+    </a:lvl7pPr>
+    <a:lvl8pPr marL="3200400" algn="l" defTabSz="914400" rtl="0" eaLnBrk="1" latinLnBrk="0" hangingPunct="1">
+      <a:defRPr sz="1200" kern="1200">
+        <a:solidFill>
+          <a:schemeClr val="tx1"/>
+        </a:solidFill>
+        <a:latin typeface="+mn-lt"/>
+        <a:ea typeface="+mn-ea"/>
+        <a:cs typeface="+mn-cs"/>
+      </a:defRPr>
+    </a:lvl8pPr>
+    <a:lvl9pPr marL="3657600" algn="l" defTabSz="914400" rtl="0" eaLnBrk="1" latinLnBrk="0" hangingPunct="1">
+      <a:defRPr sz="1200" kern="1200">
+        <a:solidFill>
+          <a:schemeClr val="tx1"/>
+        </a:solidFill>
+        <a:latin typeface="+mn-lt"/>
+        <a:ea typeface="+mn-ea"/>
+        <a:cs typeface="+mn-cs"/>
+      </a:defRPr>
+    </a:lvl9pPr>
+  </p:notesStyle>
+</p:notesMaster>
+</file>
+
+<file path=ppt/notesSlides/notesSlide1.xml><?xml version="1.0" encoding="utf-8"?>
+<p:notes xmlns:a="http://schemas.openxmlformats.org/drawingml/2006/main" xmlns:r="http://schemas.openxmlformats.org/officeDocument/2006/relationships" xmlns:p="http://schemas.openxmlformats.org/presentationml/2006/main">
+  <p:cSld>
+    <p:spTree>
+      <p:nvGrpSpPr>
+        <p:cNvPr id="1" name=""/>
+        <p:cNvGrpSpPr/>
+        <p:nvPr/>
+      </p:nvGrpSpPr>
+      <p:grpSpPr>
+        <a:xfrm>
+          <a:off x="0" y="0"/>
+          <a:ext cx="0" cy="0"/>
+          <a:chOff x="0" y="0"/>
+          <a:chExt cx="0" cy="0"/>
+        </a:xfrm>
+      </p:grpSpPr>
+      <p:sp>
+        <p:nvSpPr>
+          <p:cNvPr id="2" name="Slide Image Placeholder 1"/>
+          <p:cNvSpPr>
+            <a:spLocks noGrp="1" noRot="1" noChangeAspect="1"/>
+          </p:cNvSpPr>
+          <p:nvPr>
+            <p:ph type="sldImg"/>
+          </p:nvPr>
+        </p:nvSpPr>
+        <p:spPr/>
+      </p:sp>
+      <p:sp>
+        <p:nvSpPr>
+          <p:cNvPr id="3" name="Notes Placeholder 2"/>
+          <p:cNvSpPr>
+            <a:spLocks noGrp="1"/>
+          </p:cNvSpPr>
+          <p:nvPr>
+            <p:ph type="body" idx="1"/>
+          </p:nvPr>
+        </p:nvSpPr>
+        <p:spPr/>
+        <p:txBody>
+          <a:bodyPr/>
+          <a:lstStyle/>
+          <a:p>
+            <a:endParaRPr lang="en-US" dirty="0"/>
+          </a:p>
+        </p:txBody>
+      </p:sp>
+      <p:sp>
+        <p:nvSpPr>
+          <p:cNvPr id="4" name="Slide Number Placeholder 3"/>
+          <p:cNvSpPr>
+            <a:spLocks noGrp="1"/>
+          </p:cNvSpPr>
+          <p:nvPr>
+            <p:ph type="sldNum" sz="quarter" idx="10"/>
+          </p:nvPr>
+        </p:nvSpPr>
+        <p:spPr/>
+        <p:txBody>
+          <a:bodyPr/>
+          <a:lstStyle/>
+          <a:p>
+            <a:fld id="{279118AD-D243-CE42-8FD0-807AC69DF9D1}" type="slidenum">
+              <a:rPr lang="en-US" smtClean="0"/>
+              <a:t>4</a:t>
+            </a:fld>
+            <a:endParaRPr lang="en-US"/>
+          </a:p>
+        </p:txBody>
+      </p:sp>
+    </p:spTree>
+    <p:extLst>
+      <p:ext uri="{BB962C8B-B14F-4D97-AF65-F5344CB8AC3E}">
+        <p14:creationId xmlns:p14="http://schemas.microsoft.com/office/powerpoint/2010/main" val="3617296137"/>
+      </p:ext>
+    </p:extLst>
+  </p:cSld>
+  <p:clrMapOvr>
+    <a:masterClrMapping/>
+  </p:clrMapOvr>
+</p:notes>
+</file>
+
 <file path=ppt/slideLayouts/slideLayout1.xml><?xml version="1.0" encoding="utf-8"?>
 <p:sldLayout xmlns:a="http://schemas.openxmlformats.org/drawingml/2006/main" xmlns:r="http://schemas.openxmlformats.org/officeDocument/2006/relationships" xmlns:p="http://schemas.openxmlformats.org/presentationml/2006/main" type="title" preserve="1">
   <p:cSld name="Title Slide">
@@ -261,7 +698,7 @@
           <a:p>
             <a:fld id="{C5988D44-60A3-6A45-AD8D-DB6CB2BC3E53}" type="datetimeFigureOut">
               <a:rPr lang="en-US" smtClean="0"/>
-              <a:t>3/28/19</a:t>
+              <a:t>4/12/19</a:t>
             </a:fld>
             <a:endParaRPr lang="en-US"/>
           </a:p>
@@ -459,7 +896,7 @@
           <a:p>
             <a:fld id="{C5988D44-60A3-6A45-AD8D-DB6CB2BC3E53}" type="datetimeFigureOut">
               <a:rPr lang="en-US" smtClean="0"/>
-              <a:t>3/28/19</a:t>
+              <a:t>4/12/19</a:t>
             </a:fld>
             <a:endParaRPr lang="en-US"/>
           </a:p>
@@ -667,7 +1104,7 @@
           <a:p>
             <a:fld id="{C5988D44-60A3-6A45-AD8D-DB6CB2BC3E53}" type="datetimeFigureOut">
               <a:rPr lang="en-US" smtClean="0"/>
-              <a:t>3/28/19</a:t>
+              <a:t>4/12/19</a:t>
             </a:fld>
             <a:endParaRPr lang="en-US"/>
           </a:p>
@@ -865,7 +1302,7 @@
           <a:p>
             <a:fld id="{C5988D44-60A3-6A45-AD8D-DB6CB2BC3E53}" type="datetimeFigureOut">
               <a:rPr lang="en-US" smtClean="0"/>
-              <a:t>3/28/19</a:t>
+              <a:t>4/12/19</a:t>
             </a:fld>
             <a:endParaRPr lang="en-US"/>
           </a:p>
@@ -1140,7 +1577,7 @@
           <a:p>
             <a:fld id="{C5988D44-60A3-6A45-AD8D-DB6CB2BC3E53}" type="datetimeFigureOut">
               <a:rPr lang="en-US" smtClean="0"/>
-              <a:t>3/28/19</a:t>
+              <a:t>4/12/19</a:t>
             </a:fld>
             <a:endParaRPr lang="en-US"/>
           </a:p>
@@ -1405,7 +1842,7 @@
           <a:p>
             <a:fld id="{C5988D44-60A3-6A45-AD8D-DB6CB2BC3E53}" type="datetimeFigureOut">
               <a:rPr lang="en-US" smtClean="0"/>
-              <a:t>3/28/19</a:t>
+              <a:t>4/12/19</a:t>
             </a:fld>
             <a:endParaRPr lang="en-US"/>
           </a:p>
@@ -1817,7 +2254,7 @@
           <a:p>
             <a:fld id="{C5988D44-60A3-6A45-AD8D-DB6CB2BC3E53}" type="datetimeFigureOut">
               <a:rPr lang="en-US" smtClean="0"/>
-              <a:t>3/28/19</a:t>
+              <a:t>4/12/19</a:t>
             </a:fld>
             <a:endParaRPr lang="en-US"/>
           </a:p>
@@ -1958,7 +2395,7 @@
           <a:p>
             <a:fld id="{C5988D44-60A3-6A45-AD8D-DB6CB2BC3E53}" type="datetimeFigureOut">
               <a:rPr lang="en-US" smtClean="0"/>
-              <a:t>3/28/19</a:t>
+              <a:t>4/12/19</a:t>
             </a:fld>
             <a:endParaRPr lang="en-US"/>
           </a:p>
@@ -2071,7 +2508,7 @@
           <a:p>
             <a:fld id="{C5988D44-60A3-6A45-AD8D-DB6CB2BC3E53}" type="datetimeFigureOut">
               <a:rPr lang="en-US" smtClean="0"/>
-              <a:t>3/28/19</a:t>
+              <a:t>4/12/19</a:t>
             </a:fld>
             <a:endParaRPr lang="en-US"/>
           </a:p>
@@ -2382,7 +2819,7 @@
           <a:p>
             <a:fld id="{C5988D44-60A3-6A45-AD8D-DB6CB2BC3E53}" type="datetimeFigureOut">
               <a:rPr lang="en-US" smtClean="0"/>
-              <a:t>3/28/19</a:t>
+              <a:t>4/12/19</a:t>
             </a:fld>
             <a:endParaRPr lang="en-US"/>
           </a:p>
@@ -2670,7 +3107,7 @@
           <a:p>
             <a:fld id="{C5988D44-60A3-6A45-AD8D-DB6CB2BC3E53}" type="datetimeFigureOut">
               <a:rPr lang="en-US" smtClean="0"/>
-              <a:t>3/28/19</a:t>
+              <a:t>4/12/19</a:t>
             </a:fld>
             <a:endParaRPr lang="en-US"/>
           </a:p>
@@ -2911,7 +3348,7 @@
           <a:p>
             <a:fld id="{C5988D44-60A3-6A45-AD8D-DB6CB2BC3E53}" type="datetimeFigureOut">
               <a:rPr lang="en-US" smtClean="0"/>
-              <a:t>3/28/19</a:t>
+              <a:t>4/12/19</a:t>
             </a:fld>
             <a:endParaRPr lang="en-US"/>
           </a:p>
@@ -6534,6 +6971,4462 @@
 </p:sld>
 </file>
 
+<file path=ppt/slides/slide4.xml><?xml version="1.0" encoding="utf-8"?>
+<p:sld xmlns:a="http://schemas.openxmlformats.org/drawingml/2006/main" xmlns:r="http://schemas.openxmlformats.org/officeDocument/2006/relationships" xmlns:p="http://schemas.openxmlformats.org/presentationml/2006/main">
+  <p:cSld>
+    <p:spTree>
+      <p:nvGrpSpPr>
+        <p:cNvPr id="1" name=""/>
+        <p:cNvGrpSpPr/>
+        <p:nvPr/>
+      </p:nvGrpSpPr>
+      <p:grpSpPr>
+        <a:xfrm>
+          <a:off x="0" y="0"/>
+          <a:ext cx="0" cy="0"/>
+          <a:chOff x="0" y="0"/>
+          <a:chExt cx="0" cy="0"/>
+        </a:xfrm>
+      </p:grpSpPr>
+      <p:sp>
+        <p:nvSpPr>
+          <p:cNvPr id="208" name="正方形/長方形 11">
+            <a:extLst>
+              <a:ext uri="{FF2B5EF4-FFF2-40B4-BE49-F238E27FC236}">
+                <a16:creationId xmlns:a16="http://schemas.microsoft.com/office/drawing/2014/main" id="{E41DA389-C6CF-3143-B40D-3049FB460B01}"/>
+              </a:ext>
+            </a:extLst>
+          </p:cNvPr>
+          <p:cNvSpPr/>
+          <p:nvPr/>
+        </p:nvSpPr>
+        <p:spPr>
+          <a:xfrm>
+            <a:off x="8859900" y="1784574"/>
+            <a:ext cx="1486339" cy="1364122"/>
+          </a:xfrm>
+          <a:prstGeom prst="rect">
+            <a:avLst/>
+          </a:prstGeom>
+          <a:noFill/>
+          <a:ln>
+            <a:solidFill>
+              <a:schemeClr val="accent1"/>
+            </a:solidFill>
+          </a:ln>
+        </p:spPr>
+        <p:style>
+          <a:lnRef idx="2">
+            <a:schemeClr val="accent1">
+              <a:shade val="50000"/>
+            </a:schemeClr>
+          </a:lnRef>
+          <a:fillRef idx="1">
+            <a:schemeClr val="accent1"/>
+          </a:fillRef>
+          <a:effectRef idx="0">
+            <a:schemeClr val="accent1"/>
+          </a:effectRef>
+          <a:fontRef idx="minor">
+            <a:schemeClr val="lt1"/>
+          </a:fontRef>
+        </p:style>
+        <p:txBody>
+          <a:bodyPr rtlCol="0" anchor="ctr"/>
+          <a:lstStyle/>
+          <a:p>
+            <a:pPr algn="ctr"/>
+            <a:endParaRPr kumimoji="1" lang="ja-JP" altLang="en-US" dirty="0"/>
+          </a:p>
+        </p:txBody>
+      </p:sp>
+      <p:pic>
+        <p:nvPicPr>
+          <p:cNvPr id="47" name="図 46">
+            <a:extLst>
+              <a:ext uri="{FF2B5EF4-FFF2-40B4-BE49-F238E27FC236}">
+                <a16:creationId xmlns:a16="http://schemas.microsoft.com/office/drawing/2014/main" id="{A2F520AA-628E-4F38-8334-72BBF080F643}"/>
+              </a:ext>
+            </a:extLst>
+          </p:cNvPr>
+          <p:cNvPicPr>
+            <a:picLocks noChangeAspect="1"/>
+          </p:cNvPicPr>
+          <p:nvPr/>
+        </p:nvPicPr>
+        <p:blipFill>
+          <a:blip r:embed="rId3"/>
+          <a:stretch>
+            <a:fillRect/>
+          </a:stretch>
+        </p:blipFill>
+        <p:spPr>
+          <a:xfrm>
+            <a:off x="4195782" y="2009713"/>
+            <a:ext cx="1938696" cy="1725318"/>
+          </a:xfrm>
+          <a:prstGeom prst="rect">
+            <a:avLst/>
+          </a:prstGeom>
+        </p:spPr>
+      </p:pic>
+      <p:pic>
+        <p:nvPicPr>
+          <p:cNvPr id="19" name="図 18">
+            <a:extLst>
+              <a:ext uri="{FF2B5EF4-FFF2-40B4-BE49-F238E27FC236}">
+                <a16:creationId xmlns:a16="http://schemas.microsoft.com/office/drawing/2014/main" id="{3AEEE4B8-B76B-43E1-9387-F685835F419E}"/>
+              </a:ext>
+            </a:extLst>
+          </p:cNvPr>
+          <p:cNvPicPr>
+            <a:picLocks noChangeAspect="1"/>
+          </p:cNvPicPr>
+          <p:nvPr/>
+        </p:nvPicPr>
+        <p:blipFill>
+          <a:blip r:embed="rId3"/>
+          <a:stretch>
+            <a:fillRect/>
+          </a:stretch>
+        </p:blipFill>
+        <p:spPr>
+          <a:xfrm>
+            <a:off x="6274513" y="2038333"/>
+            <a:ext cx="1938696" cy="1725318"/>
+          </a:xfrm>
+          <a:prstGeom prst="rect">
+            <a:avLst/>
+          </a:prstGeom>
+        </p:spPr>
+      </p:pic>
+      <p:sp>
+        <p:nvSpPr>
+          <p:cNvPr id="4" name="正方形/長方形 3">
+            <a:extLst>
+              <a:ext uri="{FF2B5EF4-FFF2-40B4-BE49-F238E27FC236}">
+                <a16:creationId xmlns:a16="http://schemas.microsoft.com/office/drawing/2014/main" id="{DD86E38D-9903-41EC-9644-1B05A41765E3}"/>
+              </a:ext>
+            </a:extLst>
+          </p:cNvPr>
+          <p:cNvSpPr/>
+          <p:nvPr/>
+        </p:nvSpPr>
+        <p:spPr>
+          <a:xfrm>
+            <a:off x="8805750" y="1524340"/>
+            <a:ext cx="3168531" cy="2903400"/>
+          </a:xfrm>
+          <a:prstGeom prst="rect">
+            <a:avLst/>
+          </a:prstGeom>
+          <a:noFill/>
+        </p:spPr>
+        <p:style>
+          <a:lnRef idx="2">
+            <a:schemeClr val="accent1">
+              <a:shade val="50000"/>
+            </a:schemeClr>
+          </a:lnRef>
+          <a:fillRef idx="1">
+            <a:schemeClr val="accent1"/>
+          </a:fillRef>
+          <a:effectRef idx="0">
+            <a:schemeClr val="accent1"/>
+          </a:effectRef>
+          <a:fontRef idx="minor">
+            <a:schemeClr val="lt1"/>
+          </a:fontRef>
+        </p:style>
+        <p:txBody>
+          <a:bodyPr rtlCol="0" anchor="ctr"/>
+          <a:lstStyle/>
+          <a:p>
+            <a:pPr algn="ctr"/>
+            <a:endParaRPr kumimoji="1" lang="ja-JP" altLang="en-US"/>
+          </a:p>
+        </p:txBody>
+      </p:sp>
+      <p:sp>
+        <p:nvSpPr>
+          <p:cNvPr id="10" name="フローチャート: 磁気ディスク 9">
+            <a:extLst>
+              <a:ext uri="{FF2B5EF4-FFF2-40B4-BE49-F238E27FC236}">
+                <a16:creationId xmlns:a16="http://schemas.microsoft.com/office/drawing/2014/main" id="{929B15FF-945B-41D3-B9EC-CB4488301B61}"/>
+              </a:ext>
+            </a:extLst>
+          </p:cNvPr>
+          <p:cNvSpPr/>
+          <p:nvPr/>
+        </p:nvSpPr>
+        <p:spPr>
+          <a:xfrm>
+            <a:off x="11336418" y="3385424"/>
+            <a:ext cx="464535" cy="449866"/>
+          </a:xfrm>
+          <a:prstGeom prst="flowChartMagneticDisk">
+            <a:avLst/>
+          </a:prstGeom>
+          <a:ln>
+            <a:solidFill>
+              <a:schemeClr val="bg1"/>
+            </a:solidFill>
+          </a:ln>
+        </p:spPr>
+        <p:style>
+          <a:lnRef idx="2">
+            <a:schemeClr val="accent1">
+              <a:shade val="50000"/>
+            </a:schemeClr>
+          </a:lnRef>
+          <a:fillRef idx="1">
+            <a:schemeClr val="accent1"/>
+          </a:fillRef>
+          <a:effectRef idx="0">
+            <a:schemeClr val="accent1"/>
+          </a:effectRef>
+          <a:fontRef idx="minor">
+            <a:schemeClr val="lt1"/>
+          </a:fontRef>
+        </p:style>
+        <p:txBody>
+          <a:bodyPr rtlCol="0" anchor="ctr"/>
+          <a:lstStyle/>
+          <a:p>
+            <a:pPr algn="ctr"/>
+            <a:endParaRPr kumimoji="1" lang="ja-JP" altLang="en-US"/>
+          </a:p>
+        </p:txBody>
+      </p:sp>
+      <p:sp>
+        <p:nvSpPr>
+          <p:cNvPr id="12" name="正方形/長方形 11">
+            <a:extLst>
+              <a:ext uri="{FF2B5EF4-FFF2-40B4-BE49-F238E27FC236}">
+                <a16:creationId xmlns:a16="http://schemas.microsoft.com/office/drawing/2014/main" id="{5E7785CC-1A3D-4F18-99C6-F03B4D4BBA9D}"/>
+              </a:ext>
+            </a:extLst>
+          </p:cNvPr>
+          <p:cNvSpPr/>
+          <p:nvPr/>
+        </p:nvSpPr>
+        <p:spPr>
+          <a:xfrm>
+            <a:off x="10690309" y="1998933"/>
+            <a:ext cx="1206077" cy="1109993"/>
+          </a:xfrm>
+          <a:prstGeom prst="rect">
+            <a:avLst/>
+          </a:prstGeom>
+        </p:spPr>
+        <p:style>
+          <a:lnRef idx="2">
+            <a:schemeClr val="accent1">
+              <a:shade val="50000"/>
+            </a:schemeClr>
+          </a:lnRef>
+          <a:fillRef idx="1">
+            <a:schemeClr val="accent1"/>
+          </a:fillRef>
+          <a:effectRef idx="0">
+            <a:schemeClr val="accent1"/>
+          </a:effectRef>
+          <a:fontRef idx="minor">
+            <a:schemeClr val="lt1"/>
+          </a:fontRef>
+        </p:style>
+        <p:txBody>
+          <a:bodyPr rtlCol="0" anchor="ctr"/>
+          <a:lstStyle/>
+          <a:p>
+            <a:pPr algn="ctr"/>
+            <a:r>
+              <a:rPr lang="en-US" altLang="ja-JP" sz="1400" dirty="0"/>
+              <a:t>Internal </a:t>
+            </a:r>
+            <a:r>
+              <a:rPr lang="en-US" altLang="ja-JP" sz="1400" dirty="0" err="1"/>
+              <a:t>Microservices</a:t>
+            </a:r>
+            <a:endParaRPr kumimoji="1" lang="ja-JP" altLang="en-US" sz="1400" dirty="0"/>
+          </a:p>
+        </p:txBody>
+      </p:sp>
+      <p:cxnSp>
+        <p:nvCxnSpPr>
+          <p:cNvPr id="24" name="直線矢印コネクタ 23">
+            <a:extLst>
+              <a:ext uri="{FF2B5EF4-FFF2-40B4-BE49-F238E27FC236}">
+                <a16:creationId xmlns:a16="http://schemas.microsoft.com/office/drawing/2014/main" id="{03C63B60-B33B-4264-9174-630FB91BFD93}"/>
+              </a:ext>
+            </a:extLst>
+          </p:cNvPr>
+          <p:cNvCxnSpPr>
+            <a:cxnSpLocks/>
+          </p:cNvCxnSpPr>
+          <p:nvPr/>
+        </p:nvCxnSpPr>
+        <p:spPr>
+          <a:xfrm>
+            <a:off x="10350783" y="2768947"/>
+            <a:ext cx="319620" cy="0"/>
+          </a:xfrm>
+          <a:prstGeom prst="straightConnector1">
+            <a:avLst/>
+          </a:prstGeom>
+          <a:ln>
+            <a:headEnd type="triangle" w="med" len="med"/>
+            <a:tailEnd type="triangle" w="med" len="med"/>
+          </a:ln>
+        </p:spPr>
+        <p:style>
+          <a:lnRef idx="1">
+            <a:schemeClr val="accent1"/>
+          </a:lnRef>
+          <a:fillRef idx="0">
+            <a:schemeClr val="accent1"/>
+          </a:fillRef>
+          <a:effectRef idx="0">
+            <a:schemeClr val="accent1"/>
+          </a:effectRef>
+          <a:fontRef idx="minor">
+            <a:schemeClr val="tx1"/>
+          </a:fontRef>
+        </p:style>
+      </p:cxnSp>
+      <p:cxnSp>
+        <p:nvCxnSpPr>
+          <p:cNvPr id="26" name="直線矢印コネクタ 25">
+            <a:extLst>
+              <a:ext uri="{FF2B5EF4-FFF2-40B4-BE49-F238E27FC236}">
+                <a16:creationId xmlns:a16="http://schemas.microsoft.com/office/drawing/2014/main" id="{7D43BEB6-1DEA-4BDD-87FD-FF0C47C22F4A}"/>
+              </a:ext>
+            </a:extLst>
+          </p:cNvPr>
+          <p:cNvCxnSpPr>
+            <a:cxnSpLocks/>
+            <a:endCxn id="10" idx="1"/>
+          </p:cNvCxnSpPr>
+          <p:nvPr/>
+        </p:nvCxnSpPr>
+        <p:spPr>
+          <a:xfrm>
+            <a:off x="11565933" y="3108840"/>
+            <a:ext cx="2753" cy="276584"/>
+          </a:xfrm>
+          <a:prstGeom prst="straightConnector1">
+            <a:avLst/>
+          </a:prstGeom>
+          <a:ln>
+            <a:headEnd type="triangle" w="med" len="med"/>
+            <a:tailEnd type="triangle" w="med" len="med"/>
+          </a:ln>
+        </p:spPr>
+        <p:style>
+          <a:lnRef idx="1">
+            <a:schemeClr val="accent1"/>
+          </a:lnRef>
+          <a:fillRef idx="0">
+            <a:schemeClr val="accent1"/>
+          </a:fillRef>
+          <a:effectRef idx="0">
+            <a:schemeClr val="accent1"/>
+          </a:effectRef>
+          <a:fontRef idx="minor">
+            <a:schemeClr val="tx1"/>
+          </a:fontRef>
+        </p:style>
+      </p:cxnSp>
+      <p:pic>
+        <p:nvPicPr>
+          <p:cNvPr id="22" name="図 21">
+            <a:extLst>
+              <a:ext uri="{FF2B5EF4-FFF2-40B4-BE49-F238E27FC236}">
+                <a16:creationId xmlns:a16="http://schemas.microsoft.com/office/drawing/2014/main" id="{458D1F68-505F-4E7C-B152-935369D4B7F6}"/>
+              </a:ext>
+            </a:extLst>
+          </p:cNvPr>
+          <p:cNvPicPr>
+            <a:picLocks noChangeAspect="1"/>
+          </p:cNvPicPr>
+          <p:nvPr/>
+        </p:nvPicPr>
+        <p:blipFill>
+          <a:blip r:embed="rId4"/>
+          <a:stretch>
+            <a:fillRect/>
+          </a:stretch>
+        </p:blipFill>
+        <p:spPr>
+          <a:xfrm>
+            <a:off x="7548967" y="3600870"/>
+            <a:ext cx="875683" cy="709415"/>
+          </a:xfrm>
+          <a:prstGeom prst="rect">
+            <a:avLst/>
+          </a:prstGeom>
+        </p:spPr>
+      </p:pic>
+      <p:sp>
+        <p:nvSpPr>
+          <p:cNvPr id="31" name="フローチャート: 磁気ディスク 30">
+            <a:extLst>
+              <a:ext uri="{FF2B5EF4-FFF2-40B4-BE49-F238E27FC236}">
+                <a16:creationId xmlns:a16="http://schemas.microsoft.com/office/drawing/2014/main" id="{F25E4A24-9CF3-4A7B-981C-8456980B85B6}"/>
+              </a:ext>
+            </a:extLst>
+          </p:cNvPr>
+          <p:cNvSpPr/>
+          <p:nvPr/>
+        </p:nvSpPr>
+        <p:spPr>
+          <a:xfrm>
+            <a:off x="10679358" y="3388384"/>
+            <a:ext cx="464535" cy="449866"/>
+          </a:xfrm>
+          <a:prstGeom prst="flowChartMagneticDisk">
+            <a:avLst/>
+          </a:prstGeom>
+          <a:ln>
+            <a:solidFill>
+              <a:schemeClr val="bg1"/>
+            </a:solidFill>
+          </a:ln>
+        </p:spPr>
+        <p:style>
+          <a:lnRef idx="2">
+            <a:schemeClr val="accent1">
+              <a:shade val="50000"/>
+            </a:schemeClr>
+          </a:lnRef>
+          <a:fillRef idx="1">
+            <a:schemeClr val="accent1"/>
+          </a:fillRef>
+          <a:effectRef idx="0">
+            <a:schemeClr val="accent1"/>
+          </a:effectRef>
+          <a:fontRef idx="minor">
+            <a:schemeClr val="lt1"/>
+          </a:fontRef>
+        </p:style>
+        <p:txBody>
+          <a:bodyPr rtlCol="0" anchor="ctr"/>
+          <a:lstStyle/>
+          <a:p>
+            <a:pPr algn="ctr"/>
+            <a:endParaRPr kumimoji="1" lang="ja-JP" altLang="en-US"/>
+          </a:p>
+        </p:txBody>
+      </p:sp>
+      <p:cxnSp>
+        <p:nvCxnSpPr>
+          <p:cNvPr id="32" name="直線矢印コネクタ 31">
+            <a:extLst>
+              <a:ext uri="{FF2B5EF4-FFF2-40B4-BE49-F238E27FC236}">
+                <a16:creationId xmlns:a16="http://schemas.microsoft.com/office/drawing/2014/main" id="{63DFC6E4-D3BE-41C5-AF6E-FDE5834F4DA9}"/>
+              </a:ext>
+            </a:extLst>
+          </p:cNvPr>
+          <p:cNvCxnSpPr>
+            <a:cxnSpLocks/>
+            <a:endCxn id="31" idx="1"/>
+          </p:cNvCxnSpPr>
+          <p:nvPr/>
+        </p:nvCxnSpPr>
+        <p:spPr>
+          <a:xfrm>
+            <a:off x="10908873" y="3111800"/>
+            <a:ext cx="2753" cy="276584"/>
+          </a:xfrm>
+          <a:prstGeom prst="straightConnector1">
+            <a:avLst/>
+          </a:prstGeom>
+          <a:ln>
+            <a:headEnd type="triangle" w="med" len="med"/>
+            <a:tailEnd type="triangle" w="med" len="med"/>
+          </a:ln>
+        </p:spPr>
+        <p:style>
+          <a:lnRef idx="1">
+            <a:schemeClr val="accent1"/>
+          </a:lnRef>
+          <a:fillRef idx="0">
+            <a:schemeClr val="accent1"/>
+          </a:fillRef>
+          <a:effectRef idx="0">
+            <a:schemeClr val="accent1"/>
+          </a:effectRef>
+          <a:fontRef idx="minor">
+            <a:schemeClr val="tx1"/>
+          </a:fontRef>
+        </p:style>
+      </p:cxnSp>
+      <p:sp>
+        <p:nvSpPr>
+          <p:cNvPr id="33" name="テキスト ボックス 32">
+            <a:extLst>
+              <a:ext uri="{FF2B5EF4-FFF2-40B4-BE49-F238E27FC236}">
+                <a16:creationId xmlns:a16="http://schemas.microsoft.com/office/drawing/2014/main" id="{3E73DD50-3E7F-4410-A583-0BC43B5DACB6}"/>
+              </a:ext>
+            </a:extLst>
+          </p:cNvPr>
+          <p:cNvSpPr txBox="1"/>
+          <p:nvPr/>
+        </p:nvSpPr>
+        <p:spPr>
+          <a:xfrm>
+            <a:off x="10569833" y="3925602"/>
+            <a:ext cx="697575" cy="442035"/>
+          </a:xfrm>
+          <a:prstGeom prst="rect">
+            <a:avLst/>
+          </a:prstGeom>
+          <a:noFill/>
+        </p:spPr>
+        <p:txBody>
+          <a:bodyPr wrap="square" lIns="36000" tIns="36000" rIns="36000" bIns="36000" rtlCol="0" anchor="ctr">
+            <a:spAutoFit/>
+          </a:bodyPr>
+          <a:lstStyle/>
+          <a:p>
+            <a:pPr algn="ctr"/>
+            <a:r>
+              <a:rPr lang="en-US" altLang="ja-JP" sz="1200" dirty="0">
+                <a:latin typeface="Segoe UI Light" panose="020B0502040204020203" pitchFamily="34" charset="0"/>
+                <a:cs typeface="Segoe UI Light" panose="020B0502040204020203" pitchFamily="34" charset="0"/>
+              </a:rPr>
+              <a:t>Internal DB</a:t>
+            </a:r>
+          </a:p>
+        </p:txBody>
+      </p:sp>
+      <p:pic>
+        <p:nvPicPr>
+          <p:cNvPr id="38" name="グラフィックス 37" descr="スマート フォン">
+            <a:extLst>
+              <a:ext uri="{FF2B5EF4-FFF2-40B4-BE49-F238E27FC236}">
+                <a16:creationId xmlns:a16="http://schemas.microsoft.com/office/drawing/2014/main" id="{659E8684-EF46-48A2-A39D-5FE4646A6286}"/>
+              </a:ext>
+            </a:extLst>
+          </p:cNvPr>
+          <p:cNvPicPr>
+            <a:picLocks noChangeAspect="1"/>
+          </p:cNvPicPr>
+          <p:nvPr/>
+        </p:nvPicPr>
+        <p:blipFill>
+          <a:blip r:embed="rId5">
+            <a:extLst>
+              <a:ext uri="{28A0092B-C50C-407E-A947-70E740481C1C}">
+                <a14:useLocalDpi xmlns:a14="http://schemas.microsoft.com/office/drawing/2010/main" val="0"/>
+              </a:ext>
+              <a:ext uri="{96DAC541-7B7A-43D3-8B79-37D633B846F1}">
+                <asvg:svgBlip xmlns:asvg="http://schemas.microsoft.com/office/drawing/2016/SVG/main" r:embed="rId6"/>
+              </a:ext>
+            </a:extLst>
+          </a:blip>
+          <a:stretch>
+            <a:fillRect/>
+          </a:stretch>
+        </p:blipFill>
+        <p:spPr>
+          <a:xfrm>
+            <a:off x="4801512" y="490665"/>
+            <a:ext cx="831273" cy="831273"/>
+          </a:xfrm>
+          <a:prstGeom prst="rect">
+            <a:avLst/>
+          </a:prstGeom>
+        </p:spPr>
+      </p:pic>
+      <p:pic>
+        <p:nvPicPr>
+          <p:cNvPr id="39" name="図 38">
+            <a:extLst>
+              <a:ext uri="{FF2B5EF4-FFF2-40B4-BE49-F238E27FC236}">
+                <a16:creationId xmlns:a16="http://schemas.microsoft.com/office/drawing/2014/main" id="{7ECD30BC-7B49-4BC7-9F2E-C468E086706F}"/>
+              </a:ext>
+            </a:extLst>
+          </p:cNvPr>
+          <p:cNvPicPr>
+            <a:picLocks noChangeAspect="1"/>
+          </p:cNvPicPr>
+          <p:nvPr/>
+        </p:nvPicPr>
+        <p:blipFill>
+          <a:blip r:embed="rId7">
+            <a:clrChange>
+              <a:clrFrom>
+                <a:srgbClr val="FDFDFD"/>
+              </a:clrFrom>
+              <a:clrTo>
+                <a:srgbClr val="FDFDFD">
+                  <a:alpha val="0"/>
+                </a:srgbClr>
+              </a:clrTo>
+            </a:clrChange>
+            <a:extLst>
+              <a:ext uri="{28A0092B-C50C-407E-A947-70E740481C1C}">
+                <a14:useLocalDpi xmlns:a14="http://schemas.microsoft.com/office/drawing/2010/main" val="0"/>
+              </a:ext>
+            </a:extLst>
+          </a:blip>
+          <a:stretch>
+            <a:fillRect/>
+          </a:stretch>
+        </p:blipFill>
+        <p:spPr>
+          <a:xfrm>
+            <a:off x="5039125" y="747223"/>
+            <a:ext cx="356045" cy="356045"/>
+          </a:xfrm>
+          <a:prstGeom prst="rect">
+            <a:avLst/>
+          </a:prstGeom>
+        </p:spPr>
+      </p:pic>
+      <p:pic>
+        <p:nvPicPr>
+          <p:cNvPr id="41" name="グラフィックス 40" descr="ユーザー">
+            <a:extLst>
+              <a:ext uri="{FF2B5EF4-FFF2-40B4-BE49-F238E27FC236}">
+                <a16:creationId xmlns:a16="http://schemas.microsoft.com/office/drawing/2014/main" id="{12C275EF-B6F8-4790-8DF8-080059DC1AD6}"/>
+              </a:ext>
+            </a:extLst>
+          </p:cNvPr>
+          <p:cNvPicPr>
+            <a:picLocks noChangeAspect="1"/>
+          </p:cNvPicPr>
+          <p:nvPr/>
+        </p:nvPicPr>
+        <p:blipFill>
+          <a:blip r:embed="rId8">
+            <a:extLst>
+              <a:ext uri="{28A0092B-C50C-407E-A947-70E740481C1C}">
+                <a14:useLocalDpi xmlns:a14="http://schemas.microsoft.com/office/drawing/2010/main" val="0"/>
+              </a:ext>
+              <a:ext uri="{96DAC541-7B7A-43D3-8B79-37D633B846F1}">
+                <asvg:svgBlip xmlns:asvg="http://schemas.microsoft.com/office/drawing/2016/SVG/main" r:embed="rId9"/>
+              </a:ext>
+            </a:extLst>
+          </a:blip>
+          <a:stretch>
+            <a:fillRect/>
+          </a:stretch>
+        </p:blipFill>
+        <p:spPr>
+          <a:xfrm>
+            <a:off x="4972931" y="46900"/>
+            <a:ext cx="469232" cy="469232"/>
+          </a:xfrm>
+          <a:prstGeom prst="rect">
+            <a:avLst/>
+          </a:prstGeom>
+        </p:spPr>
+      </p:pic>
+      <p:sp>
+        <p:nvSpPr>
+          <p:cNvPr id="5" name="正方形/長方形 4">
+            <a:extLst>
+              <a:ext uri="{FF2B5EF4-FFF2-40B4-BE49-F238E27FC236}">
+                <a16:creationId xmlns:a16="http://schemas.microsoft.com/office/drawing/2014/main" id="{52715AD9-DDF3-45F9-991A-70BBCA39A64E}"/>
+              </a:ext>
+            </a:extLst>
+          </p:cNvPr>
+          <p:cNvSpPr/>
+          <p:nvPr/>
+        </p:nvSpPr>
+        <p:spPr>
+          <a:xfrm>
+            <a:off x="10063113" y="1415498"/>
+            <a:ext cx="1003107" cy="190152"/>
+          </a:xfrm>
+          <a:prstGeom prst="rect">
+            <a:avLst/>
+          </a:prstGeom>
+          <a:solidFill>
+            <a:schemeClr val="bg1"/>
+          </a:solidFill>
+          <a:ln>
+            <a:solidFill>
+              <a:schemeClr val="bg1"/>
+            </a:solidFill>
+          </a:ln>
+        </p:spPr>
+        <p:style>
+          <a:lnRef idx="2">
+            <a:schemeClr val="accent1">
+              <a:shade val="50000"/>
+            </a:schemeClr>
+          </a:lnRef>
+          <a:fillRef idx="1">
+            <a:schemeClr val="accent1"/>
+          </a:fillRef>
+          <a:effectRef idx="0">
+            <a:schemeClr val="accent1"/>
+          </a:effectRef>
+          <a:fontRef idx="minor">
+            <a:schemeClr val="lt1"/>
+          </a:fontRef>
+        </p:style>
+        <p:txBody>
+          <a:bodyPr rtlCol="0" anchor="ctr"/>
+          <a:lstStyle/>
+          <a:p>
+            <a:pPr algn="ctr"/>
+            <a:endParaRPr kumimoji="1" lang="ja-JP" altLang="en-US"/>
+          </a:p>
+        </p:txBody>
+      </p:sp>
+      <p:sp>
+        <p:nvSpPr>
+          <p:cNvPr id="6" name="テキスト ボックス 5">
+            <a:extLst>
+              <a:ext uri="{FF2B5EF4-FFF2-40B4-BE49-F238E27FC236}">
+                <a16:creationId xmlns:a16="http://schemas.microsoft.com/office/drawing/2014/main" id="{CBEEB281-49ED-44E7-9F94-E881E8FE6F21}"/>
+              </a:ext>
+            </a:extLst>
+          </p:cNvPr>
+          <p:cNvSpPr txBox="1"/>
+          <p:nvPr/>
+        </p:nvSpPr>
+        <p:spPr>
+          <a:xfrm>
+            <a:off x="9182390" y="1205539"/>
+            <a:ext cx="1086903" cy="257369"/>
+          </a:xfrm>
+          <a:prstGeom prst="rect">
+            <a:avLst/>
+          </a:prstGeom>
+          <a:noFill/>
+        </p:spPr>
+        <p:txBody>
+          <a:bodyPr wrap="square" lIns="36000" tIns="36000" rIns="36000" bIns="36000" rtlCol="0" anchor="ctr">
+            <a:spAutoFit/>
+          </a:bodyPr>
+          <a:lstStyle/>
+          <a:p>
+            <a:pPr algn="ctr"/>
+            <a:r>
+              <a:rPr kumimoji="1" lang="en-US" altLang="ja-JP" sz="1200" dirty="0">
+                <a:latin typeface="Segoe UI Light" panose="020B0502040204020203" pitchFamily="34" charset="0"/>
+                <a:cs typeface="Segoe UI Light" panose="020B0502040204020203" pitchFamily="34" charset="0"/>
+              </a:rPr>
+              <a:t>Member N</a:t>
+            </a:r>
+            <a:endParaRPr kumimoji="1" lang="ja-JP" altLang="en-US" sz="1200" dirty="0">
+              <a:latin typeface="Segoe UI Light" panose="020B0502040204020203" pitchFamily="34" charset="0"/>
+              <a:cs typeface="Segoe UI Light" panose="020B0502040204020203" pitchFamily="34" charset="0"/>
+            </a:endParaRPr>
+          </a:p>
+        </p:txBody>
+      </p:sp>
+      <p:cxnSp>
+        <p:nvCxnSpPr>
+          <p:cNvPr id="8" name="直線コネクタ 7">
+            <a:extLst>
+              <a:ext uri="{FF2B5EF4-FFF2-40B4-BE49-F238E27FC236}">
+                <a16:creationId xmlns:a16="http://schemas.microsoft.com/office/drawing/2014/main" id="{43820B76-3389-49C6-A534-5233C0E2C14C}"/>
+              </a:ext>
+            </a:extLst>
+          </p:cNvPr>
+          <p:cNvCxnSpPr>
+            <a:cxnSpLocks/>
+          </p:cNvCxnSpPr>
+          <p:nvPr/>
+        </p:nvCxnSpPr>
+        <p:spPr>
+          <a:xfrm>
+            <a:off x="38478" y="4657237"/>
+            <a:ext cx="12192000" cy="0"/>
+          </a:xfrm>
+          <a:prstGeom prst="line">
+            <a:avLst/>
+          </a:prstGeom>
+          <a:ln w="190500">
+            <a:solidFill>
+              <a:srgbClr val="00B050"/>
+            </a:solidFill>
+          </a:ln>
+        </p:spPr>
+        <p:style>
+          <a:lnRef idx="1">
+            <a:schemeClr val="accent1"/>
+          </a:lnRef>
+          <a:fillRef idx="0">
+            <a:schemeClr val="accent1"/>
+          </a:fillRef>
+          <a:effectRef idx="0">
+            <a:schemeClr val="accent1"/>
+          </a:effectRef>
+          <a:fontRef idx="minor">
+            <a:schemeClr val="tx1"/>
+          </a:fontRef>
+        </p:style>
+      </p:cxnSp>
+      <p:sp>
+        <p:nvSpPr>
+          <p:cNvPr id="14" name="正方形/長方形 13">
+            <a:extLst>
+              <a:ext uri="{FF2B5EF4-FFF2-40B4-BE49-F238E27FC236}">
+                <a16:creationId xmlns:a16="http://schemas.microsoft.com/office/drawing/2014/main" id="{12A36F99-28D0-4435-8C5E-B2AC254DD6B5}"/>
+              </a:ext>
+            </a:extLst>
+          </p:cNvPr>
+          <p:cNvSpPr/>
+          <p:nvPr/>
+        </p:nvSpPr>
+        <p:spPr>
+          <a:xfrm>
+            <a:off x="4221060" y="4986659"/>
+            <a:ext cx="1591258" cy="827813"/>
+          </a:xfrm>
+          <a:prstGeom prst="rect">
+            <a:avLst/>
+          </a:prstGeom>
+          <a:solidFill>
+            <a:schemeClr val="accent6">
+              <a:lumMod val="20000"/>
+              <a:lumOff val="80000"/>
+            </a:schemeClr>
+          </a:solidFill>
+          <a:ln>
+            <a:solidFill>
+              <a:schemeClr val="accent6"/>
+            </a:solidFill>
+          </a:ln>
+        </p:spPr>
+        <p:style>
+          <a:lnRef idx="2">
+            <a:schemeClr val="accent1">
+              <a:shade val="50000"/>
+            </a:schemeClr>
+          </a:lnRef>
+          <a:fillRef idx="1">
+            <a:schemeClr val="accent1"/>
+          </a:fillRef>
+          <a:effectRef idx="0">
+            <a:schemeClr val="accent1"/>
+          </a:effectRef>
+          <a:fontRef idx="minor">
+            <a:schemeClr val="lt1"/>
+          </a:fontRef>
+        </p:style>
+        <p:txBody>
+          <a:bodyPr lIns="36000" tIns="36000" rIns="36000" bIns="36000" rtlCol="0" anchor="t"/>
+          <a:lstStyle/>
+          <a:p>
+            <a:r>
+              <a:rPr kumimoji="1" lang="en-US" altLang="ja-JP" sz="1400" dirty="0">
+                <a:solidFill>
+                  <a:schemeClr val="tx1"/>
+                </a:solidFill>
+              </a:rPr>
+              <a:t>ERC Tokens for Assets</a:t>
+            </a:r>
+          </a:p>
+          <a:p>
+            <a:r>
+              <a:rPr kumimoji="1" lang="en-US" altLang="ja-JP" sz="1400" dirty="0">
+                <a:solidFill>
+                  <a:schemeClr val="tx1"/>
+                </a:solidFill>
+              </a:rPr>
+              <a:t>(ERC20, ER721, …)</a:t>
+            </a:r>
+          </a:p>
+        </p:txBody>
+      </p:sp>
+      <p:sp>
+        <p:nvSpPr>
+          <p:cNvPr id="20" name="テキスト ボックス 19">
+            <a:extLst>
+              <a:ext uri="{FF2B5EF4-FFF2-40B4-BE49-F238E27FC236}">
+                <a16:creationId xmlns:a16="http://schemas.microsoft.com/office/drawing/2014/main" id="{6E0F45C3-1BE7-4CEC-97BE-3A337BFA7DDB}"/>
+              </a:ext>
+            </a:extLst>
+          </p:cNvPr>
+          <p:cNvSpPr txBox="1"/>
+          <p:nvPr/>
+        </p:nvSpPr>
+        <p:spPr>
+          <a:xfrm>
+            <a:off x="6799936" y="1458690"/>
+            <a:ext cx="1793391" cy="565146"/>
+          </a:xfrm>
+          <a:prstGeom prst="rect">
+            <a:avLst/>
+          </a:prstGeom>
+          <a:noFill/>
+        </p:spPr>
+        <p:txBody>
+          <a:bodyPr wrap="square" lIns="36000" tIns="36000" rIns="36000" bIns="36000" rtlCol="0" anchor="ctr">
+            <a:spAutoFit/>
+          </a:bodyPr>
+          <a:lstStyle/>
+          <a:p>
+            <a:pPr algn="ctr"/>
+            <a:r>
+              <a:rPr lang="en-US" altLang="ja-JP" sz="1600" b="1" dirty="0">
+                <a:latin typeface="Segoe UI Light" panose="020B0502040204020203" pitchFamily="34" charset="0"/>
+                <a:cs typeface="Segoe UI Light" panose="020B0502040204020203" pitchFamily="34" charset="0"/>
+              </a:rPr>
+              <a:t>Member 1 API </a:t>
+            </a:r>
+            <a:r>
+              <a:rPr lang="en-US" altLang="ja-JP" sz="1600" b="1" dirty="0" err="1">
+                <a:latin typeface="Segoe UI Light" panose="020B0502040204020203" pitchFamily="34" charset="0"/>
+                <a:cs typeface="Segoe UI Light" panose="020B0502040204020203" pitchFamily="34" charset="0"/>
+              </a:rPr>
+              <a:t>Platofrm</a:t>
+            </a:r>
+            <a:endParaRPr kumimoji="1" lang="ja-JP" altLang="en-US" sz="1600" b="1" dirty="0">
+              <a:latin typeface="Segoe UI Light" panose="020B0502040204020203" pitchFamily="34" charset="0"/>
+              <a:cs typeface="Segoe UI Light" panose="020B0502040204020203" pitchFamily="34" charset="0"/>
+            </a:endParaRPr>
+          </a:p>
+        </p:txBody>
+      </p:sp>
+      <p:pic>
+        <p:nvPicPr>
+          <p:cNvPr id="23" name="図 22">
+            <a:extLst>
+              <a:ext uri="{FF2B5EF4-FFF2-40B4-BE49-F238E27FC236}">
+                <a16:creationId xmlns:a16="http://schemas.microsoft.com/office/drawing/2014/main" id="{4C56C847-7FD5-4528-9CDD-F4979A45BF3D}"/>
+              </a:ext>
+            </a:extLst>
+          </p:cNvPr>
+          <p:cNvPicPr>
+            <a:picLocks noChangeAspect="1"/>
+          </p:cNvPicPr>
+          <p:nvPr/>
+        </p:nvPicPr>
+        <p:blipFill>
+          <a:blip r:embed="rId10">
+            <a:extLst>
+              <a:ext uri="{28A0092B-C50C-407E-A947-70E740481C1C}">
+                <a14:useLocalDpi xmlns:a14="http://schemas.microsoft.com/office/drawing/2010/main" val="0"/>
+              </a:ext>
+            </a:extLst>
+          </a:blip>
+          <a:stretch>
+            <a:fillRect/>
+          </a:stretch>
+        </p:blipFill>
+        <p:spPr>
+          <a:xfrm>
+            <a:off x="5267862" y="2648056"/>
+            <a:ext cx="484499" cy="484499"/>
+          </a:xfrm>
+          <a:prstGeom prst="rect">
+            <a:avLst/>
+          </a:prstGeom>
+        </p:spPr>
+      </p:pic>
+      <p:pic>
+        <p:nvPicPr>
+          <p:cNvPr id="50" name="図 49">
+            <a:extLst>
+              <a:ext uri="{FF2B5EF4-FFF2-40B4-BE49-F238E27FC236}">
+                <a16:creationId xmlns:a16="http://schemas.microsoft.com/office/drawing/2014/main" id="{176807A7-4C4B-4BDD-A2A6-A5ED98799661}"/>
+              </a:ext>
+            </a:extLst>
+          </p:cNvPr>
+          <p:cNvPicPr>
+            <a:picLocks noChangeAspect="1"/>
+          </p:cNvPicPr>
+          <p:nvPr/>
+        </p:nvPicPr>
+        <p:blipFill>
+          <a:blip r:embed="rId11">
+            <a:extLst>
+              <a:ext uri="{28A0092B-C50C-407E-A947-70E740481C1C}">
+                <a14:useLocalDpi xmlns:a14="http://schemas.microsoft.com/office/drawing/2010/main" val="0"/>
+              </a:ext>
+            </a:extLst>
+          </a:blip>
+          <a:stretch>
+            <a:fillRect/>
+          </a:stretch>
+        </p:blipFill>
+        <p:spPr>
+          <a:xfrm>
+            <a:off x="232859" y="2240467"/>
+            <a:ext cx="440454" cy="440454"/>
+          </a:xfrm>
+          <a:prstGeom prst="rect">
+            <a:avLst/>
+          </a:prstGeom>
+        </p:spPr>
+      </p:pic>
+      <p:pic>
+        <p:nvPicPr>
+          <p:cNvPr id="51" name="図 50">
+            <a:extLst>
+              <a:ext uri="{FF2B5EF4-FFF2-40B4-BE49-F238E27FC236}">
+                <a16:creationId xmlns:a16="http://schemas.microsoft.com/office/drawing/2014/main" id="{BAC5BCD1-E4AC-4EC0-BCA0-2513FEAA93D4}"/>
+              </a:ext>
+            </a:extLst>
+          </p:cNvPr>
+          <p:cNvPicPr>
+            <a:picLocks noChangeAspect="1"/>
+          </p:cNvPicPr>
+          <p:nvPr/>
+        </p:nvPicPr>
+        <p:blipFill>
+          <a:blip r:embed="rId12">
+            <a:extLst>
+              <a:ext uri="{28A0092B-C50C-407E-A947-70E740481C1C}">
+                <a14:useLocalDpi xmlns:a14="http://schemas.microsoft.com/office/drawing/2010/main" val="0"/>
+              </a:ext>
+            </a:extLst>
+          </a:blip>
+          <a:stretch>
+            <a:fillRect/>
+          </a:stretch>
+        </p:blipFill>
+        <p:spPr>
+          <a:xfrm>
+            <a:off x="2498523" y="3957899"/>
+            <a:ext cx="440454" cy="440454"/>
+          </a:xfrm>
+          <a:prstGeom prst="rect">
+            <a:avLst/>
+          </a:prstGeom>
+        </p:spPr>
+      </p:pic>
+      <p:pic>
+        <p:nvPicPr>
+          <p:cNvPr id="52" name="図 51">
+            <a:extLst>
+              <a:ext uri="{FF2B5EF4-FFF2-40B4-BE49-F238E27FC236}">
+                <a16:creationId xmlns:a16="http://schemas.microsoft.com/office/drawing/2014/main" id="{D0F7AB47-9EDB-4CCB-87EA-6B9F2C34AD57}"/>
+              </a:ext>
+            </a:extLst>
+          </p:cNvPr>
+          <p:cNvPicPr>
+            <a:picLocks noChangeAspect="1"/>
+          </p:cNvPicPr>
+          <p:nvPr/>
+        </p:nvPicPr>
+        <p:blipFill>
+          <a:blip r:embed="rId12">
+            <a:extLst>
+              <a:ext uri="{28A0092B-C50C-407E-A947-70E740481C1C}">
+                <a14:useLocalDpi xmlns:a14="http://schemas.microsoft.com/office/drawing/2010/main" val="0"/>
+              </a:ext>
+            </a:extLst>
+          </a:blip>
+          <a:stretch>
+            <a:fillRect/>
+          </a:stretch>
+        </p:blipFill>
+        <p:spPr>
+          <a:xfrm>
+            <a:off x="7535048" y="2297906"/>
+            <a:ext cx="440454" cy="440454"/>
+          </a:xfrm>
+          <a:prstGeom prst="rect">
+            <a:avLst/>
+          </a:prstGeom>
+        </p:spPr>
+      </p:pic>
+      <p:pic>
+        <p:nvPicPr>
+          <p:cNvPr id="58" name="図 57">
+            <a:extLst>
+              <a:ext uri="{FF2B5EF4-FFF2-40B4-BE49-F238E27FC236}">
+                <a16:creationId xmlns:a16="http://schemas.microsoft.com/office/drawing/2014/main" id="{344A2DE2-BC72-433A-AB52-7109DF693FD3}"/>
+              </a:ext>
+            </a:extLst>
+          </p:cNvPr>
+          <p:cNvPicPr>
+            <a:picLocks noChangeAspect="1"/>
+          </p:cNvPicPr>
+          <p:nvPr/>
+        </p:nvPicPr>
+        <p:blipFill>
+          <a:blip r:embed="rId12">
+            <a:extLst>
+              <a:ext uri="{28A0092B-C50C-407E-A947-70E740481C1C}">
+                <a14:useLocalDpi xmlns:a14="http://schemas.microsoft.com/office/drawing/2010/main" val="0"/>
+              </a:ext>
+            </a:extLst>
+          </a:blip>
+          <a:stretch>
+            <a:fillRect/>
+          </a:stretch>
+        </p:blipFill>
+        <p:spPr>
+          <a:xfrm>
+            <a:off x="704716" y="3722911"/>
+            <a:ext cx="440454" cy="440454"/>
+          </a:xfrm>
+          <a:prstGeom prst="rect">
+            <a:avLst/>
+          </a:prstGeom>
+        </p:spPr>
+      </p:pic>
+      <p:pic>
+        <p:nvPicPr>
+          <p:cNvPr id="60" name="図 59">
+            <a:extLst>
+              <a:ext uri="{FF2B5EF4-FFF2-40B4-BE49-F238E27FC236}">
+                <a16:creationId xmlns:a16="http://schemas.microsoft.com/office/drawing/2014/main" id="{C10430A9-85D0-40C2-B391-DDA2CCC1EBBF}"/>
+              </a:ext>
+            </a:extLst>
+          </p:cNvPr>
+          <p:cNvPicPr>
+            <a:picLocks noChangeAspect="1"/>
+          </p:cNvPicPr>
+          <p:nvPr/>
+        </p:nvPicPr>
+        <p:blipFill>
+          <a:blip r:embed="rId12">
+            <a:extLst>
+              <a:ext uri="{28A0092B-C50C-407E-A947-70E740481C1C}">
+                <a14:useLocalDpi xmlns:a14="http://schemas.microsoft.com/office/drawing/2010/main" val="0"/>
+              </a:ext>
+            </a:extLst>
+          </a:blip>
+          <a:stretch>
+            <a:fillRect/>
+          </a:stretch>
+        </p:blipFill>
+        <p:spPr>
+          <a:xfrm>
+            <a:off x="4664695" y="2649064"/>
+            <a:ext cx="440454" cy="440454"/>
+          </a:xfrm>
+          <a:prstGeom prst="rect">
+            <a:avLst/>
+          </a:prstGeom>
+        </p:spPr>
+      </p:pic>
+      <p:pic>
+        <p:nvPicPr>
+          <p:cNvPr id="62" name="図 61">
+            <a:extLst>
+              <a:ext uri="{FF2B5EF4-FFF2-40B4-BE49-F238E27FC236}">
+                <a16:creationId xmlns:a16="http://schemas.microsoft.com/office/drawing/2014/main" id="{672CCCA3-6543-4B05-92D2-E90691B9C38F}"/>
+              </a:ext>
+            </a:extLst>
+          </p:cNvPr>
+          <p:cNvPicPr>
+            <a:picLocks noChangeAspect="1"/>
+          </p:cNvPicPr>
+          <p:nvPr/>
+        </p:nvPicPr>
+        <p:blipFill>
+          <a:blip r:embed="rId13">
+            <a:extLst>
+              <a:ext uri="{28A0092B-C50C-407E-A947-70E740481C1C}">
+                <a14:useLocalDpi xmlns:a14="http://schemas.microsoft.com/office/drawing/2010/main" val="0"/>
+              </a:ext>
+            </a:extLst>
+          </a:blip>
+          <a:stretch>
+            <a:fillRect/>
+          </a:stretch>
+        </p:blipFill>
+        <p:spPr>
+          <a:xfrm>
+            <a:off x="1038064" y="2162372"/>
+            <a:ext cx="532949" cy="532949"/>
+          </a:xfrm>
+          <a:prstGeom prst="rect">
+            <a:avLst/>
+          </a:prstGeom>
+        </p:spPr>
+      </p:pic>
+      <p:sp>
+        <p:nvSpPr>
+          <p:cNvPr id="64" name="正方形/長方形 63">
+            <a:extLst>
+              <a:ext uri="{FF2B5EF4-FFF2-40B4-BE49-F238E27FC236}">
+                <a16:creationId xmlns:a16="http://schemas.microsoft.com/office/drawing/2014/main" id="{4511232E-E113-425F-B314-0EF9FE369830}"/>
+              </a:ext>
+            </a:extLst>
+          </p:cNvPr>
+          <p:cNvSpPr/>
+          <p:nvPr/>
+        </p:nvSpPr>
+        <p:spPr>
+          <a:xfrm>
+            <a:off x="4238123" y="5929226"/>
+            <a:ext cx="1589526" cy="819985"/>
+          </a:xfrm>
+          <a:prstGeom prst="rect">
+            <a:avLst/>
+          </a:prstGeom>
+          <a:solidFill>
+            <a:schemeClr val="accent6">
+              <a:lumMod val="20000"/>
+              <a:lumOff val="80000"/>
+            </a:schemeClr>
+          </a:solidFill>
+          <a:ln>
+            <a:solidFill>
+              <a:schemeClr val="accent6"/>
+            </a:solidFill>
+          </a:ln>
+        </p:spPr>
+        <p:style>
+          <a:lnRef idx="2">
+            <a:schemeClr val="accent1">
+              <a:shade val="50000"/>
+            </a:schemeClr>
+          </a:lnRef>
+          <a:fillRef idx="1">
+            <a:schemeClr val="accent1"/>
+          </a:fillRef>
+          <a:effectRef idx="0">
+            <a:schemeClr val="accent1"/>
+          </a:effectRef>
+          <a:fontRef idx="minor">
+            <a:schemeClr val="lt1"/>
+          </a:fontRef>
+        </p:style>
+        <p:txBody>
+          <a:bodyPr rtlCol="0" anchor="t"/>
+          <a:lstStyle/>
+          <a:p>
+            <a:r>
+              <a:rPr kumimoji="1" lang="en-US" altLang="ja-JP" sz="1400" dirty="0">
+                <a:solidFill>
+                  <a:schemeClr val="tx1"/>
+                </a:solidFill>
+              </a:rPr>
+              <a:t>Other Smart Contracts</a:t>
+            </a:r>
+          </a:p>
+          <a:p>
+            <a:pPr marL="285750" indent="-285750">
+              <a:buFont typeface="Arial" panose="020B0604020202020204" pitchFamily="34" charset="0"/>
+              <a:buChar char="•"/>
+            </a:pPr>
+            <a:endParaRPr kumimoji="1" lang="ja-JP" altLang="en-US" sz="1400" dirty="0">
+              <a:solidFill>
+                <a:schemeClr val="tx1"/>
+              </a:solidFill>
+            </a:endParaRPr>
+          </a:p>
+        </p:txBody>
+      </p:sp>
+      <p:sp>
+        <p:nvSpPr>
+          <p:cNvPr id="70" name="正方形/長方形 69">
+            <a:extLst>
+              <a:ext uri="{FF2B5EF4-FFF2-40B4-BE49-F238E27FC236}">
+                <a16:creationId xmlns:a16="http://schemas.microsoft.com/office/drawing/2014/main" id="{805B3116-DD58-4DA7-B0FA-50885F685009}"/>
+              </a:ext>
+            </a:extLst>
+          </p:cNvPr>
+          <p:cNvSpPr/>
+          <p:nvPr/>
+        </p:nvSpPr>
+        <p:spPr>
+          <a:xfrm>
+            <a:off x="1815454" y="4830857"/>
+            <a:ext cx="1821604" cy="1955495"/>
+          </a:xfrm>
+          <a:prstGeom prst="rect">
+            <a:avLst/>
+          </a:prstGeom>
+          <a:solidFill>
+            <a:schemeClr val="accent6">
+              <a:lumMod val="20000"/>
+              <a:lumOff val="80000"/>
+            </a:schemeClr>
+          </a:solidFill>
+          <a:ln>
+            <a:solidFill>
+              <a:schemeClr val="accent6"/>
+            </a:solidFill>
+          </a:ln>
+        </p:spPr>
+        <p:style>
+          <a:lnRef idx="2">
+            <a:schemeClr val="accent1">
+              <a:shade val="50000"/>
+            </a:schemeClr>
+          </a:lnRef>
+          <a:fillRef idx="1">
+            <a:schemeClr val="accent1"/>
+          </a:fillRef>
+          <a:effectRef idx="0">
+            <a:schemeClr val="accent1"/>
+          </a:effectRef>
+          <a:fontRef idx="minor">
+            <a:schemeClr val="lt1"/>
+          </a:fontRef>
+        </p:style>
+        <p:txBody>
+          <a:bodyPr rtlCol="0" anchor="t"/>
+          <a:lstStyle/>
+          <a:p>
+            <a:r>
+              <a:rPr kumimoji="1" lang="en-US" altLang="ja-JP" sz="1400" dirty="0">
+                <a:solidFill>
+                  <a:schemeClr val="tx1"/>
+                </a:solidFill>
+              </a:rPr>
+              <a:t>Transportation</a:t>
+            </a:r>
+          </a:p>
+          <a:p>
+            <a:pPr marL="285750" indent="-285750">
+              <a:buFont typeface="Arial" panose="020B0604020202020204" pitchFamily="34" charset="0"/>
+              <a:buChar char="•"/>
+            </a:pPr>
+            <a:r>
+              <a:rPr lang="en-US" altLang="ja-JP" sz="1400" dirty="0">
+                <a:solidFill>
+                  <a:schemeClr val="tx1"/>
+                </a:solidFill>
+              </a:rPr>
+              <a:t>User</a:t>
+            </a:r>
+          </a:p>
+          <a:p>
+            <a:pPr marL="285750" indent="-285750">
+              <a:buFont typeface="Arial" panose="020B0604020202020204" pitchFamily="34" charset="0"/>
+              <a:buChar char="•"/>
+            </a:pPr>
+            <a:r>
+              <a:rPr kumimoji="1" lang="en-US" altLang="ja-JP" sz="1400" dirty="0" err="1">
+                <a:solidFill>
+                  <a:schemeClr val="tx1"/>
+                </a:solidFill>
+              </a:rPr>
+              <a:t>TicketId</a:t>
+            </a:r>
+            <a:endParaRPr kumimoji="1" lang="en-US" altLang="ja-JP" sz="1400" dirty="0">
+              <a:solidFill>
+                <a:schemeClr val="tx1"/>
+              </a:solidFill>
+            </a:endParaRPr>
+          </a:p>
+          <a:p>
+            <a:pPr marL="285750" indent="-285750">
+              <a:buFont typeface="Arial" panose="020B0604020202020204" pitchFamily="34" charset="0"/>
+              <a:buChar char="•"/>
+            </a:pPr>
+            <a:r>
+              <a:rPr kumimoji="1" lang="en-US" altLang="ja-JP" sz="1400" dirty="0">
+                <a:solidFill>
+                  <a:schemeClr val="tx1"/>
+                </a:solidFill>
+              </a:rPr>
+              <a:t>Datetime</a:t>
+            </a:r>
+          </a:p>
+          <a:p>
+            <a:pPr marL="285750" indent="-285750">
+              <a:buFont typeface="Arial" panose="020B0604020202020204" pitchFamily="34" charset="0"/>
+              <a:buChar char="•"/>
+            </a:pPr>
+            <a:r>
+              <a:rPr lang="en-US" altLang="ja-JP" sz="1400" dirty="0" err="1">
+                <a:solidFill>
+                  <a:schemeClr val="tx1"/>
+                </a:solidFill>
+              </a:rPr>
+              <a:t>LocationName</a:t>
+            </a:r>
+            <a:endParaRPr lang="en-US" altLang="ja-JP" sz="1400" dirty="0">
+              <a:solidFill>
+                <a:schemeClr val="tx1"/>
+              </a:solidFill>
+            </a:endParaRPr>
+          </a:p>
+          <a:p>
+            <a:pPr marL="285750" indent="-285750">
+              <a:buFont typeface="Arial" panose="020B0604020202020204" pitchFamily="34" charset="0"/>
+              <a:buChar char="•"/>
+            </a:pPr>
+            <a:r>
+              <a:rPr lang="en-US" altLang="ja-JP" sz="1400" dirty="0">
+                <a:solidFill>
+                  <a:schemeClr val="tx1"/>
+                </a:solidFill>
+              </a:rPr>
+              <a:t>Latitude</a:t>
+            </a:r>
+          </a:p>
+          <a:p>
+            <a:pPr marL="285750" indent="-285750">
+              <a:buFont typeface="Arial" panose="020B0604020202020204" pitchFamily="34" charset="0"/>
+              <a:buChar char="•"/>
+            </a:pPr>
+            <a:r>
+              <a:rPr lang="en-US" altLang="ja-JP" sz="1400" dirty="0">
+                <a:solidFill>
+                  <a:schemeClr val="tx1"/>
+                </a:solidFill>
+              </a:rPr>
+              <a:t>Longitude</a:t>
+            </a:r>
+          </a:p>
+          <a:p>
+            <a:pPr marL="285750" indent="-285750">
+              <a:buFont typeface="Arial" panose="020B0604020202020204" pitchFamily="34" charset="0"/>
+              <a:buChar char="•"/>
+            </a:pPr>
+            <a:r>
+              <a:rPr lang="en-US" altLang="ja-JP" sz="1400" dirty="0">
+                <a:solidFill>
+                  <a:schemeClr val="tx1"/>
+                </a:solidFill>
+              </a:rPr>
+              <a:t>status</a:t>
+            </a:r>
+          </a:p>
+          <a:p>
+            <a:pPr marL="285750" indent="-285750">
+              <a:buFont typeface="Arial" panose="020B0604020202020204" pitchFamily="34" charset="0"/>
+              <a:buChar char="•"/>
+            </a:pPr>
+            <a:endParaRPr kumimoji="1" lang="ja-JP" altLang="en-US" sz="1400" dirty="0">
+              <a:solidFill>
+                <a:schemeClr val="tx1"/>
+              </a:solidFill>
+            </a:endParaRPr>
+          </a:p>
+        </p:txBody>
+      </p:sp>
+      <p:cxnSp>
+        <p:nvCxnSpPr>
+          <p:cNvPr id="75" name="直線コネクタ 74">
+            <a:extLst>
+              <a:ext uri="{FF2B5EF4-FFF2-40B4-BE49-F238E27FC236}">
+                <a16:creationId xmlns:a16="http://schemas.microsoft.com/office/drawing/2014/main" id="{396912F3-CAA2-4D0D-B365-2C815D698090}"/>
+              </a:ext>
+            </a:extLst>
+          </p:cNvPr>
+          <p:cNvCxnSpPr>
+            <a:cxnSpLocks/>
+          </p:cNvCxnSpPr>
+          <p:nvPr/>
+        </p:nvCxnSpPr>
+        <p:spPr>
+          <a:xfrm>
+            <a:off x="6377052" y="1542549"/>
+            <a:ext cx="0" cy="5268474"/>
+          </a:xfrm>
+          <a:prstGeom prst="line">
+            <a:avLst/>
+          </a:prstGeom>
+          <a:ln>
+            <a:prstDash val="dash"/>
+          </a:ln>
+        </p:spPr>
+        <p:style>
+          <a:lnRef idx="1">
+            <a:schemeClr val="accent1"/>
+          </a:lnRef>
+          <a:fillRef idx="0">
+            <a:schemeClr val="accent1"/>
+          </a:fillRef>
+          <a:effectRef idx="0">
+            <a:schemeClr val="accent1"/>
+          </a:effectRef>
+          <a:fontRef idx="minor">
+            <a:schemeClr val="tx1"/>
+          </a:fontRef>
+        </p:style>
+      </p:cxnSp>
+      <p:cxnSp>
+        <p:nvCxnSpPr>
+          <p:cNvPr id="76" name="直線コネクタ 75">
+            <a:extLst>
+              <a:ext uri="{FF2B5EF4-FFF2-40B4-BE49-F238E27FC236}">
+                <a16:creationId xmlns:a16="http://schemas.microsoft.com/office/drawing/2014/main" id="{2F1AF6A6-EA24-4B5B-86C5-D198F1B1AC99}"/>
+              </a:ext>
+            </a:extLst>
+          </p:cNvPr>
+          <p:cNvCxnSpPr>
+            <a:cxnSpLocks/>
+          </p:cNvCxnSpPr>
+          <p:nvPr/>
+        </p:nvCxnSpPr>
+        <p:spPr>
+          <a:xfrm>
+            <a:off x="3869087" y="1517881"/>
+            <a:ext cx="0" cy="5236424"/>
+          </a:xfrm>
+          <a:prstGeom prst="line">
+            <a:avLst/>
+          </a:prstGeom>
+          <a:ln>
+            <a:prstDash val="dash"/>
+          </a:ln>
+        </p:spPr>
+        <p:style>
+          <a:lnRef idx="1">
+            <a:schemeClr val="accent1"/>
+          </a:lnRef>
+          <a:fillRef idx="0">
+            <a:schemeClr val="accent1"/>
+          </a:fillRef>
+          <a:effectRef idx="0">
+            <a:schemeClr val="accent1"/>
+          </a:effectRef>
+          <a:fontRef idx="minor">
+            <a:schemeClr val="tx1"/>
+          </a:fontRef>
+        </p:style>
+      </p:cxnSp>
+      <p:cxnSp>
+        <p:nvCxnSpPr>
+          <p:cNvPr id="77" name="直線コネクタ 76">
+            <a:extLst>
+              <a:ext uri="{FF2B5EF4-FFF2-40B4-BE49-F238E27FC236}">
+                <a16:creationId xmlns:a16="http://schemas.microsoft.com/office/drawing/2014/main" id="{30CD745A-63AE-4B4B-B2A9-96ED160566B9}"/>
+              </a:ext>
+            </a:extLst>
+          </p:cNvPr>
+          <p:cNvCxnSpPr>
+            <a:cxnSpLocks/>
+          </p:cNvCxnSpPr>
+          <p:nvPr/>
+        </p:nvCxnSpPr>
+        <p:spPr>
+          <a:xfrm>
+            <a:off x="1641219" y="824520"/>
+            <a:ext cx="0" cy="5926585"/>
+          </a:xfrm>
+          <a:prstGeom prst="line">
+            <a:avLst/>
+          </a:prstGeom>
+          <a:ln>
+            <a:prstDash val="dash"/>
+          </a:ln>
+        </p:spPr>
+        <p:style>
+          <a:lnRef idx="1">
+            <a:schemeClr val="accent1"/>
+          </a:lnRef>
+          <a:fillRef idx="0">
+            <a:schemeClr val="accent1"/>
+          </a:fillRef>
+          <a:effectRef idx="0">
+            <a:schemeClr val="accent1"/>
+          </a:effectRef>
+          <a:fontRef idx="minor">
+            <a:schemeClr val="tx1"/>
+          </a:fontRef>
+        </p:style>
+      </p:cxnSp>
+      <p:cxnSp>
+        <p:nvCxnSpPr>
+          <p:cNvPr id="82" name="直線コネクタ 81">
+            <a:extLst>
+              <a:ext uri="{FF2B5EF4-FFF2-40B4-BE49-F238E27FC236}">
+                <a16:creationId xmlns:a16="http://schemas.microsoft.com/office/drawing/2014/main" id="{C8FDE722-587C-4634-8DA4-0181D4A7A141}"/>
+              </a:ext>
+            </a:extLst>
+          </p:cNvPr>
+          <p:cNvCxnSpPr>
+            <a:cxnSpLocks/>
+          </p:cNvCxnSpPr>
+          <p:nvPr/>
+        </p:nvCxnSpPr>
+        <p:spPr>
+          <a:xfrm>
+            <a:off x="1692111" y="1456444"/>
+            <a:ext cx="7206792" cy="0"/>
+          </a:xfrm>
+          <a:prstGeom prst="line">
+            <a:avLst/>
+          </a:prstGeom>
+          <a:ln>
+            <a:prstDash val="dash"/>
+          </a:ln>
+        </p:spPr>
+        <p:style>
+          <a:lnRef idx="1">
+            <a:schemeClr val="accent1"/>
+          </a:lnRef>
+          <a:fillRef idx="0">
+            <a:schemeClr val="accent1"/>
+          </a:fillRef>
+          <a:effectRef idx="0">
+            <a:schemeClr val="accent1"/>
+          </a:effectRef>
+          <a:fontRef idx="minor">
+            <a:schemeClr val="tx1"/>
+          </a:fontRef>
+        </p:style>
+      </p:cxnSp>
+      <p:sp>
+        <p:nvSpPr>
+          <p:cNvPr id="85" name="テキスト ボックス 84">
+            <a:extLst>
+              <a:ext uri="{FF2B5EF4-FFF2-40B4-BE49-F238E27FC236}">
+                <a16:creationId xmlns:a16="http://schemas.microsoft.com/office/drawing/2014/main" id="{C154A315-7D1E-461F-AC99-A49D83DCF532}"/>
+              </a:ext>
+            </a:extLst>
+          </p:cNvPr>
+          <p:cNvSpPr txBox="1"/>
+          <p:nvPr/>
+        </p:nvSpPr>
+        <p:spPr>
+          <a:xfrm>
+            <a:off x="5632785" y="193926"/>
+            <a:ext cx="2469140" cy="318924"/>
+          </a:xfrm>
+          <a:prstGeom prst="rect">
+            <a:avLst/>
+          </a:prstGeom>
+          <a:noFill/>
+        </p:spPr>
+        <p:txBody>
+          <a:bodyPr wrap="square" lIns="36000" tIns="36000" rIns="36000" bIns="36000" rtlCol="0" anchor="ctr">
+            <a:spAutoFit/>
+          </a:bodyPr>
+          <a:lstStyle/>
+          <a:p>
+            <a:pPr algn="ctr"/>
+            <a:r>
+              <a:rPr lang="ja-JP" altLang="en-US" sz="1600" b="1" dirty="0">
+                <a:latin typeface="Segoe UI Light" panose="020B0502040204020203" pitchFamily="34" charset="0"/>
+                <a:cs typeface="Segoe UI Light" panose="020B0502040204020203" pitchFamily="34" charset="0"/>
+              </a:rPr>
+              <a:t>③ </a:t>
+            </a:r>
+            <a:r>
+              <a:rPr kumimoji="1" lang="en-US" altLang="ja-JP" sz="1600" b="1" dirty="0">
+                <a:latin typeface="Segoe UI Light" panose="020B0502040204020203" pitchFamily="34" charset="0"/>
+                <a:cs typeface="Segoe UI Light" panose="020B0502040204020203" pitchFamily="34" charset="0"/>
+              </a:rPr>
+              <a:t>User application</a:t>
+            </a:r>
+            <a:endParaRPr kumimoji="1" lang="ja-JP" altLang="en-US" sz="1600" b="1" dirty="0">
+              <a:latin typeface="Segoe UI Light" panose="020B0502040204020203" pitchFamily="34" charset="0"/>
+              <a:cs typeface="Segoe UI Light" panose="020B0502040204020203" pitchFamily="34" charset="0"/>
+            </a:endParaRPr>
+          </a:p>
+        </p:txBody>
+      </p:sp>
+      <p:sp>
+        <p:nvSpPr>
+          <p:cNvPr id="87" name="テキスト ボックス 86">
+            <a:extLst>
+              <a:ext uri="{FF2B5EF4-FFF2-40B4-BE49-F238E27FC236}">
+                <a16:creationId xmlns:a16="http://schemas.microsoft.com/office/drawing/2014/main" id="{17346B7F-F713-45B0-A612-84BB02269099}"/>
+              </a:ext>
+            </a:extLst>
+          </p:cNvPr>
+          <p:cNvSpPr txBox="1"/>
+          <p:nvPr/>
+        </p:nvSpPr>
+        <p:spPr>
+          <a:xfrm>
+            <a:off x="127921" y="873114"/>
+            <a:ext cx="1482141" cy="565146"/>
+          </a:xfrm>
+          <a:prstGeom prst="rect">
+            <a:avLst/>
+          </a:prstGeom>
+          <a:noFill/>
+        </p:spPr>
+        <p:txBody>
+          <a:bodyPr wrap="square" lIns="36000" tIns="36000" rIns="36000" bIns="36000" rtlCol="0" anchor="ctr">
+            <a:spAutoFit/>
+          </a:bodyPr>
+          <a:lstStyle/>
+          <a:p>
+            <a:pPr algn="ctr"/>
+            <a:r>
+              <a:rPr kumimoji="1" lang="ja-JP" altLang="en-US" sz="1600" b="1" dirty="0">
+                <a:latin typeface="Segoe UI Light" panose="020B0502040204020203" pitchFamily="34" charset="0"/>
+                <a:cs typeface="Segoe UI Light" panose="020B0502040204020203" pitchFamily="34" charset="0"/>
+              </a:rPr>
+              <a:t>⑦ </a:t>
+            </a:r>
+            <a:r>
+              <a:rPr kumimoji="1" lang="en-US" altLang="ja-JP" sz="1600" b="1" dirty="0">
+                <a:latin typeface="Segoe UI Light" panose="020B0502040204020203" pitchFamily="34" charset="0"/>
+                <a:cs typeface="Segoe UI Light" panose="020B0502040204020203" pitchFamily="34" charset="0"/>
+              </a:rPr>
+              <a:t>Business Intelligence</a:t>
+            </a:r>
+            <a:endParaRPr kumimoji="1" lang="ja-JP" altLang="en-US" sz="1600" b="1" dirty="0">
+              <a:latin typeface="Segoe UI Light" panose="020B0502040204020203" pitchFamily="34" charset="0"/>
+              <a:cs typeface="Segoe UI Light" panose="020B0502040204020203" pitchFamily="34" charset="0"/>
+            </a:endParaRPr>
+          </a:p>
+        </p:txBody>
+      </p:sp>
+      <p:cxnSp>
+        <p:nvCxnSpPr>
+          <p:cNvPr id="92" name="直線矢印コネクタ 91">
+            <a:extLst>
+              <a:ext uri="{FF2B5EF4-FFF2-40B4-BE49-F238E27FC236}">
+                <a16:creationId xmlns:a16="http://schemas.microsoft.com/office/drawing/2014/main" id="{2207A874-DFFF-43D4-8B19-97C2256BABBC}"/>
+              </a:ext>
+            </a:extLst>
+          </p:cNvPr>
+          <p:cNvCxnSpPr>
+            <a:cxnSpLocks/>
+            <a:stCxn id="51" idx="2"/>
+            <a:endCxn id="70" idx="0"/>
+          </p:cNvCxnSpPr>
+          <p:nvPr/>
+        </p:nvCxnSpPr>
+        <p:spPr>
+          <a:xfrm>
+            <a:off x="2718750" y="4398353"/>
+            <a:ext cx="7506" cy="432504"/>
+          </a:xfrm>
+          <a:prstGeom prst="straightConnector1">
+            <a:avLst/>
+          </a:prstGeom>
+          <a:ln>
+            <a:tailEnd type="triangle"/>
+          </a:ln>
+        </p:spPr>
+        <p:style>
+          <a:lnRef idx="1">
+            <a:schemeClr val="accent1"/>
+          </a:lnRef>
+          <a:fillRef idx="0">
+            <a:schemeClr val="accent1"/>
+          </a:fillRef>
+          <a:effectRef idx="0">
+            <a:schemeClr val="accent1"/>
+          </a:effectRef>
+          <a:fontRef idx="minor">
+            <a:schemeClr val="tx1"/>
+          </a:fontRef>
+        </p:style>
+      </p:cxnSp>
+      <p:cxnSp>
+        <p:nvCxnSpPr>
+          <p:cNvPr id="95" name="コネクタ: カギ線 94">
+            <a:extLst>
+              <a:ext uri="{FF2B5EF4-FFF2-40B4-BE49-F238E27FC236}">
+                <a16:creationId xmlns:a16="http://schemas.microsoft.com/office/drawing/2014/main" id="{58D3D5D4-1C38-4651-96F4-B1021675049B}"/>
+              </a:ext>
+            </a:extLst>
+          </p:cNvPr>
+          <p:cNvCxnSpPr>
+            <a:cxnSpLocks/>
+            <a:endCxn id="51" idx="0"/>
+          </p:cNvCxnSpPr>
+          <p:nvPr/>
+        </p:nvCxnSpPr>
+        <p:spPr>
+          <a:xfrm rot="5400000">
+            <a:off x="2741134" y="3519704"/>
+            <a:ext cx="415812" cy="460579"/>
+          </a:xfrm>
+          <a:prstGeom prst="bentConnector3">
+            <a:avLst>
+              <a:gd name="adj1" fmla="val 50000"/>
+            </a:avLst>
+          </a:prstGeom>
+          <a:ln>
+            <a:tailEnd type="triangle"/>
+          </a:ln>
+        </p:spPr>
+        <p:style>
+          <a:lnRef idx="1">
+            <a:schemeClr val="accent1"/>
+          </a:lnRef>
+          <a:fillRef idx="0">
+            <a:schemeClr val="accent1"/>
+          </a:fillRef>
+          <a:effectRef idx="0">
+            <a:schemeClr val="accent1"/>
+          </a:effectRef>
+          <a:fontRef idx="minor">
+            <a:schemeClr val="tx1"/>
+          </a:fontRef>
+        </p:style>
+      </p:cxnSp>
+      <p:cxnSp>
+        <p:nvCxnSpPr>
+          <p:cNvPr id="98" name="コネクタ: カギ線 97">
+            <a:extLst>
+              <a:ext uri="{FF2B5EF4-FFF2-40B4-BE49-F238E27FC236}">
+                <a16:creationId xmlns:a16="http://schemas.microsoft.com/office/drawing/2014/main" id="{EF28A766-F5E1-42AD-B7E5-5ABEF40DE908}"/>
+              </a:ext>
+            </a:extLst>
+          </p:cNvPr>
+          <p:cNvCxnSpPr>
+            <a:cxnSpLocks/>
+            <a:endCxn id="51" idx="0"/>
+          </p:cNvCxnSpPr>
+          <p:nvPr/>
+        </p:nvCxnSpPr>
+        <p:spPr>
+          <a:xfrm rot="16200000" flipH="1">
+            <a:off x="2244353" y="3483502"/>
+            <a:ext cx="415812" cy="532981"/>
+          </a:xfrm>
+          <a:prstGeom prst="bentConnector3">
+            <a:avLst>
+              <a:gd name="adj1" fmla="val 50000"/>
+            </a:avLst>
+          </a:prstGeom>
+          <a:ln>
+            <a:tailEnd type="triangle"/>
+          </a:ln>
+        </p:spPr>
+        <p:style>
+          <a:lnRef idx="1">
+            <a:schemeClr val="accent1"/>
+          </a:lnRef>
+          <a:fillRef idx="0">
+            <a:schemeClr val="accent1"/>
+          </a:fillRef>
+          <a:effectRef idx="0">
+            <a:schemeClr val="accent1"/>
+          </a:effectRef>
+          <a:fontRef idx="minor">
+            <a:schemeClr val="tx1"/>
+          </a:fontRef>
+        </p:style>
+      </p:cxnSp>
+      <p:pic>
+        <p:nvPicPr>
+          <p:cNvPr id="99" name="図 98">
+            <a:extLst>
+              <a:ext uri="{FF2B5EF4-FFF2-40B4-BE49-F238E27FC236}">
+                <a16:creationId xmlns:a16="http://schemas.microsoft.com/office/drawing/2014/main" id="{9F03D18E-00ED-4202-9D63-31D378E65B0C}"/>
+              </a:ext>
+            </a:extLst>
+          </p:cNvPr>
+          <p:cNvPicPr>
+            <a:picLocks noChangeAspect="1"/>
+          </p:cNvPicPr>
+          <p:nvPr/>
+        </p:nvPicPr>
+        <p:blipFill>
+          <a:blip r:embed="rId12">
+            <a:extLst>
+              <a:ext uri="{28A0092B-C50C-407E-A947-70E740481C1C}">
+                <a14:useLocalDpi xmlns:a14="http://schemas.microsoft.com/office/drawing/2010/main" val="0"/>
+              </a:ext>
+            </a:extLst>
+          </a:blip>
+          <a:stretch>
+            <a:fillRect/>
+          </a:stretch>
+        </p:blipFill>
+        <p:spPr>
+          <a:xfrm>
+            <a:off x="7145603" y="2831837"/>
+            <a:ext cx="440454" cy="440454"/>
+          </a:xfrm>
+          <a:prstGeom prst="rect">
+            <a:avLst/>
+          </a:prstGeom>
+        </p:spPr>
+      </p:pic>
+      <p:pic>
+        <p:nvPicPr>
+          <p:cNvPr id="100" name="図 99">
+            <a:extLst>
+              <a:ext uri="{FF2B5EF4-FFF2-40B4-BE49-F238E27FC236}">
+                <a16:creationId xmlns:a16="http://schemas.microsoft.com/office/drawing/2014/main" id="{F6372E54-A5D7-4CEE-8366-85CF58988F0B}"/>
+              </a:ext>
+            </a:extLst>
+          </p:cNvPr>
+          <p:cNvPicPr>
+            <a:picLocks noChangeAspect="1"/>
+          </p:cNvPicPr>
+          <p:nvPr/>
+        </p:nvPicPr>
+        <p:blipFill>
+          <a:blip r:embed="rId12">
+            <a:extLst>
+              <a:ext uri="{28A0092B-C50C-407E-A947-70E740481C1C}">
+                <a14:useLocalDpi xmlns:a14="http://schemas.microsoft.com/office/drawing/2010/main" val="0"/>
+              </a:ext>
+            </a:extLst>
+          </a:blip>
+          <a:stretch>
+            <a:fillRect/>
+          </a:stretch>
+        </p:blipFill>
+        <p:spPr>
+          <a:xfrm>
+            <a:off x="7827318" y="2829270"/>
+            <a:ext cx="440454" cy="440454"/>
+          </a:xfrm>
+          <a:prstGeom prst="rect">
+            <a:avLst/>
+          </a:prstGeom>
+        </p:spPr>
+      </p:pic>
+      <p:cxnSp>
+        <p:nvCxnSpPr>
+          <p:cNvPr id="102" name="コネクタ: カギ線 101">
+            <a:extLst>
+              <a:ext uri="{FF2B5EF4-FFF2-40B4-BE49-F238E27FC236}">
+                <a16:creationId xmlns:a16="http://schemas.microsoft.com/office/drawing/2014/main" id="{365FED67-9ED6-4E3F-AEA6-D68AB11658A7}"/>
+              </a:ext>
+            </a:extLst>
+          </p:cNvPr>
+          <p:cNvCxnSpPr>
+            <a:cxnSpLocks/>
+            <a:stCxn id="70" idx="1"/>
+            <a:endCxn id="58" idx="2"/>
+          </p:cNvCxnSpPr>
+          <p:nvPr/>
+        </p:nvCxnSpPr>
+        <p:spPr>
+          <a:xfrm rot="10800000">
+            <a:off x="924944" y="4163365"/>
+            <a:ext cx="890511" cy="1645240"/>
+          </a:xfrm>
+          <a:prstGeom prst="bentConnector2">
+            <a:avLst/>
+          </a:prstGeom>
+          <a:ln>
+            <a:tailEnd type="triangle"/>
+          </a:ln>
+        </p:spPr>
+        <p:style>
+          <a:lnRef idx="1">
+            <a:schemeClr val="accent1"/>
+          </a:lnRef>
+          <a:fillRef idx="0">
+            <a:schemeClr val="accent1"/>
+          </a:fillRef>
+          <a:effectRef idx="0">
+            <a:schemeClr val="accent1"/>
+          </a:effectRef>
+          <a:fontRef idx="minor">
+            <a:schemeClr val="tx1"/>
+          </a:fontRef>
+        </p:style>
+      </p:cxnSp>
+      <p:cxnSp>
+        <p:nvCxnSpPr>
+          <p:cNvPr id="109" name="コネクタ: カギ線 108">
+            <a:extLst>
+              <a:ext uri="{FF2B5EF4-FFF2-40B4-BE49-F238E27FC236}">
+                <a16:creationId xmlns:a16="http://schemas.microsoft.com/office/drawing/2014/main" id="{65A38F68-B806-4997-9A95-865FFD76647A}"/>
+              </a:ext>
+            </a:extLst>
+          </p:cNvPr>
+          <p:cNvCxnSpPr>
+            <a:stCxn id="38" idx="3"/>
+            <a:endCxn id="20" idx="0"/>
+          </p:cNvCxnSpPr>
+          <p:nvPr/>
+        </p:nvCxnSpPr>
+        <p:spPr>
+          <a:xfrm>
+            <a:off x="5632785" y="906302"/>
+            <a:ext cx="2063847" cy="552388"/>
+          </a:xfrm>
+          <a:prstGeom prst="bentConnector2">
+            <a:avLst/>
+          </a:prstGeom>
+          <a:ln>
+            <a:headEnd type="triangle" w="med" len="med"/>
+            <a:tailEnd type="triangle" w="med" len="med"/>
+          </a:ln>
+        </p:spPr>
+        <p:style>
+          <a:lnRef idx="1">
+            <a:schemeClr val="accent1"/>
+          </a:lnRef>
+          <a:fillRef idx="0">
+            <a:schemeClr val="accent1"/>
+          </a:fillRef>
+          <a:effectRef idx="0">
+            <a:schemeClr val="accent1"/>
+          </a:effectRef>
+          <a:fontRef idx="minor">
+            <a:schemeClr val="tx1"/>
+          </a:fontRef>
+        </p:style>
+      </p:cxnSp>
+      <p:cxnSp>
+        <p:nvCxnSpPr>
+          <p:cNvPr id="110" name="コネクタ: カギ線 109">
+            <a:extLst>
+              <a:ext uri="{FF2B5EF4-FFF2-40B4-BE49-F238E27FC236}">
+                <a16:creationId xmlns:a16="http://schemas.microsoft.com/office/drawing/2014/main" id="{9E8D22E6-4844-418C-8FD4-D4E90EE32070}"/>
+              </a:ext>
+            </a:extLst>
+          </p:cNvPr>
+          <p:cNvCxnSpPr>
+            <a:cxnSpLocks/>
+            <a:endCxn id="38" idx="1"/>
+          </p:cNvCxnSpPr>
+          <p:nvPr/>
+        </p:nvCxnSpPr>
+        <p:spPr>
+          <a:xfrm rot="5400000" flipH="1" flipV="1">
+            <a:off x="3432643" y="227781"/>
+            <a:ext cx="690347" cy="2047391"/>
+          </a:xfrm>
+          <a:prstGeom prst="bentConnector2">
+            <a:avLst/>
+          </a:prstGeom>
+          <a:ln>
+            <a:headEnd type="triangle" w="med" len="med"/>
+            <a:tailEnd type="none" w="med" len="med"/>
+          </a:ln>
+        </p:spPr>
+        <p:style>
+          <a:lnRef idx="1">
+            <a:schemeClr val="accent1"/>
+          </a:lnRef>
+          <a:fillRef idx="0">
+            <a:schemeClr val="accent1"/>
+          </a:fillRef>
+          <a:effectRef idx="0">
+            <a:schemeClr val="accent1"/>
+          </a:effectRef>
+          <a:fontRef idx="minor">
+            <a:schemeClr val="tx1"/>
+          </a:fontRef>
+        </p:style>
+      </p:cxnSp>
+      <p:cxnSp>
+        <p:nvCxnSpPr>
+          <p:cNvPr id="114" name="直線矢印コネクタ 113">
+            <a:extLst>
+              <a:ext uri="{FF2B5EF4-FFF2-40B4-BE49-F238E27FC236}">
+                <a16:creationId xmlns:a16="http://schemas.microsoft.com/office/drawing/2014/main" id="{E764DA01-8EDC-464D-BBE3-341D63414D03}"/>
+              </a:ext>
+            </a:extLst>
+          </p:cNvPr>
+          <p:cNvCxnSpPr>
+            <a:cxnSpLocks/>
+            <a:stCxn id="38" idx="2"/>
+          </p:cNvCxnSpPr>
+          <p:nvPr/>
+        </p:nvCxnSpPr>
+        <p:spPr>
+          <a:xfrm>
+            <a:off x="5217149" y="1321938"/>
+            <a:ext cx="2747" cy="297935"/>
+          </a:xfrm>
+          <a:prstGeom prst="straightConnector1">
+            <a:avLst/>
+          </a:prstGeom>
+          <a:ln>
+            <a:headEnd type="triangle" w="med" len="med"/>
+            <a:tailEnd type="triangle" w="med" len="med"/>
+          </a:ln>
+        </p:spPr>
+        <p:style>
+          <a:lnRef idx="1">
+            <a:schemeClr val="accent1"/>
+          </a:lnRef>
+          <a:fillRef idx="0">
+            <a:schemeClr val="accent1"/>
+          </a:fillRef>
+          <a:effectRef idx="0">
+            <a:schemeClr val="accent1"/>
+          </a:effectRef>
+          <a:fontRef idx="minor">
+            <a:schemeClr val="tx1"/>
+          </a:fontRef>
+        </p:style>
+      </p:cxnSp>
+      <p:cxnSp>
+        <p:nvCxnSpPr>
+          <p:cNvPr id="116" name="直線矢印コネクタ 115">
+            <a:extLst>
+              <a:ext uri="{FF2B5EF4-FFF2-40B4-BE49-F238E27FC236}">
+                <a16:creationId xmlns:a16="http://schemas.microsoft.com/office/drawing/2014/main" id="{A0A16449-ECA1-4A0F-AE84-EA9009DB5F36}"/>
+              </a:ext>
+            </a:extLst>
+          </p:cNvPr>
+          <p:cNvCxnSpPr>
+            <a:cxnSpLocks/>
+            <a:stCxn id="19" idx="2"/>
+            <a:endCxn id="14" idx="0"/>
+          </p:cNvCxnSpPr>
+          <p:nvPr/>
+        </p:nvCxnSpPr>
+        <p:spPr>
+          <a:xfrm flipH="1">
+            <a:off x="5016689" y="3763651"/>
+            <a:ext cx="2227172" cy="1223008"/>
+          </a:xfrm>
+          <a:prstGeom prst="straightConnector1">
+            <a:avLst/>
+          </a:prstGeom>
+          <a:ln>
+            <a:headEnd type="triangle" w="med" len="med"/>
+            <a:tailEnd type="triangle" w="med" len="med"/>
+          </a:ln>
+        </p:spPr>
+        <p:style>
+          <a:lnRef idx="1">
+            <a:schemeClr val="accent1"/>
+          </a:lnRef>
+          <a:fillRef idx="0">
+            <a:schemeClr val="accent1"/>
+          </a:fillRef>
+          <a:effectRef idx="0">
+            <a:schemeClr val="accent1"/>
+          </a:effectRef>
+          <a:fontRef idx="minor">
+            <a:schemeClr val="tx1"/>
+          </a:fontRef>
+        </p:style>
+      </p:cxnSp>
+      <p:cxnSp>
+        <p:nvCxnSpPr>
+          <p:cNvPr id="118" name="直線矢印コネクタ 117">
+            <a:extLst>
+              <a:ext uri="{FF2B5EF4-FFF2-40B4-BE49-F238E27FC236}">
+                <a16:creationId xmlns:a16="http://schemas.microsoft.com/office/drawing/2014/main" id="{D481EE9F-1C3A-42EA-B1B4-E76ECE1565F5}"/>
+              </a:ext>
+            </a:extLst>
+          </p:cNvPr>
+          <p:cNvCxnSpPr>
+            <a:cxnSpLocks/>
+            <a:stCxn id="47" idx="2"/>
+          </p:cNvCxnSpPr>
+          <p:nvPr/>
+        </p:nvCxnSpPr>
+        <p:spPr>
+          <a:xfrm flipH="1">
+            <a:off x="5158313" y="3735031"/>
+            <a:ext cx="6817" cy="1095826"/>
+          </a:xfrm>
+          <a:prstGeom prst="straightConnector1">
+            <a:avLst/>
+          </a:prstGeom>
+          <a:ln>
+            <a:headEnd type="triangle" w="med" len="med"/>
+            <a:tailEnd type="triangle" w="med" len="med"/>
+          </a:ln>
+        </p:spPr>
+        <p:style>
+          <a:lnRef idx="1">
+            <a:schemeClr val="accent1"/>
+          </a:lnRef>
+          <a:fillRef idx="0">
+            <a:schemeClr val="accent1"/>
+          </a:fillRef>
+          <a:effectRef idx="0">
+            <a:schemeClr val="accent1"/>
+          </a:effectRef>
+          <a:fontRef idx="minor">
+            <a:schemeClr val="tx1"/>
+          </a:fontRef>
+        </p:style>
+      </p:cxnSp>
+      <p:cxnSp>
+        <p:nvCxnSpPr>
+          <p:cNvPr id="125" name="直線矢印コネクタ 124">
+            <a:extLst>
+              <a:ext uri="{FF2B5EF4-FFF2-40B4-BE49-F238E27FC236}">
+                <a16:creationId xmlns:a16="http://schemas.microsoft.com/office/drawing/2014/main" id="{34A66B6E-548D-47E5-8BC5-94ADADEE9A37}"/>
+              </a:ext>
+            </a:extLst>
+          </p:cNvPr>
+          <p:cNvCxnSpPr/>
+          <p:nvPr/>
+        </p:nvCxnSpPr>
+        <p:spPr>
+          <a:xfrm>
+            <a:off x="6099350" y="2847702"/>
+            <a:ext cx="688183" cy="0"/>
+          </a:xfrm>
+          <a:prstGeom prst="straightConnector1">
+            <a:avLst/>
+          </a:prstGeom>
+          <a:ln>
+            <a:headEnd type="triangle" w="med" len="med"/>
+            <a:tailEnd type="triangle" w="med" len="med"/>
+          </a:ln>
+        </p:spPr>
+        <p:style>
+          <a:lnRef idx="1">
+            <a:schemeClr val="accent1"/>
+          </a:lnRef>
+          <a:fillRef idx="0">
+            <a:schemeClr val="accent1"/>
+          </a:fillRef>
+          <a:effectRef idx="0">
+            <a:schemeClr val="accent1"/>
+          </a:effectRef>
+          <a:fontRef idx="minor">
+            <a:schemeClr val="tx1"/>
+          </a:fontRef>
+        </p:style>
+      </p:cxnSp>
+      <p:sp>
+        <p:nvSpPr>
+          <p:cNvPr id="127" name="テキスト ボックス 126">
+            <a:extLst>
+              <a:ext uri="{FF2B5EF4-FFF2-40B4-BE49-F238E27FC236}">
+                <a16:creationId xmlns:a16="http://schemas.microsoft.com/office/drawing/2014/main" id="{C4A61B96-75B2-4966-BAAE-0A8CC14FBABB}"/>
+              </a:ext>
+            </a:extLst>
+          </p:cNvPr>
+          <p:cNvSpPr txBox="1"/>
+          <p:nvPr/>
+        </p:nvSpPr>
+        <p:spPr>
+          <a:xfrm>
+            <a:off x="9447582" y="514673"/>
+            <a:ext cx="2199227" cy="318924"/>
+          </a:xfrm>
+          <a:prstGeom prst="rect">
+            <a:avLst/>
+          </a:prstGeom>
+          <a:noFill/>
+        </p:spPr>
+        <p:txBody>
+          <a:bodyPr wrap="square" lIns="36000" tIns="36000" rIns="36000" bIns="36000" rtlCol="0" anchor="ctr">
+            <a:spAutoFit/>
+          </a:bodyPr>
+          <a:lstStyle/>
+          <a:p>
+            <a:pPr algn="ctr"/>
+            <a:r>
+              <a:rPr lang="ja-JP" altLang="en-US" sz="1600" b="1" dirty="0">
+                <a:latin typeface="Segoe UI Light" panose="020B0502040204020203" pitchFamily="34" charset="0"/>
+                <a:cs typeface="Segoe UI Light" panose="020B0502040204020203" pitchFamily="34" charset="0"/>
+              </a:rPr>
+              <a:t>② </a:t>
+            </a:r>
+            <a:r>
+              <a:rPr kumimoji="1" lang="en-US" altLang="ja-JP" sz="1600" b="1" dirty="0">
+                <a:latin typeface="Segoe UI Light" panose="020B0502040204020203" pitchFamily="34" charset="0"/>
+                <a:cs typeface="Segoe UI Light" panose="020B0502040204020203" pitchFamily="34" charset="0"/>
+              </a:rPr>
+              <a:t>Middle Tier</a:t>
+            </a:r>
+            <a:endParaRPr kumimoji="1" lang="ja-JP" altLang="en-US" sz="1600" b="1" dirty="0">
+              <a:latin typeface="Segoe UI Light" panose="020B0502040204020203" pitchFamily="34" charset="0"/>
+              <a:cs typeface="Segoe UI Light" panose="020B0502040204020203" pitchFamily="34" charset="0"/>
+            </a:endParaRPr>
+          </a:p>
+        </p:txBody>
+      </p:sp>
+      <p:sp>
+        <p:nvSpPr>
+          <p:cNvPr id="129" name="テキスト ボックス 128">
+            <a:extLst>
+              <a:ext uri="{FF2B5EF4-FFF2-40B4-BE49-F238E27FC236}">
+                <a16:creationId xmlns:a16="http://schemas.microsoft.com/office/drawing/2014/main" id="{D7032882-65E0-459E-8EBC-586476AA1832}"/>
+              </a:ext>
+            </a:extLst>
+          </p:cNvPr>
+          <p:cNvSpPr txBox="1"/>
+          <p:nvPr/>
+        </p:nvSpPr>
+        <p:spPr>
+          <a:xfrm>
+            <a:off x="9160324" y="4886735"/>
+            <a:ext cx="2784651" cy="534368"/>
+          </a:xfrm>
+          <a:prstGeom prst="rect">
+            <a:avLst/>
+          </a:prstGeom>
+          <a:noFill/>
+        </p:spPr>
+        <p:txBody>
+          <a:bodyPr wrap="square" lIns="36000" tIns="36000" rIns="36000" bIns="36000" rtlCol="0" anchor="ctr">
+            <a:spAutoFit/>
+          </a:bodyPr>
+          <a:lstStyle/>
+          <a:p>
+            <a:pPr algn="ctr"/>
+            <a:r>
+              <a:rPr kumimoji="1" lang="ja-JP" altLang="en-US" sz="1500" b="1" dirty="0">
+                <a:latin typeface="Segoe UI Light" panose="020B0502040204020203" pitchFamily="34" charset="0"/>
+                <a:cs typeface="Segoe UI Light" panose="020B0502040204020203" pitchFamily="34" charset="0"/>
+              </a:rPr>
+              <a:t>① </a:t>
+            </a:r>
+            <a:r>
+              <a:rPr lang="en-US" altLang="ja-JP" sz="1500" b="1" dirty="0">
+                <a:latin typeface="Segoe UI Light" panose="020B0502040204020203" pitchFamily="34" charset="0"/>
+                <a:cs typeface="Segoe UI Light" panose="020B0502040204020203" pitchFamily="34" charset="0"/>
+              </a:rPr>
+              <a:t>Quorum consortium platform + Shared Storage (IPFS)</a:t>
+            </a:r>
+            <a:endParaRPr kumimoji="1" lang="ja-JP" altLang="en-US" sz="1500" b="1" dirty="0">
+              <a:latin typeface="Segoe UI Light" panose="020B0502040204020203" pitchFamily="34" charset="0"/>
+              <a:cs typeface="Segoe UI Light" panose="020B0502040204020203" pitchFamily="34" charset="0"/>
+            </a:endParaRPr>
+          </a:p>
+        </p:txBody>
+      </p:sp>
+      <p:pic>
+        <p:nvPicPr>
+          <p:cNvPr id="30" name="グラフィックス 29" descr="銀行小切手">
+            <a:extLst>
+              <a:ext uri="{FF2B5EF4-FFF2-40B4-BE49-F238E27FC236}">
+                <a16:creationId xmlns:a16="http://schemas.microsoft.com/office/drawing/2014/main" id="{051D31CA-BB4F-4A49-8B83-CCCC33D19065}"/>
+              </a:ext>
+            </a:extLst>
+          </p:cNvPr>
+          <p:cNvPicPr>
+            <a:picLocks noChangeAspect="1"/>
+          </p:cNvPicPr>
+          <p:nvPr/>
+        </p:nvPicPr>
+        <p:blipFill rotWithShape="1">
+          <a:blip r:embed="rId14">
+            <a:extLst>
+              <a:ext uri="{28A0092B-C50C-407E-A947-70E740481C1C}">
+                <a14:useLocalDpi xmlns:a14="http://schemas.microsoft.com/office/drawing/2010/main" val="0"/>
+              </a:ext>
+              <a:ext uri="{96DAC541-7B7A-43D3-8B79-37D633B846F1}">
+                <asvg:svgBlip xmlns:asvg="http://schemas.microsoft.com/office/drawing/2016/SVG/main" r:embed="rId15"/>
+              </a:ext>
+            </a:extLst>
+          </a:blip>
+          <a:srcRect t="19313" b="23937"/>
+          <a:stretch/>
+        </p:blipFill>
+        <p:spPr>
+          <a:xfrm>
+            <a:off x="4274068" y="6398515"/>
+            <a:ext cx="516155" cy="292913"/>
+          </a:xfrm>
+          <a:prstGeom prst="rect">
+            <a:avLst/>
+          </a:prstGeom>
+        </p:spPr>
+      </p:pic>
+      <p:pic>
+        <p:nvPicPr>
+          <p:cNvPr id="91" name="グラフィックス 90" descr="銀行小切手">
+            <a:extLst>
+              <a:ext uri="{FF2B5EF4-FFF2-40B4-BE49-F238E27FC236}">
+                <a16:creationId xmlns:a16="http://schemas.microsoft.com/office/drawing/2014/main" id="{346BEFF9-E35B-4B69-95E3-8342ECACB8A9}"/>
+              </a:ext>
+            </a:extLst>
+          </p:cNvPr>
+          <p:cNvPicPr>
+            <a:picLocks noChangeAspect="1"/>
+          </p:cNvPicPr>
+          <p:nvPr/>
+        </p:nvPicPr>
+        <p:blipFill rotWithShape="1">
+          <a:blip r:embed="rId16">
+            <a:extLst>
+              <a:ext uri="{28A0092B-C50C-407E-A947-70E740481C1C}">
+                <a14:useLocalDpi xmlns:a14="http://schemas.microsoft.com/office/drawing/2010/main" val="0"/>
+              </a:ext>
+              <a:ext uri="{96DAC541-7B7A-43D3-8B79-37D633B846F1}">
+                <asvg:svgBlip xmlns:asvg="http://schemas.microsoft.com/office/drawing/2016/SVG/main" r:embed="rId17"/>
+              </a:ext>
+            </a:extLst>
+          </a:blip>
+          <a:srcRect t="19313" b="23937"/>
+          <a:stretch/>
+        </p:blipFill>
+        <p:spPr>
+          <a:xfrm>
+            <a:off x="4780481" y="6398514"/>
+            <a:ext cx="516155" cy="292913"/>
+          </a:xfrm>
+          <a:prstGeom prst="rect">
+            <a:avLst/>
+          </a:prstGeom>
+        </p:spPr>
+      </p:pic>
+      <p:pic>
+        <p:nvPicPr>
+          <p:cNvPr id="93" name="グラフィックス 92" descr="銀行小切手">
+            <a:extLst>
+              <a:ext uri="{FF2B5EF4-FFF2-40B4-BE49-F238E27FC236}">
+                <a16:creationId xmlns:a16="http://schemas.microsoft.com/office/drawing/2014/main" id="{75A932DE-DDB8-4883-BC2D-63488D989137}"/>
+              </a:ext>
+            </a:extLst>
+          </p:cNvPr>
+          <p:cNvPicPr>
+            <a:picLocks noChangeAspect="1"/>
+          </p:cNvPicPr>
+          <p:nvPr/>
+        </p:nvPicPr>
+        <p:blipFill rotWithShape="1">
+          <a:blip r:embed="rId18">
+            <a:extLst>
+              <a:ext uri="{28A0092B-C50C-407E-A947-70E740481C1C}">
+                <a14:useLocalDpi xmlns:a14="http://schemas.microsoft.com/office/drawing/2010/main" val="0"/>
+              </a:ext>
+              <a:ext uri="{96DAC541-7B7A-43D3-8B79-37D633B846F1}">
+                <asvg:svgBlip xmlns:asvg="http://schemas.microsoft.com/office/drawing/2016/SVG/main" r:embed="rId19"/>
+              </a:ext>
+            </a:extLst>
+          </a:blip>
+          <a:srcRect t="19313" b="23937"/>
+          <a:stretch/>
+        </p:blipFill>
+        <p:spPr>
+          <a:xfrm>
+            <a:off x="5286893" y="6398514"/>
+            <a:ext cx="516155" cy="292913"/>
+          </a:xfrm>
+          <a:prstGeom prst="rect">
+            <a:avLst/>
+          </a:prstGeom>
+        </p:spPr>
+      </p:pic>
+      <p:pic>
+        <p:nvPicPr>
+          <p:cNvPr id="296" name="図 295">
+            <a:extLst>
+              <a:ext uri="{FF2B5EF4-FFF2-40B4-BE49-F238E27FC236}">
+                <a16:creationId xmlns:a16="http://schemas.microsoft.com/office/drawing/2014/main" id="{25699360-01DA-471F-9709-AFC46220B1DF}"/>
+              </a:ext>
+            </a:extLst>
+          </p:cNvPr>
+          <p:cNvPicPr>
+            <a:picLocks noChangeAspect="1"/>
+          </p:cNvPicPr>
+          <p:nvPr/>
+        </p:nvPicPr>
+        <p:blipFill>
+          <a:blip r:embed="rId20">
+            <a:extLst>
+              <a:ext uri="{28A0092B-C50C-407E-A947-70E740481C1C}">
+                <a14:useLocalDpi xmlns:a14="http://schemas.microsoft.com/office/drawing/2010/main" val="0"/>
+              </a:ext>
+            </a:extLst>
+          </a:blip>
+          <a:stretch>
+            <a:fillRect/>
+          </a:stretch>
+        </p:blipFill>
+        <p:spPr>
+          <a:xfrm>
+            <a:off x="4176285" y="208766"/>
+            <a:ext cx="532949" cy="532949"/>
+          </a:xfrm>
+          <a:prstGeom prst="rect">
+            <a:avLst/>
+          </a:prstGeom>
+        </p:spPr>
+      </p:pic>
+      <p:pic>
+        <p:nvPicPr>
+          <p:cNvPr id="297" name="図 296">
+            <a:extLst>
+              <a:ext uri="{FF2B5EF4-FFF2-40B4-BE49-F238E27FC236}">
+                <a16:creationId xmlns:a16="http://schemas.microsoft.com/office/drawing/2014/main" id="{BB7FFF74-7B99-42A5-A8C3-AA378ACDBA8D}"/>
+              </a:ext>
+            </a:extLst>
+          </p:cNvPr>
+          <p:cNvPicPr>
+            <a:picLocks noChangeAspect="1"/>
+          </p:cNvPicPr>
+          <p:nvPr/>
+        </p:nvPicPr>
+        <p:blipFill>
+          <a:blip r:embed="rId20">
+            <a:extLst>
+              <a:ext uri="{28A0092B-C50C-407E-A947-70E740481C1C}">
+                <a14:useLocalDpi xmlns:a14="http://schemas.microsoft.com/office/drawing/2010/main" val="0"/>
+              </a:ext>
+            </a:extLst>
+          </a:blip>
+          <a:stretch>
+            <a:fillRect/>
+          </a:stretch>
+        </p:blipFill>
+        <p:spPr>
+          <a:xfrm>
+            <a:off x="10259265" y="1189404"/>
+            <a:ext cx="649607" cy="649607"/>
+          </a:xfrm>
+          <a:prstGeom prst="rect">
+            <a:avLst/>
+          </a:prstGeom>
+        </p:spPr>
+      </p:pic>
+      <p:pic>
+        <p:nvPicPr>
+          <p:cNvPr id="308" name="図 307">
+            <a:extLst>
+              <a:ext uri="{FF2B5EF4-FFF2-40B4-BE49-F238E27FC236}">
+                <a16:creationId xmlns:a16="http://schemas.microsoft.com/office/drawing/2014/main" id="{A5E6B4E6-BACA-4AD0-8086-885593144033}"/>
+              </a:ext>
+            </a:extLst>
+          </p:cNvPr>
+          <p:cNvPicPr>
+            <a:picLocks noChangeAspect="1"/>
+          </p:cNvPicPr>
+          <p:nvPr/>
+        </p:nvPicPr>
+        <p:blipFill>
+          <a:blip r:embed="rId21"/>
+          <a:stretch>
+            <a:fillRect/>
+          </a:stretch>
+        </p:blipFill>
+        <p:spPr>
+          <a:xfrm>
+            <a:off x="2920069" y="4113702"/>
+            <a:ext cx="2089032" cy="798814"/>
+          </a:xfrm>
+          <a:prstGeom prst="rect">
+            <a:avLst/>
+          </a:prstGeom>
+        </p:spPr>
+      </p:pic>
+      <p:cxnSp>
+        <p:nvCxnSpPr>
+          <p:cNvPr id="3" name="直線矢印コネクタ 2">
+            <a:extLst>
+              <a:ext uri="{FF2B5EF4-FFF2-40B4-BE49-F238E27FC236}">
+                <a16:creationId xmlns:a16="http://schemas.microsoft.com/office/drawing/2014/main" id="{EA4E9BBE-45E6-4776-BAA9-987C536E1CBF}"/>
+              </a:ext>
+            </a:extLst>
+          </p:cNvPr>
+          <p:cNvCxnSpPr>
+            <a:stCxn id="296" idx="3"/>
+          </p:cNvCxnSpPr>
+          <p:nvPr/>
+        </p:nvCxnSpPr>
+        <p:spPr>
+          <a:xfrm>
+            <a:off x="4709234" y="475241"/>
+            <a:ext cx="263697" cy="175688"/>
+          </a:xfrm>
+          <a:prstGeom prst="straightConnector1">
+            <a:avLst/>
+          </a:prstGeom>
+          <a:ln>
+            <a:tailEnd type="triangle"/>
+          </a:ln>
+        </p:spPr>
+        <p:style>
+          <a:lnRef idx="1">
+            <a:schemeClr val="accent1"/>
+          </a:lnRef>
+          <a:fillRef idx="0">
+            <a:schemeClr val="accent1"/>
+          </a:fillRef>
+          <a:effectRef idx="0">
+            <a:schemeClr val="accent1"/>
+          </a:effectRef>
+          <a:fontRef idx="minor">
+            <a:schemeClr val="tx1"/>
+          </a:fontRef>
+        </p:style>
+      </p:cxnSp>
+      <p:cxnSp>
+        <p:nvCxnSpPr>
+          <p:cNvPr id="16" name="コネクタ: カギ線 15">
+            <a:extLst>
+              <a:ext uri="{FF2B5EF4-FFF2-40B4-BE49-F238E27FC236}">
+                <a16:creationId xmlns:a16="http://schemas.microsoft.com/office/drawing/2014/main" id="{7FB21DD4-9DD8-441F-8E69-950AA7303C0B}"/>
+              </a:ext>
+            </a:extLst>
+          </p:cNvPr>
+          <p:cNvCxnSpPr>
+            <a:stCxn id="58" idx="0"/>
+            <a:endCxn id="62" idx="2"/>
+          </p:cNvCxnSpPr>
+          <p:nvPr/>
+        </p:nvCxnSpPr>
+        <p:spPr>
+          <a:xfrm rot="5400000" flipH="1" flipV="1">
+            <a:off x="600946" y="3019318"/>
+            <a:ext cx="1027590" cy="379596"/>
+          </a:xfrm>
+          <a:prstGeom prst="bentConnector3">
+            <a:avLst/>
+          </a:prstGeom>
+          <a:ln>
+            <a:tailEnd type="triangle"/>
+          </a:ln>
+        </p:spPr>
+        <p:style>
+          <a:lnRef idx="1">
+            <a:schemeClr val="accent1"/>
+          </a:lnRef>
+          <a:fillRef idx="0">
+            <a:schemeClr val="accent1"/>
+          </a:fillRef>
+          <a:effectRef idx="0">
+            <a:schemeClr val="accent1"/>
+          </a:effectRef>
+          <a:fontRef idx="minor">
+            <a:schemeClr val="tx1"/>
+          </a:fontRef>
+        </p:style>
+      </p:cxnSp>
+      <p:cxnSp>
+        <p:nvCxnSpPr>
+          <p:cNvPr id="18" name="コネクタ: カギ線 17">
+            <a:extLst>
+              <a:ext uri="{FF2B5EF4-FFF2-40B4-BE49-F238E27FC236}">
+                <a16:creationId xmlns:a16="http://schemas.microsoft.com/office/drawing/2014/main" id="{013E1335-C7F0-438B-BBA5-E9F9CACC8F55}"/>
+              </a:ext>
+            </a:extLst>
+          </p:cNvPr>
+          <p:cNvCxnSpPr>
+            <a:stCxn id="58" idx="0"/>
+            <a:endCxn id="50" idx="2"/>
+          </p:cNvCxnSpPr>
+          <p:nvPr/>
+        </p:nvCxnSpPr>
+        <p:spPr>
+          <a:xfrm rot="16200000" flipV="1">
+            <a:off x="168020" y="2965987"/>
+            <a:ext cx="1041990" cy="471857"/>
+          </a:xfrm>
+          <a:prstGeom prst="bentConnector3">
+            <a:avLst/>
+          </a:prstGeom>
+          <a:ln>
+            <a:tailEnd type="triangle"/>
+          </a:ln>
+        </p:spPr>
+        <p:style>
+          <a:lnRef idx="1">
+            <a:schemeClr val="accent1"/>
+          </a:lnRef>
+          <a:fillRef idx="0">
+            <a:schemeClr val="accent1"/>
+          </a:fillRef>
+          <a:effectRef idx="0">
+            <a:schemeClr val="accent1"/>
+          </a:effectRef>
+          <a:fontRef idx="minor">
+            <a:schemeClr val="tx1"/>
+          </a:fontRef>
+        </p:style>
+      </p:cxnSp>
+      <p:sp>
+        <p:nvSpPr>
+          <p:cNvPr id="143" name="Rectangle: Rounded Corners 54">
+            <a:extLst>
+              <a:ext uri="{FF2B5EF4-FFF2-40B4-BE49-F238E27FC236}">
+                <a16:creationId xmlns:a16="http://schemas.microsoft.com/office/drawing/2014/main" id="{4619BB32-3C58-C34F-A148-8A08BFD9CC18}"/>
+              </a:ext>
+            </a:extLst>
+          </p:cNvPr>
+          <p:cNvSpPr/>
+          <p:nvPr/>
+        </p:nvSpPr>
+        <p:spPr bwMode="auto">
+          <a:xfrm>
+            <a:off x="9129657" y="5473286"/>
+            <a:ext cx="2966576" cy="1277820"/>
+          </a:xfrm>
+          <a:prstGeom prst="roundRect">
+            <a:avLst/>
+          </a:prstGeom>
+          <a:solidFill>
+            <a:srgbClr val="002050">
+              <a:lumMod val="25000"/>
+              <a:lumOff val="75000"/>
+            </a:srgbClr>
+          </a:solidFill>
+          <a:ln w="10795" cap="flat" cmpd="sng" algn="ctr">
+            <a:solidFill>
+              <a:srgbClr val="1A1A1A"/>
+            </a:solidFill>
+            <a:prstDash val="solid"/>
+            <a:headEnd type="none" w="med" len="med"/>
+            <a:tailEnd type="none" w="med" len="med"/>
+          </a:ln>
+          <a:effectLst/>
+        </p:spPr>
+        <p:txBody>
+          <a:bodyPr vert="horz" wrap="square" lIns="0" tIns="46637" rIns="0" bIns="46637" numCol="1" rtlCol="0" anchor="ctr" anchorCtr="0" compatLnSpc="1">
+            <a:prstTxWarp prst="textNoShape">
+              <a:avLst/>
+            </a:prstTxWarp>
+          </a:bodyPr>
+          <a:lstStyle/>
+          <a:p>
+            <a:pPr marL="0" marR="0" lvl="0" indent="0" algn="ctr" defTabSz="932472" eaLnBrk="1" fontAlgn="base" latinLnBrk="0" hangingPunct="1">
+              <a:lnSpc>
+                <a:spcPct val="100000"/>
+              </a:lnSpc>
+              <a:spcBef>
+                <a:spcPct val="0"/>
+              </a:spcBef>
+              <a:spcAft>
+                <a:spcPct val="0"/>
+              </a:spcAft>
+              <a:buClrTx/>
+              <a:buSzTx/>
+              <a:buFontTx/>
+              <a:buNone/>
+              <a:tabLst/>
+              <a:defRPr/>
+            </a:pPr>
+            <a:endParaRPr kumimoji="0" lang="en-US" sz="1600" b="0" i="0" u="none" strike="noStrike" kern="0" cap="none" spc="0" normalizeH="0" baseline="0" noProof="0" dirty="0">
+              <a:ln>
+                <a:noFill/>
+              </a:ln>
+              <a:gradFill>
+                <a:gsLst>
+                  <a:gs pos="40075">
+                    <a:srgbClr val="FFFFFF"/>
+                  </a:gs>
+                  <a:gs pos="30000">
+                    <a:srgbClr val="FFFFFF"/>
+                  </a:gs>
+                </a:gsLst>
+                <a:lin ang="5400000" scaled="0"/>
+              </a:gradFill>
+              <a:effectLst/>
+              <a:uLnTx/>
+              <a:uFillTx/>
+              <a:latin typeface="Segoe UI"/>
+              <a:ea typeface="+mn-ea"/>
+              <a:cs typeface="+mn-cs"/>
+            </a:endParaRPr>
+          </a:p>
+        </p:txBody>
+      </p:sp>
+      <p:sp>
+        <p:nvSpPr>
+          <p:cNvPr id="138" name="Rectangle: Rounded Corners 109">
+            <a:extLst>
+              <a:ext uri="{FF2B5EF4-FFF2-40B4-BE49-F238E27FC236}">
+                <a16:creationId xmlns:a16="http://schemas.microsoft.com/office/drawing/2014/main" id="{0AD6FA59-F3F6-6548-9CD3-7C2FB3F486C9}"/>
+              </a:ext>
+            </a:extLst>
+          </p:cNvPr>
+          <p:cNvSpPr/>
+          <p:nvPr/>
+        </p:nvSpPr>
+        <p:spPr bwMode="auto">
+          <a:xfrm>
+            <a:off x="9245444" y="5759993"/>
+            <a:ext cx="900816" cy="873295"/>
+          </a:xfrm>
+          <a:prstGeom prst="roundRect">
+            <a:avLst/>
+          </a:prstGeom>
+          <a:solidFill>
+            <a:schemeClr val="bg1"/>
+          </a:solidFill>
+          <a:ln>
+            <a:solidFill>
+              <a:schemeClr val="tx1"/>
+            </a:solidFill>
+            <a:headEnd type="none" w="med" len="med"/>
+            <a:tailEnd type="none" w="med" len="med"/>
+          </a:ln>
+        </p:spPr>
+        <p:style>
+          <a:lnRef idx="2">
+            <a:schemeClr val="accent1">
+              <a:shade val="50000"/>
+            </a:schemeClr>
+          </a:lnRef>
+          <a:fillRef idx="1">
+            <a:schemeClr val="accent1"/>
+          </a:fillRef>
+          <a:effectRef idx="0">
+            <a:schemeClr val="accent1"/>
+          </a:effectRef>
+          <a:fontRef idx="minor">
+            <a:schemeClr val="lt1"/>
+          </a:fontRef>
+        </p:style>
+        <p:txBody>
+          <a:bodyPr vert="horz" wrap="square" lIns="0" tIns="46637" rIns="0" bIns="46637" numCol="1" rtlCol="0" anchor="ctr" anchorCtr="0" compatLnSpc="1">
+            <a:prstTxWarp prst="textNoShape">
+              <a:avLst/>
+            </a:prstTxWarp>
+          </a:bodyPr>
+          <a:lstStyle/>
+          <a:p>
+            <a:pPr marL="0" marR="0" lvl="0" indent="0" algn="ctr" defTabSz="932472" rtl="0" eaLnBrk="1" fontAlgn="base" latinLnBrk="0" hangingPunct="1">
+              <a:lnSpc>
+                <a:spcPct val="100000"/>
+              </a:lnSpc>
+              <a:spcBef>
+                <a:spcPct val="0"/>
+              </a:spcBef>
+              <a:spcAft>
+                <a:spcPct val="0"/>
+              </a:spcAft>
+              <a:buClrTx/>
+              <a:buSzTx/>
+              <a:buFontTx/>
+              <a:buNone/>
+              <a:tabLst/>
+              <a:defRPr/>
+            </a:pPr>
+            <a:endParaRPr kumimoji="0" lang="en-US" sz="1600" b="0" i="0" u="none" strike="noStrike" kern="1200" cap="none" spc="0" normalizeH="0" baseline="0" noProof="0" dirty="0">
+              <a:ln>
+                <a:noFill/>
+              </a:ln>
+              <a:gradFill>
+                <a:gsLst>
+                  <a:gs pos="40075">
+                    <a:srgbClr val="FFFFFF"/>
+                  </a:gs>
+                  <a:gs pos="30000">
+                    <a:srgbClr val="FFFFFF"/>
+                  </a:gs>
+                </a:gsLst>
+                <a:lin ang="5400000" scaled="0"/>
+              </a:gradFill>
+              <a:effectLst/>
+              <a:uLnTx/>
+              <a:uFillTx/>
+              <a:latin typeface="Segoe UI"/>
+              <a:ea typeface="+mn-ea"/>
+              <a:cs typeface="+mn-cs"/>
+            </a:endParaRPr>
+          </a:p>
+        </p:txBody>
+      </p:sp>
+      <p:pic>
+        <p:nvPicPr>
+          <p:cNvPr id="139" name="Picture 138">
+            <a:extLst>
+              <a:ext uri="{FF2B5EF4-FFF2-40B4-BE49-F238E27FC236}">
+                <a16:creationId xmlns:a16="http://schemas.microsoft.com/office/drawing/2014/main" id="{E593C921-BD8F-4440-A7DB-A8BF4F1A1240}"/>
+              </a:ext>
+            </a:extLst>
+          </p:cNvPr>
+          <p:cNvPicPr>
+            <a:picLocks noChangeAspect="1"/>
+          </p:cNvPicPr>
+          <p:nvPr/>
+        </p:nvPicPr>
+        <p:blipFill>
+          <a:blip r:embed="rId22">
+            <a:extLst>
+              <a:ext uri="{28A0092B-C50C-407E-A947-70E740481C1C}">
+                <a14:useLocalDpi xmlns:a14="http://schemas.microsoft.com/office/drawing/2010/main" val="0"/>
+              </a:ext>
+            </a:extLst>
+          </a:blip>
+          <a:stretch>
+            <a:fillRect/>
+          </a:stretch>
+        </p:blipFill>
+        <p:spPr>
+          <a:xfrm>
+            <a:off x="9360039" y="5797129"/>
+            <a:ext cx="614065" cy="614065"/>
+          </a:xfrm>
+          <a:prstGeom prst="rect">
+            <a:avLst/>
+          </a:prstGeom>
+        </p:spPr>
+      </p:pic>
+      <p:sp>
+        <p:nvSpPr>
+          <p:cNvPr id="148" name="Rectangle: Rounded Corners 109">
+            <a:extLst>
+              <a:ext uri="{FF2B5EF4-FFF2-40B4-BE49-F238E27FC236}">
+                <a16:creationId xmlns:a16="http://schemas.microsoft.com/office/drawing/2014/main" id="{D0A34018-5CC7-9B48-BEA8-08C578EEA8A8}"/>
+              </a:ext>
+            </a:extLst>
+          </p:cNvPr>
+          <p:cNvSpPr/>
+          <p:nvPr/>
+        </p:nvSpPr>
+        <p:spPr bwMode="auto">
+          <a:xfrm>
+            <a:off x="10479751" y="5685927"/>
+            <a:ext cx="1575315" cy="1002694"/>
+          </a:xfrm>
+          <a:prstGeom prst="roundRect">
+            <a:avLst/>
+          </a:prstGeom>
+          <a:solidFill>
+            <a:schemeClr val="bg1"/>
+          </a:solidFill>
+          <a:ln>
+            <a:solidFill>
+              <a:schemeClr val="tx1"/>
+            </a:solidFill>
+            <a:headEnd type="none" w="med" len="med"/>
+            <a:tailEnd type="none" w="med" len="med"/>
+          </a:ln>
+        </p:spPr>
+        <p:style>
+          <a:lnRef idx="2">
+            <a:schemeClr val="accent1">
+              <a:shade val="50000"/>
+            </a:schemeClr>
+          </a:lnRef>
+          <a:fillRef idx="1">
+            <a:schemeClr val="accent1"/>
+          </a:fillRef>
+          <a:effectRef idx="0">
+            <a:schemeClr val="accent1"/>
+          </a:effectRef>
+          <a:fontRef idx="minor">
+            <a:schemeClr val="lt1"/>
+          </a:fontRef>
+        </p:style>
+        <p:txBody>
+          <a:bodyPr vert="horz" wrap="square" lIns="0" tIns="46637" rIns="0" bIns="46637" numCol="1" rtlCol="0" anchor="ctr" anchorCtr="0" compatLnSpc="1">
+            <a:prstTxWarp prst="textNoShape">
+              <a:avLst/>
+            </a:prstTxWarp>
+          </a:bodyPr>
+          <a:lstStyle/>
+          <a:p>
+            <a:pPr marL="0" marR="0" lvl="0" indent="0" algn="ctr" defTabSz="932472" rtl="0" eaLnBrk="1" fontAlgn="base" latinLnBrk="0" hangingPunct="1">
+              <a:lnSpc>
+                <a:spcPct val="100000"/>
+              </a:lnSpc>
+              <a:spcBef>
+                <a:spcPct val="0"/>
+              </a:spcBef>
+              <a:spcAft>
+                <a:spcPct val="0"/>
+              </a:spcAft>
+              <a:buClrTx/>
+              <a:buSzTx/>
+              <a:buFontTx/>
+              <a:buNone/>
+              <a:tabLst/>
+              <a:defRPr/>
+            </a:pPr>
+            <a:endParaRPr kumimoji="0" lang="en-US" sz="1600" b="0" i="0" u="none" strike="noStrike" kern="1200" cap="none" spc="0" normalizeH="0" baseline="0" noProof="0" dirty="0">
+              <a:ln>
+                <a:noFill/>
+              </a:ln>
+              <a:gradFill>
+                <a:gsLst>
+                  <a:gs pos="40075">
+                    <a:srgbClr val="FFFFFF"/>
+                  </a:gs>
+                  <a:gs pos="30000">
+                    <a:srgbClr val="FFFFFF"/>
+                  </a:gs>
+                </a:gsLst>
+                <a:lin ang="5400000" scaled="0"/>
+              </a:gradFill>
+              <a:effectLst/>
+              <a:uLnTx/>
+              <a:uFillTx/>
+              <a:latin typeface="Segoe UI"/>
+              <a:ea typeface="+mn-ea"/>
+              <a:cs typeface="+mn-cs"/>
+            </a:endParaRPr>
+          </a:p>
+        </p:txBody>
+      </p:sp>
+      <p:pic>
+        <p:nvPicPr>
+          <p:cNvPr id="144" name="Picture 143">
+            <a:extLst>
+              <a:ext uri="{FF2B5EF4-FFF2-40B4-BE49-F238E27FC236}">
+                <a16:creationId xmlns:a16="http://schemas.microsoft.com/office/drawing/2014/main" id="{BCF7EBE2-A12D-1541-B445-61684F985C15}"/>
+              </a:ext>
+            </a:extLst>
+          </p:cNvPr>
+          <p:cNvPicPr>
+            <a:picLocks noChangeAspect="1"/>
+          </p:cNvPicPr>
+          <p:nvPr/>
+        </p:nvPicPr>
+        <p:blipFill>
+          <a:blip r:embed="rId23">
+            <a:extLst>
+              <a:ext uri="{28A0092B-C50C-407E-A947-70E740481C1C}">
+                <a14:useLocalDpi xmlns:a14="http://schemas.microsoft.com/office/drawing/2010/main" val="0"/>
+              </a:ext>
+            </a:extLst>
+          </a:blip>
+          <a:stretch>
+            <a:fillRect/>
+          </a:stretch>
+        </p:blipFill>
+        <p:spPr>
+          <a:xfrm>
+            <a:off x="10670403" y="5794063"/>
+            <a:ext cx="538112" cy="538112"/>
+          </a:xfrm>
+          <a:prstGeom prst="rect">
+            <a:avLst/>
+          </a:prstGeom>
+        </p:spPr>
+      </p:pic>
+      <p:sp>
+        <p:nvSpPr>
+          <p:cNvPr id="145" name="TextBox 144">
+            <a:extLst>
+              <a:ext uri="{FF2B5EF4-FFF2-40B4-BE49-F238E27FC236}">
+                <a16:creationId xmlns:a16="http://schemas.microsoft.com/office/drawing/2014/main" id="{09F54623-5CC3-0145-A260-672C11EC0DF5}"/>
+              </a:ext>
+            </a:extLst>
+          </p:cNvPr>
+          <p:cNvSpPr txBox="1"/>
+          <p:nvPr/>
+        </p:nvSpPr>
+        <p:spPr>
+          <a:xfrm>
+            <a:off x="10633285" y="6344020"/>
+            <a:ext cx="646477" cy="338554"/>
+          </a:xfrm>
+          <a:prstGeom prst="rect">
+            <a:avLst/>
+          </a:prstGeom>
+          <a:noFill/>
+        </p:spPr>
+        <p:txBody>
+          <a:bodyPr wrap="square" lIns="0" tIns="0" rIns="0" bIns="0" rtlCol="0">
+            <a:spAutoFit/>
+          </a:bodyPr>
+          <a:lstStyle/>
+          <a:p>
+            <a:pPr marL="0" marR="0" lvl="0" indent="0" algn="ctr" defTabSz="914400" rtl="0" eaLnBrk="1" fontAlgn="auto" latinLnBrk="0" hangingPunct="1">
+              <a:lnSpc>
+                <a:spcPct val="100000"/>
+              </a:lnSpc>
+              <a:spcBef>
+                <a:spcPts val="0"/>
+              </a:spcBef>
+              <a:spcAft>
+                <a:spcPts val="0"/>
+              </a:spcAft>
+              <a:buClrTx/>
+              <a:buSzTx/>
+              <a:buFontTx/>
+              <a:buNone/>
+              <a:tabLst/>
+              <a:defRPr/>
+            </a:pPr>
+            <a:r>
+              <a:rPr kumimoji="0" lang="en-US" sz="1100" b="0" i="0" u="none" strike="noStrike" kern="1200" cap="none" spc="0" normalizeH="0" baseline="0" noProof="0" dirty="0">
+                <a:ln>
+                  <a:noFill/>
+                </a:ln>
+                <a:gradFill>
+                  <a:gsLst>
+                    <a:gs pos="2917">
+                      <a:srgbClr val="1A1A1A"/>
+                    </a:gs>
+                    <a:gs pos="30000">
+                      <a:srgbClr val="1A1A1A"/>
+                    </a:gs>
+                  </a:gsLst>
+                  <a:lin ang="5400000" scaled="0"/>
+                </a:gradFill>
+                <a:effectLst/>
+                <a:uLnTx/>
+                <a:uFillTx/>
+                <a:latin typeface="Segoe UI"/>
+                <a:ea typeface="+mn-ea"/>
+                <a:cs typeface="+mn-cs"/>
+              </a:rPr>
+              <a:t>IPFS Nodes</a:t>
+            </a:r>
+            <a:endParaRPr kumimoji="0" lang="en-US" sz="1600" b="0" i="0" u="none" strike="noStrike" kern="1200" cap="none" spc="0" normalizeH="0" baseline="0" noProof="0" dirty="0">
+              <a:ln>
+                <a:noFill/>
+              </a:ln>
+              <a:gradFill>
+                <a:gsLst>
+                  <a:gs pos="2917">
+                    <a:srgbClr val="1A1A1A"/>
+                  </a:gs>
+                  <a:gs pos="30000">
+                    <a:srgbClr val="1A1A1A"/>
+                  </a:gs>
+                </a:gsLst>
+                <a:lin ang="5400000" scaled="0"/>
+              </a:gradFill>
+              <a:effectLst/>
+              <a:uLnTx/>
+              <a:uFillTx/>
+              <a:latin typeface="Segoe UI"/>
+              <a:ea typeface="+mn-ea"/>
+              <a:cs typeface="+mn-cs"/>
+            </a:endParaRPr>
+          </a:p>
+        </p:txBody>
+      </p:sp>
+      <p:pic>
+        <p:nvPicPr>
+          <p:cNvPr id="146" name="Picture 145">
+            <a:extLst>
+              <a:ext uri="{FF2B5EF4-FFF2-40B4-BE49-F238E27FC236}">
+                <a16:creationId xmlns:a16="http://schemas.microsoft.com/office/drawing/2014/main" id="{86F52329-FAFA-7642-A6C7-EAF61AEAD988}"/>
+              </a:ext>
+            </a:extLst>
+          </p:cNvPr>
+          <p:cNvPicPr>
+            <a:picLocks noChangeAspect="1"/>
+          </p:cNvPicPr>
+          <p:nvPr/>
+        </p:nvPicPr>
+        <p:blipFill>
+          <a:blip r:embed="rId24">
+            <a:extLst>
+              <a:ext uri="{28A0092B-C50C-407E-A947-70E740481C1C}">
+                <a14:useLocalDpi xmlns:a14="http://schemas.microsoft.com/office/drawing/2010/main" val="0"/>
+              </a:ext>
+            </a:extLst>
+          </a:blip>
+          <a:stretch>
+            <a:fillRect/>
+          </a:stretch>
+        </p:blipFill>
+        <p:spPr>
+          <a:xfrm>
+            <a:off x="11407339" y="5791785"/>
+            <a:ext cx="489047" cy="489047"/>
+          </a:xfrm>
+          <a:prstGeom prst="rect">
+            <a:avLst/>
+          </a:prstGeom>
+        </p:spPr>
+      </p:pic>
+      <p:sp>
+        <p:nvSpPr>
+          <p:cNvPr id="147" name="TextBox 146">
+            <a:extLst>
+              <a:ext uri="{FF2B5EF4-FFF2-40B4-BE49-F238E27FC236}">
+                <a16:creationId xmlns:a16="http://schemas.microsoft.com/office/drawing/2014/main" id="{5518B698-5CA0-CB47-9A06-51FDCDCDDD6A}"/>
+              </a:ext>
+            </a:extLst>
+          </p:cNvPr>
+          <p:cNvSpPr txBox="1"/>
+          <p:nvPr/>
+        </p:nvSpPr>
+        <p:spPr>
+          <a:xfrm>
+            <a:off x="11305056" y="6333949"/>
+            <a:ext cx="730613" cy="323165"/>
+          </a:xfrm>
+          <a:prstGeom prst="rect">
+            <a:avLst/>
+          </a:prstGeom>
+          <a:noFill/>
+        </p:spPr>
+        <p:txBody>
+          <a:bodyPr wrap="square" lIns="0" tIns="0" rIns="0" bIns="0" rtlCol="0">
+            <a:spAutoFit/>
+          </a:bodyPr>
+          <a:lstStyle/>
+          <a:p>
+            <a:pPr marL="0" marR="0" lvl="0" indent="0" algn="ctr" defTabSz="914400" rtl="0" eaLnBrk="1" fontAlgn="auto" latinLnBrk="0" hangingPunct="1">
+              <a:lnSpc>
+                <a:spcPct val="100000"/>
+              </a:lnSpc>
+              <a:spcBef>
+                <a:spcPts val="0"/>
+              </a:spcBef>
+              <a:spcAft>
+                <a:spcPts val="0"/>
+              </a:spcAft>
+              <a:buClrTx/>
+              <a:buSzTx/>
+              <a:buFontTx/>
+              <a:buNone/>
+              <a:tabLst/>
+              <a:defRPr/>
+            </a:pPr>
+            <a:r>
+              <a:rPr kumimoji="0" lang="en-US" sz="1050" b="0" i="0" u="none" strike="noStrike" kern="1200" cap="none" spc="0" normalizeH="0" baseline="0" noProof="0" dirty="0">
+                <a:ln>
+                  <a:noFill/>
+                </a:ln>
+                <a:gradFill>
+                  <a:gsLst>
+                    <a:gs pos="2917">
+                      <a:srgbClr val="1A1A1A"/>
+                    </a:gs>
+                    <a:gs pos="30000">
+                      <a:srgbClr val="1A1A1A"/>
+                    </a:gs>
+                  </a:gsLst>
+                  <a:lin ang="5400000" scaled="0"/>
+                </a:gradFill>
+                <a:effectLst/>
+                <a:uLnTx/>
+                <a:uFillTx/>
+                <a:latin typeface="Segoe UI"/>
+                <a:ea typeface="+mn-ea"/>
+                <a:cs typeface="+mn-cs"/>
+              </a:rPr>
+              <a:t>Hashed content</a:t>
+            </a:r>
+            <a:endParaRPr kumimoji="0" lang="en-US" sz="1400" b="0" i="0" u="none" strike="noStrike" kern="1200" cap="none" spc="0" normalizeH="0" baseline="0" noProof="0" dirty="0">
+              <a:ln>
+                <a:noFill/>
+              </a:ln>
+              <a:gradFill>
+                <a:gsLst>
+                  <a:gs pos="2917">
+                    <a:srgbClr val="1A1A1A"/>
+                  </a:gs>
+                  <a:gs pos="30000">
+                    <a:srgbClr val="1A1A1A"/>
+                  </a:gs>
+                </a:gsLst>
+                <a:lin ang="5400000" scaled="0"/>
+              </a:gradFill>
+              <a:effectLst/>
+              <a:uLnTx/>
+              <a:uFillTx/>
+              <a:latin typeface="Segoe UI"/>
+              <a:ea typeface="+mn-ea"/>
+              <a:cs typeface="+mn-cs"/>
+            </a:endParaRPr>
+          </a:p>
+        </p:txBody>
+      </p:sp>
+      <p:sp>
+        <p:nvSpPr>
+          <p:cNvPr id="163" name="Rectangle: Rounded Corners 54">
+            <a:extLst>
+              <a:ext uri="{FF2B5EF4-FFF2-40B4-BE49-F238E27FC236}">
+                <a16:creationId xmlns:a16="http://schemas.microsoft.com/office/drawing/2014/main" id="{47B1C014-3203-B74B-BDF3-731C86899137}"/>
+              </a:ext>
+            </a:extLst>
+          </p:cNvPr>
+          <p:cNvSpPr/>
+          <p:nvPr/>
+        </p:nvSpPr>
+        <p:spPr bwMode="auto">
+          <a:xfrm>
+            <a:off x="7930542" y="4937569"/>
+            <a:ext cx="1070461" cy="1873454"/>
+          </a:xfrm>
+          <a:prstGeom prst="roundRect">
+            <a:avLst/>
+          </a:prstGeom>
+          <a:solidFill>
+            <a:srgbClr val="002050">
+              <a:lumMod val="25000"/>
+              <a:lumOff val="75000"/>
+            </a:srgbClr>
+          </a:solidFill>
+          <a:ln w="10795" cap="flat" cmpd="sng" algn="ctr">
+            <a:solidFill>
+              <a:srgbClr val="1A1A1A"/>
+            </a:solidFill>
+            <a:prstDash val="solid"/>
+            <a:headEnd type="none" w="med" len="med"/>
+            <a:tailEnd type="none" w="med" len="med"/>
+          </a:ln>
+          <a:effectLst/>
+        </p:spPr>
+        <p:txBody>
+          <a:bodyPr vert="horz" wrap="square" lIns="0" tIns="46637" rIns="0" bIns="46637" numCol="1" rtlCol="0" anchor="ctr" anchorCtr="0" compatLnSpc="1">
+            <a:prstTxWarp prst="textNoShape">
+              <a:avLst/>
+            </a:prstTxWarp>
+          </a:bodyPr>
+          <a:lstStyle/>
+          <a:p>
+            <a:pPr marL="0" marR="0" lvl="0" indent="0" algn="ctr" defTabSz="932472" eaLnBrk="1" fontAlgn="base" latinLnBrk="0" hangingPunct="1">
+              <a:lnSpc>
+                <a:spcPct val="100000"/>
+              </a:lnSpc>
+              <a:spcBef>
+                <a:spcPct val="0"/>
+              </a:spcBef>
+              <a:spcAft>
+                <a:spcPct val="0"/>
+              </a:spcAft>
+              <a:buClrTx/>
+              <a:buSzTx/>
+              <a:buFontTx/>
+              <a:buNone/>
+              <a:tabLst/>
+              <a:defRPr/>
+            </a:pPr>
+            <a:endParaRPr kumimoji="0" lang="en-US" sz="1600" b="0" i="0" u="none" strike="noStrike" kern="0" cap="none" spc="0" normalizeH="0" baseline="0" noProof="0" dirty="0">
+              <a:ln>
+                <a:noFill/>
+              </a:ln>
+              <a:gradFill>
+                <a:gsLst>
+                  <a:gs pos="40075">
+                    <a:srgbClr val="FFFFFF"/>
+                  </a:gs>
+                  <a:gs pos="30000">
+                    <a:srgbClr val="FFFFFF"/>
+                  </a:gs>
+                </a:gsLst>
+                <a:lin ang="5400000" scaled="0"/>
+              </a:gradFill>
+              <a:effectLst/>
+              <a:uLnTx/>
+              <a:uFillTx/>
+              <a:latin typeface="Segoe UI"/>
+              <a:ea typeface="+mn-ea"/>
+              <a:cs typeface="+mn-cs"/>
+            </a:endParaRPr>
+          </a:p>
+        </p:txBody>
+      </p:sp>
+      <p:sp>
+        <p:nvSpPr>
+          <p:cNvPr id="164" name="Rectangle: Rounded Corners 109">
+            <a:extLst>
+              <a:ext uri="{FF2B5EF4-FFF2-40B4-BE49-F238E27FC236}">
+                <a16:creationId xmlns:a16="http://schemas.microsoft.com/office/drawing/2014/main" id="{03AA5CEF-F045-3940-86C7-8A2C42BAF9D3}"/>
+              </a:ext>
+            </a:extLst>
+          </p:cNvPr>
+          <p:cNvSpPr/>
+          <p:nvPr/>
+        </p:nvSpPr>
+        <p:spPr bwMode="auto">
+          <a:xfrm>
+            <a:off x="8087250" y="5178477"/>
+            <a:ext cx="752004" cy="730162"/>
+          </a:xfrm>
+          <a:prstGeom prst="roundRect">
+            <a:avLst/>
+          </a:prstGeom>
+          <a:solidFill>
+            <a:schemeClr val="bg1"/>
+          </a:solidFill>
+          <a:ln>
+            <a:solidFill>
+              <a:schemeClr val="tx1"/>
+            </a:solidFill>
+            <a:headEnd type="none" w="med" len="med"/>
+            <a:tailEnd type="none" w="med" len="med"/>
+          </a:ln>
+        </p:spPr>
+        <p:style>
+          <a:lnRef idx="2">
+            <a:schemeClr val="accent1">
+              <a:shade val="50000"/>
+            </a:schemeClr>
+          </a:lnRef>
+          <a:fillRef idx="1">
+            <a:schemeClr val="accent1"/>
+          </a:fillRef>
+          <a:effectRef idx="0">
+            <a:schemeClr val="accent1"/>
+          </a:effectRef>
+          <a:fontRef idx="minor">
+            <a:schemeClr val="lt1"/>
+          </a:fontRef>
+        </p:style>
+        <p:txBody>
+          <a:bodyPr vert="horz" wrap="square" lIns="0" tIns="46637" rIns="0" bIns="46637" numCol="1" rtlCol="0" anchor="ctr" anchorCtr="0" compatLnSpc="1">
+            <a:prstTxWarp prst="textNoShape">
+              <a:avLst/>
+            </a:prstTxWarp>
+          </a:bodyPr>
+          <a:lstStyle/>
+          <a:p>
+            <a:pPr marL="0" marR="0" lvl="0" indent="0" algn="ctr" defTabSz="932472" rtl="0" eaLnBrk="1" fontAlgn="base" latinLnBrk="0" hangingPunct="1">
+              <a:lnSpc>
+                <a:spcPct val="100000"/>
+              </a:lnSpc>
+              <a:spcBef>
+                <a:spcPct val="0"/>
+              </a:spcBef>
+              <a:spcAft>
+                <a:spcPct val="0"/>
+              </a:spcAft>
+              <a:buClrTx/>
+              <a:buSzTx/>
+              <a:buFontTx/>
+              <a:buNone/>
+              <a:tabLst/>
+              <a:defRPr/>
+            </a:pPr>
+            <a:endParaRPr kumimoji="0" lang="en-US" sz="1600" b="0" i="0" u="none" strike="noStrike" kern="1200" cap="none" spc="0" normalizeH="0" baseline="0" noProof="0" dirty="0">
+              <a:ln>
+                <a:noFill/>
+              </a:ln>
+              <a:gradFill>
+                <a:gsLst>
+                  <a:gs pos="40075">
+                    <a:srgbClr val="FFFFFF"/>
+                  </a:gs>
+                  <a:gs pos="30000">
+                    <a:srgbClr val="FFFFFF"/>
+                  </a:gs>
+                </a:gsLst>
+                <a:lin ang="5400000" scaled="0"/>
+              </a:gradFill>
+              <a:effectLst/>
+              <a:uLnTx/>
+              <a:uFillTx/>
+              <a:latin typeface="Segoe UI"/>
+              <a:ea typeface="+mn-ea"/>
+              <a:cs typeface="+mn-cs"/>
+            </a:endParaRPr>
+          </a:p>
+        </p:txBody>
+      </p:sp>
+      <p:pic>
+        <p:nvPicPr>
+          <p:cNvPr id="165" name="Picture 164">
+            <a:extLst>
+              <a:ext uri="{FF2B5EF4-FFF2-40B4-BE49-F238E27FC236}">
+                <a16:creationId xmlns:a16="http://schemas.microsoft.com/office/drawing/2014/main" id="{1CD5D109-6BA0-534B-85AE-BAA18AD1A66A}"/>
+              </a:ext>
+            </a:extLst>
+          </p:cNvPr>
+          <p:cNvPicPr>
+            <a:picLocks noChangeAspect="1"/>
+          </p:cNvPicPr>
+          <p:nvPr/>
+        </p:nvPicPr>
+        <p:blipFill>
+          <a:blip r:embed="rId22">
+            <a:extLst>
+              <a:ext uri="{28A0092B-C50C-407E-A947-70E740481C1C}">
+                <a14:useLocalDpi xmlns:a14="http://schemas.microsoft.com/office/drawing/2010/main" val="0"/>
+              </a:ext>
+            </a:extLst>
+          </a:blip>
+          <a:stretch>
+            <a:fillRect/>
+          </a:stretch>
+        </p:blipFill>
+        <p:spPr>
+          <a:xfrm>
+            <a:off x="8167123" y="5259041"/>
+            <a:ext cx="586617" cy="586617"/>
+          </a:xfrm>
+          <a:prstGeom prst="rect">
+            <a:avLst/>
+          </a:prstGeom>
+        </p:spPr>
+      </p:pic>
+      <p:sp>
+        <p:nvSpPr>
+          <p:cNvPr id="167" name="Rectangle: Rounded Corners 109">
+            <a:extLst>
+              <a:ext uri="{FF2B5EF4-FFF2-40B4-BE49-F238E27FC236}">
+                <a16:creationId xmlns:a16="http://schemas.microsoft.com/office/drawing/2014/main" id="{E3419A88-E4B6-4045-A31F-F528625B1275}"/>
+              </a:ext>
+            </a:extLst>
+          </p:cNvPr>
+          <p:cNvSpPr/>
+          <p:nvPr/>
+        </p:nvSpPr>
+        <p:spPr bwMode="auto">
+          <a:xfrm>
+            <a:off x="8082641" y="5938991"/>
+            <a:ext cx="777260" cy="802557"/>
+          </a:xfrm>
+          <a:prstGeom prst="roundRect">
+            <a:avLst/>
+          </a:prstGeom>
+          <a:solidFill>
+            <a:schemeClr val="bg1"/>
+          </a:solidFill>
+          <a:ln>
+            <a:solidFill>
+              <a:schemeClr val="tx1"/>
+            </a:solidFill>
+            <a:headEnd type="none" w="med" len="med"/>
+            <a:tailEnd type="none" w="med" len="med"/>
+          </a:ln>
+        </p:spPr>
+        <p:style>
+          <a:lnRef idx="2">
+            <a:schemeClr val="accent1">
+              <a:shade val="50000"/>
+            </a:schemeClr>
+          </a:lnRef>
+          <a:fillRef idx="1">
+            <a:schemeClr val="accent1"/>
+          </a:fillRef>
+          <a:effectRef idx="0">
+            <a:schemeClr val="accent1"/>
+          </a:effectRef>
+          <a:fontRef idx="minor">
+            <a:schemeClr val="lt1"/>
+          </a:fontRef>
+        </p:style>
+        <p:txBody>
+          <a:bodyPr vert="horz" wrap="square" lIns="0" tIns="46637" rIns="0" bIns="46637" numCol="1" rtlCol="0" anchor="ctr" anchorCtr="0" compatLnSpc="1">
+            <a:prstTxWarp prst="textNoShape">
+              <a:avLst/>
+            </a:prstTxWarp>
+          </a:bodyPr>
+          <a:lstStyle/>
+          <a:p>
+            <a:pPr marL="0" marR="0" lvl="0" indent="0" algn="ctr" defTabSz="932472" rtl="0" eaLnBrk="1" fontAlgn="base" latinLnBrk="0" hangingPunct="1">
+              <a:lnSpc>
+                <a:spcPct val="100000"/>
+              </a:lnSpc>
+              <a:spcBef>
+                <a:spcPct val="0"/>
+              </a:spcBef>
+              <a:spcAft>
+                <a:spcPct val="0"/>
+              </a:spcAft>
+              <a:buClrTx/>
+              <a:buSzTx/>
+              <a:buFontTx/>
+              <a:buNone/>
+              <a:tabLst/>
+              <a:defRPr/>
+            </a:pPr>
+            <a:endParaRPr kumimoji="0" lang="en-US" sz="1600" b="0" i="0" u="none" strike="noStrike" kern="1200" cap="none" spc="0" normalizeH="0" baseline="0" noProof="0" dirty="0">
+              <a:ln>
+                <a:noFill/>
+              </a:ln>
+              <a:gradFill>
+                <a:gsLst>
+                  <a:gs pos="40075">
+                    <a:srgbClr val="FFFFFF"/>
+                  </a:gs>
+                  <a:gs pos="30000">
+                    <a:srgbClr val="FFFFFF"/>
+                  </a:gs>
+                </a:gsLst>
+                <a:lin ang="5400000" scaled="0"/>
+              </a:gradFill>
+              <a:effectLst/>
+              <a:uLnTx/>
+              <a:uFillTx/>
+              <a:latin typeface="Segoe UI"/>
+              <a:ea typeface="+mn-ea"/>
+              <a:cs typeface="+mn-cs"/>
+            </a:endParaRPr>
+          </a:p>
+        </p:txBody>
+      </p:sp>
+      <p:pic>
+        <p:nvPicPr>
+          <p:cNvPr id="168" name="Picture 167">
+            <a:extLst>
+              <a:ext uri="{FF2B5EF4-FFF2-40B4-BE49-F238E27FC236}">
+                <a16:creationId xmlns:a16="http://schemas.microsoft.com/office/drawing/2014/main" id="{3FB6CC88-6EA7-F44D-BC39-E4537E4ACE7B}"/>
+              </a:ext>
+            </a:extLst>
+          </p:cNvPr>
+          <p:cNvPicPr>
+            <a:picLocks noChangeAspect="1"/>
+          </p:cNvPicPr>
+          <p:nvPr/>
+        </p:nvPicPr>
+        <p:blipFill>
+          <a:blip r:embed="rId23">
+            <a:extLst>
+              <a:ext uri="{28A0092B-C50C-407E-A947-70E740481C1C}">
+                <a14:useLocalDpi xmlns:a14="http://schemas.microsoft.com/office/drawing/2010/main" val="0"/>
+              </a:ext>
+            </a:extLst>
+          </a:blip>
+          <a:stretch>
+            <a:fillRect/>
+          </a:stretch>
+        </p:blipFill>
+        <p:spPr>
+          <a:xfrm>
+            <a:off x="8229679" y="5995275"/>
+            <a:ext cx="481292" cy="481292"/>
+          </a:xfrm>
+          <a:prstGeom prst="rect">
+            <a:avLst/>
+          </a:prstGeom>
+        </p:spPr>
+      </p:pic>
+      <p:sp>
+        <p:nvSpPr>
+          <p:cNvPr id="169" name="TextBox 168">
+            <a:extLst>
+              <a:ext uri="{FF2B5EF4-FFF2-40B4-BE49-F238E27FC236}">
+                <a16:creationId xmlns:a16="http://schemas.microsoft.com/office/drawing/2014/main" id="{F2AB6BB9-7D52-0C4D-B4D1-BE6BB864276F}"/>
+              </a:ext>
+            </a:extLst>
+          </p:cNvPr>
+          <p:cNvSpPr txBox="1"/>
+          <p:nvPr/>
+        </p:nvSpPr>
+        <p:spPr>
+          <a:xfrm>
+            <a:off x="8324019" y="6518944"/>
+            <a:ext cx="357596" cy="184666"/>
+          </a:xfrm>
+          <a:prstGeom prst="rect">
+            <a:avLst/>
+          </a:prstGeom>
+          <a:noFill/>
+        </p:spPr>
+        <p:txBody>
+          <a:bodyPr wrap="square" lIns="0" tIns="0" rIns="0" bIns="0" rtlCol="0">
+            <a:spAutoFit/>
+          </a:bodyPr>
+          <a:lstStyle/>
+          <a:p>
+            <a:pPr marL="0" marR="0" lvl="0" indent="0" algn="ctr" defTabSz="914400" rtl="0" eaLnBrk="1" fontAlgn="auto" latinLnBrk="0" hangingPunct="1">
+              <a:lnSpc>
+                <a:spcPct val="100000"/>
+              </a:lnSpc>
+              <a:spcBef>
+                <a:spcPts val="0"/>
+              </a:spcBef>
+              <a:spcAft>
+                <a:spcPts val="0"/>
+              </a:spcAft>
+              <a:buClrTx/>
+              <a:buSzTx/>
+              <a:buFontTx/>
+              <a:buNone/>
+              <a:tabLst/>
+              <a:defRPr/>
+            </a:pPr>
+            <a:r>
+              <a:rPr kumimoji="0" lang="en-US" sz="1200" b="0" i="0" u="none" strike="noStrike" kern="1200" cap="none" spc="0" normalizeH="0" baseline="0" noProof="0" dirty="0">
+                <a:ln>
+                  <a:noFill/>
+                </a:ln>
+                <a:gradFill>
+                  <a:gsLst>
+                    <a:gs pos="2917">
+                      <a:srgbClr val="1A1A1A"/>
+                    </a:gs>
+                    <a:gs pos="30000">
+                      <a:srgbClr val="1A1A1A"/>
+                    </a:gs>
+                  </a:gsLst>
+                  <a:lin ang="5400000" scaled="0"/>
+                </a:gradFill>
+                <a:effectLst/>
+                <a:uLnTx/>
+                <a:uFillTx/>
+                <a:latin typeface="Segoe UI"/>
+                <a:ea typeface="+mn-ea"/>
+                <a:cs typeface="+mn-cs"/>
+              </a:rPr>
+              <a:t>IPFS</a:t>
+            </a:r>
+          </a:p>
+        </p:txBody>
+      </p:sp>
+      <p:sp>
+        <p:nvSpPr>
+          <p:cNvPr id="88" name="テキスト ボックス 87">
+            <a:extLst>
+              <a:ext uri="{FF2B5EF4-FFF2-40B4-BE49-F238E27FC236}">
+                <a16:creationId xmlns:a16="http://schemas.microsoft.com/office/drawing/2014/main" id="{8C5D044C-D0AF-488C-ACF9-B942CBD25051}"/>
+              </a:ext>
+            </a:extLst>
+          </p:cNvPr>
+          <p:cNvSpPr txBox="1"/>
+          <p:nvPr/>
+        </p:nvSpPr>
+        <p:spPr>
+          <a:xfrm>
+            <a:off x="8055344" y="4912516"/>
+            <a:ext cx="750406" cy="266748"/>
+          </a:xfrm>
+          <a:prstGeom prst="rect">
+            <a:avLst/>
+          </a:prstGeom>
+          <a:noFill/>
+        </p:spPr>
+        <p:txBody>
+          <a:bodyPr wrap="square" lIns="36000" tIns="36000" rIns="36000" bIns="36000" rtlCol="0" anchor="ctr">
+            <a:spAutoFit/>
+          </a:bodyPr>
+          <a:lstStyle/>
+          <a:p>
+            <a:pPr algn="ctr"/>
+            <a:r>
+              <a:rPr kumimoji="1" lang="en-US" altLang="ja-JP" sz="1200" dirty="0">
+                <a:latin typeface="Segoe UI Light" panose="020B0502040204020203" pitchFamily="34" charset="0"/>
+                <a:cs typeface="Segoe UI Light" panose="020B0502040204020203" pitchFamily="34" charset="0"/>
+              </a:rPr>
+              <a:t>Member 2</a:t>
+            </a:r>
+            <a:endParaRPr kumimoji="1" lang="ja-JP" altLang="en-US" sz="1200" dirty="0">
+              <a:latin typeface="Segoe UI Light" panose="020B0502040204020203" pitchFamily="34" charset="0"/>
+              <a:cs typeface="Segoe UI Light" panose="020B0502040204020203" pitchFamily="34" charset="0"/>
+            </a:endParaRPr>
+          </a:p>
+        </p:txBody>
+      </p:sp>
+      <p:sp>
+        <p:nvSpPr>
+          <p:cNvPr id="173" name="Rectangle: Rounded Corners 54">
+            <a:extLst>
+              <a:ext uri="{FF2B5EF4-FFF2-40B4-BE49-F238E27FC236}">
+                <a16:creationId xmlns:a16="http://schemas.microsoft.com/office/drawing/2014/main" id="{197EF03E-4E79-9B4E-9B01-5D845A9B3031}"/>
+              </a:ext>
+            </a:extLst>
+          </p:cNvPr>
+          <p:cNvSpPr/>
+          <p:nvPr/>
+        </p:nvSpPr>
+        <p:spPr bwMode="auto">
+          <a:xfrm>
+            <a:off x="6614243" y="4955825"/>
+            <a:ext cx="1070461" cy="1873454"/>
+          </a:xfrm>
+          <a:prstGeom prst="roundRect">
+            <a:avLst/>
+          </a:prstGeom>
+          <a:solidFill>
+            <a:srgbClr val="002050">
+              <a:lumMod val="25000"/>
+              <a:lumOff val="75000"/>
+            </a:srgbClr>
+          </a:solidFill>
+          <a:ln w="10795" cap="flat" cmpd="sng" algn="ctr">
+            <a:solidFill>
+              <a:srgbClr val="1A1A1A"/>
+            </a:solidFill>
+            <a:prstDash val="solid"/>
+            <a:headEnd type="none" w="med" len="med"/>
+            <a:tailEnd type="none" w="med" len="med"/>
+          </a:ln>
+          <a:effectLst/>
+        </p:spPr>
+        <p:txBody>
+          <a:bodyPr vert="horz" wrap="square" lIns="0" tIns="46637" rIns="0" bIns="46637" numCol="1" rtlCol="0" anchor="ctr" anchorCtr="0" compatLnSpc="1">
+            <a:prstTxWarp prst="textNoShape">
+              <a:avLst/>
+            </a:prstTxWarp>
+          </a:bodyPr>
+          <a:lstStyle/>
+          <a:p>
+            <a:pPr marL="0" marR="0" lvl="0" indent="0" algn="ctr" defTabSz="932472" eaLnBrk="1" fontAlgn="base" latinLnBrk="0" hangingPunct="1">
+              <a:lnSpc>
+                <a:spcPct val="100000"/>
+              </a:lnSpc>
+              <a:spcBef>
+                <a:spcPct val="0"/>
+              </a:spcBef>
+              <a:spcAft>
+                <a:spcPct val="0"/>
+              </a:spcAft>
+              <a:buClrTx/>
+              <a:buSzTx/>
+              <a:buFontTx/>
+              <a:buNone/>
+              <a:tabLst/>
+              <a:defRPr/>
+            </a:pPr>
+            <a:endParaRPr kumimoji="0" lang="en-US" sz="1600" b="0" i="0" u="none" strike="noStrike" kern="0" cap="none" spc="0" normalizeH="0" baseline="0" noProof="0" dirty="0">
+              <a:ln>
+                <a:noFill/>
+              </a:ln>
+              <a:gradFill>
+                <a:gsLst>
+                  <a:gs pos="40075">
+                    <a:srgbClr val="FFFFFF"/>
+                  </a:gs>
+                  <a:gs pos="30000">
+                    <a:srgbClr val="FFFFFF"/>
+                  </a:gs>
+                </a:gsLst>
+                <a:lin ang="5400000" scaled="0"/>
+              </a:gradFill>
+              <a:effectLst/>
+              <a:uLnTx/>
+              <a:uFillTx/>
+              <a:latin typeface="Segoe UI"/>
+              <a:ea typeface="+mn-ea"/>
+              <a:cs typeface="+mn-cs"/>
+            </a:endParaRPr>
+          </a:p>
+        </p:txBody>
+      </p:sp>
+      <p:sp>
+        <p:nvSpPr>
+          <p:cNvPr id="174" name="Rectangle: Rounded Corners 109">
+            <a:extLst>
+              <a:ext uri="{FF2B5EF4-FFF2-40B4-BE49-F238E27FC236}">
+                <a16:creationId xmlns:a16="http://schemas.microsoft.com/office/drawing/2014/main" id="{0D7D7720-B4F3-3A43-A2C5-6BF9AEC438DA}"/>
+              </a:ext>
+            </a:extLst>
+          </p:cNvPr>
+          <p:cNvSpPr/>
+          <p:nvPr/>
+        </p:nvSpPr>
+        <p:spPr bwMode="auto">
+          <a:xfrm>
+            <a:off x="6770951" y="5196733"/>
+            <a:ext cx="752004" cy="730162"/>
+          </a:xfrm>
+          <a:prstGeom prst="roundRect">
+            <a:avLst/>
+          </a:prstGeom>
+          <a:solidFill>
+            <a:schemeClr val="bg1"/>
+          </a:solidFill>
+          <a:ln>
+            <a:solidFill>
+              <a:schemeClr val="tx1"/>
+            </a:solidFill>
+            <a:headEnd type="none" w="med" len="med"/>
+            <a:tailEnd type="none" w="med" len="med"/>
+          </a:ln>
+        </p:spPr>
+        <p:style>
+          <a:lnRef idx="2">
+            <a:schemeClr val="accent1">
+              <a:shade val="50000"/>
+            </a:schemeClr>
+          </a:lnRef>
+          <a:fillRef idx="1">
+            <a:schemeClr val="accent1"/>
+          </a:fillRef>
+          <a:effectRef idx="0">
+            <a:schemeClr val="accent1"/>
+          </a:effectRef>
+          <a:fontRef idx="minor">
+            <a:schemeClr val="lt1"/>
+          </a:fontRef>
+        </p:style>
+        <p:txBody>
+          <a:bodyPr vert="horz" wrap="square" lIns="0" tIns="46637" rIns="0" bIns="46637" numCol="1" rtlCol="0" anchor="ctr" anchorCtr="0" compatLnSpc="1">
+            <a:prstTxWarp prst="textNoShape">
+              <a:avLst/>
+            </a:prstTxWarp>
+          </a:bodyPr>
+          <a:lstStyle/>
+          <a:p>
+            <a:pPr marL="0" marR="0" lvl="0" indent="0" algn="ctr" defTabSz="932472" rtl="0" eaLnBrk="1" fontAlgn="base" latinLnBrk="0" hangingPunct="1">
+              <a:lnSpc>
+                <a:spcPct val="100000"/>
+              </a:lnSpc>
+              <a:spcBef>
+                <a:spcPct val="0"/>
+              </a:spcBef>
+              <a:spcAft>
+                <a:spcPct val="0"/>
+              </a:spcAft>
+              <a:buClrTx/>
+              <a:buSzTx/>
+              <a:buFontTx/>
+              <a:buNone/>
+              <a:tabLst/>
+              <a:defRPr/>
+            </a:pPr>
+            <a:endParaRPr kumimoji="0" lang="en-US" sz="1600" b="0" i="0" u="none" strike="noStrike" kern="1200" cap="none" spc="0" normalizeH="0" baseline="0" noProof="0" dirty="0">
+              <a:ln>
+                <a:noFill/>
+              </a:ln>
+              <a:gradFill>
+                <a:gsLst>
+                  <a:gs pos="40075">
+                    <a:srgbClr val="FFFFFF"/>
+                  </a:gs>
+                  <a:gs pos="30000">
+                    <a:srgbClr val="FFFFFF"/>
+                  </a:gs>
+                </a:gsLst>
+                <a:lin ang="5400000" scaled="0"/>
+              </a:gradFill>
+              <a:effectLst/>
+              <a:uLnTx/>
+              <a:uFillTx/>
+              <a:latin typeface="Segoe UI"/>
+              <a:ea typeface="+mn-ea"/>
+              <a:cs typeface="+mn-cs"/>
+            </a:endParaRPr>
+          </a:p>
+        </p:txBody>
+      </p:sp>
+      <p:pic>
+        <p:nvPicPr>
+          <p:cNvPr id="175" name="Picture 174">
+            <a:extLst>
+              <a:ext uri="{FF2B5EF4-FFF2-40B4-BE49-F238E27FC236}">
+                <a16:creationId xmlns:a16="http://schemas.microsoft.com/office/drawing/2014/main" id="{4E8E6E35-DC42-9842-A137-60CAFFF5BC19}"/>
+              </a:ext>
+            </a:extLst>
+          </p:cNvPr>
+          <p:cNvPicPr>
+            <a:picLocks noChangeAspect="1"/>
+          </p:cNvPicPr>
+          <p:nvPr/>
+        </p:nvPicPr>
+        <p:blipFill>
+          <a:blip r:embed="rId22">
+            <a:extLst>
+              <a:ext uri="{28A0092B-C50C-407E-A947-70E740481C1C}">
+                <a14:useLocalDpi xmlns:a14="http://schemas.microsoft.com/office/drawing/2010/main" val="0"/>
+              </a:ext>
+            </a:extLst>
+          </a:blip>
+          <a:stretch>
+            <a:fillRect/>
+          </a:stretch>
+        </p:blipFill>
+        <p:spPr>
+          <a:xfrm>
+            <a:off x="6850824" y="5277297"/>
+            <a:ext cx="586617" cy="586617"/>
+          </a:xfrm>
+          <a:prstGeom prst="rect">
+            <a:avLst/>
+          </a:prstGeom>
+        </p:spPr>
+      </p:pic>
+      <p:sp>
+        <p:nvSpPr>
+          <p:cNvPr id="176" name="Rectangle: Rounded Corners 109">
+            <a:extLst>
+              <a:ext uri="{FF2B5EF4-FFF2-40B4-BE49-F238E27FC236}">
+                <a16:creationId xmlns:a16="http://schemas.microsoft.com/office/drawing/2014/main" id="{73800E61-715B-AB44-9FDB-7B0F935F7110}"/>
+              </a:ext>
+            </a:extLst>
+          </p:cNvPr>
+          <p:cNvSpPr/>
+          <p:nvPr/>
+        </p:nvSpPr>
+        <p:spPr bwMode="auto">
+          <a:xfrm>
+            <a:off x="6766342" y="5957247"/>
+            <a:ext cx="777260" cy="802557"/>
+          </a:xfrm>
+          <a:prstGeom prst="roundRect">
+            <a:avLst/>
+          </a:prstGeom>
+          <a:solidFill>
+            <a:schemeClr val="bg1"/>
+          </a:solidFill>
+          <a:ln>
+            <a:solidFill>
+              <a:schemeClr val="tx1"/>
+            </a:solidFill>
+            <a:headEnd type="none" w="med" len="med"/>
+            <a:tailEnd type="none" w="med" len="med"/>
+          </a:ln>
+        </p:spPr>
+        <p:style>
+          <a:lnRef idx="2">
+            <a:schemeClr val="accent1">
+              <a:shade val="50000"/>
+            </a:schemeClr>
+          </a:lnRef>
+          <a:fillRef idx="1">
+            <a:schemeClr val="accent1"/>
+          </a:fillRef>
+          <a:effectRef idx="0">
+            <a:schemeClr val="accent1"/>
+          </a:effectRef>
+          <a:fontRef idx="minor">
+            <a:schemeClr val="lt1"/>
+          </a:fontRef>
+        </p:style>
+        <p:txBody>
+          <a:bodyPr vert="horz" wrap="square" lIns="0" tIns="46637" rIns="0" bIns="46637" numCol="1" rtlCol="0" anchor="ctr" anchorCtr="0" compatLnSpc="1">
+            <a:prstTxWarp prst="textNoShape">
+              <a:avLst/>
+            </a:prstTxWarp>
+          </a:bodyPr>
+          <a:lstStyle/>
+          <a:p>
+            <a:pPr marL="0" marR="0" lvl="0" indent="0" algn="ctr" defTabSz="932472" rtl="0" eaLnBrk="1" fontAlgn="base" latinLnBrk="0" hangingPunct="1">
+              <a:lnSpc>
+                <a:spcPct val="100000"/>
+              </a:lnSpc>
+              <a:spcBef>
+                <a:spcPct val="0"/>
+              </a:spcBef>
+              <a:spcAft>
+                <a:spcPct val="0"/>
+              </a:spcAft>
+              <a:buClrTx/>
+              <a:buSzTx/>
+              <a:buFontTx/>
+              <a:buNone/>
+              <a:tabLst/>
+              <a:defRPr/>
+            </a:pPr>
+            <a:endParaRPr kumimoji="0" lang="en-US" sz="1600" b="0" i="0" u="none" strike="noStrike" kern="1200" cap="none" spc="0" normalizeH="0" baseline="0" noProof="0" dirty="0">
+              <a:ln>
+                <a:noFill/>
+              </a:ln>
+              <a:gradFill>
+                <a:gsLst>
+                  <a:gs pos="40075">
+                    <a:srgbClr val="FFFFFF"/>
+                  </a:gs>
+                  <a:gs pos="30000">
+                    <a:srgbClr val="FFFFFF"/>
+                  </a:gs>
+                </a:gsLst>
+                <a:lin ang="5400000" scaled="0"/>
+              </a:gradFill>
+              <a:effectLst/>
+              <a:uLnTx/>
+              <a:uFillTx/>
+              <a:latin typeface="Segoe UI"/>
+              <a:ea typeface="+mn-ea"/>
+              <a:cs typeface="+mn-cs"/>
+            </a:endParaRPr>
+          </a:p>
+        </p:txBody>
+      </p:sp>
+      <p:pic>
+        <p:nvPicPr>
+          <p:cNvPr id="177" name="Picture 176">
+            <a:extLst>
+              <a:ext uri="{FF2B5EF4-FFF2-40B4-BE49-F238E27FC236}">
+                <a16:creationId xmlns:a16="http://schemas.microsoft.com/office/drawing/2014/main" id="{E1ACA83F-3C56-D641-82A2-25B4EFF58159}"/>
+              </a:ext>
+            </a:extLst>
+          </p:cNvPr>
+          <p:cNvPicPr>
+            <a:picLocks noChangeAspect="1"/>
+          </p:cNvPicPr>
+          <p:nvPr/>
+        </p:nvPicPr>
+        <p:blipFill>
+          <a:blip r:embed="rId23">
+            <a:extLst>
+              <a:ext uri="{28A0092B-C50C-407E-A947-70E740481C1C}">
+                <a14:useLocalDpi xmlns:a14="http://schemas.microsoft.com/office/drawing/2010/main" val="0"/>
+              </a:ext>
+            </a:extLst>
+          </a:blip>
+          <a:stretch>
+            <a:fillRect/>
+          </a:stretch>
+        </p:blipFill>
+        <p:spPr>
+          <a:xfrm>
+            <a:off x="6913380" y="6013531"/>
+            <a:ext cx="481292" cy="481292"/>
+          </a:xfrm>
+          <a:prstGeom prst="rect">
+            <a:avLst/>
+          </a:prstGeom>
+        </p:spPr>
+      </p:pic>
+      <p:sp>
+        <p:nvSpPr>
+          <p:cNvPr id="178" name="TextBox 177">
+            <a:extLst>
+              <a:ext uri="{FF2B5EF4-FFF2-40B4-BE49-F238E27FC236}">
+                <a16:creationId xmlns:a16="http://schemas.microsoft.com/office/drawing/2014/main" id="{9F1081BA-AA73-AE43-B6E6-7BA667DA2A81}"/>
+              </a:ext>
+            </a:extLst>
+          </p:cNvPr>
+          <p:cNvSpPr txBox="1"/>
+          <p:nvPr/>
+        </p:nvSpPr>
+        <p:spPr>
+          <a:xfrm>
+            <a:off x="7007720" y="6537200"/>
+            <a:ext cx="357596" cy="184666"/>
+          </a:xfrm>
+          <a:prstGeom prst="rect">
+            <a:avLst/>
+          </a:prstGeom>
+          <a:noFill/>
+        </p:spPr>
+        <p:txBody>
+          <a:bodyPr wrap="square" lIns="0" tIns="0" rIns="0" bIns="0" rtlCol="0">
+            <a:spAutoFit/>
+          </a:bodyPr>
+          <a:lstStyle/>
+          <a:p>
+            <a:pPr marL="0" marR="0" lvl="0" indent="0" algn="ctr" defTabSz="914400" rtl="0" eaLnBrk="1" fontAlgn="auto" latinLnBrk="0" hangingPunct="1">
+              <a:lnSpc>
+                <a:spcPct val="100000"/>
+              </a:lnSpc>
+              <a:spcBef>
+                <a:spcPts val="0"/>
+              </a:spcBef>
+              <a:spcAft>
+                <a:spcPts val="0"/>
+              </a:spcAft>
+              <a:buClrTx/>
+              <a:buSzTx/>
+              <a:buFontTx/>
+              <a:buNone/>
+              <a:tabLst/>
+              <a:defRPr/>
+            </a:pPr>
+            <a:r>
+              <a:rPr kumimoji="0" lang="en-US" sz="1200" b="0" i="0" u="none" strike="noStrike" kern="1200" cap="none" spc="0" normalizeH="0" baseline="0" noProof="0" dirty="0">
+                <a:ln>
+                  <a:noFill/>
+                </a:ln>
+                <a:gradFill>
+                  <a:gsLst>
+                    <a:gs pos="2917">
+                      <a:srgbClr val="1A1A1A"/>
+                    </a:gs>
+                    <a:gs pos="30000">
+                      <a:srgbClr val="1A1A1A"/>
+                    </a:gs>
+                  </a:gsLst>
+                  <a:lin ang="5400000" scaled="0"/>
+                </a:gradFill>
+                <a:effectLst/>
+                <a:uLnTx/>
+                <a:uFillTx/>
+                <a:latin typeface="Segoe UI"/>
+                <a:ea typeface="+mn-ea"/>
+                <a:cs typeface="+mn-cs"/>
+              </a:rPr>
+              <a:t>IPFS</a:t>
+            </a:r>
+          </a:p>
+        </p:txBody>
+      </p:sp>
+      <p:sp>
+        <p:nvSpPr>
+          <p:cNvPr id="179" name="テキスト ボックス 87">
+            <a:extLst>
+              <a:ext uri="{FF2B5EF4-FFF2-40B4-BE49-F238E27FC236}">
+                <a16:creationId xmlns:a16="http://schemas.microsoft.com/office/drawing/2014/main" id="{C5815280-0A7D-FE4E-AA42-173ABE9CCBA3}"/>
+              </a:ext>
+            </a:extLst>
+          </p:cNvPr>
+          <p:cNvSpPr txBox="1"/>
+          <p:nvPr/>
+        </p:nvSpPr>
+        <p:spPr>
+          <a:xfrm>
+            <a:off x="6739044" y="4935462"/>
+            <a:ext cx="865569" cy="257369"/>
+          </a:xfrm>
+          <a:prstGeom prst="rect">
+            <a:avLst/>
+          </a:prstGeom>
+          <a:noFill/>
+        </p:spPr>
+        <p:txBody>
+          <a:bodyPr wrap="square" lIns="36000" tIns="36000" rIns="36000" bIns="36000" rtlCol="0" anchor="ctr">
+            <a:spAutoFit/>
+          </a:bodyPr>
+          <a:lstStyle/>
+          <a:p>
+            <a:pPr algn="ctr"/>
+            <a:r>
+              <a:rPr kumimoji="1" lang="en-US" altLang="ja-JP" sz="1200" dirty="0">
+                <a:latin typeface="Segoe UI Light" panose="020B0502040204020203" pitchFamily="34" charset="0"/>
+                <a:cs typeface="Segoe UI Light" panose="020B0502040204020203" pitchFamily="34" charset="0"/>
+              </a:rPr>
+              <a:t>Member 1</a:t>
+            </a:r>
+            <a:endParaRPr kumimoji="1" lang="ja-JP" altLang="en-US" sz="1200" dirty="0">
+              <a:latin typeface="Segoe UI Light" panose="020B0502040204020203" pitchFamily="34" charset="0"/>
+              <a:cs typeface="Segoe UI Light" panose="020B0502040204020203" pitchFamily="34" charset="0"/>
+            </a:endParaRPr>
+          </a:p>
+        </p:txBody>
+      </p:sp>
+      <p:sp>
+        <p:nvSpPr>
+          <p:cNvPr id="187" name="テキスト ボックス 87">
+            <a:extLst>
+              <a:ext uri="{FF2B5EF4-FFF2-40B4-BE49-F238E27FC236}">
+                <a16:creationId xmlns:a16="http://schemas.microsoft.com/office/drawing/2014/main" id="{DF63A4C6-03E1-EA45-9CD8-47CBDBADA436}"/>
+              </a:ext>
+            </a:extLst>
+          </p:cNvPr>
+          <p:cNvSpPr txBox="1"/>
+          <p:nvPr/>
+        </p:nvSpPr>
+        <p:spPr>
+          <a:xfrm>
+            <a:off x="9323332" y="5509327"/>
+            <a:ext cx="822927" cy="257369"/>
+          </a:xfrm>
+          <a:prstGeom prst="rect">
+            <a:avLst/>
+          </a:prstGeom>
+          <a:noFill/>
+        </p:spPr>
+        <p:txBody>
+          <a:bodyPr wrap="square" lIns="36000" tIns="36000" rIns="36000" bIns="36000" rtlCol="0" anchor="ctr">
+            <a:spAutoFit/>
+          </a:bodyPr>
+          <a:lstStyle/>
+          <a:p>
+            <a:pPr algn="ctr"/>
+            <a:r>
+              <a:rPr kumimoji="1" lang="en-US" altLang="ja-JP" sz="1200" dirty="0">
+                <a:latin typeface="Segoe UI Light" panose="020B0502040204020203" pitchFamily="34" charset="0"/>
+                <a:cs typeface="Segoe UI Light" panose="020B0502040204020203" pitchFamily="34" charset="0"/>
+              </a:rPr>
+              <a:t>Member N</a:t>
+            </a:r>
+            <a:endParaRPr kumimoji="1" lang="ja-JP" altLang="en-US" sz="1200" dirty="0">
+              <a:latin typeface="Segoe UI Light" panose="020B0502040204020203" pitchFamily="34" charset="0"/>
+              <a:cs typeface="Segoe UI Light" panose="020B0502040204020203" pitchFamily="34" charset="0"/>
+            </a:endParaRPr>
+          </a:p>
+        </p:txBody>
+      </p:sp>
+      <p:cxnSp>
+        <p:nvCxnSpPr>
+          <p:cNvPr id="188" name="直線矢印コネクタ 115">
+            <a:extLst>
+              <a:ext uri="{FF2B5EF4-FFF2-40B4-BE49-F238E27FC236}">
+                <a16:creationId xmlns:a16="http://schemas.microsoft.com/office/drawing/2014/main" id="{BE63E6B9-E96B-3A44-B27A-4D31CD8E0CF5}"/>
+              </a:ext>
+            </a:extLst>
+          </p:cNvPr>
+          <p:cNvCxnSpPr>
+            <a:cxnSpLocks/>
+          </p:cNvCxnSpPr>
+          <p:nvPr/>
+        </p:nvCxnSpPr>
+        <p:spPr>
+          <a:xfrm flipH="1">
+            <a:off x="6179621" y="5878246"/>
+            <a:ext cx="377945" cy="0"/>
+          </a:xfrm>
+          <a:prstGeom prst="straightConnector1">
+            <a:avLst/>
+          </a:prstGeom>
+          <a:ln>
+            <a:headEnd type="triangle" w="med" len="med"/>
+            <a:tailEnd type="triangle" w="med" len="med"/>
+          </a:ln>
+        </p:spPr>
+        <p:style>
+          <a:lnRef idx="1">
+            <a:schemeClr val="accent1"/>
+          </a:lnRef>
+          <a:fillRef idx="0">
+            <a:schemeClr val="accent1"/>
+          </a:fillRef>
+          <a:effectRef idx="0">
+            <a:schemeClr val="accent1"/>
+          </a:effectRef>
+          <a:fontRef idx="minor">
+            <a:schemeClr val="tx1"/>
+          </a:fontRef>
+        </p:style>
+      </p:cxnSp>
+      <p:pic>
+        <p:nvPicPr>
+          <p:cNvPr id="195" name="Picture 194">
+            <a:extLst>
+              <a:ext uri="{FF2B5EF4-FFF2-40B4-BE49-F238E27FC236}">
+                <a16:creationId xmlns:a16="http://schemas.microsoft.com/office/drawing/2014/main" id="{7C83049E-DF67-C24F-BA26-EEFE143D8BE6}"/>
+              </a:ext>
+            </a:extLst>
+          </p:cNvPr>
+          <p:cNvPicPr>
+            <a:picLocks noChangeAspect="1"/>
+          </p:cNvPicPr>
+          <p:nvPr/>
+        </p:nvPicPr>
+        <p:blipFill>
+          <a:blip r:embed="rId25"/>
+          <a:stretch>
+            <a:fillRect/>
+          </a:stretch>
+        </p:blipFill>
+        <p:spPr>
+          <a:xfrm>
+            <a:off x="9698629" y="2219418"/>
+            <a:ext cx="384048" cy="384048"/>
+          </a:xfrm>
+          <a:prstGeom prst="rect">
+            <a:avLst/>
+          </a:prstGeom>
+        </p:spPr>
+      </p:pic>
+      <p:sp>
+        <p:nvSpPr>
+          <p:cNvPr id="196" name="TextBox 195">
+            <a:extLst>
+              <a:ext uri="{FF2B5EF4-FFF2-40B4-BE49-F238E27FC236}">
+                <a16:creationId xmlns:a16="http://schemas.microsoft.com/office/drawing/2014/main" id="{98E855EA-EA2F-2847-94EE-6342C74CA7C8}"/>
+              </a:ext>
+            </a:extLst>
+          </p:cNvPr>
+          <p:cNvSpPr txBox="1"/>
+          <p:nvPr/>
+        </p:nvSpPr>
+        <p:spPr>
+          <a:xfrm>
+            <a:off x="9500179" y="2746034"/>
+            <a:ext cx="776337" cy="230832"/>
+          </a:xfrm>
+          <a:prstGeom prst="rect">
+            <a:avLst/>
+          </a:prstGeom>
+          <a:solidFill>
+            <a:schemeClr val="bg1"/>
+          </a:solidFill>
+        </p:spPr>
+        <p:txBody>
+          <a:bodyPr wrap="square" rtlCol="0">
+            <a:spAutoFit/>
+          </a:bodyPr>
+          <a:lstStyle/>
+          <a:p>
+            <a:pPr algn="ctr"/>
+            <a:r>
+              <a:rPr lang="en-US" sz="900" dirty="0"/>
+              <a:t>Key Vault</a:t>
+            </a:r>
+          </a:p>
+        </p:txBody>
+      </p:sp>
+      <p:pic>
+        <p:nvPicPr>
+          <p:cNvPr id="197" name="Picture 196">
+            <a:extLst>
+              <a:ext uri="{FF2B5EF4-FFF2-40B4-BE49-F238E27FC236}">
+                <a16:creationId xmlns:a16="http://schemas.microsoft.com/office/drawing/2014/main" id="{6B5F8984-EEB7-CD44-A15E-4BECA5DEDF89}"/>
+              </a:ext>
+            </a:extLst>
+          </p:cNvPr>
+          <p:cNvPicPr>
+            <a:picLocks noChangeAspect="1"/>
+          </p:cNvPicPr>
+          <p:nvPr/>
+        </p:nvPicPr>
+        <p:blipFill>
+          <a:blip r:embed="rId26"/>
+          <a:stretch>
+            <a:fillRect/>
+          </a:stretch>
+        </p:blipFill>
+        <p:spPr>
+          <a:xfrm>
+            <a:off x="9006121" y="2202183"/>
+            <a:ext cx="506015" cy="506015"/>
+          </a:xfrm>
+          <a:prstGeom prst="rect">
+            <a:avLst/>
+          </a:prstGeom>
+        </p:spPr>
+      </p:pic>
+      <p:sp>
+        <p:nvSpPr>
+          <p:cNvPr id="198" name="TextBox 197">
+            <a:extLst>
+              <a:ext uri="{FF2B5EF4-FFF2-40B4-BE49-F238E27FC236}">
+                <a16:creationId xmlns:a16="http://schemas.microsoft.com/office/drawing/2014/main" id="{CE9D17C8-FECB-B446-B110-515AB7B3E9E3}"/>
+              </a:ext>
+            </a:extLst>
+          </p:cNvPr>
+          <p:cNvSpPr txBox="1"/>
+          <p:nvPr/>
+        </p:nvSpPr>
+        <p:spPr>
+          <a:xfrm>
+            <a:off x="8867124" y="2719066"/>
+            <a:ext cx="756689" cy="233541"/>
+          </a:xfrm>
+          <a:prstGeom prst="rect">
+            <a:avLst/>
+          </a:prstGeom>
+          <a:solidFill>
+            <a:schemeClr val="bg1"/>
+          </a:solidFill>
+        </p:spPr>
+        <p:txBody>
+          <a:bodyPr wrap="square" rtlCol="0">
+            <a:spAutoFit/>
+          </a:bodyPr>
+          <a:lstStyle/>
+          <a:p>
+            <a:pPr algn="ctr"/>
+            <a:r>
+              <a:rPr lang="en-US" sz="900" dirty="0"/>
+              <a:t>AAD</a:t>
+            </a:r>
+          </a:p>
+        </p:txBody>
+      </p:sp>
+      <p:sp>
+        <p:nvSpPr>
+          <p:cNvPr id="207" name="テキスト ボックス 32">
+            <a:extLst>
+              <a:ext uri="{FF2B5EF4-FFF2-40B4-BE49-F238E27FC236}">
+                <a16:creationId xmlns:a16="http://schemas.microsoft.com/office/drawing/2014/main" id="{4FA2DFA3-7392-B64F-88CB-D5DC5D7DE6AF}"/>
+              </a:ext>
+            </a:extLst>
+          </p:cNvPr>
+          <p:cNvSpPr txBox="1"/>
+          <p:nvPr/>
+        </p:nvSpPr>
+        <p:spPr>
+          <a:xfrm>
+            <a:off x="11173727" y="3801039"/>
+            <a:ext cx="793631" cy="626701"/>
+          </a:xfrm>
+          <a:prstGeom prst="rect">
+            <a:avLst/>
+          </a:prstGeom>
+          <a:noFill/>
+        </p:spPr>
+        <p:txBody>
+          <a:bodyPr wrap="square" lIns="36000" tIns="36000" rIns="36000" bIns="36000" rtlCol="0" anchor="ctr">
+            <a:spAutoFit/>
+          </a:bodyPr>
+          <a:lstStyle/>
+          <a:p>
+            <a:pPr algn="ctr"/>
+            <a:r>
+              <a:rPr lang="en-US" altLang="ja-JP" sz="1200" dirty="0">
+                <a:latin typeface="Segoe UI Light" panose="020B0502040204020203" pitchFamily="34" charset="0"/>
+                <a:cs typeface="Segoe UI Light" panose="020B0502040204020203" pitchFamily="34" charset="0"/>
+              </a:rPr>
+              <a:t>Chain replication DB</a:t>
+            </a:r>
+          </a:p>
+        </p:txBody>
+      </p:sp>
+      <p:sp>
+        <p:nvSpPr>
+          <p:cNvPr id="209" name="TextBox 208">
+            <a:extLst>
+              <a:ext uri="{FF2B5EF4-FFF2-40B4-BE49-F238E27FC236}">
+                <a16:creationId xmlns:a16="http://schemas.microsoft.com/office/drawing/2014/main" id="{DBFE8990-2C62-A040-8B15-DF40DCFBF1AB}"/>
+              </a:ext>
+            </a:extLst>
+          </p:cNvPr>
+          <p:cNvSpPr txBox="1"/>
+          <p:nvPr/>
+        </p:nvSpPr>
+        <p:spPr>
+          <a:xfrm>
+            <a:off x="9182390" y="1840635"/>
+            <a:ext cx="756689" cy="276999"/>
+          </a:xfrm>
+          <a:prstGeom prst="rect">
+            <a:avLst/>
+          </a:prstGeom>
+          <a:solidFill>
+            <a:schemeClr val="bg1"/>
+          </a:solidFill>
+        </p:spPr>
+        <p:txBody>
+          <a:bodyPr wrap="square" rtlCol="0">
+            <a:spAutoFit/>
+          </a:bodyPr>
+          <a:lstStyle/>
+          <a:p>
+            <a:pPr algn="ctr"/>
+            <a:r>
+              <a:rPr lang="en-US" sz="1200" dirty="0"/>
+              <a:t>Identity</a:t>
+            </a:r>
+          </a:p>
+        </p:txBody>
+      </p:sp>
+    </p:spTree>
+    <p:extLst>
+      <p:ext uri="{BB962C8B-B14F-4D97-AF65-F5344CB8AC3E}">
+        <p14:creationId xmlns:p14="http://schemas.microsoft.com/office/powerpoint/2010/main" val="3458142350"/>
+      </p:ext>
+    </p:extLst>
+  </p:cSld>
+  <p:clrMapOvr>
+    <a:masterClrMapping/>
+  </p:clrMapOvr>
+</p:sld>
+</file>
+
 <file path=ppt/theme/theme1.xml><?xml version="1.0" encoding="utf-8"?>
 <a:theme xmlns:a="http://schemas.openxmlformats.org/drawingml/2006/main" name="Office Theme">
   <a:themeElements>
@@ -6827,4 +11720,299 @@
     </a:ext>
   </a:extLst>
 </a:theme>
+</file>
+
+<file path=ppt/theme/theme2.xml><?xml version="1.0" encoding="utf-8"?>
+<a:theme xmlns:a="http://schemas.openxmlformats.org/drawingml/2006/main" name="Office Theme">
+  <a:themeElements>
+    <a:clrScheme name="Office">
+      <a:dk1>
+        <a:sysClr val="windowText" lastClr="000000"/>
+      </a:dk1>
+      <a:lt1>
+        <a:sysClr val="window" lastClr="FFFFFF"/>
+      </a:lt1>
+      <a:dk2>
+        <a:srgbClr val="44546A"/>
+      </a:dk2>
+      <a:lt2>
+        <a:srgbClr val="E7E6E6"/>
+      </a:lt2>
+      <a:accent1>
+        <a:srgbClr val="4472C4"/>
+      </a:accent1>
+      <a:accent2>
+        <a:srgbClr val="ED7D31"/>
+      </a:accent2>
+      <a:accent3>
+        <a:srgbClr val="A5A5A5"/>
+      </a:accent3>
+      <a:accent4>
+        <a:srgbClr val="FFC000"/>
+      </a:accent4>
+      <a:accent5>
+        <a:srgbClr val="5B9BD5"/>
+      </a:accent5>
+      <a:accent6>
+        <a:srgbClr val="70AD47"/>
+      </a:accent6>
+      <a:hlink>
+        <a:srgbClr val="0563C1"/>
+      </a:hlink>
+      <a:folHlink>
+        <a:srgbClr val="954F72"/>
+      </a:folHlink>
+    </a:clrScheme>
+    <a:fontScheme name="Office">
+      <a:majorFont>
+        <a:latin typeface="Calibri Light" panose="020F0302020204030204"/>
+        <a:ea typeface=""/>
+        <a:cs typeface=""/>
+        <a:font script="Jpan" typeface="游ゴシック Light"/>
+        <a:font script="Hang" typeface="맑은 고딕"/>
+        <a:font script="Hans" typeface="等线 Light"/>
+        <a:font script="Hant" typeface="新細明體"/>
+        <a:font script="Arab" typeface="Times New Roman"/>
+        <a:font script="Hebr" typeface="Times New Roman"/>
+        <a:font script="Thai" typeface="Angsana New"/>
+        <a:font script="Ethi" typeface="Nyala"/>
+        <a:font script="Beng" typeface="Vrinda"/>
+        <a:font script="Gujr" typeface="Shruti"/>
+        <a:font script="Khmr" typeface="MoolBoran"/>
+        <a:font script="Knda" typeface="Tunga"/>
+        <a:font script="Guru" typeface="Raavi"/>
+        <a:font script="Cans" typeface="Euphemia"/>
+        <a:font script="Cher" typeface="Plantagenet Cherokee"/>
+        <a:font script="Yiii" typeface="Microsoft Yi Baiti"/>
+        <a:font script="Tibt" typeface="Microsoft Himalaya"/>
+        <a:font script="Thaa" typeface="MV Boli"/>
+        <a:font script="Deva" typeface="Mangal"/>
+        <a:font script="Telu" typeface="Gautami"/>
+        <a:font script="Taml" typeface="Latha"/>
+        <a:font script="Syrc" typeface="Estrangelo Edessa"/>
+        <a:font script="Orya" typeface="Kalinga"/>
+        <a:font script="Mlym" typeface="Kartika"/>
+        <a:font script="Laoo" typeface="DokChampa"/>
+        <a:font script="Sinh" typeface="Iskoola Pota"/>
+        <a:font script="Mong" typeface="Mongolian Baiti"/>
+        <a:font script="Viet" typeface="Times New Roman"/>
+        <a:font script="Uigh" typeface="Microsoft Uighur"/>
+        <a:font script="Geor" typeface="Sylfaen"/>
+        <a:font script="Armn" typeface="Arial"/>
+        <a:font script="Bugi" typeface="Leelawadee UI"/>
+        <a:font script="Bopo" typeface="Microsoft JhengHei"/>
+        <a:font script="Java" typeface="Javanese Text"/>
+        <a:font script="Lisu" typeface="Segoe UI"/>
+        <a:font script="Mymr" typeface="Myanmar Text"/>
+        <a:font script="Nkoo" typeface="Ebrima"/>
+        <a:font script="Olck" typeface="Nirmala UI"/>
+        <a:font script="Osma" typeface="Ebrima"/>
+        <a:font script="Phag" typeface="Phagspa"/>
+        <a:font script="Syrn" typeface="Estrangelo Edessa"/>
+        <a:font script="Syrj" typeface="Estrangelo Edessa"/>
+        <a:font script="Syre" typeface="Estrangelo Edessa"/>
+        <a:font script="Sora" typeface="Nirmala UI"/>
+        <a:font script="Tale" typeface="Microsoft Tai Le"/>
+        <a:font script="Talu" typeface="Microsoft New Tai Lue"/>
+        <a:font script="Tfng" typeface="Ebrima"/>
+      </a:majorFont>
+      <a:minorFont>
+        <a:latin typeface="Calibri" panose="020F0502020204030204"/>
+        <a:ea typeface=""/>
+        <a:cs typeface=""/>
+        <a:font script="Jpan" typeface="游ゴシック"/>
+        <a:font script="Hang" typeface="맑은 고딕"/>
+        <a:font script="Hans" typeface="等线"/>
+        <a:font script="Hant" typeface="新細明體"/>
+        <a:font script="Arab" typeface="Arial"/>
+        <a:font script="Hebr" typeface="Arial"/>
+        <a:font script="Thai" typeface="Cordia New"/>
+        <a:font script="Ethi" typeface="Nyala"/>
+        <a:font script="Beng" typeface="Vrinda"/>
+        <a:font script="Gujr" typeface="Shruti"/>
+        <a:font script="Khmr" typeface="DaunPenh"/>
+        <a:font script="Knda" typeface="Tunga"/>
+        <a:font script="Guru" typeface="Raavi"/>
+        <a:font script="Cans" typeface="Euphemia"/>
+        <a:font script="Cher" typeface="Plantagenet Cherokee"/>
+        <a:font script="Yiii" typeface="Microsoft Yi Baiti"/>
+        <a:font script="Tibt" typeface="Microsoft Himalaya"/>
+        <a:font script="Thaa" typeface="MV Boli"/>
+        <a:font script="Deva" typeface="Mangal"/>
+        <a:font script="Telu" typeface="Gautami"/>
+        <a:font script="Taml" typeface="Latha"/>
+        <a:font script="Syrc" typeface="Estrangelo Edessa"/>
+        <a:font script="Orya" typeface="Kalinga"/>
+        <a:font script="Mlym" typeface="Kartika"/>
+        <a:font script="Laoo" typeface="DokChampa"/>
+        <a:font script="Sinh" typeface="Iskoola Pota"/>
+        <a:font script="Mong" typeface="Mongolian Baiti"/>
+        <a:font script="Viet" typeface="Arial"/>
+        <a:font script="Uigh" typeface="Microsoft Uighur"/>
+        <a:font script="Geor" typeface="Sylfaen"/>
+        <a:font script="Armn" typeface="Arial"/>
+        <a:font script="Bugi" typeface="Leelawadee UI"/>
+        <a:font script="Bopo" typeface="Microsoft JhengHei"/>
+        <a:font script="Java" typeface="Javanese Text"/>
+        <a:font script="Lisu" typeface="Segoe UI"/>
+        <a:font script="Mymr" typeface="Myanmar Text"/>
+        <a:font script="Nkoo" typeface="Ebrima"/>
+        <a:font script="Olck" typeface="Nirmala UI"/>
+        <a:font script="Osma" typeface="Ebrima"/>
+        <a:font script="Phag" typeface="Phagspa"/>
+        <a:font script="Syrn" typeface="Estrangelo Edessa"/>
+        <a:font script="Syrj" typeface="Estrangelo Edessa"/>
+        <a:font script="Syre" typeface="Estrangelo Edessa"/>
+        <a:font script="Sora" typeface="Nirmala UI"/>
+        <a:font script="Tale" typeface="Microsoft Tai Le"/>
+        <a:font script="Talu" typeface="Microsoft New Tai Lue"/>
+        <a:font script="Tfng" typeface="Ebrima"/>
+      </a:minorFont>
+    </a:fontScheme>
+    <a:fmtScheme name="Office">
+      <a:fillStyleLst>
+        <a:solidFill>
+          <a:schemeClr val="phClr"/>
+        </a:solidFill>
+        <a:gradFill rotWithShape="1">
+          <a:gsLst>
+            <a:gs pos="0">
+              <a:schemeClr val="phClr">
+                <a:lumMod val="110000"/>
+                <a:satMod val="105000"/>
+                <a:tint val="67000"/>
+              </a:schemeClr>
+            </a:gs>
+            <a:gs pos="50000">
+              <a:schemeClr val="phClr">
+                <a:lumMod val="105000"/>
+                <a:satMod val="103000"/>
+                <a:tint val="73000"/>
+              </a:schemeClr>
+            </a:gs>
+            <a:gs pos="100000">
+              <a:schemeClr val="phClr">
+                <a:lumMod val="105000"/>
+                <a:satMod val="109000"/>
+                <a:tint val="81000"/>
+              </a:schemeClr>
+            </a:gs>
+          </a:gsLst>
+          <a:lin ang="5400000" scaled="0"/>
+        </a:gradFill>
+        <a:gradFill rotWithShape="1">
+          <a:gsLst>
+            <a:gs pos="0">
+              <a:schemeClr val="phClr">
+                <a:satMod val="103000"/>
+                <a:lumMod val="102000"/>
+                <a:tint val="94000"/>
+              </a:schemeClr>
+            </a:gs>
+            <a:gs pos="50000">
+              <a:schemeClr val="phClr">
+                <a:satMod val="110000"/>
+                <a:lumMod val="100000"/>
+                <a:shade val="100000"/>
+              </a:schemeClr>
+            </a:gs>
+            <a:gs pos="100000">
+              <a:schemeClr val="phClr">
+                <a:lumMod val="99000"/>
+                <a:satMod val="120000"/>
+                <a:shade val="78000"/>
+              </a:schemeClr>
+            </a:gs>
+          </a:gsLst>
+          <a:lin ang="5400000" scaled="0"/>
+        </a:gradFill>
+      </a:fillStyleLst>
+      <a:lnStyleLst>
+        <a:ln w="6350" cap="flat" cmpd="sng" algn="ctr">
+          <a:solidFill>
+            <a:schemeClr val="phClr"/>
+          </a:solidFill>
+          <a:prstDash val="solid"/>
+          <a:miter lim="800000"/>
+        </a:ln>
+        <a:ln w="12700" cap="flat" cmpd="sng" algn="ctr">
+          <a:solidFill>
+            <a:schemeClr val="phClr"/>
+          </a:solidFill>
+          <a:prstDash val="solid"/>
+          <a:miter lim="800000"/>
+        </a:ln>
+        <a:ln w="19050" cap="flat" cmpd="sng" algn="ctr">
+          <a:solidFill>
+            <a:schemeClr val="phClr"/>
+          </a:solidFill>
+          <a:prstDash val="solid"/>
+          <a:miter lim="800000"/>
+        </a:ln>
+      </a:lnStyleLst>
+      <a:effectStyleLst>
+        <a:effectStyle>
+          <a:effectLst/>
+        </a:effectStyle>
+        <a:effectStyle>
+          <a:effectLst/>
+        </a:effectStyle>
+        <a:effectStyle>
+          <a:effectLst>
+            <a:outerShdw blurRad="57150" dist="19050" dir="5400000" algn="ctr" rotWithShape="0">
+              <a:srgbClr val="000000">
+                <a:alpha val="63000"/>
+              </a:srgbClr>
+            </a:outerShdw>
+          </a:effectLst>
+        </a:effectStyle>
+      </a:effectStyleLst>
+      <a:bgFillStyleLst>
+        <a:solidFill>
+          <a:schemeClr val="phClr"/>
+        </a:solidFill>
+        <a:solidFill>
+          <a:schemeClr val="phClr">
+            <a:tint val="95000"/>
+            <a:satMod val="170000"/>
+          </a:schemeClr>
+        </a:solidFill>
+        <a:gradFill rotWithShape="1">
+          <a:gsLst>
+            <a:gs pos="0">
+              <a:schemeClr val="phClr">
+                <a:tint val="93000"/>
+                <a:satMod val="150000"/>
+                <a:shade val="98000"/>
+                <a:lumMod val="102000"/>
+              </a:schemeClr>
+            </a:gs>
+            <a:gs pos="50000">
+              <a:schemeClr val="phClr">
+                <a:tint val="98000"/>
+                <a:satMod val="130000"/>
+                <a:shade val="90000"/>
+                <a:lumMod val="103000"/>
+              </a:schemeClr>
+            </a:gs>
+            <a:gs pos="100000">
+              <a:schemeClr val="phClr">
+                <a:shade val="63000"/>
+                <a:satMod val="120000"/>
+              </a:schemeClr>
+            </a:gs>
+          </a:gsLst>
+          <a:lin ang="5400000" scaled="0"/>
+        </a:gradFill>
+      </a:bgFillStyleLst>
+    </a:fmtScheme>
+  </a:themeElements>
+  <a:objectDefaults/>
+  <a:extraClrSchemeLst/>
+  <a:extLst>
+    <a:ext uri="{05A4C25C-085E-4340-85A3-A5531E510DB2}">
+      <thm15:themeFamily xmlns:thm15="http://schemas.microsoft.com/office/thememl/2012/main" name="Office Theme" id="{62F939B6-93AF-4DB8-9C6B-D6C7DFDC589F}" vid="{4A3C46E8-61CC-4603-A589-7422A47A8E4A}"/>
+    </a:ext>
+  </a:extLst>
+</a:theme>
 </file>
--- a/2. solutions/resource-finder/documentation/diagrams v.1.0.pptx
+++ b/2. solutions/resource-finder/documentation/diagrams v.1.0.pptx
@@ -5,13 +5,14 @@
     <p:sldMasterId id="2147483648" r:id="rId1"/>
   </p:sldMasterIdLst>
   <p:notesMasterIdLst>
-    <p:notesMasterId r:id="rId6"/>
+    <p:notesMasterId r:id="rId7"/>
   </p:notesMasterIdLst>
   <p:sldIdLst>
     <p:sldId id="262" r:id="rId2"/>
     <p:sldId id="263" r:id="rId3"/>
     <p:sldId id="264" r:id="rId4"/>
-    <p:sldId id="266" r:id="rId5"/>
+    <p:sldId id="267" r:id="rId5"/>
+    <p:sldId id="266" r:id="rId6"/>
   </p:sldIdLst>
   <p:sldSz cx="12192000" cy="6858000"/>
   <p:notesSz cx="6858000" cy="9144000"/>
@@ -532,7 +533,7 @@
           <a:p>
             <a:fld id="{279118AD-D243-CE42-8FD0-807AC69DF9D1}" type="slidenum">
               <a:rPr lang="en-US" smtClean="0"/>
-              <a:t>4</a:t>
+              <a:t>5</a:t>
             </a:fld>
             <a:endParaRPr lang="en-US"/>
           </a:p>
@@ -6990,6 +6991,2332 @@
       </p:grpSpPr>
       <p:sp>
         <p:nvSpPr>
+          <p:cNvPr id="4" name="Rounded Rectangle 3">
+            <a:extLst>
+              <a:ext uri="{FF2B5EF4-FFF2-40B4-BE49-F238E27FC236}">
+                <a16:creationId xmlns:a16="http://schemas.microsoft.com/office/drawing/2014/main" id="{937940F6-DCBC-0443-89FD-C062FC36FEE4}"/>
+              </a:ext>
+            </a:extLst>
+          </p:cNvPr>
+          <p:cNvSpPr/>
+          <p:nvPr/>
+        </p:nvSpPr>
+        <p:spPr>
+          <a:xfrm>
+            <a:off x="3363010" y="253551"/>
+            <a:ext cx="1534886" cy="337457"/>
+          </a:xfrm>
+          <a:prstGeom prst="roundRect">
+            <a:avLst/>
+          </a:prstGeom>
+        </p:spPr>
+        <p:style>
+          <a:lnRef idx="2">
+            <a:schemeClr val="accent3"/>
+          </a:lnRef>
+          <a:fillRef idx="1">
+            <a:schemeClr val="lt1"/>
+          </a:fillRef>
+          <a:effectRef idx="0">
+            <a:schemeClr val="accent3"/>
+          </a:effectRef>
+          <a:fontRef idx="minor">
+            <a:schemeClr val="dk1"/>
+          </a:fontRef>
+        </p:style>
+        <p:txBody>
+          <a:bodyPr rtlCol="0" anchor="ctr"/>
+          <a:lstStyle/>
+          <a:p>
+            <a:pPr marL="0" marR="0" lvl="0" indent="0" algn="ctr" defTabSz="914400" rtl="0" eaLnBrk="1" fontAlgn="auto" latinLnBrk="0" hangingPunct="1">
+              <a:lnSpc>
+                <a:spcPct val="100000"/>
+              </a:lnSpc>
+              <a:spcBef>
+                <a:spcPts val="0"/>
+              </a:spcBef>
+              <a:spcAft>
+                <a:spcPts val="0"/>
+              </a:spcAft>
+              <a:buClrTx/>
+              <a:buSzTx/>
+              <a:buFontTx/>
+              <a:buNone/>
+              <a:tabLst/>
+              <a:defRPr/>
+            </a:pPr>
+            <a:r>
+              <a:rPr kumimoji="0" lang="en-US" sz="1000" b="0" i="0" u="none" strike="noStrike" kern="1200" cap="none" spc="0" normalizeH="0" baseline="0" noProof="0" dirty="0">
+                <a:ln>
+                  <a:noFill/>
+                </a:ln>
+                <a:solidFill>
+                  <a:prstClr val="black"/>
+                </a:solidFill>
+                <a:effectLst/>
+                <a:uLnTx/>
+                <a:uFillTx/>
+                <a:latin typeface="Calibri" panose="020F0502020204030204"/>
+                <a:ea typeface="+mn-ea"/>
+                <a:cs typeface="+mn-cs"/>
+              </a:rPr>
+              <a:t>User login</a:t>
+            </a:r>
+          </a:p>
+        </p:txBody>
+      </p:sp>
+      <p:sp>
+        <p:nvSpPr>
+          <p:cNvPr id="5" name="Diamond 4">
+            <a:extLst>
+              <a:ext uri="{FF2B5EF4-FFF2-40B4-BE49-F238E27FC236}">
+                <a16:creationId xmlns:a16="http://schemas.microsoft.com/office/drawing/2014/main" id="{D31BD1FC-A7C1-5B40-ABB4-C6081767F972}"/>
+              </a:ext>
+            </a:extLst>
+          </p:cNvPr>
+          <p:cNvSpPr/>
+          <p:nvPr/>
+        </p:nvSpPr>
+        <p:spPr>
+          <a:xfrm>
+            <a:off x="3363009" y="856046"/>
+            <a:ext cx="1534867" cy="1001192"/>
+          </a:xfrm>
+          <a:prstGeom prst="diamond">
+            <a:avLst/>
+          </a:prstGeom>
+        </p:spPr>
+        <p:style>
+          <a:lnRef idx="2">
+            <a:schemeClr val="accent3"/>
+          </a:lnRef>
+          <a:fillRef idx="1">
+            <a:schemeClr val="lt1"/>
+          </a:fillRef>
+          <a:effectRef idx="0">
+            <a:schemeClr val="accent3"/>
+          </a:effectRef>
+          <a:fontRef idx="minor">
+            <a:schemeClr val="dk1"/>
+          </a:fontRef>
+        </p:style>
+        <p:txBody>
+          <a:bodyPr rtlCol="0" anchor="ctr"/>
+          <a:lstStyle/>
+          <a:p>
+            <a:pPr marL="0" marR="0" lvl="0" indent="0" algn="ctr" defTabSz="914400" rtl="0" eaLnBrk="1" fontAlgn="auto" latinLnBrk="0" hangingPunct="1">
+              <a:lnSpc>
+                <a:spcPct val="100000"/>
+              </a:lnSpc>
+              <a:spcBef>
+                <a:spcPts val="0"/>
+              </a:spcBef>
+              <a:spcAft>
+                <a:spcPts val="0"/>
+              </a:spcAft>
+              <a:buClrTx/>
+              <a:buSzTx/>
+              <a:buFontTx/>
+              <a:buNone/>
+              <a:tabLst/>
+              <a:defRPr/>
+            </a:pPr>
+            <a:r>
+              <a:rPr kumimoji="0" lang="en-US" sz="1000" b="0" i="0" u="none" strike="noStrike" kern="1200" cap="none" spc="0" normalizeH="0" baseline="0" noProof="0" dirty="0">
+                <a:ln>
+                  <a:noFill/>
+                </a:ln>
+                <a:solidFill>
+                  <a:prstClr val="black"/>
+                </a:solidFill>
+                <a:effectLst/>
+                <a:uLnTx/>
+                <a:uFillTx/>
+                <a:latin typeface="Calibri" panose="020F0502020204030204"/>
+                <a:ea typeface="+mn-ea"/>
+                <a:cs typeface="+mn-cs"/>
+              </a:rPr>
+              <a:t>Content</a:t>
+            </a:r>
+          </a:p>
+          <a:p>
+            <a:pPr marL="0" marR="0" lvl="0" indent="0" algn="ctr" defTabSz="914400" rtl="0" eaLnBrk="1" fontAlgn="auto" latinLnBrk="0" hangingPunct="1">
+              <a:lnSpc>
+                <a:spcPct val="100000"/>
+              </a:lnSpc>
+              <a:spcBef>
+                <a:spcPts val="0"/>
+              </a:spcBef>
+              <a:spcAft>
+                <a:spcPts val="0"/>
+              </a:spcAft>
+              <a:buClrTx/>
+              <a:buSzTx/>
+              <a:buFontTx/>
+              <a:buNone/>
+              <a:tabLst/>
+              <a:defRPr/>
+            </a:pPr>
+            <a:r>
+              <a:rPr kumimoji="0" lang="en-US" sz="1000" b="0" i="0" u="none" strike="noStrike" kern="1200" cap="none" spc="0" normalizeH="0" baseline="0" noProof="0" dirty="0">
+                <a:ln>
+                  <a:noFill/>
+                </a:ln>
+                <a:solidFill>
+                  <a:prstClr val="black"/>
+                </a:solidFill>
+                <a:effectLst/>
+                <a:uLnTx/>
+                <a:uFillTx/>
+                <a:latin typeface="Calibri" panose="020F0502020204030204"/>
+                <a:ea typeface="+mn-ea"/>
+                <a:cs typeface="+mn-cs"/>
+              </a:rPr>
+              <a:t>Operations</a:t>
+            </a:r>
+          </a:p>
+        </p:txBody>
+      </p:sp>
+      <p:sp>
+        <p:nvSpPr>
+          <p:cNvPr id="6" name="Rounded Rectangle 5">
+            <a:extLst>
+              <a:ext uri="{FF2B5EF4-FFF2-40B4-BE49-F238E27FC236}">
+                <a16:creationId xmlns:a16="http://schemas.microsoft.com/office/drawing/2014/main" id="{BD0B661E-8943-614C-AEB2-088A7E77AB9A}"/>
+              </a:ext>
+            </a:extLst>
+          </p:cNvPr>
+          <p:cNvSpPr/>
+          <p:nvPr/>
+        </p:nvSpPr>
+        <p:spPr>
+          <a:xfrm>
+            <a:off x="5913702" y="1781983"/>
+            <a:ext cx="1534886" cy="337457"/>
+          </a:xfrm>
+          <a:prstGeom prst="roundRect">
+            <a:avLst/>
+          </a:prstGeom>
+        </p:spPr>
+        <p:style>
+          <a:lnRef idx="2">
+            <a:schemeClr val="accent3"/>
+          </a:lnRef>
+          <a:fillRef idx="1">
+            <a:schemeClr val="lt1"/>
+          </a:fillRef>
+          <a:effectRef idx="0">
+            <a:schemeClr val="accent3"/>
+          </a:effectRef>
+          <a:fontRef idx="minor">
+            <a:schemeClr val="dk1"/>
+          </a:fontRef>
+        </p:style>
+        <p:txBody>
+          <a:bodyPr rtlCol="0" anchor="ctr"/>
+          <a:lstStyle/>
+          <a:p>
+            <a:pPr marL="0" marR="0" lvl="0" indent="0" algn="ctr" defTabSz="914400" rtl="0" eaLnBrk="1" fontAlgn="auto" latinLnBrk="0" hangingPunct="1">
+              <a:lnSpc>
+                <a:spcPct val="100000"/>
+              </a:lnSpc>
+              <a:spcBef>
+                <a:spcPts val="0"/>
+              </a:spcBef>
+              <a:spcAft>
+                <a:spcPts val="0"/>
+              </a:spcAft>
+              <a:buClrTx/>
+              <a:buSzTx/>
+              <a:buFontTx/>
+              <a:buNone/>
+              <a:tabLst/>
+              <a:defRPr/>
+            </a:pPr>
+            <a:r>
+              <a:rPr kumimoji="0" lang="en-US" sz="1000" b="0" i="0" u="none" strike="noStrike" kern="1200" cap="none" spc="0" normalizeH="0" baseline="0" noProof="0" dirty="0">
+                <a:ln>
+                  <a:noFill/>
+                </a:ln>
+                <a:solidFill>
+                  <a:prstClr val="black"/>
+                </a:solidFill>
+                <a:effectLst/>
+                <a:uLnTx/>
+                <a:uFillTx/>
+                <a:latin typeface="Calibri" panose="020F0502020204030204"/>
+                <a:ea typeface="+mn-ea"/>
+                <a:cs typeface="+mn-cs"/>
+              </a:rPr>
+              <a:t>Search content</a:t>
+            </a:r>
+          </a:p>
+        </p:txBody>
+      </p:sp>
+      <p:sp>
+        <p:nvSpPr>
+          <p:cNvPr id="7" name="Rounded Rectangle 6">
+            <a:extLst>
+              <a:ext uri="{FF2B5EF4-FFF2-40B4-BE49-F238E27FC236}">
+                <a16:creationId xmlns:a16="http://schemas.microsoft.com/office/drawing/2014/main" id="{0A2E49AB-F755-164E-B051-1EE4734189D3}"/>
+              </a:ext>
+            </a:extLst>
+          </p:cNvPr>
+          <p:cNvSpPr/>
+          <p:nvPr/>
+        </p:nvSpPr>
+        <p:spPr>
+          <a:xfrm>
+            <a:off x="1579740" y="1526185"/>
+            <a:ext cx="1783249" cy="912293"/>
+          </a:xfrm>
+          <a:prstGeom prst="roundRect">
+            <a:avLst/>
+          </a:prstGeom>
+        </p:spPr>
+        <p:style>
+          <a:lnRef idx="2">
+            <a:schemeClr val="accent3"/>
+          </a:lnRef>
+          <a:fillRef idx="1">
+            <a:schemeClr val="lt1"/>
+          </a:fillRef>
+          <a:effectRef idx="0">
+            <a:schemeClr val="accent3"/>
+          </a:effectRef>
+          <a:fontRef idx="minor">
+            <a:schemeClr val="dk1"/>
+          </a:fontRef>
+        </p:style>
+        <p:txBody>
+          <a:bodyPr rtlCol="0" anchor="ctr"/>
+          <a:lstStyle/>
+          <a:p>
+            <a:pPr marL="0" marR="0" lvl="0" indent="0" algn="ctr" defTabSz="914400" rtl="0" eaLnBrk="1" fontAlgn="auto" latinLnBrk="0" hangingPunct="1">
+              <a:lnSpc>
+                <a:spcPct val="100000"/>
+              </a:lnSpc>
+              <a:spcBef>
+                <a:spcPts val="0"/>
+              </a:spcBef>
+              <a:spcAft>
+                <a:spcPts val="0"/>
+              </a:spcAft>
+              <a:buClrTx/>
+              <a:buSzTx/>
+              <a:buFontTx/>
+              <a:buNone/>
+              <a:tabLst/>
+              <a:defRPr/>
+            </a:pPr>
+            <a:r>
+              <a:rPr kumimoji="0" lang="en-US" sz="1000" b="0" i="0" u="none" strike="noStrike" kern="1200" cap="none" spc="0" normalizeH="0" baseline="0" noProof="0" dirty="0">
+                <a:ln>
+                  <a:noFill/>
+                </a:ln>
+                <a:solidFill>
+                  <a:prstClr val="black"/>
+                </a:solidFill>
+                <a:effectLst/>
+                <a:uLnTx/>
+                <a:uFillTx/>
+                <a:latin typeface="Calibri" panose="020F0502020204030204"/>
+                <a:ea typeface="+mn-ea"/>
+                <a:cs typeface="+mn-cs"/>
+              </a:rPr>
+              <a:t>Upload proposal content to organization’s IPFS node and transact on ledger providing public keys of intended recipients (private </a:t>
+            </a:r>
+            <a:r>
+              <a:rPr kumimoji="0" lang="en-US" sz="1000" b="0" i="0" u="none" strike="noStrike" kern="1200" cap="none" spc="0" normalizeH="0" baseline="0" noProof="0" dirty="0" err="1">
+                <a:ln>
+                  <a:noFill/>
+                </a:ln>
+                <a:solidFill>
+                  <a:prstClr val="black"/>
+                </a:solidFill>
+                <a:effectLst/>
+                <a:uLnTx/>
+                <a:uFillTx/>
+                <a:latin typeface="Calibri" panose="020F0502020204030204"/>
+                <a:ea typeface="+mn-ea"/>
+                <a:cs typeface="+mn-cs"/>
+              </a:rPr>
+              <a:t>tx</a:t>
+            </a:r>
+            <a:r>
+              <a:rPr kumimoji="0" lang="en-US" sz="1000" b="0" i="0" u="none" strike="noStrike" kern="1200" cap="none" spc="0" normalizeH="0" baseline="0" noProof="0" dirty="0">
+                <a:ln>
+                  <a:noFill/>
+                </a:ln>
+                <a:solidFill>
+                  <a:prstClr val="black"/>
+                </a:solidFill>
+                <a:effectLst/>
+                <a:uLnTx/>
+                <a:uFillTx/>
+                <a:latin typeface="Calibri" panose="020F0502020204030204"/>
+                <a:ea typeface="+mn-ea"/>
+                <a:cs typeface="+mn-cs"/>
+              </a:rPr>
+              <a:t>)</a:t>
+            </a:r>
+          </a:p>
+        </p:txBody>
+      </p:sp>
+      <p:cxnSp>
+        <p:nvCxnSpPr>
+          <p:cNvPr id="8" name="Elbow Connector 7">
+            <a:extLst>
+              <a:ext uri="{FF2B5EF4-FFF2-40B4-BE49-F238E27FC236}">
+                <a16:creationId xmlns:a16="http://schemas.microsoft.com/office/drawing/2014/main" id="{88FA9B1F-B8FB-2F4C-A41B-442A9ACC2A0F}"/>
+              </a:ext>
+            </a:extLst>
+          </p:cNvPr>
+          <p:cNvCxnSpPr>
+            <a:cxnSpLocks/>
+            <a:stCxn id="7" idx="0"/>
+            <a:endCxn id="5" idx="1"/>
+          </p:cNvCxnSpPr>
+          <p:nvPr/>
+        </p:nvCxnSpPr>
+        <p:spPr>
+          <a:xfrm rot="5400000" flipH="1" flipV="1">
+            <a:off x="2832416" y="995592"/>
+            <a:ext cx="169543" cy="891644"/>
+          </a:xfrm>
+          <a:prstGeom prst="bentConnector2">
+            <a:avLst/>
+          </a:prstGeom>
+        </p:spPr>
+        <p:style>
+          <a:lnRef idx="2">
+            <a:schemeClr val="accent3"/>
+          </a:lnRef>
+          <a:fillRef idx="1">
+            <a:schemeClr val="lt1"/>
+          </a:fillRef>
+          <a:effectRef idx="0">
+            <a:schemeClr val="accent3"/>
+          </a:effectRef>
+          <a:fontRef idx="minor">
+            <a:schemeClr val="dk1"/>
+          </a:fontRef>
+        </p:style>
+      </p:cxnSp>
+      <p:cxnSp>
+        <p:nvCxnSpPr>
+          <p:cNvPr id="9" name="Elbow Connector 8">
+            <a:extLst>
+              <a:ext uri="{FF2B5EF4-FFF2-40B4-BE49-F238E27FC236}">
+                <a16:creationId xmlns:a16="http://schemas.microsoft.com/office/drawing/2014/main" id="{D5A606DD-AB5A-AF4C-B608-2142D04512EE}"/>
+              </a:ext>
+            </a:extLst>
+          </p:cNvPr>
+          <p:cNvCxnSpPr>
+            <a:cxnSpLocks/>
+            <a:stCxn id="5" idx="3"/>
+            <a:endCxn id="6" idx="0"/>
+          </p:cNvCxnSpPr>
+          <p:nvPr/>
+        </p:nvCxnSpPr>
+        <p:spPr>
+          <a:xfrm>
+            <a:off x="4897876" y="1356642"/>
+            <a:ext cx="1783269" cy="425341"/>
+          </a:xfrm>
+          <a:prstGeom prst="bentConnector2">
+            <a:avLst/>
+          </a:prstGeom>
+        </p:spPr>
+        <p:style>
+          <a:lnRef idx="2">
+            <a:schemeClr val="accent3"/>
+          </a:lnRef>
+          <a:fillRef idx="1">
+            <a:schemeClr val="lt1"/>
+          </a:fillRef>
+          <a:effectRef idx="0">
+            <a:schemeClr val="accent3"/>
+          </a:effectRef>
+          <a:fontRef idx="minor">
+            <a:schemeClr val="dk1"/>
+          </a:fontRef>
+        </p:style>
+      </p:cxnSp>
+      <p:sp>
+        <p:nvSpPr>
+          <p:cNvPr id="10" name="Rounded Rectangle 9">
+            <a:extLst>
+              <a:ext uri="{FF2B5EF4-FFF2-40B4-BE49-F238E27FC236}">
+                <a16:creationId xmlns:a16="http://schemas.microsoft.com/office/drawing/2014/main" id="{2799F299-F537-4646-98E8-E585141ED6DA}"/>
+              </a:ext>
+            </a:extLst>
+          </p:cNvPr>
+          <p:cNvSpPr/>
+          <p:nvPr/>
+        </p:nvSpPr>
+        <p:spPr>
+          <a:xfrm>
+            <a:off x="1579740" y="2648869"/>
+            <a:ext cx="1783249" cy="337457"/>
+          </a:xfrm>
+          <a:prstGeom prst="roundRect">
+            <a:avLst/>
+          </a:prstGeom>
+        </p:spPr>
+        <p:style>
+          <a:lnRef idx="2">
+            <a:schemeClr val="accent3"/>
+          </a:lnRef>
+          <a:fillRef idx="1">
+            <a:schemeClr val="lt1"/>
+          </a:fillRef>
+          <a:effectRef idx="0">
+            <a:schemeClr val="accent3"/>
+          </a:effectRef>
+          <a:fontRef idx="minor">
+            <a:schemeClr val="dk1"/>
+          </a:fontRef>
+        </p:style>
+        <p:txBody>
+          <a:bodyPr rtlCol="0" anchor="ctr"/>
+          <a:lstStyle/>
+          <a:p>
+            <a:pPr marL="0" marR="0" lvl="0" indent="0" algn="ctr" defTabSz="914400" rtl="0" eaLnBrk="1" fontAlgn="auto" latinLnBrk="0" hangingPunct="1">
+              <a:lnSpc>
+                <a:spcPct val="100000"/>
+              </a:lnSpc>
+              <a:spcBef>
+                <a:spcPts val="0"/>
+              </a:spcBef>
+              <a:spcAft>
+                <a:spcPts val="0"/>
+              </a:spcAft>
+              <a:buClrTx/>
+              <a:buSzTx/>
+              <a:buFontTx/>
+              <a:buNone/>
+              <a:tabLst/>
+              <a:defRPr/>
+            </a:pPr>
+            <a:r>
+              <a:rPr kumimoji="0" lang="en-US" sz="1000" b="0" i="0" u="none" strike="noStrike" kern="1200" cap="none" spc="0" normalizeH="0" baseline="0" noProof="0" dirty="0">
+                <a:ln>
+                  <a:noFill/>
+                </a:ln>
+                <a:solidFill>
+                  <a:prstClr val="black"/>
+                </a:solidFill>
+                <a:effectLst/>
+                <a:uLnTx/>
+                <a:uFillTx/>
+                <a:latin typeface="Calibri" panose="020F0502020204030204"/>
+                <a:ea typeface="+mn-ea"/>
+                <a:cs typeface="+mn-cs"/>
+              </a:rPr>
+              <a:t>Wait for approval by requestor (Contoso </a:t>
+            </a:r>
+            <a:r>
+              <a:rPr kumimoji="0" lang="en-US" sz="1000" b="0" i="0" u="none" strike="noStrike" kern="1200" cap="none" spc="0" normalizeH="0" baseline="0" noProof="0" dirty="0" err="1">
+                <a:ln>
+                  <a:noFill/>
+                </a:ln>
+                <a:solidFill>
+                  <a:prstClr val="black"/>
+                </a:solidFill>
+                <a:effectLst/>
+                <a:uLnTx/>
+                <a:uFillTx/>
+                <a:latin typeface="Calibri" panose="020F0502020204030204"/>
+                <a:ea typeface="+mn-ea"/>
+                <a:cs typeface="+mn-cs"/>
+              </a:rPr>
+              <a:t>Inc</a:t>
+            </a:r>
+            <a:r>
+              <a:rPr kumimoji="0" lang="en-US" sz="1000" b="0" i="0" u="none" strike="noStrike" kern="1200" cap="none" spc="0" normalizeH="0" baseline="0" noProof="0" dirty="0">
+                <a:ln>
+                  <a:noFill/>
+                </a:ln>
+                <a:solidFill>
+                  <a:prstClr val="black"/>
+                </a:solidFill>
+                <a:effectLst/>
+                <a:uLnTx/>
+                <a:uFillTx/>
+                <a:latin typeface="Calibri" panose="020F0502020204030204"/>
+                <a:ea typeface="+mn-ea"/>
+                <a:cs typeface="+mn-cs"/>
+              </a:rPr>
+              <a:t>)</a:t>
+            </a:r>
+          </a:p>
+        </p:txBody>
+      </p:sp>
+      <p:sp>
+        <p:nvSpPr>
+          <p:cNvPr id="11" name="Rounded Rectangle 10">
+            <a:extLst>
+              <a:ext uri="{FF2B5EF4-FFF2-40B4-BE49-F238E27FC236}">
+                <a16:creationId xmlns:a16="http://schemas.microsoft.com/office/drawing/2014/main" id="{0AD255D5-EFD9-394A-A988-96E0C8FB44D8}"/>
+              </a:ext>
+            </a:extLst>
+          </p:cNvPr>
+          <p:cNvSpPr/>
+          <p:nvPr/>
+        </p:nvSpPr>
+        <p:spPr>
+          <a:xfrm>
+            <a:off x="1579740" y="3208538"/>
+            <a:ext cx="1783249" cy="913967"/>
+          </a:xfrm>
+          <a:prstGeom prst="roundRect">
+            <a:avLst/>
+          </a:prstGeom>
+        </p:spPr>
+        <p:style>
+          <a:lnRef idx="2">
+            <a:schemeClr val="accent3"/>
+          </a:lnRef>
+          <a:fillRef idx="1">
+            <a:schemeClr val="lt1"/>
+          </a:fillRef>
+          <a:effectRef idx="0">
+            <a:schemeClr val="accent3"/>
+          </a:effectRef>
+          <a:fontRef idx="minor">
+            <a:schemeClr val="dk1"/>
+          </a:fontRef>
+        </p:style>
+        <p:txBody>
+          <a:bodyPr rtlCol="0" anchor="ctr"/>
+          <a:lstStyle/>
+          <a:p>
+            <a:pPr marL="0" marR="0" lvl="0" indent="0" algn="ctr" defTabSz="914400" rtl="0" eaLnBrk="1" fontAlgn="auto" latinLnBrk="0" hangingPunct="1">
+              <a:lnSpc>
+                <a:spcPct val="100000"/>
+              </a:lnSpc>
+              <a:spcBef>
+                <a:spcPts val="0"/>
+              </a:spcBef>
+              <a:spcAft>
+                <a:spcPts val="0"/>
+              </a:spcAft>
+              <a:buClrTx/>
+              <a:buSzTx/>
+              <a:buFontTx/>
+              <a:buNone/>
+              <a:tabLst/>
+              <a:defRPr/>
+            </a:pPr>
+            <a:r>
+              <a:rPr kumimoji="0" lang="en-US" sz="1000" b="0" i="0" u="none" strike="noStrike" kern="1200" cap="none" spc="0" normalizeH="0" baseline="0" noProof="0" dirty="0">
+                <a:ln>
+                  <a:noFill/>
+                </a:ln>
+                <a:solidFill>
+                  <a:prstClr val="black"/>
+                </a:solidFill>
+                <a:effectLst/>
+                <a:uLnTx/>
+                <a:uFillTx/>
+                <a:latin typeface="Calibri" panose="020F0502020204030204"/>
+                <a:ea typeface="+mn-ea"/>
+                <a:cs typeface="+mn-cs"/>
+              </a:rPr>
+              <a:t>Contoso </a:t>
+            </a:r>
+            <a:r>
+              <a:rPr kumimoji="0" lang="en-US" sz="1000" b="0" i="0" u="none" strike="noStrike" kern="1200" cap="none" spc="0" normalizeH="0" baseline="0" noProof="0" dirty="0" err="1">
+                <a:ln>
+                  <a:noFill/>
+                </a:ln>
+                <a:solidFill>
+                  <a:prstClr val="black"/>
+                </a:solidFill>
+                <a:effectLst/>
+                <a:uLnTx/>
+                <a:uFillTx/>
+                <a:latin typeface="Calibri" panose="020F0502020204030204"/>
+                <a:ea typeface="+mn-ea"/>
+                <a:cs typeface="+mn-cs"/>
+              </a:rPr>
+              <a:t>Inc</a:t>
+            </a:r>
+            <a:r>
+              <a:rPr kumimoji="0" lang="en-US" sz="1000" b="0" i="0" u="none" strike="noStrike" kern="1200" cap="none" spc="0" normalizeH="0" baseline="0" noProof="0" dirty="0">
+                <a:ln>
+                  <a:noFill/>
+                </a:ln>
+                <a:solidFill>
+                  <a:prstClr val="black"/>
+                </a:solidFill>
+                <a:effectLst/>
+                <a:uLnTx/>
+                <a:uFillTx/>
+                <a:latin typeface="Calibri" panose="020F0502020204030204"/>
+                <a:ea typeface="+mn-ea"/>
+                <a:cs typeface="+mn-cs"/>
+              </a:rPr>
+              <a:t> uploads final selected content to public blob storage container for search &amp; indexing</a:t>
+            </a:r>
+          </a:p>
+        </p:txBody>
+      </p:sp>
+      <p:cxnSp>
+        <p:nvCxnSpPr>
+          <p:cNvPr id="12" name="Straight Arrow Connector 11">
+            <a:extLst>
+              <a:ext uri="{FF2B5EF4-FFF2-40B4-BE49-F238E27FC236}">
+                <a16:creationId xmlns:a16="http://schemas.microsoft.com/office/drawing/2014/main" id="{68AF45B7-A23F-CD4B-BDB6-8122721C16CB}"/>
+              </a:ext>
+            </a:extLst>
+          </p:cNvPr>
+          <p:cNvCxnSpPr>
+            <a:cxnSpLocks/>
+            <a:stCxn id="5" idx="0"/>
+            <a:endCxn id="4" idx="2"/>
+          </p:cNvCxnSpPr>
+          <p:nvPr/>
+        </p:nvCxnSpPr>
+        <p:spPr>
+          <a:xfrm flipV="1">
+            <a:off x="4130443" y="591008"/>
+            <a:ext cx="10" cy="265038"/>
+          </a:xfrm>
+          <a:prstGeom prst="straightConnector1">
+            <a:avLst/>
+          </a:prstGeom>
+        </p:spPr>
+        <p:style>
+          <a:lnRef idx="2">
+            <a:schemeClr val="accent3"/>
+          </a:lnRef>
+          <a:fillRef idx="1">
+            <a:schemeClr val="lt1"/>
+          </a:fillRef>
+          <a:effectRef idx="0">
+            <a:schemeClr val="accent3"/>
+          </a:effectRef>
+          <a:fontRef idx="minor">
+            <a:schemeClr val="dk1"/>
+          </a:fontRef>
+        </p:style>
+      </p:cxnSp>
+      <p:sp>
+        <p:nvSpPr>
+          <p:cNvPr id="13" name="Diamond 12">
+            <a:extLst>
+              <a:ext uri="{FF2B5EF4-FFF2-40B4-BE49-F238E27FC236}">
+                <a16:creationId xmlns:a16="http://schemas.microsoft.com/office/drawing/2014/main" id="{06871E9A-142C-D943-A8EA-5EE01844A483}"/>
+              </a:ext>
+            </a:extLst>
+          </p:cNvPr>
+          <p:cNvSpPr/>
+          <p:nvPr/>
+        </p:nvSpPr>
+        <p:spPr>
+          <a:xfrm>
+            <a:off x="1828104" y="4395444"/>
+            <a:ext cx="1534885" cy="1001192"/>
+          </a:xfrm>
+          <a:prstGeom prst="diamond">
+            <a:avLst/>
+          </a:prstGeom>
+        </p:spPr>
+        <p:style>
+          <a:lnRef idx="2">
+            <a:schemeClr val="accent3"/>
+          </a:lnRef>
+          <a:fillRef idx="1">
+            <a:schemeClr val="lt1"/>
+          </a:fillRef>
+          <a:effectRef idx="0">
+            <a:schemeClr val="accent3"/>
+          </a:effectRef>
+          <a:fontRef idx="minor">
+            <a:schemeClr val="dk1"/>
+          </a:fontRef>
+        </p:style>
+        <p:txBody>
+          <a:bodyPr rtlCol="0" anchor="ctr"/>
+          <a:lstStyle/>
+          <a:p>
+            <a:pPr marL="0" marR="0" lvl="0" indent="0" algn="ctr" defTabSz="914400" rtl="0" eaLnBrk="1" fontAlgn="auto" latinLnBrk="0" hangingPunct="1">
+              <a:lnSpc>
+                <a:spcPct val="100000"/>
+              </a:lnSpc>
+              <a:spcBef>
+                <a:spcPts val="0"/>
+              </a:spcBef>
+              <a:spcAft>
+                <a:spcPts val="0"/>
+              </a:spcAft>
+              <a:buClrTx/>
+              <a:buSzTx/>
+              <a:buFontTx/>
+              <a:buNone/>
+              <a:tabLst/>
+              <a:defRPr/>
+            </a:pPr>
+            <a:r>
+              <a:rPr kumimoji="0" lang="en-US" sz="1000" b="0" i="0" u="none" strike="noStrike" kern="1200" cap="none" spc="0" normalizeH="0" baseline="0" noProof="0" dirty="0">
+                <a:ln>
+                  <a:noFill/>
+                </a:ln>
+                <a:solidFill>
+                  <a:prstClr val="black"/>
+                </a:solidFill>
+                <a:effectLst/>
+                <a:uLnTx/>
+                <a:uFillTx/>
+                <a:latin typeface="Calibri" panose="020F0502020204030204"/>
+                <a:ea typeface="+mn-ea"/>
+                <a:cs typeface="+mn-cs"/>
+              </a:rPr>
+              <a:t>Admin</a:t>
+            </a:r>
+          </a:p>
+          <a:p>
+            <a:pPr marL="0" marR="0" lvl="0" indent="0" algn="ctr" defTabSz="914400" rtl="0" eaLnBrk="1" fontAlgn="auto" latinLnBrk="0" hangingPunct="1">
+              <a:lnSpc>
+                <a:spcPct val="100000"/>
+              </a:lnSpc>
+              <a:spcBef>
+                <a:spcPts val="0"/>
+              </a:spcBef>
+              <a:spcAft>
+                <a:spcPts val="0"/>
+              </a:spcAft>
+              <a:buClrTx/>
+              <a:buSzTx/>
+              <a:buFontTx/>
+              <a:buNone/>
+              <a:tabLst/>
+              <a:defRPr/>
+            </a:pPr>
+            <a:r>
+              <a:rPr kumimoji="0" lang="en-US" sz="1000" b="0" i="0" u="none" strike="noStrike" kern="1200" cap="none" spc="0" normalizeH="0" baseline="0" noProof="0" dirty="0">
+                <a:ln>
+                  <a:noFill/>
+                </a:ln>
+                <a:solidFill>
+                  <a:prstClr val="black"/>
+                </a:solidFill>
+                <a:effectLst/>
+                <a:uLnTx/>
+                <a:uFillTx/>
+                <a:latin typeface="Calibri" panose="020F0502020204030204"/>
+                <a:ea typeface="+mn-ea"/>
+                <a:cs typeface="+mn-cs"/>
+              </a:rPr>
+              <a:t>Operations</a:t>
+            </a:r>
+          </a:p>
+        </p:txBody>
+      </p:sp>
+      <p:cxnSp>
+        <p:nvCxnSpPr>
+          <p:cNvPr id="14" name="Straight Arrow Connector 13">
+            <a:extLst>
+              <a:ext uri="{FF2B5EF4-FFF2-40B4-BE49-F238E27FC236}">
+                <a16:creationId xmlns:a16="http://schemas.microsoft.com/office/drawing/2014/main" id="{0AB310D2-2675-FE48-9BF4-69A6137BE3B9}"/>
+              </a:ext>
+            </a:extLst>
+          </p:cNvPr>
+          <p:cNvCxnSpPr>
+            <a:cxnSpLocks/>
+            <a:stCxn id="10" idx="0"/>
+            <a:endCxn id="7" idx="2"/>
+          </p:cNvCxnSpPr>
+          <p:nvPr/>
+        </p:nvCxnSpPr>
+        <p:spPr>
+          <a:xfrm flipV="1">
+            <a:off x="2471365" y="2438478"/>
+            <a:ext cx="0" cy="210391"/>
+          </a:xfrm>
+          <a:prstGeom prst="straightConnector1">
+            <a:avLst/>
+          </a:prstGeom>
+        </p:spPr>
+        <p:style>
+          <a:lnRef idx="2">
+            <a:schemeClr val="accent3"/>
+          </a:lnRef>
+          <a:fillRef idx="1">
+            <a:schemeClr val="lt1"/>
+          </a:fillRef>
+          <a:effectRef idx="0">
+            <a:schemeClr val="accent3"/>
+          </a:effectRef>
+          <a:fontRef idx="minor">
+            <a:schemeClr val="dk1"/>
+          </a:fontRef>
+        </p:style>
+      </p:cxnSp>
+      <p:cxnSp>
+        <p:nvCxnSpPr>
+          <p:cNvPr id="15" name="Straight Arrow Connector 14">
+            <a:extLst>
+              <a:ext uri="{FF2B5EF4-FFF2-40B4-BE49-F238E27FC236}">
+                <a16:creationId xmlns:a16="http://schemas.microsoft.com/office/drawing/2014/main" id="{A3DF6FBE-4BFF-FE4A-9C5F-93BEBAD8009B}"/>
+              </a:ext>
+            </a:extLst>
+          </p:cNvPr>
+          <p:cNvCxnSpPr>
+            <a:cxnSpLocks/>
+            <a:stCxn id="11" idx="0"/>
+            <a:endCxn id="10" idx="2"/>
+          </p:cNvCxnSpPr>
+          <p:nvPr/>
+        </p:nvCxnSpPr>
+        <p:spPr>
+          <a:xfrm flipV="1">
+            <a:off x="2471365" y="2986326"/>
+            <a:ext cx="0" cy="222212"/>
+          </a:xfrm>
+          <a:prstGeom prst="straightConnector1">
+            <a:avLst/>
+          </a:prstGeom>
+        </p:spPr>
+        <p:style>
+          <a:lnRef idx="2">
+            <a:schemeClr val="accent3"/>
+          </a:lnRef>
+          <a:fillRef idx="1">
+            <a:schemeClr val="lt1"/>
+          </a:fillRef>
+          <a:effectRef idx="0">
+            <a:schemeClr val="accent3"/>
+          </a:effectRef>
+          <a:fontRef idx="minor">
+            <a:schemeClr val="dk1"/>
+          </a:fontRef>
+        </p:style>
+      </p:cxnSp>
+      <p:sp>
+        <p:nvSpPr>
+          <p:cNvPr id="16" name="Rounded Rectangle 15">
+            <a:extLst>
+              <a:ext uri="{FF2B5EF4-FFF2-40B4-BE49-F238E27FC236}">
+                <a16:creationId xmlns:a16="http://schemas.microsoft.com/office/drawing/2014/main" id="{BC4CC290-5C4F-964B-A90C-7F095C7C830E}"/>
+              </a:ext>
+            </a:extLst>
+          </p:cNvPr>
+          <p:cNvSpPr/>
+          <p:nvPr/>
+        </p:nvSpPr>
+        <p:spPr>
+          <a:xfrm>
+            <a:off x="3362970" y="4986847"/>
+            <a:ext cx="1534886" cy="337457"/>
+          </a:xfrm>
+          <a:prstGeom prst="roundRect">
+            <a:avLst/>
+          </a:prstGeom>
+        </p:spPr>
+        <p:style>
+          <a:lnRef idx="2">
+            <a:schemeClr val="accent3"/>
+          </a:lnRef>
+          <a:fillRef idx="1">
+            <a:schemeClr val="lt1"/>
+          </a:fillRef>
+          <a:effectRef idx="0">
+            <a:schemeClr val="accent3"/>
+          </a:effectRef>
+          <a:fontRef idx="minor">
+            <a:schemeClr val="dk1"/>
+          </a:fontRef>
+        </p:style>
+        <p:txBody>
+          <a:bodyPr rtlCol="0" anchor="ctr"/>
+          <a:lstStyle/>
+          <a:p>
+            <a:pPr marL="0" marR="0" lvl="0" indent="0" algn="ctr" defTabSz="914400" rtl="0" eaLnBrk="1" fontAlgn="auto" latinLnBrk="0" hangingPunct="1">
+              <a:lnSpc>
+                <a:spcPct val="100000"/>
+              </a:lnSpc>
+              <a:spcBef>
+                <a:spcPts val="0"/>
+              </a:spcBef>
+              <a:spcAft>
+                <a:spcPts val="0"/>
+              </a:spcAft>
+              <a:buClrTx/>
+              <a:buSzTx/>
+              <a:buFontTx/>
+              <a:buNone/>
+              <a:tabLst/>
+              <a:defRPr/>
+            </a:pPr>
+            <a:r>
+              <a:rPr kumimoji="0" lang="en-US" sz="1000" b="0" i="0" u="none" strike="noStrike" kern="1200" cap="none" spc="0" normalizeH="0" baseline="0" noProof="0" dirty="0">
+                <a:ln>
+                  <a:noFill/>
+                </a:ln>
+                <a:solidFill>
+                  <a:prstClr val="black"/>
+                </a:solidFill>
+                <a:effectLst/>
+                <a:uLnTx/>
+                <a:uFillTx/>
+                <a:latin typeface="Calibri" panose="020F0502020204030204"/>
+                <a:ea typeface="+mn-ea"/>
+                <a:cs typeface="+mn-cs"/>
+              </a:rPr>
+              <a:t>Notify approval by email or push notification</a:t>
+            </a:r>
+          </a:p>
+        </p:txBody>
+      </p:sp>
+      <p:sp>
+        <p:nvSpPr>
+          <p:cNvPr id="17" name="Rounded Rectangle 16">
+            <a:extLst>
+              <a:ext uri="{FF2B5EF4-FFF2-40B4-BE49-F238E27FC236}">
+                <a16:creationId xmlns:a16="http://schemas.microsoft.com/office/drawing/2014/main" id="{52AF98D7-26F1-1048-9715-FF3632BB8338}"/>
+              </a:ext>
+            </a:extLst>
+          </p:cNvPr>
+          <p:cNvSpPr/>
+          <p:nvPr/>
+        </p:nvSpPr>
+        <p:spPr>
+          <a:xfrm>
+            <a:off x="293198" y="4998433"/>
+            <a:ext cx="1534886" cy="337457"/>
+          </a:xfrm>
+          <a:prstGeom prst="roundRect">
+            <a:avLst/>
+          </a:prstGeom>
+        </p:spPr>
+        <p:style>
+          <a:lnRef idx="2">
+            <a:schemeClr val="accent3"/>
+          </a:lnRef>
+          <a:fillRef idx="1">
+            <a:schemeClr val="lt1"/>
+          </a:fillRef>
+          <a:effectRef idx="0">
+            <a:schemeClr val="accent3"/>
+          </a:effectRef>
+          <a:fontRef idx="minor">
+            <a:schemeClr val="dk1"/>
+          </a:fontRef>
+        </p:style>
+        <p:txBody>
+          <a:bodyPr rtlCol="0" anchor="ctr"/>
+          <a:lstStyle/>
+          <a:p>
+            <a:pPr marL="0" marR="0" lvl="0" indent="0" algn="ctr" defTabSz="914400" rtl="0" eaLnBrk="1" fontAlgn="auto" latinLnBrk="0" hangingPunct="1">
+              <a:lnSpc>
+                <a:spcPct val="100000"/>
+              </a:lnSpc>
+              <a:spcBef>
+                <a:spcPts val="0"/>
+              </a:spcBef>
+              <a:spcAft>
+                <a:spcPts val="0"/>
+              </a:spcAft>
+              <a:buClrTx/>
+              <a:buSzTx/>
+              <a:buFontTx/>
+              <a:buNone/>
+              <a:tabLst/>
+              <a:defRPr/>
+            </a:pPr>
+            <a:r>
+              <a:rPr kumimoji="0" lang="en-US" sz="1000" b="0" i="0" u="none" strike="noStrike" kern="1200" cap="none" spc="0" normalizeH="0" baseline="0" noProof="0" dirty="0">
+                <a:ln>
+                  <a:noFill/>
+                </a:ln>
+                <a:solidFill>
+                  <a:prstClr val="black"/>
+                </a:solidFill>
+                <a:effectLst/>
+                <a:uLnTx/>
+                <a:uFillTx/>
+                <a:latin typeface="Calibri" panose="020F0502020204030204"/>
+                <a:ea typeface="+mn-ea"/>
+                <a:cs typeface="+mn-cs"/>
+              </a:rPr>
+              <a:t>Notify rejection by email or push notification</a:t>
+            </a:r>
+          </a:p>
+        </p:txBody>
+      </p:sp>
+      <p:sp>
+        <p:nvSpPr>
+          <p:cNvPr id="18" name="Rounded Rectangle 17">
+            <a:extLst>
+              <a:ext uri="{FF2B5EF4-FFF2-40B4-BE49-F238E27FC236}">
+                <a16:creationId xmlns:a16="http://schemas.microsoft.com/office/drawing/2014/main" id="{EAE9E0D3-A686-C54E-9819-EA323E787DD5}"/>
+              </a:ext>
+            </a:extLst>
+          </p:cNvPr>
+          <p:cNvSpPr/>
+          <p:nvPr/>
+        </p:nvSpPr>
+        <p:spPr>
+          <a:xfrm>
+            <a:off x="293198" y="5559775"/>
+            <a:ext cx="1534886" cy="337457"/>
+          </a:xfrm>
+          <a:prstGeom prst="roundRect">
+            <a:avLst/>
+          </a:prstGeom>
+        </p:spPr>
+        <p:style>
+          <a:lnRef idx="2">
+            <a:schemeClr val="accent3"/>
+          </a:lnRef>
+          <a:fillRef idx="1">
+            <a:schemeClr val="lt1"/>
+          </a:fillRef>
+          <a:effectRef idx="0">
+            <a:schemeClr val="accent3"/>
+          </a:effectRef>
+          <a:fontRef idx="minor">
+            <a:schemeClr val="dk1"/>
+          </a:fontRef>
+        </p:style>
+        <p:txBody>
+          <a:bodyPr rtlCol="0" anchor="ctr"/>
+          <a:lstStyle/>
+          <a:p>
+            <a:pPr marL="0" marR="0" lvl="0" indent="0" algn="ctr" defTabSz="914400" rtl="0" eaLnBrk="1" fontAlgn="auto" latinLnBrk="0" hangingPunct="1">
+              <a:lnSpc>
+                <a:spcPct val="100000"/>
+              </a:lnSpc>
+              <a:spcBef>
+                <a:spcPts val="0"/>
+              </a:spcBef>
+              <a:spcAft>
+                <a:spcPts val="0"/>
+              </a:spcAft>
+              <a:buClrTx/>
+              <a:buSzTx/>
+              <a:buFontTx/>
+              <a:buNone/>
+              <a:tabLst/>
+              <a:defRPr/>
+            </a:pPr>
+            <a:r>
+              <a:rPr kumimoji="0" lang="en-US" sz="1000" b="0" i="0" u="none" strike="noStrike" kern="1200" cap="none" spc="0" normalizeH="0" baseline="0" noProof="0" dirty="0">
+                <a:ln>
+                  <a:noFill/>
+                </a:ln>
+                <a:solidFill>
+                  <a:prstClr val="black"/>
+                </a:solidFill>
+                <a:effectLst/>
+                <a:uLnTx/>
+                <a:uFillTx/>
+                <a:latin typeface="Calibri" panose="020F0502020204030204"/>
+                <a:ea typeface="+mn-ea"/>
+                <a:cs typeface="+mn-cs"/>
+              </a:rPr>
+              <a:t>Update rejected status in database record</a:t>
+            </a:r>
+          </a:p>
+        </p:txBody>
+      </p:sp>
+      <p:cxnSp>
+        <p:nvCxnSpPr>
+          <p:cNvPr id="26" name="Straight Arrow Connector 25">
+            <a:extLst>
+              <a:ext uri="{FF2B5EF4-FFF2-40B4-BE49-F238E27FC236}">
+                <a16:creationId xmlns:a16="http://schemas.microsoft.com/office/drawing/2014/main" id="{70506CD5-770F-1945-9D04-F5AF21D282A2}"/>
+              </a:ext>
+            </a:extLst>
+          </p:cNvPr>
+          <p:cNvCxnSpPr>
+            <a:cxnSpLocks/>
+            <a:stCxn id="13" idx="0"/>
+          </p:cNvCxnSpPr>
+          <p:nvPr/>
+        </p:nvCxnSpPr>
+        <p:spPr>
+          <a:xfrm flipV="1">
+            <a:off x="2595547" y="4122505"/>
+            <a:ext cx="0" cy="272939"/>
+          </a:xfrm>
+          <a:prstGeom prst="straightConnector1">
+            <a:avLst/>
+          </a:prstGeom>
+        </p:spPr>
+        <p:style>
+          <a:lnRef idx="2">
+            <a:schemeClr val="accent3"/>
+          </a:lnRef>
+          <a:fillRef idx="1">
+            <a:schemeClr val="lt1"/>
+          </a:fillRef>
+          <a:effectRef idx="0">
+            <a:schemeClr val="accent3"/>
+          </a:effectRef>
+          <a:fontRef idx="minor">
+            <a:schemeClr val="dk1"/>
+          </a:fontRef>
+        </p:style>
+      </p:cxnSp>
+      <p:cxnSp>
+        <p:nvCxnSpPr>
+          <p:cNvPr id="29" name="Elbow Connector 28">
+            <a:extLst>
+              <a:ext uri="{FF2B5EF4-FFF2-40B4-BE49-F238E27FC236}">
+                <a16:creationId xmlns:a16="http://schemas.microsoft.com/office/drawing/2014/main" id="{C1C1CE3B-D43B-A64D-89A1-D4C7B8805E79}"/>
+              </a:ext>
+            </a:extLst>
+          </p:cNvPr>
+          <p:cNvCxnSpPr>
+            <a:cxnSpLocks/>
+            <a:endCxn id="13" idx="1"/>
+          </p:cNvCxnSpPr>
+          <p:nvPr/>
+        </p:nvCxnSpPr>
+        <p:spPr>
+          <a:xfrm rot="5400000" flipH="1" flipV="1">
+            <a:off x="1398979" y="4557721"/>
+            <a:ext cx="90806" cy="767444"/>
+          </a:xfrm>
+          <a:prstGeom prst="bentConnector2">
+            <a:avLst/>
+          </a:prstGeom>
+        </p:spPr>
+        <p:style>
+          <a:lnRef idx="2">
+            <a:schemeClr val="accent3"/>
+          </a:lnRef>
+          <a:fillRef idx="1">
+            <a:schemeClr val="lt1"/>
+          </a:fillRef>
+          <a:effectRef idx="0">
+            <a:schemeClr val="accent3"/>
+          </a:effectRef>
+          <a:fontRef idx="minor">
+            <a:schemeClr val="dk1"/>
+          </a:fontRef>
+        </p:style>
+      </p:cxnSp>
+      <p:cxnSp>
+        <p:nvCxnSpPr>
+          <p:cNvPr id="32" name="Elbow Connector 31">
+            <a:extLst>
+              <a:ext uri="{FF2B5EF4-FFF2-40B4-BE49-F238E27FC236}">
+                <a16:creationId xmlns:a16="http://schemas.microsoft.com/office/drawing/2014/main" id="{72560F1F-4D9B-FE4E-B0B9-1C135BE1C28A}"/>
+              </a:ext>
+            </a:extLst>
+          </p:cNvPr>
+          <p:cNvCxnSpPr>
+            <a:cxnSpLocks/>
+            <a:stCxn id="13" idx="3"/>
+            <a:endCxn id="16" idx="0"/>
+          </p:cNvCxnSpPr>
+          <p:nvPr/>
+        </p:nvCxnSpPr>
+        <p:spPr>
+          <a:xfrm>
+            <a:off x="3362989" y="4896040"/>
+            <a:ext cx="767424" cy="90807"/>
+          </a:xfrm>
+          <a:prstGeom prst="bentConnector2">
+            <a:avLst/>
+          </a:prstGeom>
+        </p:spPr>
+        <p:style>
+          <a:lnRef idx="2">
+            <a:schemeClr val="accent3"/>
+          </a:lnRef>
+          <a:fillRef idx="1">
+            <a:schemeClr val="lt1"/>
+          </a:fillRef>
+          <a:effectRef idx="0">
+            <a:schemeClr val="accent3"/>
+          </a:effectRef>
+          <a:fontRef idx="minor">
+            <a:schemeClr val="dk1"/>
+          </a:fontRef>
+        </p:style>
+      </p:cxnSp>
+      <p:sp>
+        <p:nvSpPr>
+          <p:cNvPr id="35" name="Rounded Rectangle 34">
+            <a:extLst>
+              <a:ext uri="{FF2B5EF4-FFF2-40B4-BE49-F238E27FC236}">
+                <a16:creationId xmlns:a16="http://schemas.microsoft.com/office/drawing/2014/main" id="{5A9221EF-D57D-5A41-BF38-A0953977E891}"/>
+              </a:ext>
+            </a:extLst>
+          </p:cNvPr>
+          <p:cNvSpPr/>
+          <p:nvPr/>
+        </p:nvSpPr>
+        <p:spPr>
+          <a:xfrm>
+            <a:off x="293198" y="6121117"/>
+            <a:ext cx="1534886" cy="337457"/>
+          </a:xfrm>
+          <a:prstGeom prst="roundRect">
+            <a:avLst/>
+          </a:prstGeom>
+        </p:spPr>
+        <p:style>
+          <a:lnRef idx="2">
+            <a:schemeClr val="accent3"/>
+          </a:lnRef>
+          <a:fillRef idx="1">
+            <a:schemeClr val="lt1"/>
+          </a:fillRef>
+          <a:effectRef idx="0">
+            <a:schemeClr val="accent3"/>
+          </a:effectRef>
+          <a:fontRef idx="minor">
+            <a:schemeClr val="dk1"/>
+          </a:fontRef>
+        </p:style>
+        <p:txBody>
+          <a:bodyPr rtlCol="0" anchor="ctr"/>
+          <a:lstStyle/>
+          <a:p>
+            <a:pPr marL="0" marR="0" lvl="0" indent="0" algn="ctr" defTabSz="914400" rtl="0" eaLnBrk="1" fontAlgn="auto" latinLnBrk="0" hangingPunct="1">
+              <a:lnSpc>
+                <a:spcPct val="100000"/>
+              </a:lnSpc>
+              <a:spcBef>
+                <a:spcPts val="0"/>
+              </a:spcBef>
+              <a:spcAft>
+                <a:spcPts val="0"/>
+              </a:spcAft>
+              <a:buClrTx/>
+              <a:buSzTx/>
+              <a:buFontTx/>
+              <a:buNone/>
+              <a:tabLst/>
+              <a:defRPr/>
+            </a:pPr>
+            <a:r>
+              <a:rPr kumimoji="0" lang="en-US" sz="1000" b="0" i="0" u="none" strike="noStrike" kern="1200" cap="none" spc="0" normalizeH="0" baseline="0" noProof="0" dirty="0">
+                <a:ln>
+                  <a:noFill/>
+                </a:ln>
+                <a:solidFill>
+                  <a:prstClr val="black"/>
+                </a:solidFill>
+                <a:effectLst/>
+                <a:uLnTx/>
+                <a:uFillTx/>
+                <a:latin typeface="Calibri" panose="020F0502020204030204"/>
+                <a:ea typeface="+mn-ea"/>
+                <a:cs typeface="+mn-cs"/>
+              </a:rPr>
+              <a:t>Move document to blob container for rejections</a:t>
+            </a:r>
+          </a:p>
+        </p:txBody>
+      </p:sp>
+      <p:cxnSp>
+        <p:nvCxnSpPr>
+          <p:cNvPr id="36" name="Straight Arrow Connector 35">
+            <a:extLst>
+              <a:ext uri="{FF2B5EF4-FFF2-40B4-BE49-F238E27FC236}">
+                <a16:creationId xmlns:a16="http://schemas.microsoft.com/office/drawing/2014/main" id="{82B90FEE-95E7-2147-B94E-8F8CB8ACF5BF}"/>
+              </a:ext>
+            </a:extLst>
+          </p:cNvPr>
+          <p:cNvCxnSpPr>
+            <a:cxnSpLocks/>
+          </p:cNvCxnSpPr>
+          <p:nvPr/>
+        </p:nvCxnSpPr>
+        <p:spPr>
+          <a:xfrm flipV="1">
+            <a:off x="1060660" y="5324303"/>
+            <a:ext cx="0" cy="223885"/>
+          </a:xfrm>
+          <a:prstGeom prst="straightConnector1">
+            <a:avLst/>
+          </a:prstGeom>
+        </p:spPr>
+        <p:style>
+          <a:lnRef idx="2">
+            <a:schemeClr val="accent3"/>
+          </a:lnRef>
+          <a:fillRef idx="1">
+            <a:schemeClr val="lt1"/>
+          </a:fillRef>
+          <a:effectRef idx="0">
+            <a:schemeClr val="accent3"/>
+          </a:effectRef>
+          <a:fontRef idx="minor">
+            <a:schemeClr val="dk1"/>
+          </a:fontRef>
+        </p:style>
+      </p:cxnSp>
+      <p:cxnSp>
+        <p:nvCxnSpPr>
+          <p:cNvPr id="39" name="Straight Arrow Connector 38">
+            <a:extLst>
+              <a:ext uri="{FF2B5EF4-FFF2-40B4-BE49-F238E27FC236}">
+                <a16:creationId xmlns:a16="http://schemas.microsoft.com/office/drawing/2014/main" id="{7365141D-740D-8A46-BC24-2767C45751CB}"/>
+              </a:ext>
+            </a:extLst>
+          </p:cNvPr>
+          <p:cNvCxnSpPr>
+            <a:cxnSpLocks/>
+          </p:cNvCxnSpPr>
+          <p:nvPr/>
+        </p:nvCxnSpPr>
+        <p:spPr>
+          <a:xfrm flipV="1">
+            <a:off x="1060660" y="5885645"/>
+            <a:ext cx="0" cy="223885"/>
+          </a:xfrm>
+          <a:prstGeom prst="straightConnector1">
+            <a:avLst/>
+          </a:prstGeom>
+        </p:spPr>
+        <p:style>
+          <a:lnRef idx="2">
+            <a:schemeClr val="accent3"/>
+          </a:lnRef>
+          <a:fillRef idx="1">
+            <a:schemeClr val="lt1"/>
+          </a:fillRef>
+          <a:effectRef idx="0">
+            <a:schemeClr val="accent3"/>
+          </a:effectRef>
+          <a:fontRef idx="minor">
+            <a:schemeClr val="dk1"/>
+          </a:fontRef>
+        </p:style>
+      </p:cxnSp>
+      <p:sp>
+        <p:nvSpPr>
+          <p:cNvPr id="42" name="Rounded Rectangle 41">
+            <a:extLst>
+              <a:ext uri="{FF2B5EF4-FFF2-40B4-BE49-F238E27FC236}">
+                <a16:creationId xmlns:a16="http://schemas.microsoft.com/office/drawing/2014/main" id="{C5BA3D8C-9C7A-D143-AFD7-B010C9FAB83E}"/>
+              </a:ext>
+            </a:extLst>
+          </p:cNvPr>
+          <p:cNvSpPr/>
+          <p:nvPr/>
+        </p:nvSpPr>
+        <p:spPr>
+          <a:xfrm>
+            <a:off x="6172320" y="4325120"/>
+            <a:ext cx="1534886" cy="337457"/>
+          </a:xfrm>
+          <a:prstGeom prst="roundRect">
+            <a:avLst/>
+          </a:prstGeom>
+        </p:spPr>
+        <p:style>
+          <a:lnRef idx="2">
+            <a:schemeClr val="accent3"/>
+          </a:lnRef>
+          <a:fillRef idx="1">
+            <a:schemeClr val="lt1"/>
+          </a:fillRef>
+          <a:effectRef idx="0">
+            <a:schemeClr val="accent3"/>
+          </a:effectRef>
+          <a:fontRef idx="minor">
+            <a:schemeClr val="dk1"/>
+          </a:fontRef>
+        </p:style>
+        <p:txBody>
+          <a:bodyPr rtlCol="0" anchor="ctr"/>
+          <a:lstStyle/>
+          <a:p>
+            <a:pPr marL="0" marR="0" lvl="0" indent="0" algn="ctr" defTabSz="914400" rtl="0" eaLnBrk="1" fontAlgn="auto" latinLnBrk="0" hangingPunct="1">
+              <a:lnSpc>
+                <a:spcPct val="100000"/>
+              </a:lnSpc>
+              <a:spcBef>
+                <a:spcPts val="0"/>
+              </a:spcBef>
+              <a:spcAft>
+                <a:spcPts val="0"/>
+              </a:spcAft>
+              <a:buClrTx/>
+              <a:buSzTx/>
+              <a:buFontTx/>
+              <a:buNone/>
+              <a:tabLst/>
+              <a:defRPr/>
+            </a:pPr>
+            <a:r>
+              <a:rPr kumimoji="0" lang="en-US" sz="1000" b="0" i="0" u="none" strike="noStrike" kern="1200" cap="none" spc="0" normalizeH="0" baseline="0" noProof="0" dirty="0">
+                <a:ln>
+                  <a:noFill/>
+                </a:ln>
+                <a:solidFill>
+                  <a:prstClr val="black"/>
+                </a:solidFill>
+                <a:effectLst/>
+                <a:uLnTx/>
+                <a:uFillTx/>
+                <a:latin typeface="Calibri" panose="020F0502020204030204"/>
+                <a:ea typeface="+mn-ea"/>
+                <a:cs typeface="+mn-cs"/>
+              </a:rPr>
+              <a:t>Update approved status in database record</a:t>
+            </a:r>
+          </a:p>
+        </p:txBody>
+      </p:sp>
+      <p:sp>
+        <p:nvSpPr>
+          <p:cNvPr id="43" name="Rounded Rectangle 42">
+            <a:extLst>
+              <a:ext uri="{FF2B5EF4-FFF2-40B4-BE49-F238E27FC236}">
+                <a16:creationId xmlns:a16="http://schemas.microsoft.com/office/drawing/2014/main" id="{A634A2F0-8E51-7348-994A-29FA736A3FB0}"/>
+              </a:ext>
+            </a:extLst>
+          </p:cNvPr>
+          <p:cNvSpPr/>
+          <p:nvPr/>
+        </p:nvSpPr>
+        <p:spPr>
+          <a:xfrm>
+            <a:off x="6172320" y="4886462"/>
+            <a:ext cx="1534886" cy="337457"/>
+          </a:xfrm>
+          <a:prstGeom prst="roundRect">
+            <a:avLst/>
+          </a:prstGeom>
+        </p:spPr>
+        <p:style>
+          <a:lnRef idx="2">
+            <a:schemeClr val="accent3"/>
+          </a:lnRef>
+          <a:fillRef idx="1">
+            <a:schemeClr val="lt1"/>
+          </a:fillRef>
+          <a:effectRef idx="0">
+            <a:schemeClr val="accent3"/>
+          </a:effectRef>
+          <a:fontRef idx="minor">
+            <a:schemeClr val="dk1"/>
+          </a:fontRef>
+        </p:style>
+        <p:txBody>
+          <a:bodyPr rtlCol="0" anchor="ctr"/>
+          <a:lstStyle/>
+          <a:p>
+            <a:pPr marL="0" marR="0" lvl="0" indent="0" algn="ctr" defTabSz="914400" rtl="0" eaLnBrk="1" fontAlgn="auto" latinLnBrk="0" hangingPunct="1">
+              <a:lnSpc>
+                <a:spcPct val="100000"/>
+              </a:lnSpc>
+              <a:spcBef>
+                <a:spcPts val="0"/>
+              </a:spcBef>
+              <a:spcAft>
+                <a:spcPts val="0"/>
+              </a:spcAft>
+              <a:buClrTx/>
+              <a:buSzTx/>
+              <a:buFontTx/>
+              <a:buNone/>
+              <a:tabLst/>
+              <a:defRPr/>
+            </a:pPr>
+            <a:r>
+              <a:rPr kumimoji="0" lang="en-US" sz="1000" b="0" i="0" u="none" strike="noStrike" kern="1200" cap="none" spc="0" normalizeH="0" baseline="0" noProof="0" dirty="0">
+                <a:ln>
+                  <a:noFill/>
+                </a:ln>
+                <a:solidFill>
+                  <a:prstClr val="black"/>
+                </a:solidFill>
+                <a:effectLst/>
+                <a:uLnTx/>
+                <a:uFillTx/>
+                <a:latin typeface="Calibri" panose="020F0502020204030204"/>
+                <a:ea typeface="+mn-ea"/>
+                <a:cs typeface="+mn-cs"/>
+              </a:rPr>
+              <a:t>Move document to blob container for approvals</a:t>
+            </a:r>
+          </a:p>
+        </p:txBody>
+      </p:sp>
+      <p:cxnSp>
+        <p:nvCxnSpPr>
+          <p:cNvPr id="44" name="Straight Arrow Connector 43">
+            <a:extLst>
+              <a:ext uri="{FF2B5EF4-FFF2-40B4-BE49-F238E27FC236}">
+                <a16:creationId xmlns:a16="http://schemas.microsoft.com/office/drawing/2014/main" id="{9FB28904-C636-4D4D-A2C6-383B578B2D92}"/>
+              </a:ext>
+            </a:extLst>
+          </p:cNvPr>
+          <p:cNvCxnSpPr>
+            <a:cxnSpLocks/>
+            <a:stCxn id="43" idx="0"/>
+            <a:endCxn id="42" idx="2"/>
+          </p:cNvCxnSpPr>
+          <p:nvPr/>
+        </p:nvCxnSpPr>
+        <p:spPr>
+          <a:xfrm flipV="1">
+            <a:off x="6939763" y="4662577"/>
+            <a:ext cx="0" cy="223885"/>
+          </a:xfrm>
+          <a:prstGeom prst="straightConnector1">
+            <a:avLst/>
+          </a:prstGeom>
+        </p:spPr>
+        <p:style>
+          <a:lnRef idx="2">
+            <a:schemeClr val="accent3"/>
+          </a:lnRef>
+          <a:fillRef idx="1">
+            <a:schemeClr val="lt1"/>
+          </a:fillRef>
+          <a:effectRef idx="0">
+            <a:schemeClr val="accent3"/>
+          </a:effectRef>
+          <a:fontRef idx="minor">
+            <a:schemeClr val="dk1"/>
+          </a:fontRef>
+        </p:style>
+      </p:cxnSp>
+      <p:cxnSp>
+        <p:nvCxnSpPr>
+          <p:cNvPr id="45" name="Straight Arrow Connector 44">
+            <a:extLst>
+              <a:ext uri="{FF2B5EF4-FFF2-40B4-BE49-F238E27FC236}">
+                <a16:creationId xmlns:a16="http://schemas.microsoft.com/office/drawing/2014/main" id="{E2B91CB3-2AD3-6744-86B8-0F9A84721048}"/>
+              </a:ext>
+            </a:extLst>
+          </p:cNvPr>
+          <p:cNvCxnSpPr>
+            <a:cxnSpLocks/>
+            <a:stCxn id="47" idx="0"/>
+            <a:endCxn id="6" idx="2"/>
+          </p:cNvCxnSpPr>
+          <p:nvPr/>
+        </p:nvCxnSpPr>
+        <p:spPr>
+          <a:xfrm flipV="1">
+            <a:off x="6681145" y="2119440"/>
+            <a:ext cx="0" cy="223885"/>
+          </a:xfrm>
+          <a:prstGeom prst="straightConnector1">
+            <a:avLst/>
+          </a:prstGeom>
+        </p:spPr>
+        <p:style>
+          <a:lnRef idx="2">
+            <a:schemeClr val="accent3"/>
+          </a:lnRef>
+          <a:fillRef idx="1">
+            <a:schemeClr val="lt1"/>
+          </a:fillRef>
+          <a:effectRef idx="0">
+            <a:schemeClr val="accent3"/>
+          </a:effectRef>
+          <a:fontRef idx="minor">
+            <a:schemeClr val="dk1"/>
+          </a:fontRef>
+        </p:style>
+      </p:cxnSp>
+      <p:sp>
+        <p:nvSpPr>
+          <p:cNvPr id="47" name="Rounded Rectangle 46">
+            <a:extLst>
+              <a:ext uri="{FF2B5EF4-FFF2-40B4-BE49-F238E27FC236}">
+                <a16:creationId xmlns:a16="http://schemas.microsoft.com/office/drawing/2014/main" id="{8A2E29C9-B5BB-C848-BFEC-C80780E26B37}"/>
+              </a:ext>
+            </a:extLst>
+          </p:cNvPr>
+          <p:cNvSpPr/>
+          <p:nvPr/>
+        </p:nvSpPr>
+        <p:spPr>
+          <a:xfrm>
+            <a:off x="5913702" y="2343325"/>
+            <a:ext cx="1534886" cy="337457"/>
+          </a:xfrm>
+          <a:prstGeom prst="roundRect">
+            <a:avLst/>
+          </a:prstGeom>
+        </p:spPr>
+        <p:style>
+          <a:lnRef idx="2">
+            <a:schemeClr val="accent3"/>
+          </a:lnRef>
+          <a:fillRef idx="1">
+            <a:schemeClr val="lt1"/>
+          </a:fillRef>
+          <a:effectRef idx="0">
+            <a:schemeClr val="accent3"/>
+          </a:effectRef>
+          <a:fontRef idx="minor">
+            <a:schemeClr val="dk1"/>
+          </a:fontRef>
+        </p:style>
+        <p:txBody>
+          <a:bodyPr rtlCol="0" anchor="ctr"/>
+          <a:lstStyle/>
+          <a:p>
+            <a:pPr marL="0" marR="0" lvl="0" indent="0" algn="ctr" defTabSz="914400" rtl="0" eaLnBrk="1" fontAlgn="auto" latinLnBrk="0" hangingPunct="1">
+              <a:lnSpc>
+                <a:spcPct val="100000"/>
+              </a:lnSpc>
+              <a:spcBef>
+                <a:spcPts val="0"/>
+              </a:spcBef>
+              <a:spcAft>
+                <a:spcPts val="0"/>
+              </a:spcAft>
+              <a:buClrTx/>
+              <a:buSzTx/>
+              <a:buFontTx/>
+              <a:buNone/>
+              <a:tabLst/>
+              <a:defRPr/>
+            </a:pPr>
+            <a:r>
+              <a:rPr kumimoji="0" lang="en-US" sz="1000" b="0" i="0" u="none" strike="noStrike" kern="1200" cap="none" spc="0" normalizeH="0" baseline="0" noProof="0" dirty="0">
+                <a:ln>
+                  <a:noFill/>
+                </a:ln>
+                <a:solidFill>
+                  <a:prstClr val="black"/>
+                </a:solidFill>
+                <a:effectLst/>
+                <a:uLnTx/>
+                <a:uFillTx/>
+                <a:latin typeface="Calibri" panose="020F0502020204030204"/>
+                <a:ea typeface="+mn-ea"/>
+                <a:cs typeface="+mn-cs"/>
+              </a:rPr>
+              <a:t>Invoke microservice for search content</a:t>
+            </a:r>
+          </a:p>
+        </p:txBody>
+      </p:sp>
+      <p:sp>
+        <p:nvSpPr>
+          <p:cNvPr id="50" name="Rounded Rectangle 49">
+            <a:extLst>
+              <a:ext uri="{FF2B5EF4-FFF2-40B4-BE49-F238E27FC236}">
+                <a16:creationId xmlns:a16="http://schemas.microsoft.com/office/drawing/2014/main" id="{61394A14-00F1-D649-B0B4-C9BF25EAABA7}"/>
+              </a:ext>
+            </a:extLst>
+          </p:cNvPr>
+          <p:cNvSpPr/>
+          <p:nvPr/>
+        </p:nvSpPr>
+        <p:spPr>
+          <a:xfrm>
+            <a:off x="5913702" y="2902245"/>
+            <a:ext cx="1534886" cy="337457"/>
+          </a:xfrm>
+          <a:prstGeom prst="roundRect">
+            <a:avLst/>
+          </a:prstGeom>
+        </p:spPr>
+        <p:style>
+          <a:lnRef idx="2">
+            <a:schemeClr val="accent3"/>
+          </a:lnRef>
+          <a:fillRef idx="1">
+            <a:schemeClr val="lt1"/>
+          </a:fillRef>
+          <a:effectRef idx="0">
+            <a:schemeClr val="accent3"/>
+          </a:effectRef>
+          <a:fontRef idx="minor">
+            <a:schemeClr val="dk1"/>
+          </a:fontRef>
+        </p:style>
+        <p:txBody>
+          <a:bodyPr rtlCol="0" anchor="ctr"/>
+          <a:lstStyle/>
+          <a:p>
+            <a:pPr marL="0" marR="0" lvl="0" indent="0" algn="ctr" defTabSz="914400" rtl="0" eaLnBrk="1" fontAlgn="auto" latinLnBrk="0" hangingPunct="1">
+              <a:lnSpc>
+                <a:spcPct val="100000"/>
+              </a:lnSpc>
+              <a:spcBef>
+                <a:spcPts val="0"/>
+              </a:spcBef>
+              <a:spcAft>
+                <a:spcPts val="0"/>
+              </a:spcAft>
+              <a:buClrTx/>
+              <a:buSzTx/>
+              <a:buFontTx/>
+              <a:buNone/>
+              <a:tabLst/>
+              <a:defRPr/>
+            </a:pPr>
+            <a:r>
+              <a:rPr kumimoji="0" lang="en-US" sz="1000" b="0" i="0" u="none" strike="noStrike" kern="1200" cap="none" spc="0" normalizeH="0" baseline="0" noProof="0" dirty="0">
+                <a:ln>
+                  <a:noFill/>
+                </a:ln>
+                <a:solidFill>
+                  <a:prstClr val="black"/>
+                </a:solidFill>
+                <a:effectLst/>
+                <a:uLnTx/>
+                <a:uFillTx/>
+                <a:latin typeface="Calibri" panose="020F0502020204030204"/>
+                <a:ea typeface="+mn-ea"/>
+                <a:cs typeface="+mn-cs"/>
+              </a:rPr>
+              <a:t>Return data to mobile application</a:t>
+            </a:r>
+          </a:p>
+        </p:txBody>
+      </p:sp>
+      <p:cxnSp>
+        <p:nvCxnSpPr>
+          <p:cNvPr id="51" name="Straight Arrow Connector 50">
+            <a:extLst>
+              <a:ext uri="{FF2B5EF4-FFF2-40B4-BE49-F238E27FC236}">
+                <a16:creationId xmlns:a16="http://schemas.microsoft.com/office/drawing/2014/main" id="{6A3E36B6-D3E8-CA48-835B-5FFB93FE4D76}"/>
+              </a:ext>
+            </a:extLst>
+          </p:cNvPr>
+          <p:cNvCxnSpPr>
+            <a:cxnSpLocks/>
+            <a:stCxn id="50" idx="0"/>
+            <a:endCxn id="47" idx="2"/>
+          </p:cNvCxnSpPr>
+          <p:nvPr/>
+        </p:nvCxnSpPr>
+        <p:spPr>
+          <a:xfrm flipV="1">
+            <a:off x="6681145" y="2680782"/>
+            <a:ext cx="0" cy="221463"/>
+          </a:xfrm>
+          <a:prstGeom prst="straightConnector1">
+            <a:avLst/>
+          </a:prstGeom>
+        </p:spPr>
+        <p:style>
+          <a:lnRef idx="2">
+            <a:schemeClr val="accent3"/>
+          </a:lnRef>
+          <a:fillRef idx="1">
+            <a:schemeClr val="lt1"/>
+          </a:fillRef>
+          <a:effectRef idx="0">
+            <a:schemeClr val="accent3"/>
+          </a:effectRef>
+          <a:fontRef idx="minor">
+            <a:schemeClr val="dk1"/>
+          </a:fontRef>
+        </p:style>
+      </p:cxnSp>
+      <p:sp>
+        <p:nvSpPr>
+          <p:cNvPr id="55" name="Rounded Rectangle 54">
+            <a:extLst>
+              <a:ext uri="{FF2B5EF4-FFF2-40B4-BE49-F238E27FC236}">
+                <a16:creationId xmlns:a16="http://schemas.microsoft.com/office/drawing/2014/main" id="{19AF20A4-4E5A-784C-93D4-CAAC15B0EEFB}"/>
+              </a:ext>
+            </a:extLst>
+          </p:cNvPr>
+          <p:cNvSpPr/>
+          <p:nvPr/>
+        </p:nvSpPr>
+        <p:spPr>
+          <a:xfrm>
+            <a:off x="8127388" y="4886462"/>
+            <a:ext cx="1534886" cy="337457"/>
+          </a:xfrm>
+          <a:prstGeom prst="roundRect">
+            <a:avLst/>
+          </a:prstGeom>
+        </p:spPr>
+        <p:style>
+          <a:lnRef idx="2">
+            <a:schemeClr val="accent3"/>
+          </a:lnRef>
+          <a:fillRef idx="1">
+            <a:schemeClr val="lt1"/>
+          </a:fillRef>
+          <a:effectRef idx="0">
+            <a:schemeClr val="accent3"/>
+          </a:effectRef>
+          <a:fontRef idx="minor">
+            <a:schemeClr val="dk1"/>
+          </a:fontRef>
+        </p:style>
+        <p:txBody>
+          <a:bodyPr rtlCol="0" anchor="ctr"/>
+          <a:lstStyle/>
+          <a:p>
+            <a:pPr marL="0" marR="0" lvl="0" indent="0" algn="ctr" defTabSz="914400" rtl="0" eaLnBrk="1" fontAlgn="auto" latinLnBrk="0" hangingPunct="1">
+              <a:lnSpc>
+                <a:spcPct val="100000"/>
+              </a:lnSpc>
+              <a:spcBef>
+                <a:spcPts val="0"/>
+              </a:spcBef>
+              <a:spcAft>
+                <a:spcPts val="0"/>
+              </a:spcAft>
+              <a:buClrTx/>
+              <a:buSzTx/>
+              <a:buFontTx/>
+              <a:buNone/>
+              <a:tabLst/>
+              <a:defRPr/>
+            </a:pPr>
+            <a:r>
+              <a:rPr kumimoji="0" lang="en-US" sz="1000" b="0" i="0" u="none" strike="noStrike" kern="1200" cap="none" spc="0" normalizeH="0" baseline="0" noProof="0" dirty="0">
+                <a:ln>
+                  <a:noFill/>
+                </a:ln>
+                <a:solidFill>
+                  <a:prstClr val="black"/>
+                </a:solidFill>
+                <a:effectLst/>
+                <a:uLnTx/>
+                <a:uFillTx/>
+                <a:latin typeface="Calibri" panose="020F0502020204030204"/>
+                <a:ea typeface="+mn-ea"/>
+                <a:cs typeface="+mn-cs"/>
+              </a:rPr>
+              <a:t>Train Azure Cognitive Search</a:t>
+            </a:r>
+          </a:p>
+        </p:txBody>
+      </p:sp>
+      <p:cxnSp>
+        <p:nvCxnSpPr>
+          <p:cNvPr id="56" name="Straight Arrow Connector 55">
+            <a:extLst>
+              <a:ext uri="{FF2B5EF4-FFF2-40B4-BE49-F238E27FC236}">
+                <a16:creationId xmlns:a16="http://schemas.microsoft.com/office/drawing/2014/main" id="{EFFA6110-3127-934A-BE09-4F7A05B12406}"/>
+              </a:ext>
+            </a:extLst>
+          </p:cNvPr>
+          <p:cNvCxnSpPr>
+            <a:cxnSpLocks/>
+            <a:stCxn id="43" idx="3"/>
+            <a:endCxn id="55" idx="1"/>
+          </p:cNvCxnSpPr>
+          <p:nvPr/>
+        </p:nvCxnSpPr>
+        <p:spPr>
+          <a:xfrm>
+            <a:off x="7707206" y="5055191"/>
+            <a:ext cx="420182" cy="0"/>
+          </a:xfrm>
+          <a:prstGeom prst="straightConnector1">
+            <a:avLst/>
+          </a:prstGeom>
+        </p:spPr>
+        <p:style>
+          <a:lnRef idx="2">
+            <a:schemeClr val="accent3"/>
+          </a:lnRef>
+          <a:fillRef idx="1">
+            <a:schemeClr val="lt1"/>
+          </a:fillRef>
+          <a:effectRef idx="0">
+            <a:schemeClr val="accent3"/>
+          </a:effectRef>
+          <a:fontRef idx="minor">
+            <a:schemeClr val="dk1"/>
+          </a:fontRef>
+        </p:style>
+      </p:cxnSp>
+      <p:sp>
+        <p:nvSpPr>
+          <p:cNvPr id="59" name="Rounded Rectangle 58">
+            <a:extLst>
+              <a:ext uri="{FF2B5EF4-FFF2-40B4-BE49-F238E27FC236}">
+                <a16:creationId xmlns:a16="http://schemas.microsoft.com/office/drawing/2014/main" id="{FDC5604A-6C01-3048-9554-F96C801B4F6A}"/>
+              </a:ext>
+            </a:extLst>
+          </p:cNvPr>
+          <p:cNvSpPr/>
+          <p:nvPr/>
+        </p:nvSpPr>
+        <p:spPr>
+          <a:xfrm>
+            <a:off x="10082456" y="4886462"/>
+            <a:ext cx="1534886" cy="337457"/>
+          </a:xfrm>
+          <a:prstGeom prst="roundRect">
+            <a:avLst/>
+          </a:prstGeom>
+        </p:spPr>
+        <p:style>
+          <a:lnRef idx="2">
+            <a:schemeClr val="accent3"/>
+          </a:lnRef>
+          <a:fillRef idx="1">
+            <a:schemeClr val="lt1"/>
+          </a:fillRef>
+          <a:effectRef idx="0">
+            <a:schemeClr val="accent3"/>
+          </a:effectRef>
+          <a:fontRef idx="minor">
+            <a:schemeClr val="dk1"/>
+          </a:fontRef>
+        </p:style>
+        <p:txBody>
+          <a:bodyPr rtlCol="0" anchor="ctr"/>
+          <a:lstStyle/>
+          <a:p>
+            <a:pPr marL="0" marR="0" lvl="0" indent="0" algn="ctr" defTabSz="914400" rtl="0" eaLnBrk="1" fontAlgn="auto" latinLnBrk="0" hangingPunct="1">
+              <a:lnSpc>
+                <a:spcPct val="100000"/>
+              </a:lnSpc>
+              <a:spcBef>
+                <a:spcPts val="0"/>
+              </a:spcBef>
+              <a:spcAft>
+                <a:spcPts val="0"/>
+              </a:spcAft>
+              <a:buClrTx/>
+              <a:buSzTx/>
+              <a:buFontTx/>
+              <a:buNone/>
+              <a:tabLst/>
+              <a:defRPr/>
+            </a:pPr>
+            <a:r>
+              <a:rPr kumimoji="0" lang="en-US" sz="1000" b="0" i="0" u="none" strike="noStrike" kern="1200" cap="none" spc="0" normalizeH="0" baseline="0" noProof="0" dirty="0">
+                <a:ln>
+                  <a:noFill/>
+                </a:ln>
+                <a:solidFill>
+                  <a:prstClr val="black"/>
+                </a:solidFill>
+                <a:effectLst/>
+                <a:uLnTx/>
+                <a:uFillTx/>
+                <a:latin typeface="Calibri" panose="020F0502020204030204"/>
+                <a:ea typeface="+mn-ea"/>
+                <a:cs typeface="+mn-cs"/>
+              </a:rPr>
+              <a:t>Ready for new content search</a:t>
+            </a:r>
+          </a:p>
+        </p:txBody>
+      </p:sp>
+      <p:cxnSp>
+        <p:nvCxnSpPr>
+          <p:cNvPr id="60" name="Straight Arrow Connector 59">
+            <a:extLst>
+              <a:ext uri="{FF2B5EF4-FFF2-40B4-BE49-F238E27FC236}">
+                <a16:creationId xmlns:a16="http://schemas.microsoft.com/office/drawing/2014/main" id="{381A24FD-6E5E-734F-B3AB-6370B643D7C6}"/>
+              </a:ext>
+            </a:extLst>
+          </p:cNvPr>
+          <p:cNvCxnSpPr>
+            <a:cxnSpLocks/>
+            <a:stCxn id="55" idx="3"/>
+            <a:endCxn id="59" idx="1"/>
+          </p:cNvCxnSpPr>
+          <p:nvPr/>
+        </p:nvCxnSpPr>
+        <p:spPr>
+          <a:xfrm>
+            <a:off x="9662274" y="5055191"/>
+            <a:ext cx="420182" cy="0"/>
+          </a:xfrm>
+          <a:prstGeom prst="straightConnector1">
+            <a:avLst/>
+          </a:prstGeom>
+        </p:spPr>
+        <p:style>
+          <a:lnRef idx="2">
+            <a:schemeClr val="accent3"/>
+          </a:lnRef>
+          <a:fillRef idx="1">
+            <a:schemeClr val="lt1"/>
+          </a:fillRef>
+          <a:effectRef idx="0">
+            <a:schemeClr val="accent3"/>
+          </a:effectRef>
+          <a:fontRef idx="minor">
+            <a:schemeClr val="dk1"/>
+          </a:fontRef>
+        </p:style>
+      </p:cxnSp>
+      <p:sp>
+        <p:nvSpPr>
+          <p:cNvPr id="63" name="TextBox 62">
+            <a:extLst>
+              <a:ext uri="{FF2B5EF4-FFF2-40B4-BE49-F238E27FC236}">
+                <a16:creationId xmlns:a16="http://schemas.microsoft.com/office/drawing/2014/main" id="{627AA352-2AC6-FC41-BB61-AC6B4BC1CAE5}"/>
+              </a:ext>
+            </a:extLst>
+          </p:cNvPr>
+          <p:cNvSpPr txBox="1"/>
+          <p:nvPr/>
+        </p:nvSpPr>
+        <p:spPr>
+          <a:xfrm>
+            <a:off x="14220" y="40757"/>
+            <a:ext cx="2150012" cy="369332"/>
+          </a:xfrm>
+          <a:prstGeom prst="rect">
+            <a:avLst/>
+          </a:prstGeom>
+          <a:noFill/>
+        </p:spPr>
+        <p:txBody>
+          <a:bodyPr wrap="none" rtlCol="0">
+            <a:spAutoFit/>
+          </a:bodyPr>
+          <a:lstStyle/>
+          <a:p>
+            <a:pPr marL="0" marR="0" lvl="0" indent="0" algn="l" defTabSz="914400" rtl="0" eaLnBrk="1" fontAlgn="auto" latinLnBrk="0" hangingPunct="1">
+              <a:lnSpc>
+                <a:spcPct val="100000"/>
+              </a:lnSpc>
+              <a:spcBef>
+                <a:spcPts val="0"/>
+              </a:spcBef>
+              <a:spcAft>
+                <a:spcPts val="0"/>
+              </a:spcAft>
+              <a:buClrTx/>
+              <a:buSzTx/>
+              <a:buFontTx/>
+              <a:buNone/>
+              <a:tabLst/>
+              <a:defRPr/>
+            </a:pPr>
+            <a:r>
+              <a:rPr kumimoji="0" lang="en-US" sz="1800" b="0" i="0" u="none" strike="noStrike" kern="1200" cap="none" spc="0" normalizeH="0" baseline="0" noProof="0" dirty="0" err="1">
+                <a:ln>
+                  <a:noFill/>
+                </a:ln>
+                <a:solidFill>
+                  <a:prstClr val="black"/>
+                </a:solidFill>
+                <a:effectLst/>
+                <a:uLnTx/>
+                <a:uFillTx/>
+                <a:latin typeface="Calibri" panose="020F0502020204030204"/>
+                <a:ea typeface="+mn-ea"/>
+                <a:cs typeface="+mn-cs"/>
+              </a:rPr>
+              <a:t>Blockchain</a:t>
+            </a:r>
+            <a:r>
+              <a:rPr kumimoji="0" lang="en-US" sz="1800" b="0" i="0" u="none" strike="noStrike" kern="1200" cap="none" spc="0" normalizeH="0" baseline="0" noProof="0" dirty="0">
+                <a:ln>
+                  <a:noFill/>
+                </a:ln>
+                <a:solidFill>
+                  <a:prstClr val="black"/>
+                </a:solidFill>
+                <a:effectLst/>
+                <a:uLnTx/>
+                <a:uFillTx/>
+                <a:latin typeface="Calibri" panose="020F0502020204030204"/>
+                <a:ea typeface="+mn-ea"/>
+                <a:cs typeface="+mn-cs"/>
+              </a:rPr>
+              <a:t> Workflow</a:t>
+            </a:r>
+          </a:p>
+        </p:txBody>
+      </p:sp>
+      <p:sp>
+        <p:nvSpPr>
+          <p:cNvPr id="58" name="Diamond 57">
+            <a:extLst>
+              <a:ext uri="{FF2B5EF4-FFF2-40B4-BE49-F238E27FC236}">
+                <a16:creationId xmlns:a16="http://schemas.microsoft.com/office/drawing/2014/main" id="{215B00AD-90C0-D346-A60A-65A16DB2E73D}"/>
+              </a:ext>
+            </a:extLst>
+          </p:cNvPr>
+          <p:cNvSpPr/>
+          <p:nvPr/>
+        </p:nvSpPr>
+        <p:spPr>
+          <a:xfrm>
+            <a:off x="3971634" y="3185366"/>
+            <a:ext cx="1667383" cy="971062"/>
+          </a:xfrm>
+          <a:prstGeom prst="diamond">
+            <a:avLst/>
+          </a:prstGeom>
+        </p:spPr>
+        <p:style>
+          <a:lnRef idx="2">
+            <a:schemeClr val="accent3"/>
+          </a:lnRef>
+          <a:fillRef idx="1">
+            <a:schemeClr val="lt1"/>
+          </a:fillRef>
+          <a:effectRef idx="0">
+            <a:schemeClr val="accent3"/>
+          </a:effectRef>
+          <a:fontRef idx="minor">
+            <a:schemeClr val="dk1"/>
+          </a:fontRef>
+        </p:style>
+        <p:txBody>
+          <a:bodyPr rtlCol="0" anchor="ctr"/>
+          <a:lstStyle/>
+          <a:p>
+            <a:pPr marL="0" marR="0" lvl="0" indent="0" algn="ctr" defTabSz="914400" rtl="0" eaLnBrk="1" fontAlgn="auto" latinLnBrk="0" hangingPunct="1">
+              <a:lnSpc>
+                <a:spcPct val="100000"/>
+              </a:lnSpc>
+              <a:spcBef>
+                <a:spcPts val="0"/>
+              </a:spcBef>
+              <a:spcAft>
+                <a:spcPts val="0"/>
+              </a:spcAft>
+              <a:buClrTx/>
+              <a:buSzTx/>
+              <a:buFontTx/>
+              <a:buNone/>
+              <a:tabLst/>
+              <a:defRPr/>
+            </a:pPr>
+            <a:r>
+              <a:rPr kumimoji="0" lang="en-US" sz="1000" b="0" i="0" u="none" strike="noStrike" kern="1200" cap="none" spc="0" normalizeH="0" baseline="0" noProof="0" dirty="0">
+                <a:ln>
+                  <a:noFill/>
+                </a:ln>
+                <a:solidFill>
+                  <a:prstClr val="black"/>
+                </a:solidFill>
+                <a:effectLst/>
+                <a:uLnTx/>
+                <a:uFillTx/>
+                <a:latin typeface="Calibri" panose="020F0502020204030204"/>
+                <a:ea typeface="+mn-ea"/>
+                <a:cs typeface="+mn-cs"/>
+              </a:rPr>
+              <a:t>Index data for Azure search</a:t>
+            </a:r>
+          </a:p>
+        </p:txBody>
+      </p:sp>
+      <p:cxnSp>
+        <p:nvCxnSpPr>
+          <p:cNvPr id="61" name="Straight Arrow Connector 60">
+            <a:extLst>
+              <a:ext uri="{FF2B5EF4-FFF2-40B4-BE49-F238E27FC236}">
+                <a16:creationId xmlns:a16="http://schemas.microsoft.com/office/drawing/2014/main" id="{B85C2544-B2A1-2C4C-A592-09347432E172}"/>
+              </a:ext>
+            </a:extLst>
+          </p:cNvPr>
+          <p:cNvCxnSpPr>
+            <a:cxnSpLocks/>
+            <a:endCxn id="58" idx="1"/>
+          </p:cNvCxnSpPr>
+          <p:nvPr/>
+        </p:nvCxnSpPr>
+        <p:spPr>
+          <a:xfrm>
+            <a:off x="3362989" y="3665523"/>
+            <a:ext cx="608645" cy="5374"/>
+          </a:xfrm>
+          <a:prstGeom prst="straightConnector1">
+            <a:avLst/>
+          </a:prstGeom>
+        </p:spPr>
+        <p:style>
+          <a:lnRef idx="2">
+            <a:schemeClr val="accent3"/>
+          </a:lnRef>
+          <a:fillRef idx="1">
+            <a:schemeClr val="lt1"/>
+          </a:fillRef>
+          <a:effectRef idx="0">
+            <a:schemeClr val="accent3"/>
+          </a:effectRef>
+          <a:fontRef idx="minor">
+            <a:schemeClr val="dk1"/>
+          </a:fontRef>
+        </p:style>
+      </p:cxnSp>
+      <p:cxnSp>
+        <p:nvCxnSpPr>
+          <p:cNvPr id="75" name="Elbow Connector 74">
+            <a:extLst>
+              <a:ext uri="{FF2B5EF4-FFF2-40B4-BE49-F238E27FC236}">
+                <a16:creationId xmlns:a16="http://schemas.microsoft.com/office/drawing/2014/main" id="{F4BF2798-FA82-1541-A30E-2C8F808223E0}"/>
+              </a:ext>
+            </a:extLst>
+          </p:cNvPr>
+          <p:cNvCxnSpPr>
+            <a:cxnSpLocks/>
+            <a:endCxn id="42" idx="0"/>
+          </p:cNvCxnSpPr>
+          <p:nvPr/>
+        </p:nvCxnSpPr>
+        <p:spPr>
+          <a:xfrm>
+            <a:off x="5665319" y="3676700"/>
+            <a:ext cx="1274444" cy="648420"/>
+          </a:xfrm>
+          <a:prstGeom prst="bentConnector2">
+            <a:avLst/>
+          </a:prstGeom>
+        </p:spPr>
+        <p:style>
+          <a:lnRef idx="2">
+            <a:schemeClr val="accent3"/>
+          </a:lnRef>
+          <a:fillRef idx="1">
+            <a:schemeClr val="lt1"/>
+          </a:fillRef>
+          <a:effectRef idx="0">
+            <a:schemeClr val="accent3"/>
+          </a:effectRef>
+          <a:fontRef idx="minor">
+            <a:schemeClr val="dk1"/>
+          </a:fontRef>
+        </p:style>
+      </p:cxnSp>
+    </p:spTree>
+    <p:extLst>
+      <p:ext uri="{BB962C8B-B14F-4D97-AF65-F5344CB8AC3E}">
+        <p14:creationId xmlns:p14="http://schemas.microsoft.com/office/powerpoint/2010/main" val="2047170153"/>
+      </p:ext>
+    </p:extLst>
+  </p:cSld>
+  <p:clrMapOvr>
+    <a:masterClrMapping/>
+  </p:clrMapOvr>
+</p:sld>
+</file>
+
+<file path=ppt/slides/slide5.xml><?xml version="1.0" encoding="utf-8"?>
+<p:sld xmlns:a="http://schemas.openxmlformats.org/drawingml/2006/main" xmlns:r="http://schemas.openxmlformats.org/officeDocument/2006/relationships" xmlns:p="http://schemas.openxmlformats.org/presentationml/2006/main">
+  <p:cSld>
+    <p:spTree>
+      <p:nvGrpSpPr>
+        <p:cNvPr id="1" name=""/>
+        <p:cNvGrpSpPr/>
+        <p:nvPr/>
+      </p:nvGrpSpPr>
+      <p:grpSpPr>
+        <a:xfrm>
+          <a:off x="0" y="0"/>
+          <a:ext cx="0" cy="0"/>
+          <a:chOff x="0" y="0"/>
+          <a:chExt cx="0" cy="0"/>
+        </a:xfrm>
+      </p:grpSpPr>
+      <p:sp>
+        <p:nvSpPr>
           <p:cNvPr id="208" name="正方形/長方形 11">
             <a:extLst>
               <a:ext uri="{FF2B5EF4-FFF2-40B4-BE49-F238E27FC236}">
@@ -7002,8 +9329,8 @@
         </p:nvSpPr>
         <p:spPr>
           <a:xfrm>
-            <a:off x="8859900" y="1784574"/>
-            <a:ext cx="1486339" cy="1364122"/>
+            <a:off x="8800819" y="1783502"/>
+            <a:ext cx="1486339" cy="1300235"/>
           </a:xfrm>
           <a:prstGeom prst="rect">
             <a:avLst/>
@@ -7042,10 +9369,10 @@
       </p:sp>
       <p:pic>
         <p:nvPicPr>
-          <p:cNvPr id="47" name="図 46">
-            <a:extLst>
-              <a:ext uri="{FF2B5EF4-FFF2-40B4-BE49-F238E27FC236}">
-                <a16:creationId xmlns:a16="http://schemas.microsoft.com/office/drawing/2014/main" id="{A2F520AA-628E-4F38-8334-72BBF080F643}"/>
+          <p:cNvPr id="19" name="図 18">
+            <a:extLst>
+              <a:ext uri="{FF2B5EF4-FFF2-40B4-BE49-F238E27FC236}">
+                <a16:creationId xmlns:a16="http://schemas.microsoft.com/office/drawing/2014/main" id="{3AEEE4B8-B76B-43E1-9387-F685835F419E}"/>
               </a:ext>
             </a:extLst>
           </p:cNvPr>
@@ -7062,7 +9389,7 @@
         </p:blipFill>
         <p:spPr>
           <a:xfrm>
-            <a:off x="4195782" y="2009713"/>
+            <a:off x="6508446" y="2361391"/>
             <a:ext cx="1938696" cy="1725318"/>
           </a:xfrm>
           <a:prstGeom prst="rect">
@@ -7070,36 +9397,6 @@
           </a:prstGeom>
         </p:spPr>
       </p:pic>
-      <p:pic>
-        <p:nvPicPr>
-          <p:cNvPr id="19" name="図 18">
-            <a:extLst>
-              <a:ext uri="{FF2B5EF4-FFF2-40B4-BE49-F238E27FC236}">
-                <a16:creationId xmlns:a16="http://schemas.microsoft.com/office/drawing/2014/main" id="{3AEEE4B8-B76B-43E1-9387-F685835F419E}"/>
-              </a:ext>
-            </a:extLst>
-          </p:cNvPr>
-          <p:cNvPicPr>
-            <a:picLocks noChangeAspect="1"/>
-          </p:cNvPicPr>
-          <p:nvPr/>
-        </p:nvPicPr>
-        <p:blipFill>
-          <a:blip r:embed="rId3"/>
-          <a:stretch>
-            <a:fillRect/>
-          </a:stretch>
-        </p:blipFill>
-        <p:spPr>
-          <a:xfrm>
-            <a:off x="6274513" y="2038333"/>
-            <a:ext cx="1938696" cy="1725318"/>
-          </a:xfrm>
-          <a:prstGeom prst="rect">
-            <a:avLst/>
-          </a:prstGeom>
-        </p:spPr>
-      </p:pic>
       <p:sp>
         <p:nvSpPr>
           <p:cNvPr id="4" name="正方形/長方形 3">
@@ -7114,8 +9411,8 @@
         </p:nvSpPr>
         <p:spPr>
           <a:xfrm>
-            <a:off x="8805750" y="1524340"/>
-            <a:ext cx="3168531" cy="2903400"/>
+            <a:off x="6419246" y="1524340"/>
+            <a:ext cx="5555035" cy="2805801"/>
           </a:xfrm>
           <a:prstGeom prst="rect">
             <a:avLst/>
@@ -7268,7 +9565,7 @@
         </p:nvCxnSpPr>
         <p:spPr>
           <a:xfrm>
-            <a:off x="10350783" y="2768947"/>
+            <a:off x="10313665" y="2622924"/>
             <a:ext cx="319620" cy="0"/>
           </a:xfrm>
           <a:prstGeom prst="straightConnector1">
@@ -7337,36 +9634,6 @@
           </a:fontRef>
         </p:style>
       </p:cxnSp>
-      <p:pic>
-        <p:nvPicPr>
-          <p:cNvPr id="22" name="図 21">
-            <a:extLst>
-              <a:ext uri="{FF2B5EF4-FFF2-40B4-BE49-F238E27FC236}">
-                <a16:creationId xmlns:a16="http://schemas.microsoft.com/office/drawing/2014/main" id="{458D1F68-505F-4E7C-B152-935369D4B7F6}"/>
-              </a:ext>
-            </a:extLst>
-          </p:cNvPr>
-          <p:cNvPicPr>
-            <a:picLocks noChangeAspect="1"/>
-          </p:cNvPicPr>
-          <p:nvPr/>
-        </p:nvPicPr>
-        <p:blipFill>
-          <a:blip r:embed="rId4"/>
-          <a:stretch>
-            <a:fillRect/>
-          </a:stretch>
-        </p:blipFill>
-        <p:spPr>
-          <a:xfrm>
-            <a:off x="7548967" y="3600870"/>
-            <a:ext cx="875683" cy="709415"/>
-          </a:xfrm>
-          <a:prstGeom prst="rect">
-            <a:avLst/>
-          </a:prstGeom>
-        </p:spPr>
-      </p:pic>
       <p:sp>
         <p:nvSpPr>
           <p:cNvPr id="31" name="フローチャート: 磁気ディスク 30">
@@ -7475,8 +9742,8 @@
         </p:nvSpPr>
         <p:spPr>
           <a:xfrm>
-            <a:off x="10569833" y="3925602"/>
-            <a:ext cx="697575" cy="442035"/>
+            <a:off x="9777009" y="3469157"/>
+            <a:ext cx="787657" cy="442035"/>
           </a:xfrm>
           <a:prstGeom prst="rect">
             <a:avLst/>
@@ -7495,7 +9762,7 @@
                 <a:latin typeface="Segoe UI Light" panose="020B0502040204020203" pitchFamily="34" charset="0"/>
                 <a:cs typeface="Segoe UI Light" panose="020B0502040204020203" pitchFamily="34" charset="0"/>
               </a:rPr>
-              <a:t>Internal DB</a:t>
+              <a:t>Internal MongoDB</a:t>
             </a:r>
           </a:p>
         </p:txBody>
@@ -7515,13 +9782,13 @@
           <p:nvPr/>
         </p:nvPicPr>
         <p:blipFill>
-          <a:blip r:embed="rId5">
+          <a:blip r:embed="rId4">
             <a:extLst>
               <a:ext uri="{28A0092B-C50C-407E-A947-70E740481C1C}">
                 <a14:useLocalDpi xmlns:a14="http://schemas.microsoft.com/office/drawing/2010/main" val="0"/>
               </a:ext>
               <a:ext uri="{96DAC541-7B7A-43D3-8B79-37D633B846F1}">
-                <asvg:svgBlip xmlns:asvg="http://schemas.microsoft.com/office/drawing/2016/SVG/main" r:embed="rId6"/>
+                <asvg:svgBlip xmlns:asvg="http://schemas.microsoft.com/office/drawing/2016/SVG/main" r:embed="rId5"/>
               </a:ext>
             </a:extLst>
           </a:blip>
@@ -7554,7 +9821,7 @@
           <p:nvPr/>
         </p:nvPicPr>
         <p:blipFill>
-          <a:blip r:embed="rId7">
+          <a:blip r:embed="rId6">
             <a:clrChange>
               <a:clrFrom>
                 <a:srgbClr val="FDFDFD"/>
@@ -7600,13 +9867,13 @@
           <p:nvPr/>
         </p:nvPicPr>
         <p:blipFill>
-          <a:blip r:embed="rId8">
+          <a:blip r:embed="rId7">
             <a:extLst>
               <a:ext uri="{28A0092B-C50C-407E-A947-70E740481C1C}">
                 <a14:useLocalDpi xmlns:a14="http://schemas.microsoft.com/office/drawing/2010/main" val="0"/>
               </a:ext>
               <a:ext uri="{96DAC541-7B7A-43D3-8B79-37D633B846F1}">
-                <asvg:svgBlip xmlns:asvg="http://schemas.microsoft.com/office/drawing/2016/SVG/main" r:embed="rId9"/>
+                <asvg:svgBlip xmlns:asvg="http://schemas.microsoft.com/office/drawing/2016/SVG/main" r:embed="rId8"/>
               </a:ext>
             </a:extLst>
           </a:blip>
@@ -7708,13 +9975,13 @@
           <a:p>
             <a:pPr algn="ctr"/>
             <a:r>
-              <a:rPr kumimoji="1" lang="en-US" altLang="ja-JP" sz="1200" dirty="0">
+              <a:rPr kumimoji="1" lang="en-US" altLang="ja-JP" sz="1200" b="1" dirty="0">
                 <a:latin typeface="Segoe UI Light" panose="020B0502040204020203" pitchFamily="34" charset="0"/>
                 <a:cs typeface="Segoe UI Light" panose="020B0502040204020203" pitchFamily="34" charset="0"/>
               </a:rPr>
               <a:t>Member N</a:t>
             </a:r>
-            <a:endParaRPr kumimoji="1" lang="ja-JP" altLang="en-US" sz="1200" dirty="0">
+            <a:endParaRPr kumimoji="1" lang="ja-JP" altLang="en-US" sz="1200" b="1" dirty="0">
               <a:latin typeface="Segoe UI Light" panose="020B0502040204020203" pitchFamily="34" charset="0"/>
               <a:cs typeface="Segoe UI Light" panose="020B0502040204020203" pitchFamily="34" charset="0"/>
             </a:endParaRPr>
@@ -7737,7 +10004,7 @@
         </p:nvCxnSpPr>
         <p:spPr>
           <a:xfrm>
-            <a:off x="38478" y="4657237"/>
+            <a:off x="0" y="4657237"/>
             <a:ext cx="12192000" cy="0"/>
           </a:xfrm>
           <a:prstGeom prst="line">
@@ -7766,10 +10033,204 @@
       </p:cxnSp>
       <p:sp>
         <p:nvSpPr>
-          <p:cNvPr id="14" name="正方形/長方形 13">
-            <a:extLst>
-              <a:ext uri="{FF2B5EF4-FFF2-40B4-BE49-F238E27FC236}">
-                <a16:creationId xmlns:a16="http://schemas.microsoft.com/office/drawing/2014/main" id="{12A36F99-28D0-4435-8C5E-B2AC254DD6B5}"/>
+          <p:cNvPr id="20" name="テキスト ボックス 19">
+            <a:extLst>
+              <a:ext uri="{FF2B5EF4-FFF2-40B4-BE49-F238E27FC236}">
+                <a16:creationId xmlns:a16="http://schemas.microsoft.com/office/drawing/2014/main" id="{6E0F45C3-1BE7-4CEC-97BE-3A337BFA7DDB}"/>
+              </a:ext>
+            </a:extLst>
+          </p:cNvPr>
+          <p:cNvSpPr txBox="1"/>
+          <p:nvPr/>
+        </p:nvSpPr>
+        <p:spPr>
+          <a:xfrm>
+            <a:off x="6538982" y="1845922"/>
+            <a:ext cx="1793391" cy="565146"/>
+          </a:xfrm>
+          <a:prstGeom prst="rect">
+            <a:avLst/>
+          </a:prstGeom>
+          <a:noFill/>
+        </p:spPr>
+        <p:txBody>
+          <a:bodyPr wrap="square" lIns="36000" tIns="36000" rIns="36000" bIns="36000" rtlCol="0" anchor="ctr">
+            <a:spAutoFit/>
+          </a:bodyPr>
+          <a:lstStyle/>
+          <a:p>
+            <a:pPr algn="ctr"/>
+            <a:r>
+              <a:rPr lang="en-US" altLang="ja-JP" sz="1600" b="1" dirty="0" err="1">
+                <a:latin typeface="Segoe UI Light" panose="020B0502040204020203" pitchFamily="34" charset="0"/>
+                <a:cs typeface="Segoe UI Light" panose="020B0502040204020203" pitchFamily="34" charset="0"/>
+              </a:rPr>
+              <a:t>Netherem.Quorum</a:t>
+            </a:r>
+            <a:r>
+              <a:rPr lang="en-US" altLang="ja-JP" sz="1600" b="1" dirty="0">
+                <a:latin typeface="Segoe UI Light" panose="020B0502040204020203" pitchFamily="34" charset="0"/>
+                <a:cs typeface="Segoe UI Light" panose="020B0502040204020203" pitchFamily="34" charset="0"/>
+              </a:rPr>
+              <a:t> API Layer</a:t>
+            </a:r>
+            <a:endParaRPr kumimoji="1" lang="ja-JP" altLang="en-US" sz="1600" b="1" dirty="0">
+              <a:latin typeface="Segoe UI Light" panose="020B0502040204020203" pitchFamily="34" charset="0"/>
+              <a:cs typeface="Segoe UI Light" panose="020B0502040204020203" pitchFamily="34" charset="0"/>
+            </a:endParaRPr>
+          </a:p>
+        </p:txBody>
+      </p:sp>
+      <p:pic>
+        <p:nvPicPr>
+          <p:cNvPr id="50" name="図 49">
+            <a:extLst>
+              <a:ext uri="{FF2B5EF4-FFF2-40B4-BE49-F238E27FC236}">
+                <a16:creationId xmlns:a16="http://schemas.microsoft.com/office/drawing/2014/main" id="{176807A7-4C4B-4BDD-A2A6-A5ED98799661}"/>
+              </a:ext>
+            </a:extLst>
+          </p:cNvPr>
+          <p:cNvPicPr>
+            <a:picLocks noChangeAspect="1"/>
+          </p:cNvPicPr>
+          <p:nvPr/>
+        </p:nvPicPr>
+        <p:blipFill>
+          <a:blip r:embed="rId9">
+            <a:extLst>
+              <a:ext uri="{28A0092B-C50C-407E-A947-70E740481C1C}">
+                <a14:useLocalDpi xmlns:a14="http://schemas.microsoft.com/office/drawing/2010/main" val="0"/>
+              </a:ext>
+            </a:extLst>
+          </a:blip>
+          <a:stretch>
+            <a:fillRect/>
+          </a:stretch>
+        </p:blipFill>
+        <p:spPr>
+          <a:xfrm>
+            <a:off x="232859" y="2240467"/>
+            <a:ext cx="440454" cy="440454"/>
+          </a:xfrm>
+          <a:prstGeom prst="rect">
+            <a:avLst/>
+          </a:prstGeom>
+        </p:spPr>
+      </p:pic>
+      <p:pic>
+        <p:nvPicPr>
+          <p:cNvPr id="52" name="図 51">
+            <a:extLst>
+              <a:ext uri="{FF2B5EF4-FFF2-40B4-BE49-F238E27FC236}">
+                <a16:creationId xmlns:a16="http://schemas.microsoft.com/office/drawing/2014/main" id="{D0F7AB47-9EDB-4CCB-87EA-6B9F2C34AD57}"/>
+              </a:ext>
+            </a:extLst>
+          </p:cNvPr>
+          <p:cNvPicPr>
+            <a:picLocks noChangeAspect="1"/>
+          </p:cNvPicPr>
+          <p:nvPr/>
+        </p:nvPicPr>
+        <p:blipFill>
+          <a:blip r:embed="rId10">
+            <a:extLst>
+              <a:ext uri="{28A0092B-C50C-407E-A947-70E740481C1C}">
+                <a14:useLocalDpi xmlns:a14="http://schemas.microsoft.com/office/drawing/2010/main" val="0"/>
+              </a:ext>
+            </a:extLst>
+          </a:blip>
+          <a:stretch>
+            <a:fillRect/>
+          </a:stretch>
+        </p:blipFill>
+        <p:spPr>
+          <a:xfrm>
+            <a:off x="7346966" y="2695321"/>
+            <a:ext cx="440454" cy="440454"/>
+          </a:xfrm>
+          <a:prstGeom prst="rect">
+            <a:avLst/>
+          </a:prstGeom>
+        </p:spPr>
+      </p:pic>
+      <p:pic>
+        <p:nvPicPr>
+          <p:cNvPr id="58" name="図 57">
+            <a:extLst>
+              <a:ext uri="{FF2B5EF4-FFF2-40B4-BE49-F238E27FC236}">
+                <a16:creationId xmlns:a16="http://schemas.microsoft.com/office/drawing/2014/main" id="{344A2DE2-BC72-433A-AB52-7109DF693FD3}"/>
+              </a:ext>
+            </a:extLst>
+          </p:cNvPr>
+          <p:cNvPicPr>
+            <a:picLocks noChangeAspect="1"/>
+          </p:cNvPicPr>
+          <p:nvPr/>
+        </p:nvPicPr>
+        <p:blipFill>
+          <a:blip r:embed="rId10">
+            <a:extLst>
+              <a:ext uri="{28A0092B-C50C-407E-A947-70E740481C1C}">
+                <a14:useLocalDpi xmlns:a14="http://schemas.microsoft.com/office/drawing/2010/main" val="0"/>
+              </a:ext>
+            </a:extLst>
+          </a:blip>
+          <a:stretch>
+            <a:fillRect/>
+          </a:stretch>
+        </p:blipFill>
+        <p:spPr>
+          <a:xfrm>
+            <a:off x="483562" y="3784089"/>
+            <a:ext cx="440454" cy="440454"/>
+          </a:xfrm>
+          <a:prstGeom prst="rect">
+            <a:avLst/>
+          </a:prstGeom>
+        </p:spPr>
+      </p:pic>
+      <p:pic>
+        <p:nvPicPr>
+          <p:cNvPr id="62" name="図 61">
+            <a:extLst>
+              <a:ext uri="{FF2B5EF4-FFF2-40B4-BE49-F238E27FC236}">
+                <a16:creationId xmlns:a16="http://schemas.microsoft.com/office/drawing/2014/main" id="{672CCCA3-6543-4B05-92D2-E90691B9C38F}"/>
+              </a:ext>
+            </a:extLst>
+          </p:cNvPr>
+          <p:cNvPicPr>
+            <a:picLocks noChangeAspect="1"/>
+          </p:cNvPicPr>
+          <p:nvPr/>
+        </p:nvPicPr>
+        <p:blipFill>
+          <a:blip r:embed="rId11">
+            <a:extLst>
+              <a:ext uri="{28A0092B-C50C-407E-A947-70E740481C1C}">
+                <a14:useLocalDpi xmlns:a14="http://schemas.microsoft.com/office/drawing/2010/main" val="0"/>
+              </a:ext>
+            </a:extLst>
+          </a:blip>
+          <a:stretch>
+            <a:fillRect/>
+          </a:stretch>
+        </p:blipFill>
+        <p:spPr>
+          <a:xfrm>
+            <a:off x="939789" y="2202183"/>
+            <a:ext cx="532949" cy="532949"/>
+          </a:xfrm>
+          <a:prstGeom prst="rect">
+            <a:avLst/>
+          </a:prstGeom>
+        </p:spPr>
+      </p:pic>
+      <p:sp>
+        <p:nvSpPr>
+          <p:cNvPr id="64" name="正方形/長方形 63">
+            <a:extLst>
+              <a:ext uri="{FF2B5EF4-FFF2-40B4-BE49-F238E27FC236}">
+                <a16:creationId xmlns:a16="http://schemas.microsoft.com/office/drawing/2014/main" id="{4511232E-E113-425F-B314-0EF9FE369830}"/>
               </a:ext>
             </a:extLst>
           </p:cNvPr>
@@ -7778,8 +10239,8 @@
         </p:nvSpPr>
         <p:spPr>
           <a:xfrm>
-            <a:off x="4221060" y="4986659"/>
-            <a:ext cx="1591258" cy="827813"/>
+            <a:off x="4634752" y="4922777"/>
+            <a:ext cx="1457532" cy="1836695"/>
           </a:xfrm>
           <a:prstGeom prst="rect">
             <a:avLst/>
@@ -7813,8 +10274,22 @@
           </a:fontRef>
         </p:style>
         <p:txBody>
-          <a:bodyPr lIns="36000" tIns="36000" rIns="36000" bIns="36000" rtlCol="0" anchor="t"/>
-          <a:lstStyle/>
+          <a:bodyPr rtlCol="0" anchor="t"/>
+          <a:lstStyle/>
+          <a:p>
+            <a:endParaRPr kumimoji="1" lang="en-US" altLang="ja-JP" sz="1400" dirty="0">
+              <a:solidFill>
+                <a:schemeClr val="tx1"/>
+              </a:solidFill>
+            </a:endParaRPr>
+          </a:p>
+          <a:p>
+            <a:endParaRPr kumimoji="1" lang="en-US" altLang="ja-JP" sz="1400" dirty="0">
+              <a:solidFill>
+                <a:schemeClr val="tx1"/>
+              </a:solidFill>
+            </a:endParaRPr>
+          </a:p>
           <a:p>
             <a:r>
               <a:rPr kumimoji="1" lang="en-US" altLang="ja-JP" sz="1400" dirty="0">
@@ -7822,585 +10297,47 @@
                   <a:schemeClr val="tx1"/>
                 </a:solidFill>
               </a:rPr>
-              <a:t>ERC Tokens for Assets</a:t>
-            </a:r>
-          </a:p>
-          <a:p>
+              <a:t>Content Proposal Smart Contract (private </a:t>
+            </a:r>
+            <a:r>
+              <a:rPr kumimoji="1" lang="en-US" altLang="ja-JP" sz="1400" dirty="0" err="1">
+                <a:solidFill>
+                  <a:schemeClr val="tx1"/>
+                </a:solidFill>
+              </a:rPr>
+              <a:t>txs</a:t>
+            </a:r>
             <a:r>
               <a:rPr kumimoji="1" lang="en-US" altLang="ja-JP" sz="1400" dirty="0">
                 <a:solidFill>
                   <a:schemeClr val="tx1"/>
                 </a:solidFill>
               </a:rPr>
-              <a:t>(ERC20, ER721, …)</a:t>
-            </a:r>
-          </a:p>
-        </p:txBody>
-      </p:sp>
-      <p:sp>
-        <p:nvSpPr>
-          <p:cNvPr id="20" name="テキスト ボックス 19">
-            <a:extLst>
-              <a:ext uri="{FF2B5EF4-FFF2-40B4-BE49-F238E27FC236}">
-                <a16:creationId xmlns:a16="http://schemas.microsoft.com/office/drawing/2014/main" id="{6E0F45C3-1BE7-4CEC-97BE-3A337BFA7DDB}"/>
-              </a:ext>
-            </a:extLst>
-          </p:cNvPr>
-          <p:cNvSpPr txBox="1"/>
-          <p:nvPr/>
-        </p:nvSpPr>
-        <p:spPr>
-          <a:xfrm>
-            <a:off x="6799936" y="1458690"/>
-            <a:ext cx="1793391" cy="565146"/>
-          </a:xfrm>
-          <a:prstGeom prst="rect">
-            <a:avLst/>
-          </a:prstGeom>
-          <a:noFill/>
-        </p:spPr>
-        <p:txBody>
-          <a:bodyPr wrap="square" lIns="36000" tIns="36000" rIns="36000" bIns="36000" rtlCol="0" anchor="ctr">
-            <a:spAutoFit/>
-          </a:bodyPr>
-          <a:lstStyle/>
-          <a:p>
-            <a:pPr algn="ctr"/>
-            <a:r>
-              <a:rPr lang="en-US" altLang="ja-JP" sz="1600" b="1" dirty="0">
-                <a:latin typeface="Segoe UI Light" panose="020B0502040204020203" pitchFamily="34" charset="0"/>
-                <a:cs typeface="Segoe UI Light" panose="020B0502040204020203" pitchFamily="34" charset="0"/>
-              </a:rPr>
-              <a:t>Member 1 API </a:t>
-            </a:r>
-            <a:r>
-              <a:rPr lang="en-US" altLang="ja-JP" sz="1600" b="1" dirty="0" err="1">
-                <a:latin typeface="Segoe UI Light" panose="020B0502040204020203" pitchFamily="34" charset="0"/>
-                <a:cs typeface="Segoe UI Light" panose="020B0502040204020203" pitchFamily="34" charset="0"/>
-              </a:rPr>
-              <a:t>Platofrm</a:t>
-            </a:r>
-            <a:endParaRPr kumimoji="1" lang="ja-JP" altLang="en-US" sz="1600" b="1" dirty="0">
-              <a:latin typeface="Segoe UI Light" panose="020B0502040204020203" pitchFamily="34" charset="0"/>
-              <a:cs typeface="Segoe UI Light" panose="020B0502040204020203" pitchFamily="34" charset="0"/>
-            </a:endParaRPr>
-          </a:p>
-        </p:txBody>
-      </p:sp>
-      <p:pic>
-        <p:nvPicPr>
-          <p:cNvPr id="23" name="図 22">
-            <a:extLst>
-              <a:ext uri="{FF2B5EF4-FFF2-40B4-BE49-F238E27FC236}">
-                <a16:creationId xmlns:a16="http://schemas.microsoft.com/office/drawing/2014/main" id="{4C56C847-7FD5-4528-9CDD-F4979A45BF3D}"/>
-              </a:ext>
-            </a:extLst>
-          </p:cNvPr>
-          <p:cNvPicPr>
-            <a:picLocks noChangeAspect="1"/>
-          </p:cNvPicPr>
-          <p:nvPr/>
-        </p:nvPicPr>
-        <p:blipFill>
-          <a:blip r:embed="rId10">
-            <a:extLst>
-              <a:ext uri="{28A0092B-C50C-407E-A947-70E740481C1C}">
-                <a14:useLocalDpi xmlns:a14="http://schemas.microsoft.com/office/drawing/2010/main" val="0"/>
-              </a:ext>
-            </a:extLst>
-          </a:blip>
-          <a:stretch>
-            <a:fillRect/>
-          </a:stretch>
-        </p:blipFill>
-        <p:spPr>
-          <a:xfrm>
-            <a:off x="5267862" y="2648056"/>
-            <a:ext cx="484499" cy="484499"/>
-          </a:xfrm>
-          <a:prstGeom prst="rect">
-            <a:avLst/>
-          </a:prstGeom>
-        </p:spPr>
-      </p:pic>
-      <p:pic>
-        <p:nvPicPr>
-          <p:cNvPr id="50" name="図 49">
-            <a:extLst>
-              <a:ext uri="{FF2B5EF4-FFF2-40B4-BE49-F238E27FC236}">
-                <a16:creationId xmlns:a16="http://schemas.microsoft.com/office/drawing/2014/main" id="{176807A7-4C4B-4BDD-A2A6-A5ED98799661}"/>
-              </a:ext>
-            </a:extLst>
-          </p:cNvPr>
-          <p:cNvPicPr>
-            <a:picLocks noChangeAspect="1"/>
-          </p:cNvPicPr>
-          <p:nvPr/>
-        </p:nvPicPr>
-        <p:blipFill>
-          <a:blip r:embed="rId11">
-            <a:extLst>
-              <a:ext uri="{28A0092B-C50C-407E-A947-70E740481C1C}">
-                <a14:useLocalDpi xmlns:a14="http://schemas.microsoft.com/office/drawing/2010/main" val="0"/>
-              </a:ext>
-            </a:extLst>
-          </a:blip>
-          <a:stretch>
-            <a:fillRect/>
-          </a:stretch>
-        </p:blipFill>
-        <p:spPr>
-          <a:xfrm>
-            <a:off x="232859" y="2240467"/>
-            <a:ext cx="440454" cy="440454"/>
-          </a:xfrm>
-          <a:prstGeom prst="rect">
-            <a:avLst/>
-          </a:prstGeom>
-        </p:spPr>
-      </p:pic>
-      <p:pic>
-        <p:nvPicPr>
-          <p:cNvPr id="51" name="図 50">
-            <a:extLst>
-              <a:ext uri="{FF2B5EF4-FFF2-40B4-BE49-F238E27FC236}">
-                <a16:creationId xmlns:a16="http://schemas.microsoft.com/office/drawing/2014/main" id="{BAC5BCD1-E4AC-4EC0-BCA0-2513FEAA93D4}"/>
-              </a:ext>
-            </a:extLst>
-          </p:cNvPr>
-          <p:cNvPicPr>
-            <a:picLocks noChangeAspect="1"/>
-          </p:cNvPicPr>
-          <p:nvPr/>
-        </p:nvPicPr>
-        <p:blipFill>
-          <a:blip r:embed="rId12">
-            <a:extLst>
-              <a:ext uri="{28A0092B-C50C-407E-A947-70E740481C1C}">
-                <a14:useLocalDpi xmlns:a14="http://schemas.microsoft.com/office/drawing/2010/main" val="0"/>
-              </a:ext>
-            </a:extLst>
-          </a:blip>
-          <a:stretch>
-            <a:fillRect/>
-          </a:stretch>
-        </p:blipFill>
-        <p:spPr>
-          <a:xfrm>
-            <a:off x="2498523" y="3957899"/>
-            <a:ext cx="440454" cy="440454"/>
-          </a:xfrm>
-          <a:prstGeom prst="rect">
-            <a:avLst/>
-          </a:prstGeom>
-        </p:spPr>
-      </p:pic>
-      <p:pic>
-        <p:nvPicPr>
-          <p:cNvPr id="52" name="図 51">
-            <a:extLst>
-              <a:ext uri="{FF2B5EF4-FFF2-40B4-BE49-F238E27FC236}">
-                <a16:creationId xmlns:a16="http://schemas.microsoft.com/office/drawing/2014/main" id="{D0F7AB47-9EDB-4CCB-87EA-6B9F2C34AD57}"/>
-              </a:ext>
-            </a:extLst>
-          </p:cNvPr>
-          <p:cNvPicPr>
-            <a:picLocks noChangeAspect="1"/>
-          </p:cNvPicPr>
-          <p:nvPr/>
-        </p:nvPicPr>
-        <p:blipFill>
-          <a:blip r:embed="rId12">
-            <a:extLst>
-              <a:ext uri="{28A0092B-C50C-407E-A947-70E740481C1C}">
-                <a14:useLocalDpi xmlns:a14="http://schemas.microsoft.com/office/drawing/2010/main" val="0"/>
-              </a:ext>
-            </a:extLst>
-          </a:blip>
-          <a:stretch>
-            <a:fillRect/>
-          </a:stretch>
-        </p:blipFill>
-        <p:spPr>
-          <a:xfrm>
-            <a:off x="7535048" y="2297906"/>
-            <a:ext cx="440454" cy="440454"/>
-          </a:xfrm>
-          <a:prstGeom prst="rect">
-            <a:avLst/>
-          </a:prstGeom>
-        </p:spPr>
-      </p:pic>
-      <p:pic>
-        <p:nvPicPr>
-          <p:cNvPr id="58" name="図 57">
-            <a:extLst>
-              <a:ext uri="{FF2B5EF4-FFF2-40B4-BE49-F238E27FC236}">
-                <a16:creationId xmlns:a16="http://schemas.microsoft.com/office/drawing/2014/main" id="{344A2DE2-BC72-433A-AB52-7109DF693FD3}"/>
-              </a:ext>
-            </a:extLst>
-          </p:cNvPr>
-          <p:cNvPicPr>
-            <a:picLocks noChangeAspect="1"/>
-          </p:cNvPicPr>
-          <p:nvPr/>
-        </p:nvPicPr>
-        <p:blipFill>
-          <a:blip r:embed="rId12">
-            <a:extLst>
-              <a:ext uri="{28A0092B-C50C-407E-A947-70E740481C1C}">
-                <a14:useLocalDpi xmlns:a14="http://schemas.microsoft.com/office/drawing/2010/main" val="0"/>
-              </a:ext>
-            </a:extLst>
-          </a:blip>
-          <a:stretch>
-            <a:fillRect/>
-          </a:stretch>
-        </p:blipFill>
-        <p:spPr>
-          <a:xfrm>
-            <a:off x="704716" y="3722911"/>
-            <a:ext cx="440454" cy="440454"/>
-          </a:xfrm>
-          <a:prstGeom prst="rect">
-            <a:avLst/>
-          </a:prstGeom>
-        </p:spPr>
-      </p:pic>
-      <p:pic>
-        <p:nvPicPr>
-          <p:cNvPr id="60" name="図 59">
-            <a:extLst>
-              <a:ext uri="{FF2B5EF4-FFF2-40B4-BE49-F238E27FC236}">
-                <a16:creationId xmlns:a16="http://schemas.microsoft.com/office/drawing/2014/main" id="{C10430A9-85D0-40C2-B391-DDA2CCC1EBBF}"/>
-              </a:ext>
-            </a:extLst>
-          </p:cNvPr>
-          <p:cNvPicPr>
-            <a:picLocks noChangeAspect="1"/>
-          </p:cNvPicPr>
-          <p:nvPr/>
-        </p:nvPicPr>
-        <p:blipFill>
-          <a:blip r:embed="rId12">
-            <a:extLst>
-              <a:ext uri="{28A0092B-C50C-407E-A947-70E740481C1C}">
-                <a14:useLocalDpi xmlns:a14="http://schemas.microsoft.com/office/drawing/2010/main" val="0"/>
-              </a:ext>
-            </a:extLst>
-          </a:blip>
-          <a:stretch>
-            <a:fillRect/>
-          </a:stretch>
-        </p:blipFill>
-        <p:spPr>
-          <a:xfrm>
-            <a:off x="4664695" y="2649064"/>
-            <a:ext cx="440454" cy="440454"/>
-          </a:xfrm>
-          <a:prstGeom prst="rect">
-            <a:avLst/>
-          </a:prstGeom>
-        </p:spPr>
-      </p:pic>
-      <p:pic>
-        <p:nvPicPr>
-          <p:cNvPr id="62" name="図 61">
-            <a:extLst>
-              <a:ext uri="{FF2B5EF4-FFF2-40B4-BE49-F238E27FC236}">
-                <a16:creationId xmlns:a16="http://schemas.microsoft.com/office/drawing/2014/main" id="{672CCCA3-6543-4B05-92D2-E90691B9C38F}"/>
-              </a:ext>
-            </a:extLst>
-          </p:cNvPr>
-          <p:cNvPicPr>
-            <a:picLocks noChangeAspect="1"/>
-          </p:cNvPicPr>
-          <p:nvPr/>
-        </p:nvPicPr>
-        <p:blipFill>
-          <a:blip r:embed="rId13">
-            <a:extLst>
-              <a:ext uri="{28A0092B-C50C-407E-A947-70E740481C1C}">
-                <a14:useLocalDpi xmlns:a14="http://schemas.microsoft.com/office/drawing/2010/main" val="0"/>
-              </a:ext>
-            </a:extLst>
-          </a:blip>
-          <a:stretch>
-            <a:fillRect/>
-          </a:stretch>
-        </p:blipFill>
-        <p:spPr>
-          <a:xfrm>
-            <a:off x="1038064" y="2162372"/>
-            <a:ext cx="532949" cy="532949"/>
-          </a:xfrm>
-          <a:prstGeom prst="rect">
-            <a:avLst/>
-          </a:prstGeom>
-        </p:spPr>
-      </p:pic>
-      <p:sp>
-        <p:nvSpPr>
-          <p:cNvPr id="64" name="正方形/長方形 63">
-            <a:extLst>
-              <a:ext uri="{FF2B5EF4-FFF2-40B4-BE49-F238E27FC236}">
-                <a16:creationId xmlns:a16="http://schemas.microsoft.com/office/drawing/2014/main" id="{4511232E-E113-425F-B314-0EF9FE369830}"/>
-              </a:ext>
-            </a:extLst>
-          </p:cNvPr>
-          <p:cNvSpPr/>
-          <p:nvPr/>
-        </p:nvSpPr>
-        <p:spPr>
-          <a:xfrm>
-            <a:off x="4238123" y="5929226"/>
-            <a:ext cx="1589526" cy="819985"/>
-          </a:xfrm>
-          <a:prstGeom prst="rect">
-            <a:avLst/>
-          </a:prstGeom>
-          <a:solidFill>
-            <a:schemeClr val="accent6">
-              <a:lumMod val="20000"/>
-              <a:lumOff val="80000"/>
-            </a:schemeClr>
-          </a:solidFill>
-          <a:ln>
-            <a:solidFill>
-              <a:schemeClr val="accent6"/>
-            </a:solidFill>
-          </a:ln>
-        </p:spPr>
-        <p:style>
-          <a:lnRef idx="2">
-            <a:schemeClr val="accent1">
-              <a:shade val="50000"/>
-            </a:schemeClr>
-          </a:lnRef>
-          <a:fillRef idx="1">
-            <a:schemeClr val="accent1"/>
-          </a:fillRef>
-          <a:effectRef idx="0">
-            <a:schemeClr val="accent1"/>
-          </a:effectRef>
-          <a:fontRef idx="minor">
-            <a:schemeClr val="lt1"/>
-          </a:fontRef>
-        </p:style>
-        <p:txBody>
-          <a:bodyPr rtlCol="0" anchor="t"/>
-          <a:lstStyle/>
-          <a:p>
+              <a:t>)</a:t>
+            </a:r>
+          </a:p>
+          <a:p>
+            <a:pPr marL="285750" indent="-285750">
+              <a:buFont typeface="Arial" panose="020B0604020202020204" pitchFamily="34" charset="0"/>
+              <a:buChar char="•"/>
+            </a:pPr>
             <a:r>
               <a:rPr kumimoji="1" lang="en-US" altLang="ja-JP" sz="1400" dirty="0">
                 <a:solidFill>
                   <a:schemeClr val="tx1"/>
                 </a:solidFill>
               </a:rPr>
-              <a:t>Other Smart Contracts</a:t>
-            </a:r>
-          </a:p>
-          <a:p>
-            <a:pPr marL="285750" indent="-285750">
-              <a:buFont typeface="Arial" panose="020B0604020202020204" pitchFamily="34" charset="0"/>
-              <a:buChar char="•"/>
-            </a:pPr>
-            <a:endParaRPr kumimoji="1" lang="ja-JP" altLang="en-US" sz="1400" dirty="0">
-              <a:solidFill>
-                <a:schemeClr val="tx1"/>
-              </a:solidFill>
-            </a:endParaRPr>
-          </a:p>
-        </p:txBody>
-      </p:sp>
-      <p:sp>
-        <p:nvSpPr>
-          <p:cNvPr id="70" name="正方形/長方形 69">
-            <a:extLst>
-              <a:ext uri="{FF2B5EF4-FFF2-40B4-BE49-F238E27FC236}">
-                <a16:creationId xmlns:a16="http://schemas.microsoft.com/office/drawing/2014/main" id="{805B3116-DD58-4DA7-B0FA-50885F685009}"/>
-              </a:ext>
-            </a:extLst>
-          </p:cNvPr>
-          <p:cNvSpPr/>
-          <p:nvPr/>
-        </p:nvSpPr>
-        <p:spPr>
-          <a:xfrm>
-            <a:off x="1815454" y="4830857"/>
-            <a:ext cx="1821604" cy="1955495"/>
-          </a:xfrm>
-          <a:prstGeom prst="rect">
-            <a:avLst/>
-          </a:prstGeom>
-          <a:solidFill>
-            <a:schemeClr val="accent6">
-              <a:lumMod val="20000"/>
-              <a:lumOff val="80000"/>
-            </a:schemeClr>
-          </a:solidFill>
-          <a:ln>
-            <a:solidFill>
-              <a:schemeClr val="accent6"/>
-            </a:solidFill>
-          </a:ln>
-        </p:spPr>
-        <p:style>
-          <a:lnRef idx="2">
-            <a:schemeClr val="accent1">
-              <a:shade val="50000"/>
-            </a:schemeClr>
-          </a:lnRef>
-          <a:fillRef idx="1">
-            <a:schemeClr val="accent1"/>
-          </a:fillRef>
-          <a:effectRef idx="0">
-            <a:schemeClr val="accent1"/>
-          </a:effectRef>
-          <a:fontRef idx="minor">
-            <a:schemeClr val="lt1"/>
-          </a:fontRef>
-        </p:style>
-        <p:txBody>
-          <a:bodyPr rtlCol="0" anchor="t"/>
-          <a:lstStyle/>
-          <a:p>
-            <a:r>
-              <a:rPr kumimoji="1" lang="en-US" altLang="ja-JP" sz="1400" dirty="0">
-                <a:solidFill>
-                  <a:schemeClr val="tx1"/>
-                </a:solidFill>
-              </a:rPr>
-              <a:t>Transportation</a:t>
-            </a:r>
-          </a:p>
-          <a:p>
-            <a:pPr marL="285750" indent="-285750">
-              <a:buFont typeface="Arial" panose="020B0604020202020204" pitchFamily="34" charset="0"/>
-              <a:buChar char="•"/>
-            </a:pPr>
-            <a:r>
-              <a:rPr lang="en-US" altLang="ja-JP" sz="1400" dirty="0">
-                <a:solidFill>
-                  <a:schemeClr val="tx1"/>
-                </a:solidFill>
-              </a:rPr>
-              <a:t>User</a:t>
-            </a:r>
-          </a:p>
-          <a:p>
-            <a:pPr marL="285750" indent="-285750">
-              <a:buFont typeface="Arial" panose="020B0604020202020204" pitchFamily="34" charset="0"/>
-              <a:buChar char="•"/>
-            </a:pPr>
-            <a:r>
-              <a:rPr kumimoji="1" lang="en-US" altLang="ja-JP" sz="1400" dirty="0" err="1">
-                <a:solidFill>
-                  <a:schemeClr val="tx1"/>
-                </a:solidFill>
-              </a:rPr>
-              <a:t>TicketId</a:t>
-            </a:r>
-            <a:endParaRPr kumimoji="1" lang="en-US" altLang="ja-JP" sz="1400" dirty="0">
-              <a:solidFill>
-                <a:schemeClr val="tx1"/>
-              </a:solidFill>
-            </a:endParaRPr>
-          </a:p>
-          <a:p>
-            <a:pPr marL="285750" indent="-285750">
-              <a:buFont typeface="Arial" panose="020B0604020202020204" pitchFamily="34" charset="0"/>
-              <a:buChar char="•"/>
-            </a:pPr>
-            <a:r>
-              <a:rPr kumimoji="1" lang="en-US" altLang="ja-JP" sz="1400" dirty="0">
-                <a:solidFill>
-                  <a:schemeClr val="tx1"/>
-                </a:solidFill>
-              </a:rPr>
-              <a:t>Datetime</a:t>
-            </a:r>
-          </a:p>
-          <a:p>
-            <a:pPr marL="285750" indent="-285750">
-              <a:buFont typeface="Arial" panose="020B0604020202020204" pitchFamily="34" charset="0"/>
-              <a:buChar char="•"/>
-            </a:pPr>
-            <a:r>
-              <a:rPr lang="en-US" altLang="ja-JP" sz="1400" dirty="0" err="1">
-                <a:solidFill>
-                  <a:schemeClr val="tx1"/>
-                </a:solidFill>
-              </a:rPr>
-              <a:t>LocationName</a:t>
-            </a:r>
-            <a:endParaRPr lang="en-US" altLang="ja-JP" sz="1400" dirty="0">
-              <a:solidFill>
-                <a:schemeClr val="tx1"/>
-              </a:solidFill>
-            </a:endParaRPr>
-          </a:p>
-          <a:p>
-            <a:pPr marL="285750" indent="-285750">
-              <a:buFont typeface="Arial" panose="020B0604020202020204" pitchFamily="34" charset="0"/>
-              <a:buChar char="•"/>
-            </a:pPr>
-            <a:r>
-              <a:rPr lang="en-US" altLang="ja-JP" sz="1400" dirty="0">
-                <a:solidFill>
-                  <a:schemeClr val="tx1"/>
-                </a:solidFill>
-              </a:rPr>
-              <a:t>Latitude</a:t>
-            </a:r>
-          </a:p>
-          <a:p>
-            <a:pPr marL="285750" indent="-285750">
-              <a:buFont typeface="Arial" panose="020B0604020202020204" pitchFamily="34" charset="0"/>
-              <a:buChar char="•"/>
-            </a:pPr>
-            <a:r>
-              <a:rPr lang="en-US" altLang="ja-JP" sz="1400" dirty="0">
-                <a:solidFill>
-                  <a:schemeClr val="tx1"/>
-                </a:solidFill>
-              </a:rPr>
-              <a:t>Longitude</a:t>
-            </a:r>
-          </a:p>
-          <a:p>
-            <a:pPr marL="285750" indent="-285750">
-              <a:buFont typeface="Arial" panose="020B0604020202020204" pitchFamily="34" charset="0"/>
-              <a:buChar char="•"/>
-            </a:pPr>
-            <a:r>
-              <a:rPr lang="en-US" altLang="ja-JP" sz="1400" dirty="0">
-                <a:solidFill>
-                  <a:schemeClr val="tx1"/>
-                </a:solidFill>
-              </a:rPr>
-              <a:t>status</a:t>
-            </a:r>
-          </a:p>
-          <a:p>
-            <a:pPr marL="285750" indent="-285750">
-              <a:buFont typeface="Arial" panose="020B0604020202020204" pitchFamily="34" charset="0"/>
-              <a:buChar char="•"/>
-            </a:pPr>
-            <a:endParaRPr kumimoji="1" lang="ja-JP" altLang="en-US" sz="1400" dirty="0">
-              <a:solidFill>
-                <a:schemeClr val="tx1"/>
-              </a:solidFill>
-            </a:endParaRPr>
+              <a:t>IPFS hash of submitted data</a:t>
+            </a:r>
           </a:p>
         </p:txBody>
       </p:sp>
       <p:cxnSp>
         <p:nvCxnSpPr>
-          <p:cNvPr id="75" name="直線コネクタ 74">
-            <a:extLst>
-              <a:ext uri="{FF2B5EF4-FFF2-40B4-BE49-F238E27FC236}">
-                <a16:creationId xmlns:a16="http://schemas.microsoft.com/office/drawing/2014/main" id="{396912F3-CAA2-4D0D-B365-2C815D698090}"/>
+          <p:cNvPr id="77" name="直線コネクタ 76">
+            <a:extLst>
+              <a:ext uri="{FF2B5EF4-FFF2-40B4-BE49-F238E27FC236}">
+                <a16:creationId xmlns:a16="http://schemas.microsoft.com/office/drawing/2014/main" id="{30CD745A-63AE-4B4B-B2A9-96ED160566B9}"/>
               </a:ext>
             </a:extLst>
           </p:cNvPr>
@@ -8411,89 +10348,7 @@
         </p:nvCxnSpPr>
         <p:spPr>
           <a:xfrm>
-            <a:off x="6377052" y="1542549"/>
-            <a:ext cx="0" cy="5268474"/>
-          </a:xfrm>
-          <a:prstGeom prst="line">
-            <a:avLst/>
-          </a:prstGeom>
-          <a:ln>
-            <a:prstDash val="dash"/>
-          </a:ln>
-        </p:spPr>
-        <p:style>
-          <a:lnRef idx="1">
-            <a:schemeClr val="accent1"/>
-          </a:lnRef>
-          <a:fillRef idx="0">
-            <a:schemeClr val="accent1"/>
-          </a:fillRef>
-          <a:effectRef idx="0">
-            <a:schemeClr val="accent1"/>
-          </a:effectRef>
-          <a:fontRef idx="minor">
-            <a:schemeClr val="tx1"/>
-          </a:fontRef>
-        </p:style>
-      </p:cxnSp>
-      <p:cxnSp>
-        <p:nvCxnSpPr>
-          <p:cNvPr id="76" name="直線コネクタ 75">
-            <a:extLst>
-              <a:ext uri="{FF2B5EF4-FFF2-40B4-BE49-F238E27FC236}">
-                <a16:creationId xmlns:a16="http://schemas.microsoft.com/office/drawing/2014/main" id="{2F1AF6A6-EA24-4B5B-86C5-D198F1B1AC99}"/>
-              </a:ext>
-            </a:extLst>
-          </p:cNvPr>
-          <p:cNvCxnSpPr>
-            <a:cxnSpLocks/>
-          </p:cNvCxnSpPr>
-          <p:nvPr/>
-        </p:nvCxnSpPr>
-        <p:spPr>
-          <a:xfrm>
-            <a:off x="3869087" y="1517881"/>
-            <a:ext cx="0" cy="5236424"/>
-          </a:xfrm>
-          <a:prstGeom prst="line">
-            <a:avLst/>
-          </a:prstGeom>
-          <a:ln>
-            <a:prstDash val="dash"/>
-          </a:ln>
-        </p:spPr>
-        <p:style>
-          <a:lnRef idx="1">
-            <a:schemeClr val="accent1"/>
-          </a:lnRef>
-          <a:fillRef idx="0">
-            <a:schemeClr val="accent1"/>
-          </a:fillRef>
-          <a:effectRef idx="0">
-            <a:schemeClr val="accent1"/>
-          </a:effectRef>
-          <a:fontRef idx="minor">
-            <a:schemeClr val="tx1"/>
-          </a:fontRef>
-        </p:style>
-      </p:cxnSp>
-      <p:cxnSp>
-        <p:nvCxnSpPr>
-          <p:cNvPr id="77" name="直線コネクタ 76">
-            <a:extLst>
-              <a:ext uri="{FF2B5EF4-FFF2-40B4-BE49-F238E27FC236}">
-                <a16:creationId xmlns:a16="http://schemas.microsoft.com/office/drawing/2014/main" id="{30CD745A-63AE-4B4B-B2A9-96ED160566B9}"/>
-              </a:ext>
-            </a:extLst>
-          </p:cNvPr>
-          <p:cNvCxnSpPr>
-            <a:cxnSpLocks/>
-          </p:cNvCxnSpPr>
-          <p:nvPr/>
-        </p:nvCxnSpPr>
-        <p:spPr>
-          <a:xfrm>
-            <a:off x="1641219" y="824520"/>
+            <a:off x="1804856" y="814963"/>
             <a:ext cx="0" cy="5926585"/>
           </a:xfrm>
           <a:prstGeom prst="line">
@@ -8533,9 +10388,9 @@
           <p:nvPr/>
         </p:nvCxnSpPr>
         <p:spPr>
-          <a:xfrm>
-            <a:off x="1692111" y="1456444"/>
-            <a:ext cx="7206792" cy="0"/>
+          <a:xfrm flipV="1">
+            <a:off x="1370200" y="1357615"/>
+            <a:ext cx="7528703" cy="26814"/>
           </a:xfrm>
           <a:prstGeom prst="line">
             <a:avLst/>
@@ -8574,7 +10429,7 @@
         <p:spPr>
           <a:xfrm>
             <a:off x="5632785" y="193926"/>
-            <a:ext cx="2469140" cy="318924"/>
+            <a:ext cx="2793460" cy="318924"/>
           </a:xfrm>
           <a:prstGeom prst="rect">
             <a:avLst/>
@@ -8600,7 +10455,21 @@
                 <a:latin typeface="Segoe UI Light" panose="020B0502040204020203" pitchFamily="34" charset="0"/>
                 <a:cs typeface="Segoe UI Light" panose="020B0502040204020203" pitchFamily="34" charset="0"/>
               </a:rPr>
-              <a:t>User application</a:t>
+              <a:t>User application (Org </a:t>
+            </a:r>
+            <a:r>
+              <a:rPr kumimoji="1" lang="en-US" altLang="ja-JP" sz="1600" b="1" dirty="0" err="1">
+                <a:latin typeface="Segoe UI Light" panose="020B0502040204020203" pitchFamily="34" charset="0"/>
+                <a:cs typeface="Segoe UI Light" panose="020B0502040204020203" pitchFamily="34" charset="0"/>
+              </a:rPr>
+              <a:t>a,b,N</a:t>
+            </a:r>
+            <a:r>
+              <a:rPr kumimoji="1" lang="en-US" altLang="ja-JP" sz="1600" b="1" dirty="0">
+                <a:latin typeface="Segoe UI Light" panose="020B0502040204020203" pitchFamily="34" charset="0"/>
+                <a:cs typeface="Segoe UI Light" panose="020B0502040204020203" pitchFamily="34" charset="0"/>
+              </a:rPr>
+              <a:t>)</a:t>
             </a:r>
             <a:endParaRPr kumimoji="1" lang="ja-JP" altLang="en-US" sz="1600" b="1" dirty="0">
               <a:latin typeface="Segoe UI Light" panose="020B0502040204020203" pitchFamily="34" charset="0"/>
@@ -8623,7 +10492,7 @@
         </p:nvSpPr>
         <p:spPr>
           <a:xfrm>
-            <a:off x="127921" y="873114"/>
+            <a:off x="128489" y="1396153"/>
             <a:ext cx="1482141" cy="565146"/>
           </a:xfrm>
           <a:prstGeom prst="rect">
@@ -8638,12 +10507,16 @@
           <a:lstStyle/>
           <a:p>
             <a:pPr algn="ctr"/>
+            <a:r>
+              <a:rPr lang="en-US" sz="1500" dirty="0"/>
+              <a:t>④</a:t>
+            </a:r>
             <a:r>
               <a:rPr kumimoji="1" lang="ja-JP" altLang="en-US" sz="1600" b="1" dirty="0">
                 <a:latin typeface="Segoe UI Light" panose="020B0502040204020203" pitchFamily="34" charset="0"/>
                 <a:cs typeface="Segoe UI Light" panose="020B0502040204020203" pitchFamily="34" charset="0"/>
               </a:rPr>
-              <a:t>⑦ </a:t>
+              <a:t> </a:t>
             </a:r>
             <a:r>
               <a:rPr kumimoji="1" lang="en-US" altLang="ja-JP" sz="1600" b="1" dirty="0">
@@ -8659,137 +10532,6 @@
           </a:p>
         </p:txBody>
       </p:sp>
-      <p:cxnSp>
-        <p:nvCxnSpPr>
-          <p:cNvPr id="92" name="直線矢印コネクタ 91">
-            <a:extLst>
-              <a:ext uri="{FF2B5EF4-FFF2-40B4-BE49-F238E27FC236}">
-                <a16:creationId xmlns:a16="http://schemas.microsoft.com/office/drawing/2014/main" id="{2207A874-DFFF-43D4-8B19-97C2256BABBC}"/>
-              </a:ext>
-            </a:extLst>
-          </p:cNvPr>
-          <p:cNvCxnSpPr>
-            <a:cxnSpLocks/>
-            <a:stCxn id="51" idx="2"/>
-            <a:endCxn id="70" idx="0"/>
-          </p:cNvCxnSpPr>
-          <p:nvPr/>
-        </p:nvCxnSpPr>
-        <p:spPr>
-          <a:xfrm>
-            <a:off x="2718750" y="4398353"/>
-            <a:ext cx="7506" cy="432504"/>
-          </a:xfrm>
-          <a:prstGeom prst="straightConnector1">
-            <a:avLst/>
-          </a:prstGeom>
-          <a:ln>
-            <a:tailEnd type="triangle"/>
-          </a:ln>
-        </p:spPr>
-        <p:style>
-          <a:lnRef idx="1">
-            <a:schemeClr val="accent1"/>
-          </a:lnRef>
-          <a:fillRef idx="0">
-            <a:schemeClr val="accent1"/>
-          </a:fillRef>
-          <a:effectRef idx="0">
-            <a:schemeClr val="accent1"/>
-          </a:effectRef>
-          <a:fontRef idx="minor">
-            <a:schemeClr val="tx1"/>
-          </a:fontRef>
-        </p:style>
-      </p:cxnSp>
-      <p:cxnSp>
-        <p:nvCxnSpPr>
-          <p:cNvPr id="95" name="コネクタ: カギ線 94">
-            <a:extLst>
-              <a:ext uri="{FF2B5EF4-FFF2-40B4-BE49-F238E27FC236}">
-                <a16:creationId xmlns:a16="http://schemas.microsoft.com/office/drawing/2014/main" id="{58D3D5D4-1C38-4651-96F4-B1021675049B}"/>
-              </a:ext>
-            </a:extLst>
-          </p:cNvPr>
-          <p:cNvCxnSpPr>
-            <a:cxnSpLocks/>
-            <a:endCxn id="51" idx="0"/>
-          </p:cNvCxnSpPr>
-          <p:nvPr/>
-        </p:nvCxnSpPr>
-        <p:spPr>
-          <a:xfrm rot="5400000">
-            <a:off x="2741134" y="3519704"/>
-            <a:ext cx="415812" cy="460579"/>
-          </a:xfrm>
-          <a:prstGeom prst="bentConnector3">
-            <a:avLst>
-              <a:gd name="adj1" fmla="val 50000"/>
-            </a:avLst>
-          </a:prstGeom>
-          <a:ln>
-            <a:tailEnd type="triangle"/>
-          </a:ln>
-        </p:spPr>
-        <p:style>
-          <a:lnRef idx="1">
-            <a:schemeClr val="accent1"/>
-          </a:lnRef>
-          <a:fillRef idx="0">
-            <a:schemeClr val="accent1"/>
-          </a:fillRef>
-          <a:effectRef idx="0">
-            <a:schemeClr val="accent1"/>
-          </a:effectRef>
-          <a:fontRef idx="minor">
-            <a:schemeClr val="tx1"/>
-          </a:fontRef>
-        </p:style>
-      </p:cxnSp>
-      <p:cxnSp>
-        <p:nvCxnSpPr>
-          <p:cNvPr id="98" name="コネクタ: カギ線 97">
-            <a:extLst>
-              <a:ext uri="{FF2B5EF4-FFF2-40B4-BE49-F238E27FC236}">
-                <a16:creationId xmlns:a16="http://schemas.microsoft.com/office/drawing/2014/main" id="{EF28A766-F5E1-42AD-B7E5-5ABEF40DE908}"/>
-              </a:ext>
-            </a:extLst>
-          </p:cNvPr>
-          <p:cNvCxnSpPr>
-            <a:cxnSpLocks/>
-            <a:endCxn id="51" idx="0"/>
-          </p:cNvCxnSpPr>
-          <p:nvPr/>
-        </p:nvCxnSpPr>
-        <p:spPr>
-          <a:xfrm rot="16200000" flipH="1">
-            <a:off x="2244353" y="3483502"/>
-            <a:ext cx="415812" cy="532981"/>
-          </a:xfrm>
-          <a:prstGeom prst="bentConnector3">
-            <a:avLst>
-              <a:gd name="adj1" fmla="val 50000"/>
-            </a:avLst>
-          </a:prstGeom>
-          <a:ln>
-            <a:tailEnd type="triangle"/>
-          </a:ln>
-        </p:spPr>
-        <p:style>
-          <a:lnRef idx="1">
-            <a:schemeClr val="accent1"/>
-          </a:lnRef>
-          <a:fillRef idx="0">
-            <a:schemeClr val="accent1"/>
-          </a:fillRef>
-          <a:effectRef idx="0">
-            <a:schemeClr val="accent1"/>
-          </a:effectRef>
-          <a:fontRef idx="minor">
-            <a:schemeClr val="tx1"/>
-          </a:fontRef>
-        </p:style>
-      </p:cxnSp>
       <p:pic>
         <p:nvPicPr>
           <p:cNvPr id="99" name="図 98">
@@ -8805,7 +10547,7 @@
           <p:nvPr/>
         </p:nvPicPr>
         <p:blipFill>
-          <a:blip r:embed="rId12">
+          <a:blip r:embed="rId10">
             <a:extLst>
               <a:ext uri="{28A0092B-C50C-407E-A947-70E740481C1C}">
                 <a14:useLocalDpi xmlns:a14="http://schemas.microsoft.com/office/drawing/2010/main" val="0"/>
@@ -8818,7 +10560,7 @@
         </p:blipFill>
         <p:spPr>
           <a:xfrm>
-            <a:off x="7145603" y="2831837"/>
+            <a:off x="7075577" y="3212534"/>
             <a:ext cx="440454" cy="440454"/>
           </a:xfrm>
           <a:prstGeom prst="rect">
@@ -8841,7 +10583,7 @@
           <p:nvPr/>
         </p:nvPicPr>
         <p:blipFill>
-          <a:blip r:embed="rId12">
+          <a:blip r:embed="rId10">
             <a:extLst>
               <a:ext uri="{28A0092B-C50C-407E-A947-70E740481C1C}">
                 <a14:useLocalDpi xmlns:a14="http://schemas.microsoft.com/office/drawing/2010/main" val="0"/>
@@ -8854,7 +10596,7 @@
         </p:blipFill>
         <p:spPr>
           <a:xfrm>
-            <a:off x="7827318" y="2829270"/>
+            <a:off x="7752561" y="3105199"/>
             <a:ext cx="440454" cy="440454"/>
           </a:xfrm>
           <a:prstGeom prst="rect">
@@ -8864,69 +10606,28 @@
       </p:pic>
       <p:cxnSp>
         <p:nvCxnSpPr>
-          <p:cNvPr id="102" name="コネクタ: カギ線 101">
-            <a:extLst>
-              <a:ext uri="{FF2B5EF4-FFF2-40B4-BE49-F238E27FC236}">
-                <a16:creationId xmlns:a16="http://schemas.microsoft.com/office/drawing/2014/main" id="{365FED67-9ED6-4E3F-AEA6-D68AB11658A7}"/>
+          <p:cNvPr id="109" name="コネクタ: カギ線 108">
+            <a:extLst>
+              <a:ext uri="{FF2B5EF4-FFF2-40B4-BE49-F238E27FC236}">
+                <a16:creationId xmlns:a16="http://schemas.microsoft.com/office/drawing/2014/main" id="{65A38F68-B806-4997-9A95-865FFD76647A}"/>
               </a:ext>
             </a:extLst>
           </p:cNvPr>
           <p:cNvCxnSpPr>
             <a:cxnSpLocks/>
-            <a:stCxn id="70" idx="1"/>
-            <a:endCxn id="58" idx="2"/>
+            <a:stCxn id="38" idx="3"/>
           </p:cNvCxnSpPr>
           <p:nvPr/>
         </p:nvCxnSpPr>
         <p:spPr>
-          <a:xfrm rot="10800000">
-            <a:off x="924944" y="4163365"/>
-            <a:ext cx="890511" cy="1645240"/>
-          </a:xfrm>
-          <a:prstGeom prst="bentConnector2">
-            <a:avLst/>
-          </a:prstGeom>
-          <a:ln>
-            <a:tailEnd type="triangle"/>
-          </a:ln>
-        </p:spPr>
-        <p:style>
-          <a:lnRef idx="1">
-            <a:schemeClr val="accent1"/>
-          </a:lnRef>
-          <a:fillRef idx="0">
-            <a:schemeClr val="accent1"/>
-          </a:fillRef>
-          <a:effectRef idx="0">
-            <a:schemeClr val="accent1"/>
-          </a:effectRef>
-          <a:fontRef idx="minor">
-            <a:schemeClr val="tx1"/>
-          </a:fontRef>
-        </p:style>
-      </p:cxnSp>
-      <p:cxnSp>
-        <p:nvCxnSpPr>
-          <p:cNvPr id="109" name="コネクタ: カギ線 108">
-            <a:extLst>
-              <a:ext uri="{FF2B5EF4-FFF2-40B4-BE49-F238E27FC236}">
-                <a16:creationId xmlns:a16="http://schemas.microsoft.com/office/drawing/2014/main" id="{65A38F68-B806-4997-9A95-865FFD76647A}"/>
-              </a:ext>
-            </a:extLst>
-          </p:cNvPr>
-          <p:cNvCxnSpPr>
-            <a:stCxn id="38" idx="3"/>
-            <a:endCxn id="20" idx="0"/>
-          </p:cNvCxnSpPr>
-          <p:nvPr/>
-        </p:nvCxnSpPr>
-        <p:spPr>
           <a:xfrm>
             <a:off x="5632785" y="906302"/>
-            <a:ext cx="2063847" cy="552388"/>
-          </a:xfrm>
-          <a:prstGeom prst="bentConnector2">
-            <a:avLst/>
+            <a:ext cx="2051919" cy="311175"/>
+          </a:xfrm>
+          <a:prstGeom prst="bentConnector3">
+            <a:avLst>
+              <a:gd name="adj1" fmla="val 100313"/>
+            </a:avLst>
           </a:prstGeom>
           <a:ln>
             <a:headEnd type="triangle" w="med" len="med"/>
@@ -8964,12 +10665,14 @@
           <p:nvPr/>
         </p:nvCxnSpPr>
         <p:spPr>
-          <a:xfrm rot="5400000" flipH="1" flipV="1">
-            <a:off x="3432643" y="227781"/>
-            <a:ext cx="690347" cy="2047391"/>
-          </a:xfrm>
-          <a:prstGeom prst="bentConnector2">
-            <a:avLst/>
+          <a:xfrm flipV="1">
+            <a:off x="2721165" y="906302"/>
+            <a:ext cx="2080347" cy="319451"/>
+          </a:xfrm>
+          <a:prstGeom prst="bentConnector3">
+            <a:avLst>
+              <a:gd name="adj1" fmla="val -99"/>
+            </a:avLst>
           </a:prstGeom>
           <a:ln>
             <a:headEnd type="triangle" w="med" len="med"/>
@@ -8991,176 +10694,6 @@
           </a:fontRef>
         </p:style>
       </p:cxnSp>
-      <p:cxnSp>
-        <p:nvCxnSpPr>
-          <p:cNvPr id="114" name="直線矢印コネクタ 113">
-            <a:extLst>
-              <a:ext uri="{FF2B5EF4-FFF2-40B4-BE49-F238E27FC236}">
-                <a16:creationId xmlns:a16="http://schemas.microsoft.com/office/drawing/2014/main" id="{E764DA01-8EDC-464D-BBE3-341D63414D03}"/>
-              </a:ext>
-            </a:extLst>
-          </p:cNvPr>
-          <p:cNvCxnSpPr>
-            <a:cxnSpLocks/>
-            <a:stCxn id="38" idx="2"/>
-          </p:cNvCxnSpPr>
-          <p:nvPr/>
-        </p:nvCxnSpPr>
-        <p:spPr>
-          <a:xfrm>
-            <a:off x="5217149" y="1321938"/>
-            <a:ext cx="2747" cy="297935"/>
-          </a:xfrm>
-          <a:prstGeom prst="straightConnector1">
-            <a:avLst/>
-          </a:prstGeom>
-          <a:ln>
-            <a:headEnd type="triangle" w="med" len="med"/>
-            <a:tailEnd type="triangle" w="med" len="med"/>
-          </a:ln>
-        </p:spPr>
-        <p:style>
-          <a:lnRef idx="1">
-            <a:schemeClr val="accent1"/>
-          </a:lnRef>
-          <a:fillRef idx="0">
-            <a:schemeClr val="accent1"/>
-          </a:fillRef>
-          <a:effectRef idx="0">
-            <a:schemeClr val="accent1"/>
-          </a:effectRef>
-          <a:fontRef idx="minor">
-            <a:schemeClr val="tx1"/>
-          </a:fontRef>
-        </p:style>
-      </p:cxnSp>
-      <p:cxnSp>
-        <p:nvCxnSpPr>
-          <p:cNvPr id="116" name="直線矢印コネクタ 115">
-            <a:extLst>
-              <a:ext uri="{FF2B5EF4-FFF2-40B4-BE49-F238E27FC236}">
-                <a16:creationId xmlns:a16="http://schemas.microsoft.com/office/drawing/2014/main" id="{A0A16449-ECA1-4A0F-AE84-EA9009DB5F36}"/>
-              </a:ext>
-            </a:extLst>
-          </p:cNvPr>
-          <p:cNvCxnSpPr>
-            <a:cxnSpLocks/>
-            <a:stCxn id="19" idx="2"/>
-            <a:endCxn id="14" idx="0"/>
-          </p:cNvCxnSpPr>
-          <p:nvPr/>
-        </p:nvCxnSpPr>
-        <p:spPr>
-          <a:xfrm flipH="1">
-            <a:off x="5016689" y="3763651"/>
-            <a:ext cx="2227172" cy="1223008"/>
-          </a:xfrm>
-          <a:prstGeom prst="straightConnector1">
-            <a:avLst/>
-          </a:prstGeom>
-          <a:ln>
-            <a:headEnd type="triangle" w="med" len="med"/>
-            <a:tailEnd type="triangle" w="med" len="med"/>
-          </a:ln>
-        </p:spPr>
-        <p:style>
-          <a:lnRef idx="1">
-            <a:schemeClr val="accent1"/>
-          </a:lnRef>
-          <a:fillRef idx="0">
-            <a:schemeClr val="accent1"/>
-          </a:fillRef>
-          <a:effectRef idx="0">
-            <a:schemeClr val="accent1"/>
-          </a:effectRef>
-          <a:fontRef idx="minor">
-            <a:schemeClr val="tx1"/>
-          </a:fontRef>
-        </p:style>
-      </p:cxnSp>
-      <p:cxnSp>
-        <p:nvCxnSpPr>
-          <p:cNvPr id="118" name="直線矢印コネクタ 117">
-            <a:extLst>
-              <a:ext uri="{FF2B5EF4-FFF2-40B4-BE49-F238E27FC236}">
-                <a16:creationId xmlns:a16="http://schemas.microsoft.com/office/drawing/2014/main" id="{D481EE9F-1C3A-42EA-B1B4-E76ECE1565F5}"/>
-              </a:ext>
-            </a:extLst>
-          </p:cNvPr>
-          <p:cNvCxnSpPr>
-            <a:cxnSpLocks/>
-            <a:stCxn id="47" idx="2"/>
-          </p:cNvCxnSpPr>
-          <p:nvPr/>
-        </p:nvCxnSpPr>
-        <p:spPr>
-          <a:xfrm flipH="1">
-            <a:off x="5158313" y="3735031"/>
-            <a:ext cx="6817" cy="1095826"/>
-          </a:xfrm>
-          <a:prstGeom prst="straightConnector1">
-            <a:avLst/>
-          </a:prstGeom>
-          <a:ln>
-            <a:headEnd type="triangle" w="med" len="med"/>
-            <a:tailEnd type="triangle" w="med" len="med"/>
-          </a:ln>
-        </p:spPr>
-        <p:style>
-          <a:lnRef idx="1">
-            <a:schemeClr val="accent1"/>
-          </a:lnRef>
-          <a:fillRef idx="0">
-            <a:schemeClr val="accent1"/>
-          </a:fillRef>
-          <a:effectRef idx="0">
-            <a:schemeClr val="accent1"/>
-          </a:effectRef>
-          <a:fontRef idx="minor">
-            <a:schemeClr val="tx1"/>
-          </a:fontRef>
-        </p:style>
-      </p:cxnSp>
-      <p:cxnSp>
-        <p:nvCxnSpPr>
-          <p:cNvPr id="125" name="直線矢印コネクタ 124">
-            <a:extLst>
-              <a:ext uri="{FF2B5EF4-FFF2-40B4-BE49-F238E27FC236}">
-                <a16:creationId xmlns:a16="http://schemas.microsoft.com/office/drawing/2014/main" id="{34A66B6E-548D-47E5-8BC5-94ADADEE9A37}"/>
-              </a:ext>
-            </a:extLst>
-          </p:cNvPr>
-          <p:cNvCxnSpPr/>
-          <p:nvPr/>
-        </p:nvCxnSpPr>
-        <p:spPr>
-          <a:xfrm>
-            <a:off x="6099350" y="2847702"/>
-            <a:ext cx="688183" cy="0"/>
-          </a:xfrm>
-          <a:prstGeom prst="straightConnector1">
-            <a:avLst/>
-          </a:prstGeom>
-          <a:ln>
-            <a:headEnd type="triangle" w="med" len="med"/>
-            <a:tailEnd type="triangle" w="med" len="med"/>
-          </a:ln>
-        </p:spPr>
-        <p:style>
-          <a:lnRef idx="1">
-            <a:schemeClr val="accent1"/>
-          </a:lnRef>
-          <a:fillRef idx="0">
-            <a:schemeClr val="accent1"/>
-          </a:fillRef>
-          <a:effectRef idx="0">
-            <a:schemeClr val="accent1"/>
-          </a:effectRef>
-          <a:fontRef idx="minor">
-            <a:schemeClr val="tx1"/>
-          </a:fontRef>
-        </p:style>
-      </p:cxnSp>
       <p:sp>
         <p:nvSpPr>
           <p:cNvPr id="127" name="テキスト ボックス 126">
@@ -9263,10 +10796,10 @@
       </p:sp>
       <p:pic>
         <p:nvPicPr>
-          <p:cNvPr id="30" name="グラフィックス 29" descr="銀行小切手">
-            <a:extLst>
-              <a:ext uri="{FF2B5EF4-FFF2-40B4-BE49-F238E27FC236}">
-                <a16:creationId xmlns:a16="http://schemas.microsoft.com/office/drawing/2014/main" id="{051D31CA-BB4F-4A49-8B83-CCCC33D19065}"/>
+          <p:cNvPr id="296" name="図 295">
+            <a:extLst>
+              <a:ext uri="{FF2B5EF4-FFF2-40B4-BE49-F238E27FC236}">
+                <a16:creationId xmlns:a16="http://schemas.microsoft.com/office/drawing/2014/main" id="{25699360-01DA-471F-9709-AFC46220B1DF}"/>
               </a:ext>
             </a:extLst>
           </p:cNvPr>
@@ -9275,122 +10808,8 @@
           </p:cNvPicPr>
           <p:nvPr/>
         </p:nvPicPr>
-        <p:blipFill rotWithShape="1">
-          <a:blip r:embed="rId14">
-            <a:extLst>
-              <a:ext uri="{28A0092B-C50C-407E-A947-70E740481C1C}">
-                <a14:useLocalDpi xmlns:a14="http://schemas.microsoft.com/office/drawing/2010/main" val="0"/>
-              </a:ext>
-              <a:ext uri="{96DAC541-7B7A-43D3-8B79-37D633B846F1}">
-                <asvg:svgBlip xmlns:asvg="http://schemas.microsoft.com/office/drawing/2016/SVG/main" r:embed="rId15"/>
-              </a:ext>
-            </a:extLst>
-          </a:blip>
-          <a:srcRect t="19313" b="23937"/>
-          <a:stretch/>
-        </p:blipFill>
-        <p:spPr>
-          <a:xfrm>
-            <a:off x="4274068" y="6398515"/>
-            <a:ext cx="516155" cy="292913"/>
-          </a:xfrm>
-          <a:prstGeom prst="rect">
-            <a:avLst/>
-          </a:prstGeom>
-        </p:spPr>
-      </p:pic>
-      <p:pic>
-        <p:nvPicPr>
-          <p:cNvPr id="91" name="グラフィックス 90" descr="銀行小切手">
-            <a:extLst>
-              <a:ext uri="{FF2B5EF4-FFF2-40B4-BE49-F238E27FC236}">
-                <a16:creationId xmlns:a16="http://schemas.microsoft.com/office/drawing/2014/main" id="{346BEFF9-E35B-4B69-95E3-8342ECACB8A9}"/>
-              </a:ext>
-            </a:extLst>
-          </p:cNvPr>
-          <p:cNvPicPr>
-            <a:picLocks noChangeAspect="1"/>
-          </p:cNvPicPr>
-          <p:nvPr/>
-        </p:nvPicPr>
-        <p:blipFill rotWithShape="1">
-          <a:blip r:embed="rId16">
-            <a:extLst>
-              <a:ext uri="{28A0092B-C50C-407E-A947-70E740481C1C}">
-                <a14:useLocalDpi xmlns:a14="http://schemas.microsoft.com/office/drawing/2010/main" val="0"/>
-              </a:ext>
-              <a:ext uri="{96DAC541-7B7A-43D3-8B79-37D633B846F1}">
-                <asvg:svgBlip xmlns:asvg="http://schemas.microsoft.com/office/drawing/2016/SVG/main" r:embed="rId17"/>
-              </a:ext>
-            </a:extLst>
-          </a:blip>
-          <a:srcRect t="19313" b="23937"/>
-          <a:stretch/>
-        </p:blipFill>
-        <p:spPr>
-          <a:xfrm>
-            <a:off x="4780481" y="6398514"/>
-            <a:ext cx="516155" cy="292913"/>
-          </a:xfrm>
-          <a:prstGeom prst="rect">
-            <a:avLst/>
-          </a:prstGeom>
-        </p:spPr>
-      </p:pic>
-      <p:pic>
-        <p:nvPicPr>
-          <p:cNvPr id="93" name="グラフィックス 92" descr="銀行小切手">
-            <a:extLst>
-              <a:ext uri="{FF2B5EF4-FFF2-40B4-BE49-F238E27FC236}">
-                <a16:creationId xmlns:a16="http://schemas.microsoft.com/office/drawing/2014/main" id="{75A932DE-DDB8-4883-BC2D-63488D989137}"/>
-              </a:ext>
-            </a:extLst>
-          </p:cNvPr>
-          <p:cNvPicPr>
-            <a:picLocks noChangeAspect="1"/>
-          </p:cNvPicPr>
-          <p:nvPr/>
-        </p:nvPicPr>
-        <p:blipFill rotWithShape="1">
-          <a:blip r:embed="rId18">
-            <a:extLst>
-              <a:ext uri="{28A0092B-C50C-407E-A947-70E740481C1C}">
-                <a14:useLocalDpi xmlns:a14="http://schemas.microsoft.com/office/drawing/2010/main" val="0"/>
-              </a:ext>
-              <a:ext uri="{96DAC541-7B7A-43D3-8B79-37D633B846F1}">
-                <asvg:svgBlip xmlns:asvg="http://schemas.microsoft.com/office/drawing/2016/SVG/main" r:embed="rId19"/>
-              </a:ext>
-            </a:extLst>
-          </a:blip>
-          <a:srcRect t="19313" b="23937"/>
-          <a:stretch/>
-        </p:blipFill>
-        <p:spPr>
-          <a:xfrm>
-            <a:off x="5286893" y="6398514"/>
-            <a:ext cx="516155" cy="292913"/>
-          </a:xfrm>
-          <a:prstGeom prst="rect">
-            <a:avLst/>
-          </a:prstGeom>
-        </p:spPr>
-      </p:pic>
-      <p:pic>
-        <p:nvPicPr>
-          <p:cNvPr id="296" name="図 295">
-            <a:extLst>
-              <a:ext uri="{FF2B5EF4-FFF2-40B4-BE49-F238E27FC236}">
-                <a16:creationId xmlns:a16="http://schemas.microsoft.com/office/drawing/2014/main" id="{25699360-01DA-471F-9709-AFC46220B1DF}"/>
-              </a:ext>
-            </a:extLst>
-          </p:cNvPr>
-          <p:cNvPicPr>
-            <a:picLocks noChangeAspect="1"/>
-          </p:cNvPicPr>
-          <p:nvPr/>
-        </p:nvPicPr>
         <p:blipFill>
-          <a:blip r:embed="rId20">
+          <a:blip r:embed="rId12">
             <a:extLst>
               <a:ext uri="{28A0092B-C50C-407E-A947-70E740481C1C}">
                 <a14:useLocalDpi xmlns:a14="http://schemas.microsoft.com/office/drawing/2010/main" val="0"/>
@@ -9426,7 +10845,7 @@
           <p:nvPr/>
         </p:nvPicPr>
         <p:blipFill>
-          <a:blip r:embed="rId20">
+          <a:blip r:embed="rId12">
             <a:extLst>
               <a:ext uri="{28A0092B-C50C-407E-A947-70E740481C1C}">
                 <a14:useLocalDpi xmlns:a14="http://schemas.microsoft.com/office/drawing/2010/main" val="0"/>
@@ -9441,36 +10860,6 @@
           <a:xfrm>
             <a:off x="10259265" y="1189404"/>
             <a:ext cx="649607" cy="649607"/>
-          </a:xfrm>
-          <a:prstGeom prst="rect">
-            <a:avLst/>
-          </a:prstGeom>
-        </p:spPr>
-      </p:pic>
-      <p:pic>
-        <p:nvPicPr>
-          <p:cNvPr id="308" name="図 307">
-            <a:extLst>
-              <a:ext uri="{FF2B5EF4-FFF2-40B4-BE49-F238E27FC236}">
-                <a16:creationId xmlns:a16="http://schemas.microsoft.com/office/drawing/2014/main" id="{A5E6B4E6-BACA-4AD0-8086-885593144033}"/>
-              </a:ext>
-            </a:extLst>
-          </p:cNvPr>
-          <p:cNvPicPr>
-            <a:picLocks noChangeAspect="1"/>
-          </p:cNvPicPr>
-          <p:nvPr/>
-        </p:nvPicPr>
-        <p:blipFill>
-          <a:blip r:embed="rId21"/>
-          <a:stretch>
-            <a:fillRect/>
-          </a:stretch>
-        </p:blipFill>
-        <p:spPr>
-          <a:xfrm>
-            <a:off x="2920069" y="4113702"/>
-            <a:ext cx="2089032" cy="798814"/>
           </a:xfrm>
           <a:prstGeom prst="rect">
             <a:avLst/>
@@ -9528,14 +10917,13 @@
             </a:extLst>
           </p:cNvPr>
           <p:cNvCxnSpPr>
-            <a:stCxn id="58" idx="0"/>
-            <a:endCxn id="62" idx="2"/>
+            <a:cxnSpLocks/>
           </p:cNvCxnSpPr>
           <p:nvPr/>
         </p:nvCxnSpPr>
         <p:spPr>
           <a:xfrm rot="5400000" flipH="1" flipV="1">
-            <a:off x="600946" y="3019318"/>
+            <a:off x="404023" y="3049516"/>
             <a:ext cx="1027590" cy="379596"/>
           </a:xfrm>
           <a:prstGeom prst="bentConnector3">
@@ -9570,15 +10958,14 @@
             </a:extLst>
           </p:cNvPr>
           <p:cNvCxnSpPr>
-            <a:stCxn id="58" idx="0"/>
-            <a:endCxn id="50" idx="2"/>
+            <a:cxnSpLocks/>
           </p:cNvCxnSpPr>
           <p:nvPr/>
         </p:nvCxnSpPr>
         <p:spPr>
           <a:xfrm rot="16200000" flipV="1">
-            <a:off x="168020" y="2965987"/>
-            <a:ext cx="1041990" cy="471857"/>
+            <a:off x="47297" y="3055668"/>
+            <a:ext cx="988146" cy="360740"/>
           </a:xfrm>
           <a:prstGeom prst="bentConnector3">
             <a:avLst/>
@@ -9800,7 +11187,7 @@
           <p:nvPr/>
         </p:nvPicPr>
         <p:blipFill>
-          <a:blip r:embed="rId22">
+          <a:blip r:embed="rId13">
             <a:extLst>
               <a:ext uri="{28A0092B-C50C-407E-A947-70E740481C1C}">
                 <a14:useLocalDpi xmlns:a14="http://schemas.microsoft.com/office/drawing/2010/main" val="0"/>
@@ -9813,7 +11200,7 @@
         </p:blipFill>
         <p:spPr>
           <a:xfrm>
-            <a:off x="9360039" y="5797129"/>
+            <a:off x="9378173" y="5885534"/>
             <a:ext cx="614065" cy="614065"/>
           </a:xfrm>
           <a:prstGeom prst="rect">
@@ -9933,7 +11320,7 @@
           <p:nvPr/>
         </p:nvPicPr>
         <p:blipFill>
-          <a:blip r:embed="rId23">
+          <a:blip r:embed="rId14">
             <a:extLst>
               <a:ext uri="{28A0092B-C50C-407E-A947-70E740481C1C}">
                 <a14:useLocalDpi xmlns:a14="http://schemas.microsoft.com/office/drawing/2010/main" val="0"/>
@@ -10064,7 +11451,7 @@
           <p:nvPr/>
         </p:nvPicPr>
         <p:blipFill>
-          <a:blip r:embed="rId24">
+          <a:blip r:embed="rId15">
             <a:extLst>
               <a:ext uri="{28A0092B-C50C-407E-A947-70E740481C1C}">
                 <a14:useLocalDpi xmlns:a14="http://schemas.microsoft.com/office/drawing/2010/main" val="0"/>
@@ -10194,7 +11581,7 @@
         </p:nvSpPr>
         <p:spPr bwMode="auto">
           <a:xfrm>
-            <a:off x="7930542" y="4937569"/>
+            <a:off x="7900544" y="4877652"/>
             <a:ext cx="1070461" cy="1873454"/>
           </a:xfrm>
           <a:prstGeom prst="roundRect">
@@ -10280,7 +11667,7 @@
         </p:nvSpPr>
         <p:spPr bwMode="auto">
           <a:xfrm>
-            <a:off x="8087250" y="5178477"/>
+            <a:off x="8057252" y="5118560"/>
             <a:ext cx="752004" cy="730162"/>
           </a:xfrm>
           <a:prstGeom prst="roundRect">
@@ -10378,7 +11765,7 @@
           <p:nvPr/>
         </p:nvPicPr>
         <p:blipFill>
-          <a:blip r:embed="rId22">
+          <a:blip r:embed="rId13">
             <a:extLst>
               <a:ext uri="{28A0092B-C50C-407E-A947-70E740481C1C}">
                 <a14:useLocalDpi xmlns:a14="http://schemas.microsoft.com/office/drawing/2010/main" val="0"/>
@@ -10391,7 +11778,7 @@
         </p:blipFill>
         <p:spPr>
           <a:xfrm>
-            <a:off x="8167123" y="5259041"/>
+            <a:off x="8137125" y="5199124"/>
             <a:ext cx="586617" cy="586617"/>
           </a:xfrm>
           <a:prstGeom prst="rect">
@@ -10413,7 +11800,7 @@
         </p:nvSpPr>
         <p:spPr bwMode="auto">
           <a:xfrm>
-            <a:off x="8082641" y="5938991"/>
+            <a:off x="8052643" y="5879074"/>
             <a:ext cx="777260" cy="802557"/>
           </a:xfrm>
           <a:prstGeom prst="roundRect">
@@ -10511,7 +11898,7 @@
           <p:nvPr/>
         </p:nvPicPr>
         <p:blipFill>
-          <a:blip r:embed="rId23">
+          <a:blip r:embed="rId14">
             <a:extLst>
               <a:ext uri="{28A0092B-C50C-407E-A947-70E740481C1C}">
                 <a14:useLocalDpi xmlns:a14="http://schemas.microsoft.com/office/drawing/2010/main" val="0"/>
@@ -10524,7 +11911,7 @@
         </p:blipFill>
         <p:spPr>
           <a:xfrm>
-            <a:off x="8229679" y="5995275"/>
+            <a:off x="8199681" y="5935358"/>
             <a:ext cx="481292" cy="481292"/>
           </a:xfrm>
           <a:prstGeom prst="rect">
@@ -10546,7 +11933,7 @@
         </p:nvSpPr>
         <p:spPr>
           <a:xfrm>
-            <a:off x="8324019" y="6518944"/>
+            <a:off x="8294021" y="6459027"/>
             <a:ext cx="357596" cy="184666"/>
           </a:xfrm>
           <a:prstGeom prst="rect">
@@ -10619,7 +12006,7 @@
         </p:nvSpPr>
         <p:spPr>
           <a:xfrm>
-            <a:off x="8055344" y="4912516"/>
+            <a:off x="8025346" y="4852599"/>
             <a:ext cx="750406" cy="266748"/>
           </a:xfrm>
           <a:prstGeom prst="rect">
@@ -10662,7 +12049,7 @@
         </p:nvSpPr>
         <p:spPr bwMode="auto">
           <a:xfrm>
-            <a:off x="6614243" y="4955825"/>
+            <a:off x="6584245" y="4895908"/>
             <a:ext cx="1070461" cy="1873454"/>
           </a:xfrm>
           <a:prstGeom prst="roundRect">
@@ -10748,7 +12135,7 @@
         </p:nvSpPr>
         <p:spPr bwMode="auto">
           <a:xfrm>
-            <a:off x="6770951" y="5196733"/>
+            <a:off x="6740953" y="5136816"/>
             <a:ext cx="752004" cy="730162"/>
           </a:xfrm>
           <a:prstGeom prst="roundRect">
@@ -10846,7 +12233,7 @@
           <p:nvPr/>
         </p:nvPicPr>
         <p:blipFill>
-          <a:blip r:embed="rId22">
+          <a:blip r:embed="rId13">
             <a:extLst>
               <a:ext uri="{28A0092B-C50C-407E-A947-70E740481C1C}">
                 <a14:useLocalDpi xmlns:a14="http://schemas.microsoft.com/office/drawing/2010/main" val="0"/>
@@ -10859,7 +12246,7 @@
         </p:blipFill>
         <p:spPr>
           <a:xfrm>
-            <a:off x="6850824" y="5277297"/>
+            <a:off x="6820826" y="5217380"/>
             <a:ext cx="586617" cy="586617"/>
           </a:xfrm>
           <a:prstGeom prst="rect">
@@ -10881,7 +12268,7 @@
         </p:nvSpPr>
         <p:spPr bwMode="auto">
           <a:xfrm>
-            <a:off x="6766342" y="5957247"/>
+            <a:off x="6736344" y="5897330"/>
             <a:ext cx="777260" cy="802557"/>
           </a:xfrm>
           <a:prstGeom prst="roundRect">
@@ -10979,7 +12366,7 @@
           <p:nvPr/>
         </p:nvPicPr>
         <p:blipFill>
-          <a:blip r:embed="rId23">
+          <a:blip r:embed="rId14">
             <a:extLst>
               <a:ext uri="{28A0092B-C50C-407E-A947-70E740481C1C}">
                 <a14:useLocalDpi xmlns:a14="http://schemas.microsoft.com/office/drawing/2010/main" val="0"/>
@@ -10992,7 +12379,7 @@
         </p:blipFill>
         <p:spPr>
           <a:xfrm>
-            <a:off x="6913380" y="6013531"/>
+            <a:off x="6883382" y="5953614"/>
             <a:ext cx="481292" cy="481292"/>
           </a:xfrm>
           <a:prstGeom prst="rect">
@@ -11014,7 +12401,7 @@
         </p:nvSpPr>
         <p:spPr>
           <a:xfrm>
-            <a:off x="7007720" y="6537200"/>
+            <a:off x="6977722" y="6477283"/>
             <a:ext cx="357596" cy="184666"/>
           </a:xfrm>
           <a:prstGeom prst="rect">
@@ -11087,7 +12474,7 @@
         </p:nvSpPr>
         <p:spPr>
           <a:xfrm>
-            <a:off x="6739044" y="4935462"/>
+            <a:off x="6709046" y="4875545"/>
             <a:ext cx="865569" cy="257369"/>
           </a:xfrm>
           <a:prstGeom prst="rect">
@@ -11216,7 +12603,7 @@
           <p:nvPr/>
         </p:nvPicPr>
         <p:blipFill>
-          <a:blip r:embed="rId25"/>
+          <a:blip r:embed="rId16"/>
           <a:stretch>
             <a:fillRect/>
           </a:stretch>
@@ -11284,7 +12671,7 @@
           <p:nvPr/>
         </p:nvPicPr>
         <p:blipFill>
-          <a:blip r:embed="rId26"/>
+          <a:blip r:embed="rId17"/>
           <a:stretch>
             <a:fillRect/>
           </a:stretch>
@@ -11313,7 +12700,7 @@
         </p:nvSpPr>
         <p:spPr>
           <a:xfrm>
-            <a:off x="8867124" y="2719066"/>
+            <a:off x="8881585" y="2761364"/>
             <a:ext cx="756689" cy="233541"/>
           </a:xfrm>
           <a:prstGeom prst="rect">
@@ -11351,8 +12738,8 @@
         </p:nvSpPr>
         <p:spPr>
           <a:xfrm>
-            <a:off x="11173727" y="3801039"/>
-            <a:ext cx="793631" cy="626701"/>
+            <a:off x="11199028" y="3855149"/>
+            <a:ext cx="793631" cy="442035"/>
           </a:xfrm>
           <a:prstGeom prst="rect">
             <a:avLst/>
@@ -11371,7 +12758,7 @@
                 <a:latin typeface="Segoe UI Light" panose="020B0502040204020203" pitchFamily="34" charset="0"/>
                 <a:cs typeface="Segoe UI Light" panose="020B0502040204020203" pitchFamily="34" charset="0"/>
               </a:rPr>
-              <a:t>Chain replication DB</a:t>
+              <a:t>Chain replication</a:t>
             </a:r>
           </a:p>
         </p:txBody>
@@ -11411,6 +12798,1269 @@
               <a:rPr lang="en-US" sz="1200" dirty="0"/>
               <a:t>Identity</a:t>
             </a:r>
+          </a:p>
+        </p:txBody>
+      </p:sp>
+      <p:sp>
+        <p:nvSpPr>
+          <p:cNvPr id="90" name="正方形/長方形 69">
+            <a:extLst>
+              <a:ext uri="{FF2B5EF4-FFF2-40B4-BE49-F238E27FC236}">
+                <a16:creationId xmlns:a16="http://schemas.microsoft.com/office/drawing/2014/main" id="{A26CB288-7B84-5F47-910B-5C22D3CD548B}"/>
+              </a:ext>
+            </a:extLst>
+          </p:cNvPr>
+          <p:cNvSpPr/>
+          <p:nvPr/>
+        </p:nvSpPr>
+        <p:spPr>
+          <a:xfrm>
+            <a:off x="2938977" y="4922777"/>
+            <a:ext cx="1514779" cy="1828329"/>
+          </a:xfrm>
+          <a:prstGeom prst="rect">
+            <a:avLst/>
+          </a:prstGeom>
+          <a:solidFill>
+            <a:schemeClr val="accent6">
+              <a:lumMod val="20000"/>
+              <a:lumOff val="80000"/>
+            </a:schemeClr>
+          </a:solidFill>
+          <a:ln>
+            <a:solidFill>
+              <a:schemeClr val="accent6"/>
+            </a:solidFill>
+          </a:ln>
+        </p:spPr>
+        <p:style>
+          <a:lnRef idx="2">
+            <a:schemeClr val="accent1">
+              <a:shade val="50000"/>
+            </a:schemeClr>
+          </a:lnRef>
+          <a:fillRef idx="1">
+            <a:schemeClr val="accent1"/>
+          </a:fillRef>
+          <a:effectRef idx="0">
+            <a:schemeClr val="accent1"/>
+          </a:effectRef>
+          <a:fontRef idx="minor">
+            <a:schemeClr val="lt1"/>
+          </a:fontRef>
+        </p:style>
+        <p:txBody>
+          <a:bodyPr rtlCol="0" anchor="t"/>
+          <a:lstStyle/>
+          <a:p>
+            <a:endParaRPr kumimoji="1" lang="en-US" altLang="ja-JP" sz="1400" dirty="0">
+              <a:solidFill>
+                <a:schemeClr val="tx1"/>
+              </a:solidFill>
+            </a:endParaRPr>
+          </a:p>
+          <a:p>
+            <a:endParaRPr kumimoji="1" lang="en-US" altLang="ja-JP" sz="1400" dirty="0">
+              <a:solidFill>
+                <a:schemeClr val="tx1"/>
+              </a:solidFill>
+            </a:endParaRPr>
+          </a:p>
+          <a:p>
+            <a:r>
+              <a:rPr kumimoji="1" lang="en-US" altLang="ja-JP" sz="1400" dirty="0">
+                <a:solidFill>
+                  <a:schemeClr val="tx1"/>
+                </a:solidFill>
+              </a:rPr>
+              <a:t>Approved Content</a:t>
+            </a:r>
+          </a:p>
+          <a:p>
+            <a:r>
+              <a:rPr kumimoji="1" lang="en-US" altLang="ja-JP" sz="1400" dirty="0">
+                <a:solidFill>
+                  <a:schemeClr val="tx1"/>
+                </a:solidFill>
+              </a:rPr>
+              <a:t>Smart Contract (public)</a:t>
+            </a:r>
+          </a:p>
+          <a:p>
+            <a:pPr marL="285750" indent="-285750">
+              <a:buFont typeface="Arial" panose="020B0604020202020204" pitchFamily="34" charset="0"/>
+              <a:buChar char="•"/>
+            </a:pPr>
+            <a:r>
+              <a:rPr lang="en-US" altLang="ja-JP" sz="1400" dirty="0">
+                <a:solidFill>
+                  <a:schemeClr val="tx1"/>
+                </a:solidFill>
+              </a:rPr>
+              <a:t>IPFS hash of approved data</a:t>
+            </a:r>
+          </a:p>
+          <a:p>
+            <a:endParaRPr lang="en-US" altLang="ja-JP" sz="1400" dirty="0">
+              <a:solidFill>
+                <a:schemeClr val="tx1"/>
+              </a:solidFill>
+            </a:endParaRPr>
+          </a:p>
+          <a:p>
+            <a:pPr marL="285750" indent="-285750">
+              <a:buFont typeface="Arial" panose="020B0604020202020204" pitchFamily="34" charset="0"/>
+              <a:buChar char="•"/>
+            </a:pPr>
+            <a:endParaRPr lang="en-US" altLang="ja-JP" sz="1400" dirty="0">
+              <a:solidFill>
+                <a:schemeClr val="tx1"/>
+              </a:solidFill>
+            </a:endParaRPr>
+          </a:p>
+          <a:p>
+            <a:pPr marL="285750" indent="-285750">
+              <a:buFont typeface="Arial" panose="020B0604020202020204" pitchFamily="34" charset="0"/>
+              <a:buChar char="•"/>
+            </a:pPr>
+            <a:endParaRPr kumimoji="1" lang="ja-JP" altLang="en-US" sz="1400" dirty="0">
+              <a:solidFill>
+                <a:schemeClr val="tx1"/>
+              </a:solidFill>
+            </a:endParaRPr>
+          </a:p>
+        </p:txBody>
+      </p:sp>
+      <p:pic>
+        <p:nvPicPr>
+          <p:cNvPr id="94" name="グラフィックス 29" descr="銀行小切手">
+            <a:extLst>
+              <a:ext uri="{FF2B5EF4-FFF2-40B4-BE49-F238E27FC236}">
+                <a16:creationId xmlns:a16="http://schemas.microsoft.com/office/drawing/2014/main" id="{91EF363C-7464-D54B-80DE-FF098DCE76A7}"/>
+              </a:ext>
+            </a:extLst>
+          </p:cNvPr>
+          <p:cNvPicPr>
+            <a:picLocks noChangeAspect="1"/>
+          </p:cNvPicPr>
+          <p:nvPr/>
+        </p:nvPicPr>
+        <p:blipFill rotWithShape="1">
+          <a:blip r:embed="rId18">
+            <a:extLst>
+              <a:ext uri="{28A0092B-C50C-407E-A947-70E740481C1C}">
+                <a14:useLocalDpi xmlns:a14="http://schemas.microsoft.com/office/drawing/2010/main" val="0"/>
+              </a:ext>
+              <a:ext uri="{96DAC541-7B7A-43D3-8B79-37D633B846F1}">
+                <asvg:svgBlip xmlns:asvg="http://schemas.microsoft.com/office/drawing/2016/SVG/main" r:embed="rId19"/>
+              </a:ext>
+            </a:extLst>
+          </a:blip>
+          <a:srcRect t="19313" b="23937"/>
+          <a:stretch/>
+        </p:blipFill>
+        <p:spPr>
+          <a:xfrm>
+            <a:off x="4714853" y="5039288"/>
+            <a:ext cx="516155" cy="292913"/>
+          </a:xfrm>
+          <a:prstGeom prst="rect">
+            <a:avLst/>
+          </a:prstGeom>
+        </p:spPr>
+      </p:pic>
+      <p:pic>
+        <p:nvPicPr>
+          <p:cNvPr id="96" name="グラフィックス 90" descr="銀行小切手">
+            <a:extLst>
+              <a:ext uri="{FF2B5EF4-FFF2-40B4-BE49-F238E27FC236}">
+                <a16:creationId xmlns:a16="http://schemas.microsoft.com/office/drawing/2014/main" id="{9FC74E8F-578B-464C-A739-1D703801CD26}"/>
+              </a:ext>
+            </a:extLst>
+          </p:cNvPr>
+          <p:cNvPicPr>
+            <a:picLocks noChangeAspect="1"/>
+          </p:cNvPicPr>
+          <p:nvPr/>
+        </p:nvPicPr>
+        <p:blipFill rotWithShape="1">
+          <a:blip r:embed="rId20">
+            <a:extLst>
+              <a:ext uri="{28A0092B-C50C-407E-A947-70E740481C1C}">
+                <a14:useLocalDpi xmlns:a14="http://schemas.microsoft.com/office/drawing/2010/main" val="0"/>
+              </a:ext>
+              <a:ext uri="{96DAC541-7B7A-43D3-8B79-37D633B846F1}">
+                <asvg:svgBlip xmlns:asvg="http://schemas.microsoft.com/office/drawing/2016/SVG/main" r:embed="rId21"/>
+              </a:ext>
+            </a:extLst>
+          </a:blip>
+          <a:srcRect t="19313" b="23937"/>
+          <a:stretch/>
+        </p:blipFill>
+        <p:spPr>
+          <a:xfrm>
+            <a:off x="3019024" y="5039288"/>
+            <a:ext cx="516155" cy="292913"/>
+          </a:xfrm>
+          <a:prstGeom prst="rect">
+            <a:avLst/>
+          </a:prstGeom>
+        </p:spPr>
+      </p:pic>
+      <p:sp>
+        <p:nvSpPr>
+          <p:cNvPr id="97" name="正方形/長方形 69">
+            <a:extLst>
+              <a:ext uri="{FF2B5EF4-FFF2-40B4-BE49-F238E27FC236}">
+                <a16:creationId xmlns:a16="http://schemas.microsoft.com/office/drawing/2014/main" id="{6DE0A019-D13D-504F-A7AF-F5AD37DCA2D9}"/>
+              </a:ext>
+            </a:extLst>
+          </p:cNvPr>
+          <p:cNvSpPr/>
+          <p:nvPr/>
+        </p:nvSpPr>
+        <p:spPr>
+          <a:xfrm>
+            <a:off x="1136950" y="4912517"/>
+            <a:ext cx="1603203" cy="1829032"/>
+          </a:xfrm>
+          <a:prstGeom prst="rect">
+            <a:avLst/>
+          </a:prstGeom>
+          <a:solidFill>
+            <a:schemeClr val="accent6">
+              <a:lumMod val="20000"/>
+              <a:lumOff val="80000"/>
+            </a:schemeClr>
+          </a:solidFill>
+          <a:ln>
+            <a:solidFill>
+              <a:schemeClr val="accent6"/>
+            </a:solidFill>
+          </a:ln>
+        </p:spPr>
+        <p:style>
+          <a:lnRef idx="2">
+            <a:schemeClr val="accent1">
+              <a:shade val="50000"/>
+            </a:schemeClr>
+          </a:lnRef>
+          <a:fillRef idx="1">
+            <a:schemeClr val="accent1"/>
+          </a:fillRef>
+          <a:effectRef idx="0">
+            <a:schemeClr val="accent1"/>
+          </a:effectRef>
+          <a:fontRef idx="minor">
+            <a:schemeClr val="lt1"/>
+          </a:fontRef>
+        </p:style>
+        <p:txBody>
+          <a:bodyPr rtlCol="0" anchor="t"/>
+          <a:lstStyle/>
+          <a:p>
+            <a:endParaRPr kumimoji="1" lang="en-US" altLang="ja-JP" sz="1400" dirty="0">
+              <a:solidFill>
+                <a:schemeClr val="tx1"/>
+              </a:solidFill>
+            </a:endParaRPr>
+          </a:p>
+          <a:p>
+            <a:endParaRPr kumimoji="1" lang="en-US" altLang="ja-JP" sz="1400" dirty="0">
+              <a:solidFill>
+                <a:schemeClr val="tx1"/>
+              </a:solidFill>
+            </a:endParaRPr>
+          </a:p>
+          <a:p>
+            <a:r>
+              <a:rPr kumimoji="1" lang="en-US" altLang="ja-JP" sz="1400" dirty="0">
+                <a:solidFill>
+                  <a:schemeClr val="tx1"/>
+                </a:solidFill>
+              </a:rPr>
+              <a:t>Node Public Keys Smart Contract</a:t>
+            </a:r>
+          </a:p>
+          <a:p>
+            <a:pPr marL="285750" indent="-285750">
+              <a:buFont typeface="Arial" panose="020B0604020202020204" pitchFamily="34" charset="0"/>
+              <a:buChar char="•"/>
+            </a:pPr>
+            <a:r>
+              <a:rPr lang="en-US" altLang="ja-JP" sz="1400" dirty="0">
+                <a:solidFill>
+                  <a:schemeClr val="tx1"/>
+                </a:solidFill>
+              </a:rPr>
+              <a:t>Mapping of company name to public key</a:t>
+            </a:r>
+          </a:p>
+          <a:p>
+            <a:endParaRPr lang="en-US" altLang="ja-JP" sz="1400" dirty="0">
+              <a:solidFill>
+                <a:schemeClr val="tx1"/>
+              </a:solidFill>
+            </a:endParaRPr>
+          </a:p>
+          <a:p>
+            <a:pPr marL="285750" indent="-285750">
+              <a:buFont typeface="Arial" panose="020B0604020202020204" pitchFamily="34" charset="0"/>
+              <a:buChar char="•"/>
+            </a:pPr>
+            <a:endParaRPr kumimoji="1" lang="ja-JP" altLang="en-US" sz="1400" dirty="0">
+              <a:solidFill>
+                <a:schemeClr val="tx1"/>
+              </a:solidFill>
+            </a:endParaRPr>
+          </a:p>
+        </p:txBody>
+      </p:sp>
+      <p:pic>
+        <p:nvPicPr>
+          <p:cNvPr id="93" name="グラフィックス 92" descr="銀行小切手">
+            <a:extLst>
+              <a:ext uri="{FF2B5EF4-FFF2-40B4-BE49-F238E27FC236}">
+                <a16:creationId xmlns:a16="http://schemas.microsoft.com/office/drawing/2014/main" id="{75A932DE-DDB8-4883-BC2D-63488D989137}"/>
+              </a:ext>
+            </a:extLst>
+          </p:cNvPr>
+          <p:cNvPicPr>
+            <a:picLocks noChangeAspect="1"/>
+          </p:cNvPicPr>
+          <p:nvPr/>
+        </p:nvPicPr>
+        <p:blipFill rotWithShape="1">
+          <a:blip r:embed="rId22">
+            <a:extLst>
+              <a:ext uri="{28A0092B-C50C-407E-A947-70E740481C1C}">
+                <a14:useLocalDpi xmlns:a14="http://schemas.microsoft.com/office/drawing/2010/main" val="0"/>
+              </a:ext>
+              <a:ext uri="{96DAC541-7B7A-43D3-8B79-37D633B846F1}">
+                <asvg:svgBlip xmlns:asvg="http://schemas.microsoft.com/office/drawing/2016/SVG/main" r:embed="rId23"/>
+              </a:ext>
+            </a:extLst>
+          </a:blip>
+          <a:srcRect t="19313" b="23937"/>
+          <a:stretch/>
+        </p:blipFill>
+        <p:spPr>
+          <a:xfrm>
+            <a:off x="1231679" y="5045890"/>
+            <a:ext cx="516155" cy="292913"/>
+          </a:xfrm>
+          <a:prstGeom prst="rect">
+            <a:avLst/>
+          </a:prstGeom>
+        </p:spPr>
+      </p:pic>
+      <p:sp>
+        <p:nvSpPr>
+          <p:cNvPr id="106" name="正方形/長方形 11">
+            <a:extLst>
+              <a:ext uri="{FF2B5EF4-FFF2-40B4-BE49-F238E27FC236}">
+                <a16:creationId xmlns:a16="http://schemas.microsoft.com/office/drawing/2014/main" id="{CE166CC3-2DB6-7440-B58B-22FCE1AFFA1F}"/>
+              </a:ext>
+            </a:extLst>
+          </p:cNvPr>
+          <p:cNvSpPr/>
+          <p:nvPr/>
+        </p:nvSpPr>
+        <p:spPr>
+          <a:xfrm>
+            <a:off x="4251301" y="1790871"/>
+            <a:ext cx="1304390" cy="984373"/>
+          </a:xfrm>
+          <a:prstGeom prst="rect">
+            <a:avLst/>
+          </a:prstGeom>
+          <a:noFill/>
+          <a:ln>
+            <a:solidFill>
+              <a:schemeClr val="accent1"/>
+            </a:solidFill>
+          </a:ln>
+        </p:spPr>
+        <p:style>
+          <a:lnRef idx="2">
+            <a:schemeClr val="accent1">
+              <a:shade val="50000"/>
+            </a:schemeClr>
+          </a:lnRef>
+          <a:fillRef idx="1">
+            <a:schemeClr val="accent1"/>
+          </a:fillRef>
+          <a:effectRef idx="0">
+            <a:schemeClr val="accent1"/>
+          </a:effectRef>
+          <a:fontRef idx="minor">
+            <a:schemeClr val="lt1"/>
+          </a:fontRef>
+        </p:style>
+        <p:txBody>
+          <a:bodyPr rtlCol="0" anchor="ctr"/>
+          <a:lstStyle/>
+          <a:p>
+            <a:pPr algn="ctr"/>
+            <a:endParaRPr kumimoji="1" lang="ja-JP" altLang="en-US" dirty="0"/>
+          </a:p>
+        </p:txBody>
+      </p:sp>
+      <p:pic>
+        <p:nvPicPr>
+          <p:cNvPr id="107" name="図 18">
+            <a:extLst>
+              <a:ext uri="{FF2B5EF4-FFF2-40B4-BE49-F238E27FC236}">
+                <a16:creationId xmlns:a16="http://schemas.microsoft.com/office/drawing/2014/main" id="{BFD6A179-0A0E-0043-A73E-DD29EFEDCA62}"/>
+              </a:ext>
+            </a:extLst>
+          </p:cNvPr>
+          <p:cNvPicPr>
+            <a:picLocks noChangeAspect="1"/>
+          </p:cNvPicPr>
+          <p:nvPr/>
+        </p:nvPicPr>
+        <p:blipFill>
+          <a:blip r:embed="rId3"/>
+          <a:stretch>
+            <a:fillRect/>
+          </a:stretch>
+        </p:blipFill>
+        <p:spPr>
+          <a:xfrm>
+            <a:off x="2226830" y="2346823"/>
+            <a:ext cx="1882559" cy="1675360"/>
+          </a:xfrm>
+          <a:prstGeom prst="rect">
+            <a:avLst/>
+          </a:prstGeom>
+        </p:spPr>
+      </p:pic>
+      <p:sp>
+        <p:nvSpPr>
+          <p:cNvPr id="108" name="正方形/長方形 3">
+            <a:extLst>
+              <a:ext uri="{FF2B5EF4-FFF2-40B4-BE49-F238E27FC236}">
+                <a16:creationId xmlns:a16="http://schemas.microsoft.com/office/drawing/2014/main" id="{A6B4FB1C-CE46-4640-B790-9008D1C87D2E}"/>
+              </a:ext>
+            </a:extLst>
+          </p:cNvPr>
+          <p:cNvSpPr/>
+          <p:nvPr/>
+        </p:nvSpPr>
+        <p:spPr>
+          <a:xfrm>
+            <a:off x="1970140" y="1524340"/>
+            <a:ext cx="4262613" cy="2805801"/>
+          </a:xfrm>
+          <a:prstGeom prst="rect">
+            <a:avLst/>
+          </a:prstGeom>
+          <a:noFill/>
+        </p:spPr>
+        <p:style>
+          <a:lnRef idx="2">
+            <a:schemeClr val="accent1">
+              <a:shade val="50000"/>
+            </a:schemeClr>
+          </a:lnRef>
+          <a:fillRef idx="1">
+            <a:schemeClr val="accent1"/>
+          </a:fillRef>
+          <a:effectRef idx="0">
+            <a:schemeClr val="accent1"/>
+          </a:effectRef>
+          <a:fontRef idx="minor">
+            <a:schemeClr val="lt1"/>
+          </a:fontRef>
+        </p:style>
+        <p:txBody>
+          <a:bodyPr rtlCol="0" anchor="ctr"/>
+          <a:lstStyle/>
+          <a:p>
+            <a:pPr algn="ctr"/>
+            <a:endParaRPr kumimoji="1" lang="ja-JP" altLang="en-US"/>
+          </a:p>
+        </p:txBody>
+      </p:sp>
+      <p:sp>
+        <p:nvSpPr>
+          <p:cNvPr id="112" name="正方形/長方形 11">
+            <a:extLst>
+              <a:ext uri="{FF2B5EF4-FFF2-40B4-BE49-F238E27FC236}">
+                <a16:creationId xmlns:a16="http://schemas.microsoft.com/office/drawing/2014/main" id="{4A4447DC-74B9-E74E-9C11-2ADD21F4AEDA}"/>
+              </a:ext>
+            </a:extLst>
+          </p:cNvPr>
+          <p:cNvSpPr/>
+          <p:nvPr/>
+        </p:nvSpPr>
+        <p:spPr>
+          <a:xfrm>
+            <a:off x="4916013" y="2952709"/>
+            <a:ext cx="1214661" cy="569486"/>
+          </a:xfrm>
+          <a:prstGeom prst="rect">
+            <a:avLst/>
+          </a:prstGeom>
+        </p:spPr>
+        <p:style>
+          <a:lnRef idx="2">
+            <a:schemeClr val="accent1">
+              <a:shade val="50000"/>
+            </a:schemeClr>
+          </a:lnRef>
+          <a:fillRef idx="1">
+            <a:schemeClr val="accent1"/>
+          </a:fillRef>
+          <a:effectRef idx="0">
+            <a:schemeClr val="accent1"/>
+          </a:effectRef>
+          <a:fontRef idx="minor">
+            <a:schemeClr val="lt1"/>
+          </a:fontRef>
+        </p:style>
+        <p:txBody>
+          <a:bodyPr rtlCol="0" anchor="ctr"/>
+          <a:lstStyle/>
+          <a:p>
+            <a:pPr algn="ctr"/>
+            <a:r>
+              <a:rPr lang="en-US" altLang="ja-JP" sz="1400" dirty="0" err="1"/>
+              <a:t>Microservices</a:t>
+            </a:r>
+            <a:endParaRPr kumimoji="1" lang="ja-JP" altLang="en-US" sz="1400" dirty="0"/>
+          </a:p>
+        </p:txBody>
+      </p:sp>
+      <p:cxnSp>
+        <p:nvCxnSpPr>
+          <p:cNvPr id="115" name="直線矢印コネクタ 25">
+            <a:extLst>
+              <a:ext uri="{FF2B5EF4-FFF2-40B4-BE49-F238E27FC236}">
+                <a16:creationId xmlns:a16="http://schemas.microsoft.com/office/drawing/2014/main" id="{ACCB8CD6-4064-1B44-BE56-2277792CAF5E}"/>
+              </a:ext>
+            </a:extLst>
+          </p:cNvPr>
+          <p:cNvCxnSpPr>
+            <a:cxnSpLocks/>
+          </p:cNvCxnSpPr>
+          <p:nvPr/>
+        </p:nvCxnSpPr>
+        <p:spPr>
+          <a:xfrm>
+            <a:off x="7116827" y="3261240"/>
+            <a:ext cx="2753" cy="276584"/>
+          </a:xfrm>
+          <a:prstGeom prst="straightConnector1">
+            <a:avLst/>
+          </a:prstGeom>
+          <a:ln>
+            <a:headEnd type="triangle" w="med" len="med"/>
+            <a:tailEnd type="triangle" w="med" len="med"/>
+          </a:ln>
+        </p:spPr>
+        <p:style>
+          <a:lnRef idx="1">
+            <a:schemeClr val="accent1"/>
+          </a:lnRef>
+          <a:fillRef idx="0">
+            <a:schemeClr val="accent1"/>
+          </a:fillRef>
+          <a:effectRef idx="0">
+            <a:schemeClr val="accent1"/>
+          </a:effectRef>
+          <a:fontRef idx="minor">
+            <a:schemeClr val="tx1"/>
+          </a:fontRef>
+        </p:style>
+      </p:cxnSp>
+      <p:sp>
+        <p:nvSpPr>
+          <p:cNvPr id="117" name="フローチャート: 磁気ディスク 30">
+            <a:extLst>
+              <a:ext uri="{FF2B5EF4-FFF2-40B4-BE49-F238E27FC236}">
+                <a16:creationId xmlns:a16="http://schemas.microsoft.com/office/drawing/2014/main" id="{3465971F-F392-4249-B928-7A552079D8BC}"/>
+              </a:ext>
+            </a:extLst>
+          </p:cNvPr>
+          <p:cNvSpPr/>
+          <p:nvPr/>
+        </p:nvSpPr>
+        <p:spPr>
+          <a:xfrm>
+            <a:off x="5588858" y="3774677"/>
+            <a:ext cx="464535" cy="449866"/>
+          </a:xfrm>
+          <a:prstGeom prst="flowChartMagneticDisk">
+            <a:avLst/>
+          </a:prstGeom>
+          <a:ln>
+            <a:solidFill>
+              <a:schemeClr val="bg1"/>
+            </a:solidFill>
+          </a:ln>
+        </p:spPr>
+        <p:style>
+          <a:lnRef idx="2">
+            <a:schemeClr val="accent1">
+              <a:shade val="50000"/>
+            </a:schemeClr>
+          </a:lnRef>
+          <a:fillRef idx="1">
+            <a:schemeClr val="accent1"/>
+          </a:fillRef>
+          <a:effectRef idx="0">
+            <a:schemeClr val="accent1"/>
+          </a:effectRef>
+          <a:fontRef idx="minor">
+            <a:schemeClr val="lt1"/>
+          </a:fontRef>
+        </p:style>
+        <p:txBody>
+          <a:bodyPr rtlCol="0" anchor="ctr"/>
+          <a:lstStyle/>
+          <a:p>
+            <a:pPr algn="ctr"/>
+            <a:endParaRPr kumimoji="1" lang="ja-JP" altLang="en-US"/>
+          </a:p>
+        </p:txBody>
+      </p:sp>
+      <p:sp>
+        <p:nvSpPr>
+          <p:cNvPr id="121" name="テキスト ボックス 19">
+            <a:extLst>
+              <a:ext uri="{FF2B5EF4-FFF2-40B4-BE49-F238E27FC236}">
+                <a16:creationId xmlns:a16="http://schemas.microsoft.com/office/drawing/2014/main" id="{7C19EB42-A665-0949-AC47-98FC8932A888}"/>
+              </a:ext>
+            </a:extLst>
+          </p:cNvPr>
+          <p:cNvSpPr txBox="1"/>
+          <p:nvPr/>
+        </p:nvSpPr>
+        <p:spPr>
+          <a:xfrm>
+            <a:off x="2208008" y="1834753"/>
+            <a:ext cx="1793391" cy="565146"/>
+          </a:xfrm>
+          <a:prstGeom prst="rect">
+            <a:avLst/>
+          </a:prstGeom>
+          <a:noFill/>
+        </p:spPr>
+        <p:txBody>
+          <a:bodyPr wrap="square" lIns="36000" tIns="36000" rIns="36000" bIns="36000" rtlCol="0" anchor="ctr">
+            <a:spAutoFit/>
+          </a:bodyPr>
+          <a:lstStyle/>
+          <a:p>
+            <a:pPr algn="ctr"/>
+            <a:r>
+              <a:rPr lang="en-US" altLang="ja-JP" sz="1600" b="1" dirty="0" err="1">
+                <a:latin typeface="Segoe UI Light" panose="020B0502040204020203" pitchFamily="34" charset="0"/>
+                <a:cs typeface="Segoe UI Light" panose="020B0502040204020203" pitchFamily="34" charset="0"/>
+              </a:rPr>
+              <a:t>Netherem.Quorum</a:t>
+            </a:r>
+            <a:r>
+              <a:rPr lang="en-US" altLang="ja-JP" sz="1600" b="1" dirty="0">
+                <a:latin typeface="Segoe UI Light" panose="020B0502040204020203" pitchFamily="34" charset="0"/>
+                <a:cs typeface="Segoe UI Light" panose="020B0502040204020203" pitchFamily="34" charset="0"/>
+              </a:rPr>
+              <a:t> API Layer</a:t>
+            </a:r>
+            <a:endParaRPr kumimoji="1" lang="ja-JP" altLang="en-US" sz="1600" b="1" dirty="0">
+              <a:latin typeface="Segoe UI Light" panose="020B0502040204020203" pitchFamily="34" charset="0"/>
+              <a:cs typeface="Segoe UI Light" panose="020B0502040204020203" pitchFamily="34" charset="0"/>
+            </a:endParaRPr>
+          </a:p>
+        </p:txBody>
+      </p:sp>
+      <p:pic>
+        <p:nvPicPr>
+          <p:cNvPr id="122" name="図 51">
+            <a:extLst>
+              <a:ext uri="{FF2B5EF4-FFF2-40B4-BE49-F238E27FC236}">
+                <a16:creationId xmlns:a16="http://schemas.microsoft.com/office/drawing/2014/main" id="{642AD992-DE1E-C74C-961F-DD244F1C082C}"/>
+              </a:ext>
+            </a:extLst>
+          </p:cNvPr>
+          <p:cNvPicPr>
+            <a:picLocks noChangeAspect="1"/>
+          </p:cNvPicPr>
+          <p:nvPr/>
+        </p:nvPicPr>
+        <p:blipFill>
+          <a:blip r:embed="rId10">
+            <a:extLst>
+              <a:ext uri="{28A0092B-C50C-407E-A947-70E740481C1C}">
+                <a14:useLocalDpi xmlns:a14="http://schemas.microsoft.com/office/drawing/2010/main" val="0"/>
+              </a:ext>
+            </a:extLst>
+          </a:blip>
+          <a:stretch>
+            <a:fillRect/>
+          </a:stretch>
+        </p:blipFill>
+        <p:spPr>
+          <a:xfrm>
+            <a:off x="2910181" y="2699412"/>
+            <a:ext cx="440454" cy="440454"/>
+          </a:xfrm>
+          <a:prstGeom prst="rect">
+            <a:avLst/>
+          </a:prstGeom>
+        </p:spPr>
+      </p:pic>
+      <p:pic>
+        <p:nvPicPr>
+          <p:cNvPr id="123" name="図 98">
+            <a:extLst>
+              <a:ext uri="{FF2B5EF4-FFF2-40B4-BE49-F238E27FC236}">
+                <a16:creationId xmlns:a16="http://schemas.microsoft.com/office/drawing/2014/main" id="{6C9DAC5B-B397-E141-BD02-1A335C8A8248}"/>
+              </a:ext>
+            </a:extLst>
+          </p:cNvPr>
+          <p:cNvPicPr>
+            <a:picLocks noChangeAspect="1"/>
+          </p:cNvPicPr>
+          <p:nvPr/>
+        </p:nvPicPr>
+        <p:blipFill>
+          <a:blip r:embed="rId10">
+            <a:extLst>
+              <a:ext uri="{28A0092B-C50C-407E-A947-70E740481C1C}">
+                <a14:useLocalDpi xmlns:a14="http://schemas.microsoft.com/office/drawing/2010/main" val="0"/>
+              </a:ext>
+            </a:extLst>
+          </a:blip>
+          <a:stretch>
+            <a:fillRect/>
+          </a:stretch>
+        </p:blipFill>
+        <p:spPr>
+          <a:xfrm>
+            <a:off x="2612343" y="3185669"/>
+            <a:ext cx="440454" cy="440454"/>
+          </a:xfrm>
+          <a:prstGeom prst="rect">
+            <a:avLst/>
+          </a:prstGeom>
+        </p:spPr>
+      </p:pic>
+      <p:pic>
+        <p:nvPicPr>
+          <p:cNvPr id="124" name="図 99">
+            <a:extLst>
+              <a:ext uri="{FF2B5EF4-FFF2-40B4-BE49-F238E27FC236}">
+                <a16:creationId xmlns:a16="http://schemas.microsoft.com/office/drawing/2014/main" id="{F8421C32-A71F-514B-B448-26939357959C}"/>
+              </a:ext>
+            </a:extLst>
+          </p:cNvPr>
+          <p:cNvPicPr>
+            <a:picLocks noChangeAspect="1"/>
+          </p:cNvPicPr>
+          <p:nvPr/>
+        </p:nvPicPr>
+        <p:blipFill>
+          <a:blip r:embed="rId10">
+            <a:extLst>
+              <a:ext uri="{28A0092B-C50C-407E-A947-70E740481C1C}">
+                <a14:useLocalDpi xmlns:a14="http://schemas.microsoft.com/office/drawing/2010/main" val="0"/>
+              </a:ext>
+            </a:extLst>
+          </a:blip>
+          <a:stretch>
+            <a:fillRect/>
+          </a:stretch>
+        </p:blipFill>
+        <p:spPr>
+          <a:xfrm>
+            <a:off x="3442083" y="3028703"/>
+            <a:ext cx="440454" cy="440454"/>
+          </a:xfrm>
+          <a:prstGeom prst="rect">
+            <a:avLst/>
+          </a:prstGeom>
+        </p:spPr>
+      </p:pic>
+      <p:pic>
+        <p:nvPicPr>
+          <p:cNvPr id="126" name="Picture 125">
+            <a:extLst>
+              <a:ext uri="{FF2B5EF4-FFF2-40B4-BE49-F238E27FC236}">
+                <a16:creationId xmlns:a16="http://schemas.microsoft.com/office/drawing/2014/main" id="{4F00F862-92A6-0443-82B4-5F5F69EC5EFC}"/>
+              </a:ext>
+            </a:extLst>
+          </p:cNvPr>
+          <p:cNvPicPr>
+            <a:picLocks noChangeAspect="1"/>
+          </p:cNvPicPr>
+          <p:nvPr/>
+        </p:nvPicPr>
+        <p:blipFill>
+          <a:blip r:embed="rId16"/>
+          <a:stretch>
+            <a:fillRect/>
+          </a:stretch>
+        </p:blipFill>
+        <p:spPr>
+          <a:xfrm>
+            <a:off x="4993844" y="2234400"/>
+            <a:ext cx="384048" cy="384048"/>
+          </a:xfrm>
+          <a:prstGeom prst="rect">
+            <a:avLst/>
+          </a:prstGeom>
+        </p:spPr>
+      </p:pic>
+      <p:pic>
+        <p:nvPicPr>
+          <p:cNvPr id="130" name="Picture 129">
+            <a:extLst>
+              <a:ext uri="{FF2B5EF4-FFF2-40B4-BE49-F238E27FC236}">
+                <a16:creationId xmlns:a16="http://schemas.microsoft.com/office/drawing/2014/main" id="{7BA047EF-5059-0944-BAAC-BA4746404CBB}"/>
+              </a:ext>
+            </a:extLst>
+          </p:cNvPr>
+          <p:cNvPicPr>
+            <a:picLocks noChangeAspect="1"/>
+          </p:cNvPicPr>
+          <p:nvPr/>
+        </p:nvPicPr>
+        <p:blipFill>
+          <a:blip r:embed="rId17"/>
+          <a:stretch>
+            <a:fillRect/>
+          </a:stretch>
+        </p:blipFill>
+        <p:spPr>
+          <a:xfrm>
+            <a:off x="4399178" y="2177413"/>
+            <a:ext cx="506015" cy="506015"/>
+          </a:xfrm>
+          <a:prstGeom prst="rect">
+            <a:avLst/>
+          </a:prstGeom>
+        </p:spPr>
+      </p:pic>
+      <p:sp>
+        <p:nvSpPr>
+          <p:cNvPr id="133" name="TextBox 132">
+            <a:extLst>
+              <a:ext uri="{FF2B5EF4-FFF2-40B4-BE49-F238E27FC236}">
+                <a16:creationId xmlns:a16="http://schemas.microsoft.com/office/drawing/2014/main" id="{C3D4DC47-CF87-F343-9BE5-1EA0009A867D}"/>
+              </a:ext>
+            </a:extLst>
+          </p:cNvPr>
+          <p:cNvSpPr txBox="1"/>
+          <p:nvPr/>
+        </p:nvSpPr>
+        <p:spPr>
+          <a:xfrm>
+            <a:off x="4506446" y="1844724"/>
+            <a:ext cx="756689" cy="276999"/>
+          </a:xfrm>
+          <a:prstGeom prst="rect">
+            <a:avLst/>
+          </a:prstGeom>
+          <a:solidFill>
+            <a:schemeClr val="bg1"/>
+          </a:solidFill>
+        </p:spPr>
+        <p:txBody>
+          <a:bodyPr wrap="square" rtlCol="0">
+            <a:spAutoFit/>
+          </a:bodyPr>
+          <a:lstStyle/>
+          <a:p>
+            <a:pPr algn="ctr"/>
+            <a:r>
+              <a:rPr lang="en-US" sz="1200" dirty="0"/>
+              <a:t>Identity</a:t>
+            </a:r>
+          </a:p>
+        </p:txBody>
+      </p:sp>
+      <p:cxnSp>
+        <p:nvCxnSpPr>
+          <p:cNvPr id="134" name="直線矢印コネクタ 117">
+            <a:extLst>
+              <a:ext uri="{FF2B5EF4-FFF2-40B4-BE49-F238E27FC236}">
+                <a16:creationId xmlns:a16="http://schemas.microsoft.com/office/drawing/2014/main" id="{AD0DEBE0-4CB7-4C4E-AC20-B1B6348CC43C}"/>
+              </a:ext>
+            </a:extLst>
+          </p:cNvPr>
+          <p:cNvCxnSpPr>
+            <a:cxnSpLocks/>
+          </p:cNvCxnSpPr>
+          <p:nvPr/>
+        </p:nvCxnSpPr>
+        <p:spPr>
+          <a:xfrm flipH="1">
+            <a:off x="4109390" y="3415040"/>
+            <a:ext cx="713686" cy="71983"/>
+          </a:xfrm>
+          <a:prstGeom prst="straightConnector1">
+            <a:avLst/>
+          </a:prstGeom>
+          <a:ln>
+            <a:headEnd type="triangle" w="med" len="med"/>
+            <a:tailEnd type="triangle" w="med" len="med"/>
+          </a:ln>
+        </p:spPr>
+        <p:style>
+          <a:lnRef idx="1">
+            <a:schemeClr val="accent1"/>
+          </a:lnRef>
+          <a:fillRef idx="0">
+            <a:schemeClr val="accent1"/>
+          </a:fillRef>
+          <a:effectRef idx="0">
+            <a:schemeClr val="accent1"/>
+          </a:effectRef>
+          <a:fontRef idx="minor">
+            <a:schemeClr val="tx1"/>
+          </a:fontRef>
+        </p:style>
+      </p:cxnSp>
+      <p:cxnSp>
+        <p:nvCxnSpPr>
+          <p:cNvPr id="140" name="直線矢印コネクタ 117">
+            <a:extLst>
+              <a:ext uri="{FF2B5EF4-FFF2-40B4-BE49-F238E27FC236}">
+                <a16:creationId xmlns:a16="http://schemas.microsoft.com/office/drawing/2014/main" id="{3FB91590-BC7E-A242-BCE4-518C2D77D755}"/>
+              </a:ext>
+            </a:extLst>
+          </p:cNvPr>
+          <p:cNvCxnSpPr>
+            <a:cxnSpLocks/>
+          </p:cNvCxnSpPr>
+          <p:nvPr/>
+        </p:nvCxnSpPr>
+        <p:spPr>
+          <a:xfrm>
+            <a:off x="3534729" y="3876571"/>
+            <a:ext cx="3494786" cy="968095"/>
+          </a:xfrm>
+          <a:prstGeom prst="straightConnector1">
+            <a:avLst/>
+          </a:prstGeom>
+          <a:ln>
+            <a:headEnd type="triangle" w="med" len="med"/>
+            <a:tailEnd type="triangle" w="med" len="med"/>
+          </a:ln>
+        </p:spPr>
+        <p:style>
+          <a:lnRef idx="1">
+            <a:schemeClr val="accent1"/>
+          </a:lnRef>
+          <a:fillRef idx="0">
+            <a:schemeClr val="accent1"/>
+          </a:fillRef>
+          <a:effectRef idx="0">
+            <a:schemeClr val="accent1"/>
+          </a:effectRef>
+          <a:fontRef idx="minor">
+            <a:schemeClr val="tx1"/>
+          </a:fontRef>
+        </p:style>
+      </p:cxnSp>
+      <p:cxnSp>
+        <p:nvCxnSpPr>
+          <p:cNvPr id="151" name="直線矢印コネクタ 23">
+            <a:extLst>
+              <a:ext uri="{FF2B5EF4-FFF2-40B4-BE49-F238E27FC236}">
+                <a16:creationId xmlns:a16="http://schemas.microsoft.com/office/drawing/2014/main" id="{3DE7385A-C3F4-994A-AFCA-F3A4E4191B3B}"/>
+              </a:ext>
+            </a:extLst>
+          </p:cNvPr>
+          <p:cNvCxnSpPr>
+            <a:cxnSpLocks/>
+          </p:cNvCxnSpPr>
+          <p:nvPr/>
+        </p:nvCxnSpPr>
+        <p:spPr>
+          <a:xfrm>
+            <a:off x="8521805" y="3284431"/>
+            <a:ext cx="1951670" cy="0"/>
+          </a:xfrm>
+          <a:prstGeom prst="straightConnector1">
+            <a:avLst/>
+          </a:prstGeom>
+          <a:ln>
+            <a:headEnd type="triangle" w="med" len="med"/>
+            <a:tailEnd type="triangle" w="med" len="med"/>
+          </a:ln>
+        </p:spPr>
+        <p:style>
+          <a:lnRef idx="1">
+            <a:schemeClr val="accent1"/>
+          </a:lnRef>
+          <a:fillRef idx="0">
+            <a:schemeClr val="accent1"/>
+          </a:fillRef>
+          <a:effectRef idx="0">
+            <a:schemeClr val="accent1"/>
+          </a:effectRef>
+          <a:fontRef idx="minor">
+            <a:schemeClr val="tx1"/>
+          </a:fontRef>
+        </p:style>
+      </p:cxnSp>
+      <p:cxnSp>
+        <p:nvCxnSpPr>
+          <p:cNvPr id="161" name="直線矢印コネクタ 117">
+            <a:extLst>
+              <a:ext uri="{FF2B5EF4-FFF2-40B4-BE49-F238E27FC236}">
+                <a16:creationId xmlns:a16="http://schemas.microsoft.com/office/drawing/2014/main" id="{D784D19D-CE9E-AD4B-8225-B2735698D252}"/>
+              </a:ext>
+            </a:extLst>
+          </p:cNvPr>
+          <p:cNvCxnSpPr>
+            <a:cxnSpLocks/>
+          </p:cNvCxnSpPr>
+          <p:nvPr/>
+        </p:nvCxnSpPr>
+        <p:spPr>
+          <a:xfrm flipH="1" flipV="1">
+            <a:off x="4624234" y="2870847"/>
+            <a:ext cx="215455" cy="297042"/>
+          </a:xfrm>
+          <a:prstGeom prst="straightConnector1">
+            <a:avLst/>
+          </a:prstGeom>
+          <a:ln>
+            <a:headEnd type="triangle" w="med" len="med"/>
+            <a:tailEnd type="triangle" w="med" len="med"/>
+          </a:ln>
+        </p:spPr>
+        <p:style>
+          <a:lnRef idx="1">
+            <a:schemeClr val="accent1"/>
+          </a:lnRef>
+          <a:fillRef idx="0">
+            <a:schemeClr val="accent1"/>
+          </a:fillRef>
+          <a:effectRef idx="0">
+            <a:schemeClr val="accent1"/>
+          </a:effectRef>
+          <a:fontRef idx="minor">
+            <a:schemeClr val="tx1"/>
+          </a:fontRef>
+        </p:style>
+      </p:cxnSp>
+      <p:cxnSp>
+        <p:nvCxnSpPr>
+          <p:cNvPr id="171" name="直線矢印コネクタ 117">
+            <a:extLst>
+              <a:ext uri="{FF2B5EF4-FFF2-40B4-BE49-F238E27FC236}">
+                <a16:creationId xmlns:a16="http://schemas.microsoft.com/office/drawing/2014/main" id="{C312C20B-2415-D945-8B22-F8BEEC70A6DB}"/>
+              </a:ext>
+            </a:extLst>
+          </p:cNvPr>
+          <p:cNvCxnSpPr>
+            <a:cxnSpLocks/>
+          </p:cNvCxnSpPr>
+          <p:nvPr/>
+        </p:nvCxnSpPr>
+        <p:spPr>
+          <a:xfrm>
+            <a:off x="7883044" y="3973261"/>
+            <a:ext cx="309971" cy="877864"/>
+          </a:xfrm>
+          <a:prstGeom prst="straightConnector1">
+            <a:avLst/>
+          </a:prstGeom>
+          <a:ln>
+            <a:headEnd type="triangle" w="med" len="med"/>
+            <a:tailEnd type="triangle" w="med" len="med"/>
+          </a:ln>
+        </p:spPr>
+        <p:style>
+          <a:lnRef idx="1">
+            <a:schemeClr val="accent1"/>
+          </a:lnRef>
+          <a:fillRef idx="0">
+            <a:schemeClr val="accent1"/>
+          </a:fillRef>
+          <a:effectRef idx="0">
+            <a:schemeClr val="accent1"/>
+          </a:effectRef>
+          <a:fontRef idx="minor">
+            <a:schemeClr val="tx1"/>
+          </a:fontRef>
+        </p:style>
+      </p:cxnSp>
+      <p:cxnSp>
+        <p:nvCxnSpPr>
+          <p:cNvPr id="180" name="直線矢印コネクタ 31">
+            <a:extLst>
+              <a:ext uri="{FF2B5EF4-FFF2-40B4-BE49-F238E27FC236}">
+                <a16:creationId xmlns:a16="http://schemas.microsoft.com/office/drawing/2014/main" id="{8095A900-D03C-074E-A325-1E68436DEEAC}"/>
+              </a:ext>
+            </a:extLst>
+          </p:cNvPr>
+          <p:cNvCxnSpPr>
+            <a:cxnSpLocks/>
+          </p:cNvCxnSpPr>
+          <p:nvPr/>
+        </p:nvCxnSpPr>
+        <p:spPr>
+          <a:xfrm flipH="1" flipV="1">
+            <a:off x="5330661" y="3621292"/>
+            <a:ext cx="157474" cy="200786"/>
+          </a:xfrm>
+          <a:prstGeom prst="straightConnector1">
+            <a:avLst/>
+          </a:prstGeom>
+          <a:ln>
+            <a:headEnd type="triangle" w="med" len="med"/>
+            <a:tailEnd type="triangle" w="med" len="med"/>
+          </a:ln>
+        </p:spPr>
+        <p:style>
+          <a:lnRef idx="1">
+            <a:schemeClr val="accent1"/>
+          </a:lnRef>
+          <a:fillRef idx="0">
+            <a:schemeClr val="accent1"/>
+          </a:fillRef>
+          <a:effectRef idx="0">
+            <a:schemeClr val="accent1"/>
+          </a:effectRef>
+          <a:fontRef idx="minor">
+            <a:schemeClr val="tx1"/>
+          </a:fontRef>
+        </p:style>
+      </p:cxnSp>
+      <p:sp>
+        <p:nvSpPr>
+          <p:cNvPr id="181" name="テキスト ボックス 5">
+            <a:extLst>
+              <a:ext uri="{FF2B5EF4-FFF2-40B4-BE49-F238E27FC236}">
+                <a16:creationId xmlns:a16="http://schemas.microsoft.com/office/drawing/2014/main" id="{8B01BCFE-9AB2-8B40-8894-9039DBA4A81D}"/>
+              </a:ext>
+            </a:extLst>
+          </p:cNvPr>
+          <p:cNvSpPr txBox="1"/>
+          <p:nvPr/>
+        </p:nvSpPr>
+        <p:spPr>
+          <a:xfrm>
+            <a:off x="5263135" y="1504593"/>
+            <a:ext cx="1086903" cy="257369"/>
+          </a:xfrm>
+          <a:prstGeom prst="rect">
+            <a:avLst/>
+          </a:prstGeom>
+          <a:noFill/>
+        </p:spPr>
+        <p:txBody>
+          <a:bodyPr wrap="square" lIns="36000" tIns="36000" rIns="36000" bIns="36000" rtlCol="0" anchor="ctr">
+            <a:spAutoFit/>
+          </a:bodyPr>
+          <a:lstStyle/>
+          <a:p>
+            <a:pPr algn="ctr"/>
+            <a:r>
+              <a:rPr kumimoji="1" lang="en-US" altLang="ja-JP" sz="1200" b="1" dirty="0">
+                <a:latin typeface="Segoe UI Light" panose="020B0502040204020203" pitchFamily="34" charset="0"/>
+                <a:cs typeface="Segoe UI Light" panose="020B0502040204020203" pitchFamily="34" charset="0"/>
+              </a:rPr>
+              <a:t>Member 1</a:t>
+            </a:r>
+            <a:endParaRPr kumimoji="1" lang="ja-JP" altLang="en-US" sz="1200" b="1" dirty="0">
+              <a:latin typeface="Segoe UI Light" panose="020B0502040204020203" pitchFamily="34" charset="0"/>
+              <a:cs typeface="Segoe UI Light" panose="020B0502040204020203" pitchFamily="34" charset="0"/>
+            </a:endParaRPr>
+          </a:p>
+        </p:txBody>
+      </p:sp>
+      <p:cxnSp>
+        <p:nvCxnSpPr>
+          <p:cNvPr id="202" name="コネクタ: カギ線 109">
+            <a:extLst>
+              <a:ext uri="{FF2B5EF4-FFF2-40B4-BE49-F238E27FC236}">
+                <a16:creationId xmlns:a16="http://schemas.microsoft.com/office/drawing/2014/main" id="{6A013102-57B1-3F48-A4A9-89BFC76D0C5F}"/>
+              </a:ext>
+            </a:extLst>
+          </p:cNvPr>
+          <p:cNvCxnSpPr>
+            <a:cxnSpLocks/>
+          </p:cNvCxnSpPr>
+          <p:nvPr/>
+        </p:nvCxnSpPr>
+        <p:spPr>
+          <a:xfrm rot="16200000" flipV="1">
+            <a:off x="74992" y="5003433"/>
+            <a:ext cx="1623115" cy="337485"/>
+          </a:xfrm>
+          <a:prstGeom prst="bentConnector3">
+            <a:avLst>
+              <a:gd name="adj1" fmla="val -278"/>
+            </a:avLst>
+          </a:prstGeom>
+          <a:ln>
+            <a:headEnd type="triangle" w="med" len="med"/>
+            <a:tailEnd type="none" w="med" len="med"/>
+          </a:ln>
+        </p:spPr>
+        <p:style>
+          <a:lnRef idx="1">
+            <a:schemeClr val="accent1"/>
+          </a:lnRef>
+          <a:fillRef idx="0">
+            <a:schemeClr val="accent1"/>
+          </a:fillRef>
+          <a:effectRef idx="0">
+            <a:schemeClr val="accent1"/>
+          </a:effectRef>
+          <a:fontRef idx="minor">
+            <a:schemeClr val="tx1"/>
+          </a:fontRef>
+        </p:style>
+      </p:cxnSp>
+      <p:sp>
+        <p:nvSpPr>
+          <p:cNvPr id="213" name="テキスト ボックス 19">
+            <a:extLst>
+              <a:ext uri="{FF2B5EF4-FFF2-40B4-BE49-F238E27FC236}">
+                <a16:creationId xmlns:a16="http://schemas.microsoft.com/office/drawing/2014/main" id="{CFD1FF93-7509-A443-B283-ACEE7C5D6576}"/>
+              </a:ext>
+            </a:extLst>
+          </p:cNvPr>
+          <p:cNvSpPr txBox="1"/>
+          <p:nvPr/>
+        </p:nvSpPr>
+        <p:spPr>
+          <a:xfrm>
+            <a:off x="922638" y="3642945"/>
+            <a:ext cx="739390" cy="719034"/>
+          </a:xfrm>
+          <a:prstGeom prst="rect">
+            <a:avLst/>
+          </a:prstGeom>
+          <a:noFill/>
+        </p:spPr>
+        <p:txBody>
+          <a:bodyPr wrap="square" lIns="36000" tIns="36000" rIns="36000" bIns="36000" rtlCol="0" anchor="ctr">
+            <a:spAutoFit/>
+          </a:bodyPr>
+          <a:lstStyle/>
+          <a:p>
+            <a:pPr algn="ctr"/>
+            <a:r>
+              <a:rPr lang="en-US" altLang="ja-JP" sz="1400" b="1" dirty="0">
+                <a:latin typeface="Segoe UI Light" panose="020B0502040204020203" pitchFamily="34" charset="0"/>
+                <a:cs typeface="Segoe UI Light" panose="020B0502040204020203" pitchFamily="34" charset="0"/>
+              </a:rPr>
+              <a:t>Read public events</a:t>
+            </a:r>
+            <a:endParaRPr kumimoji="1" lang="ja-JP" altLang="en-US" sz="1400" b="1" dirty="0">
+              <a:latin typeface="Segoe UI Light" panose="020B0502040204020203" pitchFamily="34" charset="0"/>
+              <a:cs typeface="Segoe UI Light" panose="020B0502040204020203" pitchFamily="34" charset="0"/>
+            </a:endParaRPr>
           </a:p>
         </p:txBody>
       </p:sp>
